--- a/ProjectExecution/BA/presentation/InitialBusinessPresentation.pptx
+++ b/ProjectExecution/BA/presentation/InitialBusinessPresentation.pptx
@@ -7,8 +7,11 @@
   </p:sldMasterIdLst>
   <p:sldIdLst>
     <p:sldId id="256" r:id="rId3"/>
-    <p:sldId id="257" r:id="rId4"/>
-    <p:sldId id="258" r:id="rId5"/>
+    <p:sldId id="259" r:id="rId4"/>
+    <p:sldId id="257" r:id="rId5"/>
+    <p:sldId id="260" r:id="rId6"/>
+    <p:sldId id="261" r:id="rId7"/>
+    <p:sldId id="258" r:id="rId8"/>
   </p:sldIdLst>
   <p:sldSz cx="9144000" cy="6858000" type="screen4x3"/>
   <p:notesSz cx="6858000" cy="9144000"/>
@@ -331,7 +334,7 @@
               <a:pPr>
                 <a:defRPr/>
               </a:pPr>
-              <a:t>8/10/2020</a:t>
+              <a:t>9/10/2020</a:t>
             </a:fld>
             <a:endParaRPr lang="en-AU"/>
           </a:p>
@@ -528,7 +531,7 @@
               <a:pPr>
                 <a:defRPr/>
               </a:pPr>
-              <a:t>8/10/2020</a:t>
+              <a:t>9/10/2020</a:t>
             </a:fld>
             <a:endParaRPr lang="en-AU"/>
           </a:p>
@@ -735,7 +738,7 @@
               <a:pPr>
                 <a:defRPr/>
               </a:pPr>
-              <a:t>8/10/2020</a:t>
+              <a:t>9/10/2020</a:t>
             </a:fld>
             <a:endParaRPr lang="en-AU"/>
           </a:p>
@@ -880,7 +883,7 @@
               <a:pPr>
                 <a:defRPr/>
               </a:pPr>
-              <a:t>8/10/2020</a:t>
+              <a:t>9/10/2020</a:t>
             </a:fld>
             <a:endParaRPr lang="en-AU"/>
           </a:p>
@@ -1149,7 +1152,7 @@
               <a:pPr>
                 <a:defRPr/>
               </a:pPr>
-              <a:t>8/10/2020</a:t>
+              <a:t>9/10/2020</a:t>
             </a:fld>
             <a:endParaRPr lang="en-AU"/>
           </a:p>
@@ -1346,7 +1349,7 @@
               <a:pPr>
                 <a:defRPr/>
               </a:pPr>
-              <a:t>8/10/2020</a:t>
+              <a:t>9/10/2020</a:t>
             </a:fld>
             <a:endParaRPr lang="en-AU"/>
           </a:p>
@@ -1619,7 +1622,7 @@
               <a:pPr>
                 <a:defRPr/>
               </a:pPr>
-              <a:t>8/10/2020</a:t>
+              <a:t>9/10/2020</a:t>
             </a:fld>
             <a:endParaRPr lang="en-AU"/>
           </a:p>
@@ -1934,7 +1937,7 @@
               <a:pPr>
                 <a:defRPr/>
               </a:pPr>
-              <a:t>8/10/2020</a:t>
+              <a:t>9/10/2020</a:t>
             </a:fld>
             <a:endParaRPr lang="en-AU"/>
           </a:p>
@@ -2383,7 +2386,7 @@
               <a:pPr>
                 <a:defRPr/>
               </a:pPr>
-              <a:t>8/10/2020</a:t>
+              <a:t>9/10/2020</a:t>
             </a:fld>
             <a:endParaRPr lang="en-AU"/>
           </a:p>
@@ -2528,7 +2531,7 @@
               <a:pPr>
                 <a:defRPr/>
               </a:pPr>
-              <a:t>8/10/2020</a:t>
+              <a:t>9/10/2020</a:t>
             </a:fld>
             <a:endParaRPr lang="en-AU"/>
           </a:p>
@@ -2650,7 +2653,7 @@
               <a:pPr>
                 <a:defRPr/>
               </a:pPr>
-              <a:t>8/10/2020</a:t>
+              <a:t>9/10/2020</a:t>
             </a:fld>
             <a:endParaRPr lang="en-AU"/>
           </a:p>
@@ -2847,7 +2850,7 @@
               <a:pPr>
                 <a:defRPr/>
               </a:pPr>
-              <a:t>8/10/2020</a:t>
+              <a:t>9/10/2020</a:t>
             </a:fld>
             <a:endParaRPr lang="en-AU"/>
           </a:p>
@@ -3151,7 +3154,7 @@
               <a:pPr>
                 <a:defRPr/>
               </a:pPr>
-              <a:t>8/10/2020</a:t>
+              <a:t>9/10/2020</a:t>
             </a:fld>
             <a:endParaRPr lang="en-AU"/>
           </a:p>
@@ -3434,7 +3437,7 @@
               <a:pPr>
                 <a:defRPr/>
               </a:pPr>
-              <a:t>8/10/2020</a:t>
+              <a:t>9/10/2020</a:t>
             </a:fld>
             <a:endParaRPr lang="en-AU"/>
           </a:p>
@@ -3631,7 +3634,7 @@
               <a:pPr>
                 <a:defRPr/>
               </a:pPr>
-              <a:t>8/10/2020</a:t>
+              <a:t>9/10/2020</a:t>
             </a:fld>
             <a:endParaRPr lang="en-AU"/>
           </a:p>
@@ -3807,7 +3810,7 @@
               <a:pPr>
                 <a:defRPr/>
               </a:pPr>
-              <a:t>8/10/2020</a:t>
+              <a:t>9/10/2020</a:t>
             </a:fld>
             <a:endParaRPr lang="en-AU"/>
           </a:p>
@@ -4014,7 +4017,7 @@
               <a:pPr>
                 <a:defRPr/>
               </a:pPr>
-              <a:t>8/10/2020</a:t>
+              <a:t>9/10/2020</a:t>
             </a:fld>
             <a:endParaRPr lang="en-AU"/>
           </a:p>
@@ -4159,7 +4162,7 @@
               <a:pPr>
                 <a:defRPr/>
               </a:pPr>
-              <a:t>8/10/2020</a:t>
+              <a:t>9/10/2020</a:t>
             </a:fld>
             <a:endParaRPr lang="en-AU"/>
           </a:p>
@@ -4304,7 +4307,7 @@
               <a:pPr>
                 <a:defRPr/>
               </a:pPr>
-              <a:t>8/10/2020</a:t>
+              <a:t>9/10/2020</a:t>
             </a:fld>
             <a:endParaRPr lang="en-AU"/>
           </a:p>
@@ -4449,7 +4452,7 @@
               <a:pPr>
                 <a:defRPr/>
               </a:pPr>
-              <a:t>8/10/2020</a:t>
+              <a:t>9/10/2020</a:t>
             </a:fld>
             <a:endParaRPr lang="en-AU"/>
           </a:p>
@@ -4722,7 +4725,7 @@
               <a:pPr>
                 <a:defRPr/>
               </a:pPr>
-              <a:t>8/10/2020</a:t>
+              <a:t>9/10/2020</a:t>
             </a:fld>
             <a:endParaRPr lang="en-AU"/>
           </a:p>
@@ -5037,7 +5040,7 @@
               <a:pPr>
                 <a:defRPr/>
               </a:pPr>
-              <a:t>8/10/2020</a:t>
+              <a:t>9/10/2020</a:t>
             </a:fld>
             <a:endParaRPr lang="en-AU"/>
           </a:p>
@@ -5486,7 +5489,7 @@
               <a:pPr>
                 <a:defRPr/>
               </a:pPr>
-              <a:t>8/10/2020</a:t>
+              <a:t>9/10/2020</a:t>
             </a:fld>
             <a:endParaRPr lang="en-AU"/>
           </a:p>
@@ -5631,7 +5634,7 @@
               <a:pPr>
                 <a:defRPr/>
               </a:pPr>
-              <a:t>8/10/2020</a:t>
+              <a:t>9/10/2020</a:t>
             </a:fld>
             <a:endParaRPr lang="en-AU"/>
           </a:p>
@@ -5753,7 +5756,7 @@
               <a:pPr>
                 <a:defRPr/>
               </a:pPr>
-              <a:t>8/10/2020</a:t>
+              <a:t>9/10/2020</a:t>
             </a:fld>
             <a:endParaRPr lang="en-AU"/>
           </a:p>
@@ -6057,7 +6060,7 @@
               <a:pPr>
                 <a:defRPr/>
               </a:pPr>
-              <a:t>8/10/2020</a:t>
+              <a:t>9/10/2020</a:t>
             </a:fld>
             <a:endParaRPr lang="en-AU"/>
           </a:p>
@@ -6344,7 +6347,7 @@
               <a:pPr>
                 <a:defRPr/>
               </a:pPr>
-              <a:t>8/10/2020</a:t>
+              <a:t>9/10/2020</a:t>
             </a:fld>
             <a:endParaRPr lang="en-AU"/>
           </a:p>
@@ -6642,7 +6645,7 @@
               <a:pPr>
                 <a:defRPr/>
               </a:pPr>
-              <a:t>8/10/2020</a:t>
+              <a:t>9/10/2020</a:t>
             </a:fld>
             <a:endParaRPr lang="en-AU"/>
           </a:p>
@@ -7368,7 +7371,7 @@
               <a:pPr>
                 <a:defRPr/>
               </a:pPr>
-              <a:t>8/10/2020</a:t>
+              <a:t>9/10/2020</a:t>
             </a:fld>
             <a:endParaRPr lang="en-AU"/>
           </a:p>
@@ -8123,7 +8126,7 @@
         <p:spPr>
           <a:xfrm>
             <a:off x="4932040" y="3208327"/>
-            <a:ext cx="2890535" cy="2092881"/>
+            <a:ext cx="2467342" cy="1508105"/>
           </a:xfrm>
           <a:prstGeom prst="rect">
             <a:avLst/>
@@ -8173,8 +8176,25 @@
                 <a:latin typeface="Arial" panose="020B0604020202020204" pitchFamily="34" charset="0"/>
                 <a:cs typeface="Arial" panose="020B0604020202020204" pitchFamily="34" charset="0"/>
               </a:rPr>
-              <a:t>Description text, if any goes here. </a:t>
-            </a:r>
+              <a:t>About </a:t>
+            </a:r>
+            <a:r>
+              <a:rPr lang="en-AU" sz="1400" dirty="0" err="1" smtClean="0">
+                <a:solidFill>
+                  <a:srgbClr val="0F0F7F"/>
+                </a:solidFill>
+                <a:latin typeface="Arial" panose="020B0604020202020204" pitchFamily="34" charset="0"/>
+                <a:cs typeface="Arial" panose="020B0604020202020204" pitchFamily="34" charset="0"/>
+              </a:rPr>
+              <a:t>Anodiam</a:t>
+            </a:r>
+            <a:endParaRPr lang="en-AU" sz="1400" dirty="0" smtClean="0">
+              <a:solidFill>
+                <a:srgbClr val="0F0F7F"/>
+              </a:solidFill>
+              <a:latin typeface="Arial" panose="020B0604020202020204" pitchFamily="34" charset="0"/>
+              <a:cs typeface="Arial" panose="020B0604020202020204" pitchFamily="34" charset="0"/>
+            </a:endParaRPr>
           </a:p>
           <a:p>
             <a:pPr>
@@ -8190,7 +8210,7 @@
                 <a:latin typeface="Arial" panose="020B0604020202020204" pitchFamily="34" charset="0"/>
                 <a:cs typeface="Arial" panose="020B0604020202020204" pitchFamily="34" charset="0"/>
               </a:rPr>
-              <a:t>Description text, if any goes here.</a:t>
+              <a:t>Mission and vision</a:t>
             </a:r>
           </a:p>
           <a:p>
@@ -8207,41 +8227,7 @@
                 <a:latin typeface="Arial" panose="020B0604020202020204" pitchFamily="34" charset="0"/>
                 <a:cs typeface="Arial" panose="020B0604020202020204" pitchFamily="34" charset="0"/>
               </a:rPr>
-              <a:t>Description text, if any goes here.</a:t>
-            </a:r>
-          </a:p>
-          <a:p>
-            <a:pPr>
-              <a:spcAft>
-                <a:spcPts val="600"/>
-              </a:spcAft>
-            </a:pPr>
-            <a:r>
-              <a:rPr lang="en-AU" sz="1400" dirty="0" smtClean="0">
-                <a:solidFill>
-                  <a:srgbClr val="0F0F7F"/>
-                </a:solidFill>
-                <a:latin typeface="Arial" panose="020B0604020202020204" pitchFamily="34" charset="0"/>
-                <a:cs typeface="Arial" panose="020B0604020202020204" pitchFamily="34" charset="0"/>
-              </a:rPr>
-              <a:t>Description text, if any goes here.</a:t>
-            </a:r>
-          </a:p>
-          <a:p>
-            <a:pPr>
-              <a:spcAft>
-                <a:spcPts val="600"/>
-              </a:spcAft>
-            </a:pPr>
-            <a:r>
-              <a:rPr lang="en-AU" sz="1400" dirty="0" smtClean="0">
-                <a:solidFill>
-                  <a:srgbClr val="0F0F7F"/>
-                </a:solidFill>
-                <a:latin typeface="Arial" panose="020B0604020202020204" pitchFamily="34" charset="0"/>
-                <a:cs typeface="Arial" panose="020B0604020202020204" pitchFamily="34" charset="0"/>
-              </a:rPr>
-              <a:t>Description text, if any goes here.</a:t>
+              <a:t>How it works </a:t>
             </a:r>
           </a:p>
           <a:p>
@@ -8268,8 +8254,8 @@
         </p:nvSpPr>
         <p:spPr>
           <a:xfrm>
-            <a:off x="971600" y="1465620"/>
-            <a:ext cx="3881191" cy="523220"/>
+            <a:off x="107504" y="1268760"/>
+            <a:ext cx="5847435" cy="523220"/>
           </a:xfrm>
           <a:prstGeom prst="rect">
             <a:avLst/>
@@ -8290,7 +8276,27 @@
                 <a:latin typeface="Arial" panose="020B0604020202020204" pitchFamily="34" charset="0"/>
                 <a:cs typeface="Arial" panose="020B0604020202020204" pitchFamily="34" charset="0"/>
               </a:rPr>
-              <a:t>Presentation Heading</a:t>
+              <a:t>Transform the </a:t>
+            </a:r>
+            <a:r>
+              <a:rPr lang="en-AU" sz="2800" b="1" dirty="0">
+                <a:solidFill>
+                  <a:schemeClr val="bg1"/>
+                </a:solidFill>
+                <a:latin typeface="Arial" panose="020B0604020202020204" pitchFamily="34" charset="0"/>
+                <a:cs typeface="Arial" panose="020B0604020202020204" pitchFamily="34" charset="0"/>
+              </a:rPr>
+              <a:t>W</a:t>
+            </a:r>
+            <a:r>
+              <a:rPr lang="en-AU" sz="2800" b="1" dirty="0" smtClean="0">
+                <a:solidFill>
+                  <a:schemeClr val="bg1"/>
+                </a:solidFill>
+                <a:latin typeface="Arial" panose="020B0604020202020204" pitchFamily="34" charset="0"/>
+                <a:cs typeface="Arial" panose="020B0604020202020204" pitchFamily="34" charset="0"/>
+              </a:rPr>
+              <a:t>orld of Learning</a:t>
             </a:r>
             <a:endParaRPr lang="en-AU" sz="2800" b="1" dirty="0">
               <a:solidFill>
@@ -9206,8 +9212,8 @@
         </p:nvSpPr>
         <p:spPr>
           <a:xfrm>
-            <a:off x="1259632" y="1043444"/>
-            <a:ext cx="1787669" cy="369332"/>
+            <a:off x="1259632" y="1239143"/>
+            <a:ext cx="5149423" cy="1138773"/>
           </a:xfrm>
           <a:prstGeom prst="rect">
             <a:avLst/>
@@ -9221,16 +9227,18 @@
           <a:lstStyle/>
           <a:p>
             <a:r>
-              <a:rPr lang="en-AU" b="1" dirty="0" smtClean="0">
+              <a:rPr lang="en-AU" sz="2400" b="1" dirty="0" smtClean="0">
                 <a:solidFill>
                   <a:srgbClr val="0F0F7F"/>
                 </a:solidFill>
                 <a:latin typeface="Arial" panose="020B0604020202020204" pitchFamily="34" charset="0"/>
                 <a:cs typeface="Arial" panose="020B0604020202020204" pitchFamily="34" charset="0"/>
               </a:rPr>
-              <a:t>Slide Heading:</a:t>
-            </a:r>
-            <a:endParaRPr lang="en-AU" b="1" dirty="0">
+              <a:t>About the company :</a:t>
+            </a:r>
+          </a:p>
+          <a:p>
+            <a:endParaRPr lang="en-AU" sz="2400" b="1" dirty="0" smtClean="0">
               <a:solidFill>
                 <a:srgbClr val="0F0F7F"/>
               </a:solidFill>
@@ -9238,6 +9246,45 @@
               <a:cs typeface="Arial" panose="020B0604020202020204" pitchFamily="34" charset="0"/>
             </a:endParaRPr>
           </a:p>
+          <a:p>
+            <a:r>
+              <a:rPr lang="en-AU" sz="2000" dirty="0" smtClean="0">
+                <a:solidFill>
+                  <a:srgbClr val="0F0F7F"/>
+                </a:solidFill>
+                <a:latin typeface="Arial" panose="020B0604020202020204" pitchFamily="34" charset="0"/>
+                <a:cs typeface="Arial" panose="020B0604020202020204" pitchFamily="34" charset="0"/>
+              </a:rPr>
+              <a:t>Its a</a:t>
+            </a:r>
+            <a:r>
+              <a:rPr lang="en-AU" sz="2000" dirty="0" smtClean="0">
+                <a:solidFill>
+                  <a:srgbClr val="0F0F7F"/>
+                </a:solidFill>
+                <a:latin typeface="Arial" panose="020B0604020202020204" pitchFamily="34" charset="0"/>
+                <a:cs typeface="Arial" panose="020B0604020202020204" pitchFamily="34" charset="0"/>
+              </a:rPr>
+              <a:t>n Australian entrepreneurial endeavour</a:t>
+            </a:r>
+            <a:r>
+              <a:rPr lang="en-AU" u="sng" dirty="0" smtClean="0">
+                <a:solidFill>
+                  <a:srgbClr val="0F0F7F"/>
+                </a:solidFill>
+                <a:latin typeface="Arial" panose="020B0604020202020204" pitchFamily="34" charset="0"/>
+                <a:cs typeface="Arial" panose="020B0604020202020204" pitchFamily="34" charset="0"/>
+              </a:rPr>
+              <a:t>.</a:t>
+            </a:r>
+            <a:endParaRPr lang="en-AU" u="sng" dirty="0">
+              <a:solidFill>
+                <a:srgbClr val="0F0F7F"/>
+              </a:solidFill>
+              <a:latin typeface="Arial" panose="020B0604020202020204" pitchFamily="34" charset="0"/>
+              <a:cs typeface="Arial" panose="020B0604020202020204" pitchFamily="34" charset="0"/>
+            </a:endParaRPr>
+          </a:p>
         </p:txBody>
       </p:sp>
       <p:sp>
@@ -9248,8 +9295,8 @@
         </p:nvSpPr>
         <p:spPr>
           <a:xfrm>
-            <a:off x="1259632" y="1539369"/>
-            <a:ext cx="3022879" cy="4154984"/>
+            <a:off x="1259632" y="2687141"/>
+            <a:ext cx="6156494" cy="1461939"/>
           </a:xfrm>
           <a:prstGeom prst="rect">
             <a:avLst/>
@@ -9262,32 +9309,20 @@
           </a:bodyPr>
           <a:lstStyle/>
           <a:p>
-            <a:pPr marL="285750" indent="-285750">
+            <a:pPr>
               <a:spcAft>
                 <a:spcPts val="600"/>
               </a:spcAft>
-              <a:buFont typeface="Wingdings" panose="05000000000000000000" pitchFamily="2" charset="2"/>
-              <a:buChar char=""/>
             </a:pPr>
             <a:r>
-              <a:rPr lang="en-AU" sz="2000" b="1" dirty="0" smtClean="0">
+              <a:rPr lang="en-AU" sz="2400" b="1" dirty="0" smtClean="0">
                 <a:solidFill>
                   <a:srgbClr val="0F0F7F"/>
                 </a:solidFill>
                 <a:latin typeface="Arial" panose="020B0604020202020204" pitchFamily="34" charset="0"/>
                 <a:cs typeface="Arial" panose="020B0604020202020204" pitchFamily="34" charset="0"/>
               </a:rPr>
-              <a:t> </a:t>
-            </a:r>
-            <a:r>
-              <a:rPr lang="en-AU" sz="1600" b="1" dirty="0" smtClean="0">
-                <a:solidFill>
-                  <a:srgbClr val="0F0F7F"/>
-                </a:solidFill>
-                <a:latin typeface="Arial" panose="020B0604020202020204" pitchFamily="34" charset="0"/>
-                <a:cs typeface="Arial" panose="020B0604020202020204" pitchFamily="34" charset="0"/>
-              </a:rPr>
-              <a:t>Bullet Point:</a:t>
+              <a:t>Mission and vision of the company</a:t>
             </a:r>
             <a:r>
               <a:rPr lang="en-AU" sz="1400" dirty="0" smtClean="0">
@@ -9297,366 +9332,15 @@
                 <a:latin typeface="Arial" panose="020B0604020202020204" pitchFamily="34" charset="0"/>
                 <a:cs typeface="Arial" panose="020B0604020202020204" pitchFamily="34" charset="0"/>
               </a:rPr>
-              <a:t> Text goes here.</a:t>
-            </a:r>
-            <a:endParaRPr lang="en-AU" sz="2000" b="1" dirty="0" smtClean="0">
+              <a:t>.</a:t>
+            </a:r>
+            <a:endParaRPr lang="en-AU" sz="1400" dirty="0" smtClean="0">
               <a:solidFill>
                 <a:srgbClr val="0F0F7F"/>
               </a:solidFill>
               <a:latin typeface="Arial" panose="020B0604020202020204" pitchFamily="34" charset="0"/>
               <a:cs typeface="Arial" panose="020B0604020202020204" pitchFamily="34" charset="0"/>
             </a:endParaRPr>
-          </a:p>
-          <a:p>
-            <a:pPr marL="285750" indent="-285750">
-              <a:spcAft>
-                <a:spcPts val="600"/>
-              </a:spcAft>
-              <a:buFont typeface="Wingdings" panose="05000000000000000000" pitchFamily="2" charset="2"/>
-              <a:buChar char=""/>
-            </a:pPr>
-            <a:r>
-              <a:rPr lang="en-AU" sz="2000" b="1" dirty="0" smtClean="0">
-                <a:solidFill>
-                  <a:srgbClr val="0F0F7F"/>
-                </a:solidFill>
-                <a:latin typeface="Arial" panose="020B0604020202020204" pitchFamily="34" charset="0"/>
-                <a:cs typeface="Arial" panose="020B0604020202020204" pitchFamily="34" charset="0"/>
-              </a:rPr>
-              <a:t> </a:t>
-            </a:r>
-            <a:r>
-              <a:rPr lang="en-AU" sz="1600" b="1" dirty="0" smtClean="0">
-                <a:solidFill>
-                  <a:srgbClr val="0F0F7F"/>
-                </a:solidFill>
-                <a:latin typeface="Arial" panose="020B0604020202020204" pitchFamily="34" charset="0"/>
-                <a:cs typeface="Arial" panose="020B0604020202020204" pitchFamily="34" charset="0"/>
-              </a:rPr>
-              <a:t>Bullet Point:</a:t>
-            </a:r>
-            <a:r>
-              <a:rPr lang="en-AU" sz="1400" dirty="0" smtClean="0">
-                <a:solidFill>
-                  <a:srgbClr val="0F0F7F"/>
-                </a:solidFill>
-                <a:latin typeface="Arial" panose="020B0604020202020204" pitchFamily="34" charset="0"/>
-                <a:cs typeface="Arial" panose="020B0604020202020204" pitchFamily="34" charset="0"/>
-              </a:rPr>
-              <a:t> Text goes here.</a:t>
-            </a:r>
-          </a:p>
-          <a:p>
-            <a:pPr marL="285750" indent="-285750">
-              <a:spcAft>
-                <a:spcPts val="600"/>
-              </a:spcAft>
-              <a:buFont typeface="Wingdings" panose="05000000000000000000" pitchFamily="2" charset="2"/>
-              <a:buChar char=""/>
-            </a:pPr>
-            <a:r>
-              <a:rPr lang="en-AU" sz="2000" b="1" dirty="0" smtClean="0">
-                <a:solidFill>
-                  <a:srgbClr val="0F0F7F"/>
-                </a:solidFill>
-                <a:latin typeface="Arial" panose="020B0604020202020204" pitchFamily="34" charset="0"/>
-                <a:cs typeface="Arial" panose="020B0604020202020204" pitchFamily="34" charset="0"/>
-              </a:rPr>
-              <a:t> </a:t>
-            </a:r>
-            <a:r>
-              <a:rPr lang="en-AU" sz="1600" b="1" dirty="0" smtClean="0">
-                <a:solidFill>
-                  <a:srgbClr val="0F0F7F"/>
-                </a:solidFill>
-                <a:latin typeface="Arial" panose="020B0604020202020204" pitchFamily="34" charset="0"/>
-                <a:cs typeface="Arial" panose="020B0604020202020204" pitchFamily="34" charset="0"/>
-              </a:rPr>
-              <a:t>Bullet Point:</a:t>
-            </a:r>
-            <a:r>
-              <a:rPr lang="en-AU" sz="1400" dirty="0" smtClean="0">
-                <a:solidFill>
-                  <a:srgbClr val="0F0F7F"/>
-                </a:solidFill>
-                <a:latin typeface="Arial" panose="020B0604020202020204" pitchFamily="34" charset="0"/>
-                <a:cs typeface="Arial" panose="020B0604020202020204" pitchFamily="34" charset="0"/>
-              </a:rPr>
-              <a:t> Text goes here.</a:t>
-            </a:r>
-          </a:p>
-          <a:p>
-            <a:pPr marL="285750" indent="-285750">
-              <a:spcAft>
-                <a:spcPts val="600"/>
-              </a:spcAft>
-              <a:buFont typeface="Wingdings" panose="05000000000000000000" pitchFamily="2" charset="2"/>
-              <a:buChar char=""/>
-            </a:pPr>
-            <a:r>
-              <a:rPr lang="en-AU" sz="2000" b="1" dirty="0" smtClean="0">
-                <a:solidFill>
-                  <a:srgbClr val="0F0F7F"/>
-                </a:solidFill>
-                <a:latin typeface="Arial" panose="020B0604020202020204" pitchFamily="34" charset="0"/>
-                <a:cs typeface="Arial" panose="020B0604020202020204" pitchFamily="34" charset="0"/>
-              </a:rPr>
-              <a:t> </a:t>
-            </a:r>
-            <a:r>
-              <a:rPr lang="en-AU" sz="1600" b="1" dirty="0" smtClean="0">
-                <a:solidFill>
-                  <a:srgbClr val="0F0F7F"/>
-                </a:solidFill>
-                <a:latin typeface="Arial" panose="020B0604020202020204" pitchFamily="34" charset="0"/>
-                <a:cs typeface="Arial" panose="020B0604020202020204" pitchFamily="34" charset="0"/>
-              </a:rPr>
-              <a:t>Bullet Point:</a:t>
-            </a:r>
-            <a:r>
-              <a:rPr lang="en-AU" sz="1400" dirty="0" smtClean="0">
-                <a:solidFill>
-                  <a:srgbClr val="0F0F7F"/>
-                </a:solidFill>
-                <a:latin typeface="Arial" panose="020B0604020202020204" pitchFamily="34" charset="0"/>
-                <a:cs typeface="Arial" panose="020B0604020202020204" pitchFamily="34" charset="0"/>
-              </a:rPr>
-              <a:t> Text goes here.</a:t>
-            </a:r>
-          </a:p>
-          <a:p>
-            <a:pPr marL="285750" indent="-285750">
-              <a:spcAft>
-                <a:spcPts val="600"/>
-              </a:spcAft>
-              <a:buFont typeface="Wingdings" panose="05000000000000000000" pitchFamily="2" charset="2"/>
-              <a:buChar char=""/>
-            </a:pPr>
-            <a:r>
-              <a:rPr lang="en-AU" sz="2000" b="1" dirty="0" smtClean="0">
-                <a:solidFill>
-                  <a:srgbClr val="0F0F7F"/>
-                </a:solidFill>
-                <a:latin typeface="Arial" panose="020B0604020202020204" pitchFamily="34" charset="0"/>
-                <a:cs typeface="Arial" panose="020B0604020202020204" pitchFamily="34" charset="0"/>
-              </a:rPr>
-              <a:t> </a:t>
-            </a:r>
-            <a:r>
-              <a:rPr lang="en-AU" sz="1600" b="1" dirty="0" smtClean="0">
-                <a:solidFill>
-                  <a:srgbClr val="0F0F7F"/>
-                </a:solidFill>
-                <a:latin typeface="Arial" panose="020B0604020202020204" pitchFamily="34" charset="0"/>
-                <a:cs typeface="Arial" panose="020B0604020202020204" pitchFamily="34" charset="0"/>
-              </a:rPr>
-              <a:t>Bullet Point:</a:t>
-            </a:r>
-            <a:r>
-              <a:rPr lang="en-AU" sz="1400" dirty="0" smtClean="0">
-                <a:solidFill>
-                  <a:srgbClr val="0F0F7F"/>
-                </a:solidFill>
-                <a:latin typeface="Arial" panose="020B0604020202020204" pitchFamily="34" charset="0"/>
-                <a:cs typeface="Arial" panose="020B0604020202020204" pitchFamily="34" charset="0"/>
-              </a:rPr>
-              <a:t> Text goes here.</a:t>
-            </a:r>
-          </a:p>
-          <a:p>
-            <a:pPr marL="285750" indent="-285750">
-              <a:spcAft>
-                <a:spcPts val="600"/>
-              </a:spcAft>
-              <a:buFont typeface="Wingdings" panose="05000000000000000000" pitchFamily="2" charset="2"/>
-              <a:buChar char=""/>
-            </a:pPr>
-            <a:r>
-              <a:rPr lang="en-AU" sz="2000" b="1" dirty="0" smtClean="0">
-                <a:solidFill>
-                  <a:srgbClr val="0F0F7F"/>
-                </a:solidFill>
-                <a:latin typeface="Arial" panose="020B0604020202020204" pitchFamily="34" charset="0"/>
-                <a:cs typeface="Arial" panose="020B0604020202020204" pitchFamily="34" charset="0"/>
-              </a:rPr>
-              <a:t> </a:t>
-            </a:r>
-            <a:r>
-              <a:rPr lang="en-AU" sz="1600" b="1" dirty="0" smtClean="0">
-                <a:solidFill>
-                  <a:srgbClr val="0F0F7F"/>
-                </a:solidFill>
-                <a:latin typeface="Arial" panose="020B0604020202020204" pitchFamily="34" charset="0"/>
-                <a:cs typeface="Arial" panose="020B0604020202020204" pitchFamily="34" charset="0"/>
-              </a:rPr>
-              <a:t>Bullet Point:</a:t>
-            </a:r>
-            <a:r>
-              <a:rPr lang="en-AU" sz="1400" dirty="0" smtClean="0">
-                <a:solidFill>
-                  <a:srgbClr val="0F0F7F"/>
-                </a:solidFill>
-                <a:latin typeface="Arial" panose="020B0604020202020204" pitchFamily="34" charset="0"/>
-                <a:cs typeface="Arial" panose="020B0604020202020204" pitchFamily="34" charset="0"/>
-              </a:rPr>
-              <a:t> Text goes here.</a:t>
-            </a:r>
-          </a:p>
-          <a:p>
-            <a:pPr marL="285750" indent="-285750">
-              <a:spcAft>
-                <a:spcPts val="600"/>
-              </a:spcAft>
-              <a:buFont typeface="Wingdings" panose="05000000000000000000" pitchFamily="2" charset="2"/>
-              <a:buChar char=""/>
-            </a:pPr>
-            <a:r>
-              <a:rPr lang="en-AU" sz="2000" b="1" dirty="0" smtClean="0">
-                <a:solidFill>
-                  <a:srgbClr val="0F0F7F"/>
-                </a:solidFill>
-                <a:latin typeface="Arial" panose="020B0604020202020204" pitchFamily="34" charset="0"/>
-                <a:cs typeface="Arial" panose="020B0604020202020204" pitchFamily="34" charset="0"/>
-              </a:rPr>
-              <a:t> </a:t>
-            </a:r>
-            <a:r>
-              <a:rPr lang="en-AU" sz="1600" b="1" dirty="0" smtClean="0">
-                <a:solidFill>
-                  <a:srgbClr val="0F0F7F"/>
-                </a:solidFill>
-                <a:latin typeface="Arial" panose="020B0604020202020204" pitchFamily="34" charset="0"/>
-                <a:cs typeface="Arial" panose="020B0604020202020204" pitchFamily="34" charset="0"/>
-              </a:rPr>
-              <a:t>Bullet Point:</a:t>
-            </a:r>
-            <a:r>
-              <a:rPr lang="en-AU" sz="1400" dirty="0" smtClean="0">
-                <a:solidFill>
-                  <a:srgbClr val="0F0F7F"/>
-                </a:solidFill>
-                <a:latin typeface="Arial" panose="020B0604020202020204" pitchFamily="34" charset="0"/>
-                <a:cs typeface="Arial" panose="020B0604020202020204" pitchFamily="34" charset="0"/>
-              </a:rPr>
-              <a:t> Text goes here.</a:t>
-            </a:r>
-          </a:p>
-          <a:p>
-            <a:pPr marL="285750" indent="-285750">
-              <a:spcAft>
-                <a:spcPts val="600"/>
-              </a:spcAft>
-              <a:buFont typeface="Wingdings" panose="05000000000000000000" pitchFamily="2" charset="2"/>
-              <a:buChar char=""/>
-            </a:pPr>
-            <a:r>
-              <a:rPr lang="en-AU" sz="2000" b="1" dirty="0" smtClean="0">
-                <a:solidFill>
-                  <a:srgbClr val="0F0F7F"/>
-                </a:solidFill>
-                <a:latin typeface="Arial" panose="020B0604020202020204" pitchFamily="34" charset="0"/>
-                <a:cs typeface="Arial" panose="020B0604020202020204" pitchFamily="34" charset="0"/>
-              </a:rPr>
-              <a:t> </a:t>
-            </a:r>
-            <a:r>
-              <a:rPr lang="en-AU" sz="1600" b="1" dirty="0" smtClean="0">
-                <a:solidFill>
-                  <a:srgbClr val="0F0F7F"/>
-                </a:solidFill>
-                <a:latin typeface="Arial" panose="020B0604020202020204" pitchFamily="34" charset="0"/>
-                <a:cs typeface="Arial" panose="020B0604020202020204" pitchFamily="34" charset="0"/>
-              </a:rPr>
-              <a:t>Bullet Point:</a:t>
-            </a:r>
-            <a:r>
-              <a:rPr lang="en-AU" sz="1400" dirty="0" smtClean="0">
-                <a:solidFill>
-                  <a:srgbClr val="0F0F7F"/>
-                </a:solidFill>
-                <a:latin typeface="Arial" panose="020B0604020202020204" pitchFamily="34" charset="0"/>
-                <a:cs typeface="Arial" panose="020B0604020202020204" pitchFamily="34" charset="0"/>
-              </a:rPr>
-              <a:t> Text goes here.</a:t>
-            </a:r>
-          </a:p>
-          <a:p>
-            <a:pPr marL="285750" indent="-285750">
-              <a:spcAft>
-                <a:spcPts val="600"/>
-              </a:spcAft>
-              <a:buFont typeface="Wingdings" panose="05000000000000000000" pitchFamily="2" charset="2"/>
-              <a:buChar char=""/>
-            </a:pPr>
-            <a:r>
-              <a:rPr lang="en-AU" sz="2000" b="1" dirty="0" smtClean="0">
-                <a:solidFill>
-                  <a:srgbClr val="0F0F7F"/>
-                </a:solidFill>
-                <a:latin typeface="Arial" panose="020B0604020202020204" pitchFamily="34" charset="0"/>
-                <a:cs typeface="Arial" panose="020B0604020202020204" pitchFamily="34" charset="0"/>
-              </a:rPr>
-              <a:t> </a:t>
-            </a:r>
-            <a:r>
-              <a:rPr lang="en-AU" sz="1600" b="1" dirty="0" smtClean="0">
-                <a:solidFill>
-                  <a:srgbClr val="0F0F7F"/>
-                </a:solidFill>
-                <a:latin typeface="Arial" panose="020B0604020202020204" pitchFamily="34" charset="0"/>
-                <a:cs typeface="Arial" panose="020B0604020202020204" pitchFamily="34" charset="0"/>
-              </a:rPr>
-              <a:t>Bullet Point:</a:t>
-            </a:r>
-            <a:r>
-              <a:rPr lang="en-AU" sz="1400" dirty="0" smtClean="0">
-                <a:solidFill>
-                  <a:srgbClr val="0F0F7F"/>
-                </a:solidFill>
-                <a:latin typeface="Arial" panose="020B0604020202020204" pitchFamily="34" charset="0"/>
-                <a:cs typeface="Arial" panose="020B0604020202020204" pitchFamily="34" charset="0"/>
-              </a:rPr>
-              <a:t> Text goes here.</a:t>
-            </a:r>
-          </a:p>
-          <a:p>
-            <a:pPr marL="285750" indent="-285750">
-              <a:spcAft>
-                <a:spcPts val="600"/>
-              </a:spcAft>
-              <a:buFont typeface="Wingdings" panose="05000000000000000000" pitchFamily="2" charset="2"/>
-              <a:buChar char=""/>
-            </a:pPr>
-            <a:r>
-              <a:rPr lang="en-AU" sz="2000" b="1" dirty="0" smtClean="0">
-                <a:solidFill>
-                  <a:srgbClr val="0F0F7F"/>
-                </a:solidFill>
-                <a:latin typeface="Arial" panose="020B0604020202020204" pitchFamily="34" charset="0"/>
-                <a:cs typeface="Arial" panose="020B0604020202020204" pitchFamily="34" charset="0"/>
-              </a:rPr>
-              <a:t> </a:t>
-            </a:r>
-            <a:r>
-              <a:rPr lang="en-AU" sz="1600" b="1" dirty="0" smtClean="0">
-                <a:solidFill>
-                  <a:srgbClr val="0F0F7F"/>
-                </a:solidFill>
-                <a:latin typeface="Arial" panose="020B0604020202020204" pitchFamily="34" charset="0"/>
-                <a:cs typeface="Arial" panose="020B0604020202020204" pitchFamily="34" charset="0"/>
-              </a:rPr>
-              <a:t>Bullet Point:</a:t>
-            </a:r>
-            <a:r>
-              <a:rPr lang="en-AU" sz="1400" dirty="0" smtClean="0">
-                <a:solidFill>
-                  <a:srgbClr val="0F0F7F"/>
-                </a:solidFill>
-                <a:latin typeface="Arial" panose="020B0604020202020204" pitchFamily="34" charset="0"/>
-                <a:cs typeface="Arial" panose="020B0604020202020204" pitchFamily="34" charset="0"/>
-              </a:rPr>
-              <a:t> Text goes here.</a:t>
-            </a:r>
           </a:p>
           <a:p>
             <a:pPr>
@@ -9671,6 +9355,1907 @@
               <a:latin typeface="Arial" panose="020B0604020202020204" pitchFamily="34" charset="0"/>
               <a:cs typeface="Arial" panose="020B0604020202020204" pitchFamily="34" charset="0"/>
             </a:endParaRPr>
+          </a:p>
+          <a:p>
+            <a:pPr>
+              <a:spcAft>
+                <a:spcPts val="600"/>
+              </a:spcAft>
+            </a:pPr>
+            <a:r>
+              <a:rPr lang="en-AU" dirty="0" smtClean="0">
+                <a:solidFill>
+                  <a:srgbClr val="0F0F7F"/>
+                </a:solidFill>
+                <a:latin typeface="Arial" panose="020B0604020202020204" pitchFamily="34" charset="0"/>
+                <a:cs typeface="Arial" panose="020B0604020202020204" pitchFamily="34" charset="0"/>
+              </a:rPr>
+              <a:t>Creating a different world of learning together for everyone</a:t>
+            </a:r>
+          </a:p>
+          <a:p>
+            <a:pPr>
+              <a:spcAft>
+                <a:spcPts val="600"/>
+              </a:spcAft>
+            </a:pPr>
+            <a:r>
+              <a:rPr lang="en-AU" dirty="0" smtClean="0">
+                <a:solidFill>
+                  <a:srgbClr val="0F0F7F"/>
+                </a:solidFill>
+                <a:latin typeface="Arial" panose="020B0604020202020204" pitchFamily="34" charset="0"/>
+                <a:cs typeface="Arial" panose="020B0604020202020204" pitchFamily="34" charset="0"/>
+              </a:rPr>
+              <a:t>beyond all barriers and boundaries.</a:t>
+            </a:r>
+            <a:endParaRPr lang="en-AU" dirty="0" smtClean="0">
+              <a:solidFill>
+                <a:srgbClr val="0F0F7F"/>
+              </a:solidFill>
+              <a:latin typeface="Arial" panose="020B0604020202020204" pitchFamily="34" charset="0"/>
+              <a:cs typeface="Arial" panose="020B0604020202020204" pitchFamily="34" charset="0"/>
+            </a:endParaRPr>
+          </a:p>
+        </p:txBody>
+      </p:sp>
+      <p:pic>
+        <p:nvPicPr>
+          <p:cNvPr id="13" name="Picture 12"/>
+          <p:cNvPicPr>
+            <a:picLocks noChangeAspect="1" noChangeArrowheads="1"/>
+          </p:cNvPicPr>
+          <p:nvPr/>
+        </p:nvPicPr>
+        <p:blipFill>
+          <a:blip r:embed="rId5" cstate="print">
+            <a:lum bright="70000" contrast="-70000"/>
+            <a:extLst>
+              <a:ext uri="{BEBA8EAE-BF5A-486C-A8C5-ECC9F3942E4B}">
+                <a14:imgProps xmlns:a14="http://schemas.microsoft.com/office/drawing/2010/main">
+                  <a14:imgLayer r:embed="rId6">
+                    <a14:imgEffect>
+                      <a14:colorTemperature colorTemp="6000"/>
+                    </a14:imgEffect>
+                    <a14:imgEffect>
+                      <a14:saturation sat="160000"/>
+                    </a14:imgEffect>
+                    <a14:imgEffect>
+                      <a14:brightnessContrast bright="20000" contrast="40000"/>
+                    </a14:imgEffect>
+                  </a14:imgLayer>
+                </a14:imgProps>
+              </a:ext>
+              <a:ext uri="{28A0092B-C50C-407E-A947-70E740481C1C}">
+                <a14:useLocalDpi xmlns:a14="http://schemas.microsoft.com/office/drawing/2010/main" val="0"/>
+              </a:ext>
+            </a:extLst>
+          </a:blip>
+          <a:srcRect/>
+          <a:stretch>
+            <a:fillRect/>
+          </a:stretch>
+        </p:blipFill>
+        <p:spPr bwMode="auto">
+          <a:xfrm>
+            <a:off x="6271541" y="116632"/>
+            <a:ext cx="2626800" cy="1183161"/>
+          </a:xfrm>
+          <a:prstGeom prst="rect">
+            <a:avLst/>
+          </a:prstGeom>
+          <a:noFill/>
+          <a:ln>
+            <a:noFill/>
+          </a:ln>
+          <a:effectLst>
+            <a:outerShdw blurRad="1231900" dir="21540000" sx="182000" sy="182000" algn="ctr" rotWithShape="0">
+              <a:srgbClr val="000000">
+                <a:alpha val="0"/>
+              </a:srgbClr>
+            </a:outerShdw>
+            <a:reflection blurRad="6350" stA="52000" endA="300" endPos="35000" dir="5400000" sy="-100000" algn="bl" rotWithShape="0"/>
+          </a:effectLst>
+          <a:extLst>
+            <a:ext uri="{909E8E84-426E-40DD-AFC4-6F175D3DCCD1}">
+              <a14:hiddenFill xmlns:a14="http://schemas.microsoft.com/office/drawing/2010/main">
+                <a:solidFill>
+                  <a:schemeClr val="accent1"/>
+                </a:solidFill>
+              </a14:hiddenFill>
+            </a:ext>
+            <a:ext uri="{91240B29-F687-4F45-9708-019B960494DF}">
+              <a14:hiddenLine xmlns:a14="http://schemas.microsoft.com/office/drawing/2010/main" w="9525">
+                <a:solidFill>
+                  <a:schemeClr val="tx1"/>
+                </a:solidFill>
+                <a:miter lim="800000"/>
+                <a:headEnd/>
+                <a:tailEnd/>
+              </a14:hiddenLine>
+            </a:ext>
+          </a:extLst>
+        </p:spPr>
+      </p:pic>
+    </p:spTree>
+    <p:extLst>
+      <p:ext uri="{BB962C8B-B14F-4D97-AF65-F5344CB8AC3E}">
+        <p14:creationId xmlns:p14="http://schemas.microsoft.com/office/powerpoint/2010/main" val="456751976"/>
+      </p:ext>
+    </p:extLst>
+  </p:cSld>
+  <p:clrMapOvr>
+    <a:masterClrMapping/>
+  </p:clrMapOvr>
+  <p:timing>
+    <p:tnLst>
+      <p:par>
+        <p:cTn id="1" dur="indefinite" restart="never" nodeType="tmRoot"/>
+      </p:par>
+    </p:tnLst>
+  </p:timing>
+</p:sld>
+</file>
+
+<file path=ppt/slides/slide3.xml><?xml version="1.0" encoding="utf-8"?>
+<p:sld xmlns:a="http://schemas.openxmlformats.org/drawingml/2006/main" xmlns:r="http://schemas.openxmlformats.org/officeDocument/2006/relationships" xmlns:p="http://schemas.openxmlformats.org/presentationml/2006/main">
+  <p:cSld>
+    <p:spTree>
+      <p:nvGrpSpPr>
+        <p:cNvPr id="1" name=""/>
+        <p:cNvGrpSpPr/>
+        <p:nvPr/>
+      </p:nvGrpSpPr>
+      <p:grpSpPr>
+        <a:xfrm>
+          <a:off x="0" y="0"/>
+          <a:ext cx="0" cy="0"/>
+          <a:chOff x="0" y="0"/>
+          <a:chExt cx="0" cy="0"/>
+        </a:xfrm>
+      </p:grpSpPr>
+      <p:pic>
+        <p:nvPicPr>
+          <p:cNvPr id="8" name="Picture 5"/>
+          <p:cNvPicPr>
+            <a:picLocks noChangeAspect="1" noChangeArrowheads="1"/>
+          </p:cNvPicPr>
+          <p:nvPr/>
+        </p:nvPicPr>
+        <p:blipFill>
+          <a:blip r:embed="rId2">
+            <a:extLst>
+              <a:ext uri="{BEBA8EAE-BF5A-486C-A8C5-ECC9F3942E4B}">
+                <a14:imgProps xmlns:a14="http://schemas.microsoft.com/office/drawing/2010/main">
+                  <a14:imgLayer r:embed="rId3">
+                    <a14:imgEffect>
+                      <a14:sharpenSoften amount="-50000"/>
+                    </a14:imgEffect>
+                    <a14:imgEffect>
+                      <a14:brightnessContrast bright="11000"/>
+                    </a14:imgEffect>
+                  </a14:imgLayer>
+                </a14:imgProps>
+              </a:ext>
+              <a:ext uri="{28A0092B-C50C-407E-A947-70E740481C1C}">
+                <a14:useLocalDpi xmlns:a14="http://schemas.microsoft.com/office/drawing/2010/main" val="0"/>
+              </a:ext>
+            </a:extLst>
+          </a:blip>
+          <a:srcRect/>
+          <a:stretch>
+            <a:fillRect/>
+          </a:stretch>
+        </p:blipFill>
+        <p:spPr bwMode="auto">
+          <a:xfrm>
+            <a:off x="4680" y="2348422"/>
+            <a:ext cx="9146381" cy="4509578"/>
+          </a:xfrm>
+          <a:prstGeom prst="rect">
+            <a:avLst/>
+          </a:prstGeom>
+          <a:noFill/>
+          <a:ln>
+            <a:noFill/>
+          </a:ln>
+          <a:extLst>
+            <a:ext uri="{909E8E84-426E-40DD-AFC4-6F175D3DCCD1}">
+              <a14:hiddenFill xmlns:a14="http://schemas.microsoft.com/office/drawing/2010/main">
+                <a:solidFill>
+                  <a:schemeClr val="accent1"/>
+                </a:solidFill>
+              </a14:hiddenFill>
+            </a:ext>
+            <a:ext uri="{91240B29-F687-4F45-9708-019B960494DF}">
+              <a14:hiddenLine xmlns:a14="http://schemas.microsoft.com/office/drawing/2010/main" w="9525">
+                <a:solidFill>
+                  <a:schemeClr val="tx1"/>
+                </a:solidFill>
+                <a:miter lim="800000"/>
+                <a:headEnd/>
+                <a:tailEnd/>
+              </a14:hiddenLine>
+            </a:ext>
+          </a:extLst>
+        </p:spPr>
+      </p:pic>
+      <p:sp>
+        <p:nvSpPr>
+          <p:cNvPr id="7" name="Freeform 6"/>
+          <p:cNvSpPr/>
+          <p:nvPr/>
+        </p:nvSpPr>
+        <p:spPr>
+          <a:xfrm>
+            <a:off x="-2381" y="5955109"/>
+            <a:ext cx="1910085" cy="902891"/>
+          </a:xfrm>
+          <a:custGeom>
+            <a:avLst/>
+            <a:gdLst>
+              <a:gd name="connsiteX0" fmla="*/ 0 w 3571875"/>
+              <a:gd name="connsiteY0" fmla="*/ 4210050 h 4210050"/>
+              <a:gd name="connsiteX1" fmla="*/ 0 w 3571875"/>
+              <a:gd name="connsiteY1" fmla="*/ 0 h 4210050"/>
+              <a:gd name="connsiteX2" fmla="*/ 3571875 w 3571875"/>
+              <a:gd name="connsiteY2" fmla="*/ 4210050 h 4210050"/>
+              <a:gd name="connsiteX3" fmla="*/ 0 w 3571875"/>
+              <a:gd name="connsiteY3" fmla="*/ 4210050 h 4210050"/>
+              <a:gd name="connsiteX0" fmla="*/ 0 w 3571875"/>
+              <a:gd name="connsiteY0" fmla="*/ 4210050 h 4210050"/>
+              <a:gd name="connsiteX1" fmla="*/ 0 w 3571875"/>
+              <a:gd name="connsiteY1" fmla="*/ 0 h 4210050"/>
+              <a:gd name="connsiteX2" fmla="*/ 2028825 w 3571875"/>
+              <a:gd name="connsiteY2" fmla="*/ 2388394 h 4210050"/>
+              <a:gd name="connsiteX3" fmla="*/ 3571875 w 3571875"/>
+              <a:gd name="connsiteY3" fmla="*/ 4210050 h 4210050"/>
+              <a:gd name="connsiteX4" fmla="*/ 0 w 3571875"/>
+              <a:gd name="connsiteY4" fmla="*/ 4210050 h 4210050"/>
+              <a:gd name="connsiteX0" fmla="*/ 0 w 3571875"/>
+              <a:gd name="connsiteY0" fmla="*/ 4210050 h 4210050"/>
+              <a:gd name="connsiteX1" fmla="*/ 0 w 3571875"/>
+              <a:gd name="connsiteY1" fmla="*/ 0 h 4210050"/>
+              <a:gd name="connsiteX2" fmla="*/ 2028825 w 3571875"/>
+              <a:gd name="connsiteY2" fmla="*/ 2205038 h 4210050"/>
+              <a:gd name="connsiteX3" fmla="*/ 3571875 w 3571875"/>
+              <a:gd name="connsiteY3" fmla="*/ 4210050 h 4210050"/>
+              <a:gd name="connsiteX4" fmla="*/ 0 w 3571875"/>
+              <a:gd name="connsiteY4" fmla="*/ 4210050 h 4210050"/>
+              <a:gd name="connsiteX0" fmla="*/ 0 w 3571875"/>
+              <a:gd name="connsiteY0" fmla="*/ 4210050 h 4210050"/>
+              <a:gd name="connsiteX1" fmla="*/ 0 w 3571875"/>
+              <a:gd name="connsiteY1" fmla="*/ 0 h 4210050"/>
+              <a:gd name="connsiteX2" fmla="*/ 2028825 w 3571875"/>
+              <a:gd name="connsiteY2" fmla="*/ 2393157 h 4210050"/>
+              <a:gd name="connsiteX3" fmla="*/ 3571875 w 3571875"/>
+              <a:gd name="connsiteY3" fmla="*/ 4210050 h 4210050"/>
+              <a:gd name="connsiteX4" fmla="*/ 0 w 3571875"/>
+              <a:gd name="connsiteY4" fmla="*/ 4210050 h 4210050"/>
+              <a:gd name="connsiteX0" fmla="*/ 0 w 3571875"/>
+              <a:gd name="connsiteY0" fmla="*/ 4210050 h 4210050"/>
+              <a:gd name="connsiteX1" fmla="*/ 0 w 3571875"/>
+              <a:gd name="connsiteY1" fmla="*/ 0 h 4210050"/>
+              <a:gd name="connsiteX2" fmla="*/ 2028825 w 3571875"/>
+              <a:gd name="connsiteY2" fmla="*/ 2393157 h 4210050"/>
+              <a:gd name="connsiteX3" fmla="*/ 3571875 w 3571875"/>
+              <a:gd name="connsiteY3" fmla="*/ 4210050 h 4210050"/>
+              <a:gd name="connsiteX4" fmla="*/ 0 w 3571875"/>
+              <a:gd name="connsiteY4" fmla="*/ 4210050 h 4210050"/>
+              <a:gd name="connsiteX0" fmla="*/ 0 w 3571875"/>
+              <a:gd name="connsiteY0" fmla="*/ 4210050 h 4210050"/>
+              <a:gd name="connsiteX1" fmla="*/ 0 w 3571875"/>
+              <a:gd name="connsiteY1" fmla="*/ 0 h 4210050"/>
+              <a:gd name="connsiteX2" fmla="*/ 2028825 w 3571875"/>
+              <a:gd name="connsiteY2" fmla="*/ 2281238 h 4210050"/>
+              <a:gd name="connsiteX3" fmla="*/ 3571875 w 3571875"/>
+              <a:gd name="connsiteY3" fmla="*/ 4210050 h 4210050"/>
+              <a:gd name="connsiteX4" fmla="*/ 0 w 3571875"/>
+              <a:gd name="connsiteY4" fmla="*/ 4210050 h 4210050"/>
+              <a:gd name="connsiteX0" fmla="*/ 0 w 3571875"/>
+              <a:gd name="connsiteY0" fmla="*/ 4210050 h 4210050"/>
+              <a:gd name="connsiteX1" fmla="*/ 0 w 3571875"/>
+              <a:gd name="connsiteY1" fmla="*/ 0 h 4210050"/>
+              <a:gd name="connsiteX2" fmla="*/ 2028825 w 3571875"/>
+              <a:gd name="connsiteY2" fmla="*/ 2393157 h 4210050"/>
+              <a:gd name="connsiteX3" fmla="*/ 3571875 w 3571875"/>
+              <a:gd name="connsiteY3" fmla="*/ 4210050 h 4210050"/>
+              <a:gd name="connsiteX4" fmla="*/ 0 w 3571875"/>
+              <a:gd name="connsiteY4" fmla="*/ 4210050 h 4210050"/>
+              <a:gd name="connsiteX0" fmla="*/ 0 w 3571875"/>
+              <a:gd name="connsiteY0" fmla="*/ 4210050 h 4210050"/>
+              <a:gd name="connsiteX1" fmla="*/ 0 w 3571875"/>
+              <a:gd name="connsiteY1" fmla="*/ 0 h 4210050"/>
+              <a:gd name="connsiteX2" fmla="*/ 2028825 w 3571875"/>
+              <a:gd name="connsiteY2" fmla="*/ 2393157 h 4210050"/>
+              <a:gd name="connsiteX3" fmla="*/ 3571875 w 3571875"/>
+              <a:gd name="connsiteY3" fmla="*/ 4210050 h 4210050"/>
+              <a:gd name="connsiteX4" fmla="*/ 0 w 3571875"/>
+              <a:gd name="connsiteY4" fmla="*/ 4210050 h 4210050"/>
+              <a:gd name="connsiteX0" fmla="*/ 0 w 3571875"/>
+              <a:gd name="connsiteY0" fmla="*/ 4210050 h 4210050"/>
+              <a:gd name="connsiteX1" fmla="*/ 0 w 3571875"/>
+              <a:gd name="connsiteY1" fmla="*/ 0 h 4210050"/>
+              <a:gd name="connsiteX2" fmla="*/ 2076450 w 3571875"/>
+              <a:gd name="connsiteY2" fmla="*/ 2274094 h 4210050"/>
+              <a:gd name="connsiteX3" fmla="*/ 3571875 w 3571875"/>
+              <a:gd name="connsiteY3" fmla="*/ 4210050 h 4210050"/>
+              <a:gd name="connsiteX4" fmla="*/ 0 w 3571875"/>
+              <a:gd name="connsiteY4" fmla="*/ 4210050 h 4210050"/>
+              <a:gd name="connsiteX0" fmla="*/ 0 w 3571875"/>
+              <a:gd name="connsiteY0" fmla="*/ 4210050 h 4210050"/>
+              <a:gd name="connsiteX1" fmla="*/ 0 w 3571875"/>
+              <a:gd name="connsiteY1" fmla="*/ 0 h 4210050"/>
+              <a:gd name="connsiteX2" fmla="*/ 2245519 w 3571875"/>
+              <a:gd name="connsiteY2" fmla="*/ 2405063 h 4210050"/>
+              <a:gd name="connsiteX3" fmla="*/ 3571875 w 3571875"/>
+              <a:gd name="connsiteY3" fmla="*/ 4210050 h 4210050"/>
+              <a:gd name="connsiteX4" fmla="*/ 0 w 3571875"/>
+              <a:gd name="connsiteY4" fmla="*/ 4210050 h 4210050"/>
+              <a:gd name="connsiteX0" fmla="*/ 0 w 3571875"/>
+              <a:gd name="connsiteY0" fmla="*/ 4210050 h 4210050"/>
+              <a:gd name="connsiteX1" fmla="*/ 0 w 3571875"/>
+              <a:gd name="connsiteY1" fmla="*/ 0 h 4210050"/>
+              <a:gd name="connsiteX2" fmla="*/ 2038350 w 3571875"/>
+              <a:gd name="connsiteY2" fmla="*/ 2405063 h 4210050"/>
+              <a:gd name="connsiteX3" fmla="*/ 3571875 w 3571875"/>
+              <a:gd name="connsiteY3" fmla="*/ 4210050 h 4210050"/>
+              <a:gd name="connsiteX4" fmla="*/ 0 w 3571875"/>
+              <a:gd name="connsiteY4" fmla="*/ 4210050 h 4210050"/>
+              <a:gd name="connsiteX0" fmla="*/ 0 w 3571875"/>
+              <a:gd name="connsiteY0" fmla="*/ 2433637 h 2433637"/>
+              <a:gd name="connsiteX1" fmla="*/ 257175 w 3571875"/>
+              <a:gd name="connsiteY1" fmla="*/ 0 h 2433637"/>
+              <a:gd name="connsiteX2" fmla="*/ 2038350 w 3571875"/>
+              <a:gd name="connsiteY2" fmla="*/ 628650 h 2433637"/>
+              <a:gd name="connsiteX3" fmla="*/ 3571875 w 3571875"/>
+              <a:gd name="connsiteY3" fmla="*/ 2433637 h 2433637"/>
+              <a:gd name="connsiteX4" fmla="*/ 0 w 3571875"/>
+              <a:gd name="connsiteY4" fmla="*/ 2433637 h 2433637"/>
+              <a:gd name="connsiteX0" fmla="*/ 2382 w 3574257"/>
+              <a:gd name="connsiteY0" fmla="*/ 1807368 h 1807368"/>
+              <a:gd name="connsiteX1" fmla="*/ 0 w 3574257"/>
+              <a:gd name="connsiteY1" fmla="*/ 0 h 1807368"/>
+              <a:gd name="connsiteX2" fmla="*/ 2040732 w 3574257"/>
+              <a:gd name="connsiteY2" fmla="*/ 2381 h 1807368"/>
+              <a:gd name="connsiteX3" fmla="*/ 3574257 w 3574257"/>
+              <a:gd name="connsiteY3" fmla="*/ 1807368 h 1807368"/>
+              <a:gd name="connsiteX4" fmla="*/ 2382 w 3574257"/>
+              <a:gd name="connsiteY4" fmla="*/ 1807368 h 1807368"/>
+              <a:gd name="connsiteX0" fmla="*/ 2382 w 3574257"/>
+              <a:gd name="connsiteY0" fmla="*/ 1807368 h 1807368"/>
+              <a:gd name="connsiteX1" fmla="*/ 0 w 3574257"/>
+              <a:gd name="connsiteY1" fmla="*/ 0 h 1807368"/>
+              <a:gd name="connsiteX2" fmla="*/ 1924051 w 3574257"/>
+              <a:gd name="connsiteY2" fmla="*/ 307181 h 1807368"/>
+              <a:gd name="connsiteX3" fmla="*/ 3574257 w 3574257"/>
+              <a:gd name="connsiteY3" fmla="*/ 1807368 h 1807368"/>
+              <a:gd name="connsiteX4" fmla="*/ 2382 w 3574257"/>
+              <a:gd name="connsiteY4" fmla="*/ 1807368 h 1807368"/>
+              <a:gd name="connsiteX0" fmla="*/ 2382 w 3574257"/>
+              <a:gd name="connsiteY0" fmla="*/ 1809749 h 1809749"/>
+              <a:gd name="connsiteX1" fmla="*/ 0 w 3574257"/>
+              <a:gd name="connsiteY1" fmla="*/ 2381 h 1809749"/>
+              <a:gd name="connsiteX2" fmla="*/ 2038351 w 3574257"/>
+              <a:gd name="connsiteY2" fmla="*/ 0 h 1809749"/>
+              <a:gd name="connsiteX3" fmla="*/ 3574257 w 3574257"/>
+              <a:gd name="connsiteY3" fmla="*/ 1809749 h 1809749"/>
+              <a:gd name="connsiteX4" fmla="*/ 2382 w 3574257"/>
+              <a:gd name="connsiteY4" fmla="*/ 1809749 h 1809749"/>
+              <a:gd name="connsiteX0" fmla="*/ 2382 w 3574257"/>
+              <a:gd name="connsiteY0" fmla="*/ 1807368 h 1807368"/>
+              <a:gd name="connsiteX1" fmla="*/ 0 w 3574257"/>
+              <a:gd name="connsiteY1" fmla="*/ 0 h 1807368"/>
+              <a:gd name="connsiteX2" fmla="*/ 1640682 w 3574257"/>
+              <a:gd name="connsiteY2" fmla="*/ 450057 h 1807368"/>
+              <a:gd name="connsiteX3" fmla="*/ 3574257 w 3574257"/>
+              <a:gd name="connsiteY3" fmla="*/ 1807368 h 1807368"/>
+              <a:gd name="connsiteX4" fmla="*/ 2382 w 3574257"/>
+              <a:gd name="connsiteY4" fmla="*/ 1807368 h 1807368"/>
+              <a:gd name="connsiteX0" fmla="*/ 2382 w 3574257"/>
+              <a:gd name="connsiteY0" fmla="*/ 1809749 h 1809749"/>
+              <a:gd name="connsiteX1" fmla="*/ 0 w 3574257"/>
+              <a:gd name="connsiteY1" fmla="*/ 2381 h 1809749"/>
+              <a:gd name="connsiteX2" fmla="*/ 2038351 w 3574257"/>
+              <a:gd name="connsiteY2" fmla="*/ 0 h 1809749"/>
+              <a:gd name="connsiteX3" fmla="*/ 3574257 w 3574257"/>
+              <a:gd name="connsiteY3" fmla="*/ 1809749 h 1809749"/>
+              <a:gd name="connsiteX4" fmla="*/ 2382 w 3574257"/>
+              <a:gd name="connsiteY4" fmla="*/ 1809749 h 1809749"/>
+              <a:gd name="connsiteX0" fmla="*/ 2382 w 3574257"/>
+              <a:gd name="connsiteY0" fmla="*/ 1807368 h 1807368"/>
+              <a:gd name="connsiteX1" fmla="*/ 0 w 3574257"/>
+              <a:gd name="connsiteY1" fmla="*/ 0 h 1807368"/>
+              <a:gd name="connsiteX2" fmla="*/ 1657351 w 3574257"/>
+              <a:gd name="connsiteY2" fmla="*/ 230982 h 1807368"/>
+              <a:gd name="connsiteX3" fmla="*/ 3574257 w 3574257"/>
+              <a:gd name="connsiteY3" fmla="*/ 1807368 h 1807368"/>
+              <a:gd name="connsiteX4" fmla="*/ 2382 w 3574257"/>
+              <a:gd name="connsiteY4" fmla="*/ 1807368 h 1807368"/>
+              <a:gd name="connsiteX0" fmla="*/ 2382 w 3574257"/>
+              <a:gd name="connsiteY0" fmla="*/ 1807368 h 1807368"/>
+              <a:gd name="connsiteX1" fmla="*/ 0 w 3574257"/>
+              <a:gd name="connsiteY1" fmla="*/ 0 h 1807368"/>
+              <a:gd name="connsiteX2" fmla="*/ 2040732 w 3574257"/>
+              <a:gd name="connsiteY2" fmla="*/ 2382 h 1807368"/>
+              <a:gd name="connsiteX3" fmla="*/ 3574257 w 3574257"/>
+              <a:gd name="connsiteY3" fmla="*/ 1807368 h 1807368"/>
+              <a:gd name="connsiteX4" fmla="*/ 2382 w 3574257"/>
+              <a:gd name="connsiteY4" fmla="*/ 1807368 h 1807368"/>
+              <a:gd name="connsiteX0" fmla="*/ 2382 w 3574257"/>
+              <a:gd name="connsiteY0" fmla="*/ 1807368 h 1807368"/>
+              <a:gd name="connsiteX1" fmla="*/ 0 w 3574257"/>
+              <a:gd name="connsiteY1" fmla="*/ 0 h 1807368"/>
+              <a:gd name="connsiteX2" fmla="*/ 1774032 w 3574257"/>
+              <a:gd name="connsiteY2" fmla="*/ 161925 h 1807368"/>
+              <a:gd name="connsiteX3" fmla="*/ 3574257 w 3574257"/>
+              <a:gd name="connsiteY3" fmla="*/ 1807368 h 1807368"/>
+              <a:gd name="connsiteX4" fmla="*/ 2382 w 3574257"/>
+              <a:gd name="connsiteY4" fmla="*/ 1807368 h 1807368"/>
+              <a:gd name="connsiteX0" fmla="*/ 2382 w 3574257"/>
+              <a:gd name="connsiteY0" fmla="*/ 1807368 h 1807368"/>
+              <a:gd name="connsiteX1" fmla="*/ 0 w 3574257"/>
+              <a:gd name="connsiteY1" fmla="*/ 0 h 1807368"/>
+              <a:gd name="connsiteX2" fmla="*/ 1969294 w 3574257"/>
+              <a:gd name="connsiteY2" fmla="*/ 21432 h 1807368"/>
+              <a:gd name="connsiteX3" fmla="*/ 3574257 w 3574257"/>
+              <a:gd name="connsiteY3" fmla="*/ 1807368 h 1807368"/>
+              <a:gd name="connsiteX4" fmla="*/ 2382 w 3574257"/>
+              <a:gd name="connsiteY4" fmla="*/ 1807368 h 1807368"/>
+              <a:gd name="connsiteX0" fmla="*/ 2382 w 3574257"/>
+              <a:gd name="connsiteY0" fmla="*/ 1807368 h 1807368"/>
+              <a:gd name="connsiteX1" fmla="*/ 0 w 3574257"/>
+              <a:gd name="connsiteY1" fmla="*/ 0 h 1807368"/>
+              <a:gd name="connsiteX2" fmla="*/ 1819275 w 3574257"/>
+              <a:gd name="connsiteY2" fmla="*/ 200026 h 1807368"/>
+              <a:gd name="connsiteX3" fmla="*/ 3574257 w 3574257"/>
+              <a:gd name="connsiteY3" fmla="*/ 1807368 h 1807368"/>
+              <a:gd name="connsiteX4" fmla="*/ 2382 w 3574257"/>
+              <a:gd name="connsiteY4" fmla="*/ 1807368 h 1807368"/>
+              <a:gd name="connsiteX0" fmla="*/ 2382 w 3574257"/>
+              <a:gd name="connsiteY0" fmla="*/ 1807368 h 1807368"/>
+              <a:gd name="connsiteX1" fmla="*/ 0 w 3574257"/>
+              <a:gd name="connsiteY1" fmla="*/ 0 h 1807368"/>
+              <a:gd name="connsiteX2" fmla="*/ 2045494 w 3574257"/>
+              <a:gd name="connsiteY2" fmla="*/ 1 h 1807368"/>
+              <a:gd name="connsiteX3" fmla="*/ 3574257 w 3574257"/>
+              <a:gd name="connsiteY3" fmla="*/ 1807368 h 1807368"/>
+              <a:gd name="connsiteX4" fmla="*/ 2382 w 3574257"/>
+              <a:gd name="connsiteY4" fmla="*/ 1807368 h 1807368"/>
+            </a:gdLst>
+            <a:ahLst/>
+            <a:cxnLst>
+              <a:cxn ang="0">
+                <a:pos x="connsiteX0" y="connsiteY0"/>
+              </a:cxn>
+              <a:cxn ang="0">
+                <a:pos x="connsiteX1" y="connsiteY1"/>
+              </a:cxn>
+              <a:cxn ang="0">
+                <a:pos x="connsiteX2" y="connsiteY2"/>
+              </a:cxn>
+              <a:cxn ang="0">
+                <a:pos x="connsiteX3" y="connsiteY3"/>
+              </a:cxn>
+              <a:cxn ang="0">
+                <a:pos x="connsiteX4" y="connsiteY4"/>
+              </a:cxn>
+            </a:cxnLst>
+            <a:rect l="l" t="t" r="r" b="b"/>
+            <a:pathLst>
+              <a:path w="3574257" h="1807368">
+                <a:moveTo>
+                  <a:pt x="2382" y="1807368"/>
+                </a:moveTo>
+                <a:lnTo>
+                  <a:pt x="0" y="0"/>
+                </a:lnTo>
+                <a:lnTo>
+                  <a:pt x="2045494" y="1"/>
+                </a:lnTo>
+                <a:lnTo>
+                  <a:pt x="3574257" y="1807368"/>
+                </a:lnTo>
+                <a:lnTo>
+                  <a:pt x="2382" y="1807368"/>
+                </a:lnTo>
+                <a:close/>
+              </a:path>
+            </a:pathLst>
+          </a:custGeom>
+          <a:solidFill>
+            <a:srgbClr val="FF7F4F"/>
+          </a:solidFill>
+          <a:ln>
+            <a:noFill/>
+          </a:ln>
+        </p:spPr>
+        <p:style>
+          <a:lnRef idx="2">
+            <a:schemeClr val="accent1">
+              <a:shade val="50000"/>
+            </a:schemeClr>
+          </a:lnRef>
+          <a:fillRef idx="1">
+            <a:schemeClr val="accent1"/>
+          </a:fillRef>
+          <a:effectRef idx="0">
+            <a:schemeClr val="accent1"/>
+          </a:effectRef>
+          <a:fontRef idx="minor">
+            <a:schemeClr val="lt1"/>
+          </a:fontRef>
+        </p:style>
+        <p:txBody>
+          <a:bodyPr rtlCol="0" anchor="ctr"/>
+          <a:lstStyle/>
+          <a:p>
+            <a:pPr algn="ctr"/>
+            <a:endParaRPr lang="en-US"/>
+          </a:p>
+        </p:txBody>
+      </p:sp>
+      <p:sp>
+        <p:nvSpPr>
+          <p:cNvPr id="5" name="Freeform 4"/>
+          <p:cNvSpPr/>
+          <p:nvPr/>
+        </p:nvSpPr>
+        <p:spPr>
+          <a:xfrm>
+            <a:off x="-2380" y="5951801"/>
+            <a:ext cx="9146380" cy="906200"/>
+          </a:xfrm>
+          <a:custGeom>
+            <a:avLst/>
+            <a:gdLst>
+              <a:gd name="connsiteX0" fmla="*/ 0 w 3350419"/>
+              <a:gd name="connsiteY0" fmla="*/ 2081213 h 2083594"/>
+              <a:gd name="connsiteX1" fmla="*/ 3031331 w 3350419"/>
+              <a:gd name="connsiteY1" fmla="*/ 0 h 2083594"/>
+              <a:gd name="connsiteX2" fmla="*/ 3350419 w 3350419"/>
+              <a:gd name="connsiteY2" fmla="*/ 80963 h 2083594"/>
+              <a:gd name="connsiteX3" fmla="*/ 3350419 w 3350419"/>
+              <a:gd name="connsiteY3" fmla="*/ 2083594 h 2083594"/>
+              <a:gd name="connsiteX4" fmla="*/ 0 w 3350419"/>
+              <a:gd name="connsiteY4" fmla="*/ 2081213 h 2083594"/>
+              <a:gd name="connsiteX0" fmla="*/ 0 w 3112294"/>
+              <a:gd name="connsiteY0" fmla="*/ 2019301 h 2083594"/>
+              <a:gd name="connsiteX1" fmla="*/ 2793206 w 3112294"/>
+              <a:gd name="connsiteY1" fmla="*/ 0 h 2083594"/>
+              <a:gd name="connsiteX2" fmla="*/ 3112294 w 3112294"/>
+              <a:gd name="connsiteY2" fmla="*/ 80963 h 2083594"/>
+              <a:gd name="connsiteX3" fmla="*/ 3112294 w 3112294"/>
+              <a:gd name="connsiteY3" fmla="*/ 2083594 h 2083594"/>
+              <a:gd name="connsiteX4" fmla="*/ 0 w 3112294"/>
+              <a:gd name="connsiteY4" fmla="*/ 2019301 h 2083594"/>
+              <a:gd name="connsiteX0" fmla="*/ 0 w 3345656"/>
+              <a:gd name="connsiteY0" fmla="*/ 2097882 h 2097882"/>
+              <a:gd name="connsiteX1" fmla="*/ 3026568 w 3345656"/>
+              <a:gd name="connsiteY1" fmla="*/ 0 h 2097882"/>
+              <a:gd name="connsiteX2" fmla="*/ 3345656 w 3345656"/>
+              <a:gd name="connsiteY2" fmla="*/ 80963 h 2097882"/>
+              <a:gd name="connsiteX3" fmla="*/ 3345656 w 3345656"/>
+              <a:gd name="connsiteY3" fmla="*/ 2083594 h 2097882"/>
+              <a:gd name="connsiteX4" fmla="*/ 0 w 3345656"/>
+              <a:gd name="connsiteY4" fmla="*/ 2097882 h 2097882"/>
+              <a:gd name="connsiteX0" fmla="*/ 0 w 2800350"/>
+              <a:gd name="connsiteY0" fmla="*/ 1935957 h 2083594"/>
+              <a:gd name="connsiteX1" fmla="*/ 2481262 w 2800350"/>
+              <a:gd name="connsiteY1" fmla="*/ 0 h 2083594"/>
+              <a:gd name="connsiteX2" fmla="*/ 2800350 w 2800350"/>
+              <a:gd name="connsiteY2" fmla="*/ 80963 h 2083594"/>
+              <a:gd name="connsiteX3" fmla="*/ 2800350 w 2800350"/>
+              <a:gd name="connsiteY3" fmla="*/ 2083594 h 2083594"/>
+              <a:gd name="connsiteX4" fmla="*/ 0 w 2800350"/>
+              <a:gd name="connsiteY4" fmla="*/ 1935957 h 2083594"/>
+              <a:gd name="connsiteX0" fmla="*/ 0 w 3352800"/>
+              <a:gd name="connsiteY0" fmla="*/ 2083594 h 2083594"/>
+              <a:gd name="connsiteX1" fmla="*/ 3033712 w 3352800"/>
+              <a:gd name="connsiteY1" fmla="*/ 0 h 2083594"/>
+              <a:gd name="connsiteX2" fmla="*/ 3352800 w 3352800"/>
+              <a:gd name="connsiteY2" fmla="*/ 80963 h 2083594"/>
+              <a:gd name="connsiteX3" fmla="*/ 3352800 w 3352800"/>
+              <a:gd name="connsiteY3" fmla="*/ 2083594 h 2083594"/>
+              <a:gd name="connsiteX4" fmla="*/ 0 w 3352800"/>
+              <a:gd name="connsiteY4" fmla="*/ 2083594 h 2083594"/>
+              <a:gd name="connsiteX0" fmla="*/ 0 w 3352800"/>
+              <a:gd name="connsiteY0" fmla="*/ 2002631 h 2002631"/>
+              <a:gd name="connsiteX1" fmla="*/ 3033712 w 3352800"/>
+              <a:gd name="connsiteY1" fmla="*/ 157162 h 2002631"/>
+              <a:gd name="connsiteX2" fmla="*/ 3352800 w 3352800"/>
+              <a:gd name="connsiteY2" fmla="*/ 0 h 2002631"/>
+              <a:gd name="connsiteX3" fmla="*/ 3352800 w 3352800"/>
+              <a:gd name="connsiteY3" fmla="*/ 2002631 h 2002631"/>
+              <a:gd name="connsiteX4" fmla="*/ 0 w 3352800"/>
+              <a:gd name="connsiteY4" fmla="*/ 2002631 h 2002631"/>
+              <a:gd name="connsiteX0" fmla="*/ 0 w 3352800"/>
+              <a:gd name="connsiteY0" fmla="*/ 2002631 h 2002631"/>
+              <a:gd name="connsiteX1" fmla="*/ 2988469 w 3352800"/>
+              <a:gd name="connsiteY1" fmla="*/ 59530 h 2002631"/>
+              <a:gd name="connsiteX2" fmla="*/ 3352800 w 3352800"/>
+              <a:gd name="connsiteY2" fmla="*/ 0 h 2002631"/>
+              <a:gd name="connsiteX3" fmla="*/ 3352800 w 3352800"/>
+              <a:gd name="connsiteY3" fmla="*/ 2002631 h 2002631"/>
+              <a:gd name="connsiteX4" fmla="*/ 0 w 3352800"/>
+              <a:gd name="connsiteY4" fmla="*/ 2002631 h 2002631"/>
+              <a:gd name="connsiteX0" fmla="*/ 0 w 3352800"/>
+              <a:gd name="connsiteY0" fmla="*/ 2002631 h 2002631"/>
+              <a:gd name="connsiteX1" fmla="*/ 2833966 w 3352800"/>
+              <a:gd name="connsiteY1" fmla="*/ 425 h 2002631"/>
+              <a:gd name="connsiteX2" fmla="*/ 3352800 w 3352800"/>
+              <a:gd name="connsiteY2" fmla="*/ 0 h 2002631"/>
+              <a:gd name="connsiteX3" fmla="*/ 3352800 w 3352800"/>
+              <a:gd name="connsiteY3" fmla="*/ 2002631 h 2002631"/>
+              <a:gd name="connsiteX4" fmla="*/ 0 w 3352800"/>
+              <a:gd name="connsiteY4" fmla="*/ 2002631 h 2002631"/>
+              <a:gd name="connsiteX0" fmla="*/ 0 w 3352800"/>
+              <a:gd name="connsiteY0" fmla="*/ 2002631 h 2002631"/>
+              <a:gd name="connsiteX1" fmla="*/ 2845314 w 3352800"/>
+              <a:gd name="connsiteY1" fmla="*/ 12246 h 2002631"/>
+              <a:gd name="connsiteX2" fmla="*/ 3352800 w 3352800"/>
+              <a:gd name="connsiteY2" fmla="*/ 0 h 2002631"/>
+              <a:gd name="connsiteX3" fmla="*/ 3352800 w 3352800"/>
+              <a:gd name="connsiteY3" fmla="*/ 2002631 h 2002631"/>
+              <a:gd name="connsiteX4" fmla="*/ 0 w 3352800"/>
+              <a:gd name="connsiteY4" fmla="*/ 2002631 h 2002631"/>
+              <a:gd name="connsiteX0" fmla="*/ 0 w 3352800"/>
+              <a:gd name="connsiteY0" fmla="*/ 2002631 h 2002631"/>
+              <a:gd name="connsiteX1" fmla="*/ 2834839 w 3352800"/>
+              <a:gd name="connsiteY1" fmla="*/ 425 h 2002631"/>
+              <a:gd name="connsiteX2" fmla="*/ 3352800 w 3352800"/>
+              <a:gd name="connsiteY2" fmla="*/ 0 h 2002631"/>
+              <a:gd name="connsiteX3" fmla="*/ 3352800 w 3352800"/>
+              <a:gd name="connsiteY3" fmla="*/ 2002631 h 2002631"/>
+              <a:gd name="connsiteX4" fmla="*/ 0 w 3352800"/>
+              <a:gd name="connsiteY4" fmla="*/ 2002631 h 2002631"/>
+              <a:gd name="connsiteX0" fmla="*/ 0 w 3352800"/>
+              <a:gd name="connsiteY0" fmla="*/ 2002631 h 2002631"/>
+              <a:gd name="connsiteX1" fmla="*/ 2875865 w 3352800"/>
+              <a:gd name="connsiteY1" fmla="*/ 81782 h 2002631"/>
+              <a:gd name="connsiteX2" fmla="*/ 3352800 w 3352800"/>
+              <a:gd name="connsiteY2" fmla="*/ 0 h 2002631"/>
+              <a:gd name="connsiteX3" fmla="*/ 3352800 w 3352800"/>
+              <a:gd name="connsiteY3" fmla="*/ 2002631 h 2002631"/>
+              <a:gd name="connsiteX4" fmla="*/ 0 w 3352800"/>
+              <a:gd name="connsiteY4" fmla="*/ 2002631 h 2002631"/>
+              <a:gd name="connsiteX0" fmla="*/ 0 w 3352800"/>
+              <a:gd name="connsiteY0" fmla="*/ 2002901 h 2002901"/>
+              <a:gd name="connsiteX1" fmla="*/ 2836585 w 3352800"/>
+              <a:gd name="connsiteY1" fmla="*/ 0 h 2002901"/>
+              <a:gd name="connsiteX2" fmla="*/ 3352800 w 3352800"/>
+              <a:gd name="connsiteY2" fmla="*/ 270 h 2002901"/>
+              <a:gd name="connsiteX3" fmla="*/ 3352800 w 3352800"/>
+              <a:gd name="connsiteY3" fmla="*/ 2002901 h 2002901"/>
+              <a:gd name="connsiteX4" fmla="*/ 0 w 3352800"/>
+              <a:gd name="connsiteY4" fmla="*/ 2002901 h 2002901"/>
+              <a:gd name="connsiteX0" fmla="*/ 0 w 3352800"/>
+              <a:gd name="connsiteY0" fmla="*/ 2002631 h 2002631"/>
+              <a:gd name="connsiteX1" fmla="*/ 754045 w 3352800"/>
+              <a:gd name="connsiteY1" fmla="*/ 1468326 h 2002631"/>
+              <a:gd name="connsiteX2" fmla="*/ 3352800 w 3352800"/>
+              <a:gd name="connsiteY2" fmla="*/ 0 h 2002631"/>
+              <a:gd name="connsiteX3" fmla="*/ 3352800 w 3352800"/>
+              <a:gd name="connsiteY3" fmla="*/ 2002631 h 2002631"/>
+              <a:gd name="connsiteX4" fmla="*/ 0 w 3352800"/>
+              <a:gd name="connsiteY4" fmla="*/ 2002631 h 2002631"/>
+              <a:gd name="connsiteX0" fmla="*/ 0 w 3352800"/>
+              <a:gd name="connsiteY0" fmla="*/ 534305 h 534305"/>
+              <a:gd name="connsiteX1" fmla="*/ 754045 w 3352800"/>
+              <a:gd name="connsiteY1" fmla="*/ 0 h 534305"/>
+              <a:gd name="connsiteX2" fmla="*/ 3352800 w 3352800"/>
+              <a:gd name="connsiteY2" fmla="*/ 7687 h 534305"/>
+              <a:gd name="connsiteX3" fmla="*/ 3352800 w 3352800"/>
+              <a:gd name="connsiteY3" fmla="*/ 534305 h 534305"/>
+              <a:gd name="connsiteX4" fmla="*/ 0 w 3352800"/>
+              <a:gd name="connsiteY4" fmla="*/ 534305 h 534305"/>
+              <a:gd name="connsiteX0" fmla="*/ 0 w 3352800"/>
+              <a:gd name="connsiteY0" fmla="*/ 534305 h 534305"/>
+              <a:gd name="connsiteX1" fmla="*/ 754045 w 3352800"/>
+              <a:gd name="connsiteY1" fmla="*/ 0 h 534305"/>
+              <a:gd name="connsiteX2" fmla="*/ 3352800 w 3352800"/>
+              <a:gd name="connsiteY2" fmla="*/ 7687 h 534305"/>
+              <a:gd name="connsiteX3" fmla="*/ 3352800 w 3352800"/>
+              <a:gd name="connsiteY3" fmla="*/ 534305 h 534305"/>
+              <a:gd name="connsiteX4" fmla="*/ 0 w 3352800"/>
+              <a:gd name="connsiteY4" fmla="*/ 534305 h 534305"/>
+              <a:gd name="connsiteX0" fmla="*/ 0 w 3352800"/>
+              <a:gd name="connsiteY0" fmla="*/ 526618 h 526618"/>
+              <a:gd name="connsiteX1" fmla="*/ 980611 w 3352800"/>
+              <a:gd name="connsiteY1" fmla="*/ 93681 h 526618"/>
+              <a:gd name="connsiteX2" fmla="*/ 3352800 w 3352800"/>
+              <a:gd name="connsiteY2" fmla="*/ 0 h 526618"/>
+              <a:gd name="connsiteX3" fmla="*/ 3352800 w 3352800"/>
+              <a:gd name="connsiteY3" fmla="*/ 526618 h 526618"/>
+              <a:gd name="connsiteX4" fmla="*/ 0 w 3352800"/>
+              <a:gd name="connsiteY4" fmla="*/ 526618 h 526618"/>
+              <a:gd name="connsiteX0" fmla="*/ 0 w 3352800"/>
+              <a:gd name="connsiteY0" fmla="*/ 526888 h 526888"/>
+              <a:gd name="connsiteX1" fmla="*/ 744735 w 3352800"/>
+              <a:gd name="connsiteY1" fmla="*/ 0 h 526888"/>
+              <a:gd name="connsiteX2" fmla="*/ 3352800 w 3352800"/>
+              <a:gd name="connsiteY2" fmla="*/ 270 h 526888"/>
+              <a:gd name="connsiteX3" fmla="*/ 3352800 w 3352800"/>
+              <a:gd name="connsiteY3" fmla="*/ 526888 h 526888"/>
+              <a:gd name="connsiteX4" fmla="*/ 0 w 3352800"/>
+              <a:gd name="connsiteY4" fmla="*/ 526888 h 526888"/>
+              <a:gd name="connsiteX0" fmla="*/ 0 w 3352800"/>
+              <a:gd name="connsiteY0" fmla="*/ 526618 h 526618"/>
+              <a:gd name="connsiteX1" fmla="*/ 811948 w 3352800"/>
+              <a:gd name="connsiteY1" fmla="*/ 60921 h 526618"/>
+              <a:gd name="connsiteX2" fmla="*/ 3352800 w 3352800"/>
+              <a:gd name="connsiteY2" fmla="*/ 0 h 526618"/>
+              <a:gd name="connsiteX3" fmla="*/ 3352800 w 3352800"/>
+              <a:gd name="connsiteY3" fmla="*/ 526618 h 526618"/>
+              <a:gd name="connsiteX4" fmla="*/ 0 w 3352800"/>
+              <a:gd name="connsiteY4" fmla="*/ 526618 h 526618"/>
+              <a:gd name="connsiteX0" fmla="*/ 0 w 3352800"/>
+              <a:gd name="connsiteY0" fmla="*/ 527584 h 527584"/>
+              <a:gd name="connsiteX1" fmla="*/ 751718 w 3352800"/>
+              <a:gd name="connsiteY1" fmla="*/ 0 h 527584"/>
+              <a:gd name="connsiteX2" fmla="*/ 3352800 w 3352800"/>
+              <a:gd name="connsiteY2" fmla="*/ 966 h 527584"/>
+              <a:gd name="connsiteX3" fmla="*/ 3352800 w 3352800"/>
+              <a:gd name="connsiteY3" fmla="*/ 527584 h 527584"/>
+              <a:gd name="connsiteX4" fmla="*/ 0 w 3352800"/>
+              <a:gd name="connsiteY4" fmla="*/ 527584 h 527584"/>
+              <a:gd name="connsiteX0" fmla="*/ 0 w 3352800"/>
+              <a:gd name="connsiteY0" fmla="*/ 527584 h 527584"/>
+              <a:gd name="connsiteX1" fmla="*/ 751718 w 3352800"/>
+              <a:gd name="connsiteY1" fmla="*/ 0 h 527584"/>
+              <a:gd name="connsiteX2" fmla="*/ 3241069 w 3352800"/>
+              <a:gd name="connsiteY2" fmla="*/ 94144 h 527584"/>
+              <a:gd name="connsiteX3" fmla="*/ 3352800 w 3352800"/>
+              <a:gd name="connsiteY3" fmla="*/ 527584 h 527584"/>
+              <a:gd name="connsiteX4" fmla="*/ 0 w 3352800"/>
+              <a:gd name="connsiteY4" fmla="*/ 527584 h 527584"/>
+              <a:gd name="connsiteX0" fmla="*/ 0 w 3352800"/>
+              <a:gd name="connsiteY0" fmla="*/ 527584 h 527584"/>
+              <a:gd name="connsiteX1" fmla="*/ 751718 w 3352800"/>
+              <a:gd name="connsiteY1" fmla="*/ 0 h 527584"/>
+              <a:gd name="connsiteX2" fmla="*/ 3352800 w 3352800"/>
+              <a:gd name="connsiteY2" fmla="*/ 271 h 527584"/>
+              <a:gd name="connsiteX3" fmla="*/ 3352800 w 3352800"/>
+              <a:gd name="connsiteY3" fmla="*/ 527584 h 527584"/>
+              <a:gd name="connsiteX4" fmla="*/ 0 w 3352800"/>
+              <a:gd name="connsiteY4" fmla="*/ 527584 h 527584"/>
+              <a:gd name="connsiteX0" fmla="*/ 0 w 3352800"/>
+              <a:gd name="connsiteY0" fmla="*/ 527313 h 527313"/>
+              <a:gd name="connsiteX1" fmla="*/ 900984 w 3352800"/>
+              <a:gd name="connsiteY1" fmla="*/ 97774 h 527313"/>
+              <a:gd name="connsiteX2" fmla="*/ 3352800 w 3352800"/>
+              <a:gd name="connsiteY2" fmla="*/ 0 h 527313"/>
+              <a:gd name="connsiteX3" fmla="*/ 3352800 w 3352800"/>
+              <a:gd name="connsiteY3" fmla="*/ 527313 h 527313"/>
+              <a:gd name="connsiteX4" fmla="*/ 0 w 3352800"/>
+              <a:gd name="connsiteY4" fmla="*/ 527313 h 527313"/>
+              <a:gd name="connsiteX0" fmla="*/ 0 w 3352800"/>
+              <a:gd name="connsiteY0" fmla="*/ 527584 h 527584"/>
+              <a:gd name="connsiteX1" fmla="*/ 748227 w 3352800"/>
+              <a:gd name="connsiteY1" fmla="*/ 0 h 527584"/>
+              <a:gd name="connsiteX2" fmla="*/ 3352800 w 3352800"/>
+              <a:gd name="connsiteY2" fmla="*/ 271 h 527584"/>
+              <a:gd name="connsiteX3" fmla="*/ 3352800 w 3352800"/>
+              <a:gd name="connsiteY3" fmla="*/ 527584 h 527584"/>
+              <a:gd name="connsiteX4" fmla="*/ 0 w 3352800"/>
+              <a:gd name="connsiteY4" fmla="*/ 527584 h 527584"/>
+              <a:gd name="connsiteX0" fmla="*/ 0 w 3352800"/>
+              <a:gd name="connsiteY0" fmla="*/ 527313 h 527313"/>
+              <a:gd name="connsiteX1" fmla="*/ 378118 w 3352800"/>
+              <a:gd name="connsiteY1" fmla="*/ 21980 h 527313"/>
+              <a:gd name="connsiteX2" fmla="*/ 3352800 w 3352800"/>
+              <a:gd name="connsiteY2" fmla="*/ 0 h 527313"/>
+              <a:gd name="connsiteX3" fmla="*/ 3352800 w 3352800"/>
+              <a:gd name="connsiteY3" fmla="*/ 527313 h 527313"/>
+              <a:gd name="connsiteX4" fmla="*/ 0 w 3352800"/>
+              <a:gd name="connsiteY4" fmla="*/ 527313 h 527313"/>
+              <a:gd name="connsiteX0" fmla="*/ 0 w 3352800"/>
+              <a:gd name="connsiteY0" fmla="*/ 527313 h 527313"/>
+              <a:gd name="connsiteX1" fmla="*/ 398129 w 3352800"/>
+              <a:gd name="connsiteY1" fmla="*/ 6039 h 527313"/>
+              <a:gd name="connsiteX2" fmla="*/ 3352800 w 3352800"/>
+              <a:gd name="connsiteY2" fmla="*/ 0 h 527313"/>
+              <a:gd name="connsiteX3" fmla="*/ 3352800 w 3352800"/>
+              <a:gd name="connsiteY3" fmla="*/ 527313 h 527313"/>
+              <a:gd name="connsiteX4" fmla="*/ 0 w 3352800"/>
+              <a:gd name="connsiteY4" fmla="*/ 527313 h 527313"/>
+              <a:gd name="connsiteX0" fmla="*/ 0 w 3352800"/>
+              <a:gd name="connsiteY0" fmla="*/ 529245 h 529245"/>
+              <a:gd name="connsiteX1" fmla="*/ 403132 w 3352800"/>
+              <a:gd name="connsiteY1" fmla="*/ 0 h 529245"/>
+              <a:gd name="connsiteX2" fmla="*/ 3352800 w 3352800"/>
+              <a:gd name="connsiteY2" fmla="*/ 1932 h 529245"/>
+              <a:gd name="connsiteX3" fmla="*/ 3352800 w 3352800"/>
+              <a:gd name="connsiteY3" fmla="*/ 529245 h 529245"/>
+              <a:gd name="connsiteX4" fmla="*/ 0 w 3352800"/>
+              <a:gd name="connsiteY4" fmla="*/ 529245 h 529245"/>
+            </a:gdLst>
+            <a:ahLst/>
+            <a:cxnLst>
+              <a:cxn ang="0">
+                <a:pos x="connsiteX0" y="connsiteY0"/>
+              </a:cxn>
+              <a:cxn ang="0">
+                <a:pos x="connsiteX1" y="connsiteY1"/>
+              </a:cxn>
+              <a:cxn ang="0">
+                <a:pos x="connsiteX2" y="connsiteY2"/>
+              </a:cxn>
+              <a:cxn ang="0">
+                <a:pos x="connsiteX3" y="connsiteY3"/>
+              </a:cxn>
+              <a:cxn ang="0">
+                <a:pos x="connsiteX4" y="connsiteY4"/>
+              </a:cxn>
+            </a:cxnLst>
+            <a:rect l="l" t="t" r="r" b="b"/>
+            <a:pathLst>
+              <a:path w="3352800" h="529245">
+                <a:moveTo>
+                  <a:pt x="0" y="529245"/>
+                </a:moveTo>
+                <a:lnTo>
+                  <a:pt x="403132" y="0"/>
+                </a:lnTo>
+                <a:lnTo>
+                  <a:pt x="3352800" y="1932"/>
+                </a:lnTo>
+                <a:lnTo>
+                  <a:pt x="3352800" y="529245"/>
+                </a:lnTo>
+                <a:lnTo>
+                  <a:pt x="0" y="529245"/>
+                </a:lnTo>
+                <a:close/>
+              </a:path>
+            </a:pathLst>
+          </a:custGeom>
+          <a:solidFill>
+            <a:srgbClr val="4F6FFF">
+              <a:alpha val="80000"/>
+            </a:srgbClr>
+          </a:solidFill>
+          <a:ln>
+            <a:noFill/>
+          </a:ln>
+        </p:spPr>
+        <p:style>
+          <a:lnRef idx="2">
+            <a:schemeClr val="accent1">
+              <a:shade val="50000"/>
+            </a:schemeClr>
+          </a:lnRef>
+          <a:fillRef idx="1">
+            <a:schemeClr val="accent1"/>
+          </a:fillRef>
+          <a:effectRef idx="0">
+            <a:schemeClr val="accent1"/>
+          </a:effectRef>
+          <a:fontRef idx="minor">
+            <a:schemeClr val="lt1"/>
+          </a:fontRef>
+        </p:style>
+        <p:txBody>
+          <a:bodyPr rtlCol="0" anchor="ctr"/>
+          <a:lstStyle/>
+          <a:p>
+            <a:pPr algn="ctr"/>
+            <a:endParaRPr lang="en-US" dirty="0"/>
+          </a:p>
+        </p:txBody>
+      </p:sp>
+      <p:pic>
+        <p:nvPicPr>
+          <p:cNvPr id="9" name="Picture 2" descr="D:\Anodiam\Docs\ProjectExecution\BA\ImageResources\AnodiamFullLogo.bmp"/>
+          <p:cNvPicPr>
+            <a:picLocks noChangeAspect="1" noChangeArrowheads="1"/>
+          </p:cNvPicPr>
+          <p:nvPr/>
+        </p:nvPicPr>
+        <p:blipFill>
+          <a:blip r:embed="rId4">
+            <a:extLst>
+              <a:ext uri="{28A0092B-C50C-407E-A947-70E740481C1C}">
+                <a14:useLocalDpi xmlns:a14="http://schemas.microsoft.com/office/drawing/2010/main" val="0"/>
+              </a:ext>
+            </a:extLst>
+          </a:blip>
+          <a:srcRect/>
+          <a:stretch>
+            <a:fillRect/>
+          </a:stretch>
+        </p:blipFill>
+        <p:spPr bwMode="auto">
+          <a:xfrm>
+            <a:off x="179512" y="188640"/>
+            <a:ext cx="1728192" cy="555987"/>
+          </a:xfrm>
+          <a:prstGeom prst="rect">
+            <a:avLst/>
+          </a:prstGeom>
+          <a:noFill/>
+          <a:extLst>
+            <a:ext uri="{909E8E84-426E-40DD-AFC4-6F175D3DCCD1}">
+              <a14:hiddenFill xmlns:a14="http://schemas.microsoft.com/office/drawing/2010/main">
+                <a:solidFill>
+                  <a:srgbClr val="FFFFFF"/>
+                </a:solidFill>
+              </a14:hiddenFill>
+            </a:ext>
+          </a:extLst>
+        </p:spPr>
+      </p:pic>
+      <p:sp>
+        <p:nvSpPr>
+          <p:cNvPr id="11" name="Footer Placeholder 4"/>
+          <p:cNvSpPr>
+            <a:spLocks noGrp="1"/>
+          </p:cNvSpPr>
+          <p:nvPr>
+            <p:ph type="ftr" sz="quarter" idx="4294967295"/>
+          </p:nvPr>
+        </p:nvSpPr>
+        <p:spPr>
+          <a:xfrm>
+            <a:off x="3517514" y="6285122"/>
+            <a:ext cx="4724400" cy="274320"/>
+          </a:xfrm>
+          <a:prstGeom prst="rect">
+            <a:avLst/>
+          </a:prstGeom>
+        </p:spPr>
+        <p:txBody>
+          <a:bodyPr vert="horz" lIns="91440" tIns="45720" rIns="91440" bIns="45720" rtlCol="0" anchor="ctr"/>
+          <a:lstStyle>
+            <a:lvl1pPr algn="r">
+              <a:defRPr sz="1000" b="1" cap="all" spc="200" baseline="0">
+                <a:solidFill>
+                  <a:srgbClr val="FFFFFF"/>
+                </a:solidFill>
+              </a:defRPr>
+            </a:lvl1pPr>
+          </a:lstStyle>
+          <a:p>
+            <a:r>
+              <a:rPr lang="en-AU" dirty="0" smtClean="0"/>
+              <a:t>© Protected </a:t>
+            </a:r>
+            <a:r>
+              <a:rPr lang="en-AU" dirty="0" err="1" smtClean="0"/>
+              <a:t>Anodiam</a:t>
+            </a:r>
+            <a:r>
+              <a:rPr lang="en-AU" dirty="0" smtClean="0"/>
+              <a:t> 2020</a:t>
+            </a:r>
+            <a:endParaRPr lang="en-AU" dirty="0"/>
+          </a:p>
+        </p:txBody>
+      </p:sp>
+      <p:sp>
+        <p:nvSpPr>
+          <p:cNvPr id="12" name="Slide Number Placeholder 5"/>
+          <p:cNvSpPr>
+            <a:spLocks noGrp="1"/>
+          </p:cNvSpPr>
+          <p:nvPr>
+            <p:ph type="sldNum" sz="quarter" idx="4294967295"/>
+          </p:nvPr>
+        </p:nvSpPr>
+        <p:spPr>
+          <a:xfrm>
+            <a:off x="8401038" y="6170822"/>
+            <a:ext cx="502920" cy="502920"/>
+          </a:xfrm>
+          <a:prstGeom prst="ellipse">
+            <a:avLst/>
+          </a:prstGeom>
+          <a:ln w="19050">
+            <a:solidFill>
+              <a:srgbClr val="FFFFFF"/>
+            </a:solidFill>
+          </a:ln>
+        </p:spPr>
+        <p:txBody>
+          <a:bodyPr vert="horz" lIns="9144" tIns="9144" rIns="9144" bIns="9144" rtlCol="0" anchor="ctr">
+            <a:normAutofit/>
+          </a:bodyPr>
+          <a:lstStyle>
+            <a:lvl1pPr algn="ctr">
+              <a:defRPr sz="1650">
+                <a:solidFill>
+                  <a:srgbClr val="FFFFFF"/>
+                </a:solidFill>
+              </a:defRPr>
+            </a:lvl1pPr>
+          </a:lstStyle>
+          <a:p>
+            <a:fld id="{6C6DB775-3259-4DA2-8D46-167E4B8900DC}" type="slidenum">
+              <a:rPr lang="en-AU" smtClean="0"/>
+              <a:t>3</a:t>
+            </a:fld>
+            <a:endParaRPr lang="en-AU" dirty="0"/>
+          </a:p>
+        </p:txBody>
+      </p:sp>
+      <p:sp>
+        <p:nvSpPr>
+          <p:cNvPr id="2" name="TextBox 1"/>
+          <p:cNvSpPr txBox="1"/>
+          <p:nvPr/>
+        </p:nvSpPr>
+        <p:spPr>
+          <a:xfrm>
+            <a:off x="1950819" y="323364"/>
+            <a:ext cx="1685077" cy="369332"/>
+          </a:xfrm>
+          <a:prstGeom prst="rect">
+            <a:avLst/>
+          </a:prstGeom>
+          <a:noFill/>
+        </p:spPr>
+        <p:txBody>
+          <a:bodyPr wrap="none" rtlCol="0">
+            <a:spAutoFit/>
+          </a:bodyPr>
+          <a:lstStyle/>
+          <a:p>
+            <a:r>
+              <a:rPr lang="en-AU" b="1" dirty="0" smtClean="0">
+                <a:solidFill>
+                  <a:srgbClr val="0F0F7F"/>
+                </a:solidFill>
+                <a:latin typeface="Arial" panose="020B0604020202020204" pitchFamily="34" charset="0"/>
+                <a:cs typeface="Arial" panose="020B0604020202020204" pitchFamily="34" charset="0"/>
+              </a:rPr>
+              <a:t>How it works:</a:t>
+            </a:r>
+            <a:endParaRPr lang="en-AU" b="1" dirty="0">
+              <a:solidFill>
+                <a:srgbClr val="0F0F7F"/>
+              </a:solidFill>
+              <a:latin typeface="Arial" panose="020B0604020202020204" pitchFamily="34" charset="0"/>
+              <a:cs typeface="Arial" panose="020B0604020202020204" pitchFamily="34" charset="0"/>
+            </a:endParaRPr>
+          </a:p>
+        </p:txBody>
+      </p:sp>
+      <p:pic>
+        <p:nvPicPr>
+          <p:cNvPr id="1031" name="Picture 7"/>
+          <p:cNvPicPr>
+            <a:picLocks noChangeAspect="1" noChangeArrowheads="1"/>
+          </p:cNvPicPr>
+          <p:nvPr/>
+        </p:nvPicPr>
+        <p:blipFill>
+          <a:blip r:embed="rId5" cstate="print">
+            <a:extLst>
+              <a:ext uri="{28A0092B-C50C-407E-A947-70E740481C1C}">
+                <a14:useLocalDpi xmlns:a14="http://schemas.microsoft.com/office/drawing/2010/main" val="0"/>
+              </a:ext>
+            </a:extLst>
+          </a:blip>
+          <a:srcRect/>
+          <a:stretch>
+            <a:fillRect/>
+          </a:stretch>
+        </p:blipFill>
+        <p:spPr bwMode="auto">
+          <a:xfrm flipH="1">
+            <a:off x="519221" y="836712"/>
+            <a:ext cx="668403" cy="1124308"/>
+          </a:xfrm>
+          <a:prstGeom prst="rect">
+            <a:avLst/>
+          </a:prstGeom>
+          <a:noFill/>
+          <a:ln>
+            <a:noFill/>
+          </a:ln>
+          <a:extLst>
+            <a:ext uri="{909E8E84-426E-40DD-AFC4-6F175D3DCCD1}">
+              <a14:hiddenFill xmlns:a14="http://schemas.microsoft.com/office/drawing/2010/main">
+                <a:solidFill>
+                  <a:schemeClr val="accent1"/>
+                </a:solidFill>
+              </a14:hiddenFill>
+            </a:ext>
+            <a:ext uri="{91240B29-F687-4F45-9708-019B960494DF}">
+              <a14:hiddenLine xmlns:a14="http://schemas.microsoft.com/office/drawing/2010/main" w="9525">
+                <a:solidFill>
+                  <a:schemeClr val="tx1"/>
+                </a:solidFill>
+                <a:miter lim="800000"/>
+                <a:headEnd/>
+                <a:tailEnd/>
+              </a14:hiddenLine>
+            </a:ext>
+          </a:extLst>
+        </p:spPr>
+      </p:pic>
+      <p:pic>
+        <p:nvPicPr>
+          <p:cNvPr id="1032" name="Picture 8"/>
+          <p:cNvPicPr>
+            <a:picLocks noChangeAspect="1" noChangeArrowheads="1"/>
+          </p:cNvPicPr>
+          <p:nvPr/>
+        </p:nvPicPr>
+        <p:blipFill>
+          <a:blip r:embed="rId6">
+            <a:extLst>
+              <a:ext uri="{28A0092B-C50C-407E-A947-70E740481C1C}">
+                <a14:useLocalDpi xmlns:a14="http://schemas.microsoft.com/office/drawing/2010/main" val="0"/>
+              </a:ext>
+            </a:extLst>
+          </a:blip>
+          <a:srcRect/>
+          <a:stretch>
+            <a:fillRect/>
+          </a:stretch>
+        </p:blipFill>
+        <p:spPr bwMode="auto">
+          <a:xfrm>
+            <a:off x="586612" y="2825387"/>
+            <a:ext cx="817036" cy="1179677"/>
+          </a:xfrm>
+          <a:prstGeom prst="rect">
+            <a:avLst/>
+          </a:prstGeom>
+          <a:noFill/>
+          <a:ln>
+            <a:noFill/>
+          </a:ln>
+          <a:extLst>
+            <a:ext uri="{909E8E84-426E-40DD-AFC4-6F175D3DCCD1}">
+              <a14:hiddenFill xmlns:a14="http://schemas.microsoft.com/office/drawing/2010/main">
+                <a:solidFill>
+                  <a:schemeClr val="accent1"/>
+                </a:solidFill>
+              </a14:hiddenFill>
+            </a:ext>
+            <a:ext uri="{91240B29-F687-4F45-9708-019B960494DF}">
+              <a14:hiddenLine xmlns:a14="http://schemas.microsoft.com/office/drawing/2010/main" w="9525">
+                <a:solidFill>
+                  <a:schemeClr val="tx1"/>
+                </a:solidFill>
+                <a:miter lim="800000"/>
+                <a:headEnd/>
+                <a:tailEnd/>
+              </a14:hiddenLine>
+            </a:ext>
+          </a:extLst>
+        </p:spPr>
+      </p:pic>
+      <p:sp>
+        <p:nvSpPr>
+          <p:cNvPr id="3" name="Right Arrow 2"/>
+          <p:cNvSpPr/>
+          <p:nvPr/>
+        </p:nvSpPr>
+        <p:spPr>
+          <a:xfrm>
+            <a:off x="1275743" y="908262"/>
+            <a:ext cx="1668965" cy="1008570"/>
+          </a:xfrm>
+          <a:prstGeom prst="rightArrow">
+            <a:avLst/>
+          </a:prstGeom>
+        </p:spPr>
+        <p:style>
+          <a:lnRef idx="2">
+            <a:schemeClr val="accent1">
+              <a:shade val="50000"/>
+            </a:schemeClr>
+          </a:lnRef>
+          <a:fillRef idx="1">
+            <a:schemeClr val="accent1"/>
+          </a:fillRef>
+          <a:effectRef idx="0">
+            <a:schemeClr val="accent1"/>
+          </a:effectRef>
+          <a:fontRef idx="minor">
+            <a:schemeClr val="lt1"/>
+          </a:fontRef>
+        </p:style>
+        <p:txBody>
+          <a:bodyPr rtlCol="0" anchor="ctr"/>
+          <a:lstStyle/>
+          <a:p>
+            <a:pPr algn="ctr"/>
+            <a:endParaRPr lang="en-AU"/>
+          </a:p>
+        </p:txBody>
+      </p:sp>
+      <p:sp>
+        <p:nvSpPr>
+          <p:cNvPr id="4" name="TextBox 3"/>
+          <p:cNvSpPr txBox="1"/>
+          <p:nvPr/>
+        </p:nvSpPr>
+        <p:spPr>
+          <a:xfrm>
+            <a:off x="1275744" y="1124744"/>
+            <a:ext cx="1668964" cy="523220"/>
+          </a:xfrm>
+          <a:prstGeom prst="rect">
+            <a:avLst/>
+          </a:prstGeom>
+          <a:noFill/>
+        </p:spPr>
+        <p:txBody>
+          <a:bodyPr wrap="square" rtlCol="0">
+            <a:spAutoFit/>
+          </a:bodyPr>
+          <a:lstStyle/>
+          <a:p>
+            <a:r>
+              <a:rPr lang="en-AU" sz="1400" dirty="0" smtClean="0"/>
+              <a:t>Uploading videos , test papers</a:t>
+            </a:r>
+            <a:endParaRPr lang="en-AU" sz="1400" dirty="0"/>
+          </a:p>
+        </p:txBody>
+      </p:sp>
+      <p:pic>
+        <p:nvPicPr>
+          <p:cNvPr id="19" name="Picture 8" descr="C:\Users\Ananya\AppData\Local\Microsoft\Windows\INetCache\IE\OFANBTC2\teacher[1].jpg"/>
+          <p:cNvPicPr>
+            <a:picLocks noChangeAspect="1" noChangeArrowheads="1"/>
+          </p:cNvPicPr>
+          <p:nvPr/>
+        </p:nvPicPr>
+        <p:blipFill>
+          <a:blip r:embed="rId7" cstate="print">
+            <a:extLst>
+              <a:ext uri="{28A0092B-C50C-407E-A947-70E740481C1C}">
+                <a14:useLocalDpi xmlns:a14="http://schemas.microsoft.com/office/drawing/2010/main" val="0"/>
+              </a:ext>
+            </a:extLst>
+          </a:blip>
+          <a:srcRect/>
+          <a:stretch>
+            <a:fillRect/>
+          </a:stretch>
+        </p:blipFill>
+        <p:spPr bwMode="auto">
+          <a:xfrm>
+            <a:off x="395536" y="2259941"/>
+            <a:ext cx="831566" cy="448979"/>
+          </a:xfrm>
+          <a:prstGeom prst="rect">
+            <a:avLst/>
+          </a:prstGeom>
+          <a:noFill/>
+          <a:extLst>
+            <a:ext uri="{909E8E84-426E-40DD-AFC4-6F175D3DCCD1}">
+              <a14:hiddenFill xmlns:a14="http://schemas.microsoft.com/office/drawing/2010/main">
+                <a:solidFill>
+                  <a:srgbClr val="FFFFFF"/>
+                </a:solidFill>
+              </a14:hiddenFill>
+            </a:ext>
+          </a:extLst>
+        </p:spPr>
+      </p:pic>
+      <p:sp>
+        <p:nvSpPr>
+          <p:cNvPr id="6" name="Right Arrow 5"/>
+          <p:cNvSpPr/>
+          <p:nvPr/>
+        </p:nvSpPr>
+        <p:spPr>
+          <a:xfrm>
+            <a:off x="1316590" y="3406917"/>
+            <a:ext cx="1669144" cy="958187"/>
+          </a:xfrm>
+          <a:prstGeom prst="rightArrow">
+            <a:avLst/>
+          </a:prstGeom>
+        </p:spPr>
+        <p:style>
+          <a:lnRef idx="2">
+            <a:schemeClr val="accent1">
+              <a:shade val="50000"/>
+            </a:schemeClr>
+          </a:lnRef>
+          <a:fillRef idx="1">
+            <a:schemeClr val="accent1"/>
+          </a:fillRef>
+          <a:effectRef idx="0">
+            <a:schemeClr val="accent1"/>
+          </a:effectRef>
+          <a:fontRef idx="minor">
+            <a:schemeClr val="lt1"/>
+          </a:fontRef>
+        </p:style>
+        <p:txBody>
+          <a:bodyPr rtlCol="0" anchor="ctr"/>
+          <a:lstStyle/>
+          <a:p>
+            <a:pPr algn="ctr"/>
+            <a:endParaRPr lang="en-AU"/>
+          </a:p>
+        </p:txBody>
+      </p:sp>
+      <p:sp>
+        <p:nvSpPr>
+          <p:cNvPr id="13" name="TextBox 12"/>
+          <p:cNvSpPr txBox="1"/>
+          <p:nvPr/>
+        </p:nvSpPr>
+        <p:spPr>
+          <a:xfrm>
+            <a:off x="1331640" y="3697287"/>
+            <a:ext cx="1554021" cy="307777"/>
+          </a:xfrm>
+          <a:prstGeom prst="rect">
+            <a:avLst/>
+          </a:prstGeom>
+          <a:noFill/>
+        </p:spPr>
+        <p:txBody>
+          <a:bodyPr wrap="square" rtlCol="0">
+            <a:spAutoFit/>
+          </a:bodyPr>
+          <a:lstStyle/>
+          <a:p>
+            <a:r>
+              <a:rPr lang="en-AU" sz="1400" dirty="0" smtClean="0"/>
+              <a:t>Grading/feedback</a:t>
+            </a:r>
+            <a:endParaRPr lang="en-AU" sz="1400" dirty="0"/>
+          </a:p>
+        </p:txBody>
+      </p:sp>
+      <p:sp>
+        <p:nvSpPr>
+          <p:cNvPr id="22" name="Right Arrow 21"/>
+          <p:cNvSpPr/>
+          <p:nvPr/>
+        </p:nvSpPr>
+        <p:spPr>
+          <a:xfrm>
+            <a:off x="1316769" y="2132398"/>
+            <a:ext cx="1668965" cy="1008570"/>
+          </a:xfrm>
+          <a:prstGeom prst="rightArrow">
+            <a:avLst/>
+          </a:prstGeom>
+        </p:spPr>
+        <p:style>
+          <a:lnRef idx="2">
+            <a:schemeClr val="accent1">
+              <a:shade val="50000"/>
+            </a:schemeClr>
+          </a:lnRef>
+          <a:fillRef idx="1">
+            <a:schemeClr val="accent1"/>
+          </a:fillRef>
+          <a:effectRef idx="0">
+            <a:schemeClr val="accent1"/>
+          </a:effectRef>
+          <a:fontRef idx="minor">
+            <a:schemeClr val="lt1"/>
+          </a:fontRef>
+        </p:style>
+        <p:txBody>
+          <a:bodyPr rtlCol="0" anchor="ctr"/>
+          <a:lstStyle/>
+          <a:p>
+            <a:pPr algn="ctr"/>
+            <a:endParaRPr lang="en-AU"/>
+          </a:p>
+        </p:txBody>
+      </p:sp>
+      <p:sp>
+        <p:nvSpPr>
+          <p:cNvPr id="14" name="TextBox 13"/>
+          <p:cNvSpPr txBox="1"/>
+          <p:nvPr/>
+        </p:nvSpPr>
+        <p:spPr>
+          <a:xfrm>
+            <a:off x="1316769" y="2348880"/>
+            <a:ext cx="1668965" cy="523220"/>
+          </a:xfrm>
+          <a:prstGeom prst="rect">
+            <a:avLst/>
+          </a:prstGeom>
+          <a:noFill/>
+        </p:spPr>
+        <p:txBody>
+          <a:bodyPr wrap="square" rtlCol="0">
+            <a:spAutoFit/>
+          </a:bodyPr>
+          <a:lstStyle/>
+          <a:p>
+            <a:r>
+              <a:rPr lang="en-AU" sz="1400" dirty="0" smtClean="0"/>
+              <a:t>Answering queries as blogging</a:t>
+            </a:r>
+            <a:endParaRPr lang="en-AU" sz="1400" dirty="0"/>
+          </a:p>
+        </p:txBody>
+      </p:sp>
+      <p:pic>
+        <p:nvPicPr>
+          <p:cNvPr id="1033" name="Picture 9" descr="D:\Anodiam\Docs\ProjectExecution\BA\presentation\student girl 2.jpg"/>
+          <p:cNvPicPr>
+            <a:picLocks noChangeAspect="1" noChangeArrowheads="1"/>
+          </p:cNvPicPr>
+          <p:nvPr/>
+        </p:nvPicPr>
+        <p:blipFill>
+          <a:blip r:embed="rId8">
+            <a:extLst>
+              <a:ext uri="{28A0092B-C50C-407E-A947-70E740481C1C}">
+                <a14:useLocalDpi xmlns:a14="http://schemas.microsoft.com/office/drawing/2010/main" val="0"/>
+              </a:ext>
+            </a:extLst>
+          </a:blip>
+          <a:srcRect/>
+          <a:stretch>
+            <a:fillRect/>
+          </a:stretch>
+        </p:blipFill>
+        <p:spPr bwMode="auto">
+          <a:xfrm>
+            <a:off x="5299685" y="389180"/>
+            <a:ext cx="1523155" cy="1599660"/>
+          </a:xfrm>
+          <a:prstGeom prst="rect">
+            <a:avLst/>
+          </a:prstGeom>
+          <a:noFill/>
+          <a:extLst>
+            <a:ext uri="{909E8E84-426E-40DD-AFC4-6F175D3DCCD1}">
+              <a14:hiddenFill xmlns:a14="http://schemas.microsoft.com/office/drawing/2010/main">
+                <a:solidFill>
+                  <a:srgbClr val="FFFFFF"/>
+                </a:solidFill>
+              </a14:hiddenFill>
+            </a:ext>
+          </a:extLst>
+        </p:spPr>
+      </p:pic>
+      <p:pic>
+        <p:nvPicPr>
+          <p:cNvPr id="1035" name="Picture 11"/>
+          <p:cNvPicPr>
+            <a:picLocks noChangeAspect="1" noChangeArrowheads="1"/>
+          </p:cNvPicPr>
+          <p:nvPr/>
+        </p:nvPicPr>
+        <p:blipFill>
+          <a:blip r:embed="rId9">
+            <a:extLst>
+              <a:ext uri="{28A0092B-C50C-407E-A947-70E740481C1C}">
+                <a14:useLocalDpi xmlns:a14="http://schemas.microsoft.com/office/drawing/2010/main" val="0"/>
+              </a:ext>
+            </a:extLst>
+          </a:blip>
+          <a:srcRect/>
+          <a:stretch>
+            <a:fillRect/>
+          </a:stretch>
+        </p:blipFill>
+        <p:spPr bwMode="auto">
+          <a:xfrm>
+            <a:off x="7380312" y="341784"/>
+            <a:ext cx="1207537" cy="1575048"/>
+          </a:xfrm>
+          <a:prstGeom prst="rect">
+            <a:avLst/>
+          </a:prstGeom>
+          <a:noFill/>
+          <a:ln>
+            <a:noFill/>
+          </a:ln>
+          <a:extLst>
+            <a:ext uri="{909E8E84-426E-40DD-AFC4-6F175D3DCCD1}">
+              <a14:hiddenFill xmlns:a14="http://schemas.microsoft.com/office/drawing/2010/main">
+                <a:solidFill>
+                  <a:schemeClr val="accent1"/>
+                </a:solidFill>
+              </a14:hiddenFill>
+            </a:ext>
+            <a:ext uri="{91240B29-F687-4F45-9708-019B960494DF}">
+              <a14:hiddenLine xmlns:a14="http://schemas.microsoft.com/office/drawing/2010/main" w="9525">
+                <a:solidFill>
+                  <a:schemeClr val="tx1"/>
+                </a:solidFill>
+                <a:miter lim="800000"/>
+                <a:headEnd/>
+                <a:tailEnd/>
+              </a14:hiddenLine>
+            </a:ext>
+          </a:extLst>
+        </p:spPr>
+      </p:pic>
+      <p:pic>
+        <p:nvPicPr>
+          <p:cNvPr id="29" name="Picture 9" descr="D:\Anodiam\Docs\ProjectExecution\BA\presentation\student girl 2.jpg"/>
+          <p:cNvPicPr>
+            <a:picLocks noChangeAspect="1" noChangeArrowheads="1"/>
+          </p:cNvPicPr>
+          <p:nvPr/>
+        </p:nvPicPr>
+        <p:blipFill>
+          <a:blip r:embed="rId8">
+            <a:extLst>
+              <a:ext uri="{28A0092B-C50C-407E-A947-70E740481C1C}">
+                <a14:useLocalDpi xmlns:a14="http://schemas.microsoft.com/office/drawing/2010/main" val="0"/>
+              </a:ext>
+            </a:extLst>
+          </a:blip>
+          <a:srcRect/>
+          <a:stretch>
+            <a:fillRect/>
+          </a:stretch>
+        </p:blipFill>
+        <p:spPr bwMode="auto">
+          <a:xfrm>
+            <a:off x="7441333" y="2333396"/>
+            <a:ext cx="1523155" cy="1599660"/>
+          </a:xfrm>
+          <a:prstGeom prst="rect">
+            <a:avLst/>
+          </a:prstGeom>
+          <a:noFill/>
+          <a:extLst>
+            <a:ext uri="{909E8E84-426E-40DD-AFC4-6F175D3DCCD1}">
+              <a14:hiddenFill xmlns:a14="http://schemas.microsoft.com/office/drawing/2010/main">
+                <a:solidFill>
+                  <a:srgbClr val="FFFFFF"/>
+                </a:solidFill>
+              </a14:hiddenFill>
+            </a:ext>
+          </a:extLst>
+        </p:spPr>
+      </p:pic>
+      <p:pic>
+        <p:nvPicPr>
+          <p:cNvPr id="30" name="Picture 11"/>
+          <p:cNvPicPr>
+            <a:picLocks noChangeAspect="1" noChangeArrowheads="1"/>
+          </p:cNvPicPr>
+          <p:nvPr/>
+        </p:nvPicPr>
+        <p:blipFill>
+          <a:blip r:embed="rId9">
+            <a:extLst>
+              <a:ext uri="{28A0092B-C50C-407E-A947-70E740481C1C}">
+                <a14:useLocalDpi xmlns:a14="http://schemas.microsoft.com/office/drawing/2010/main" val="0"/>
+              </a:ext>
+            </a:extLst>
+          </a:blip>
+          <a:srcRect/>
+          <a:stretch>
+            <a:fillRect/>
+          </a:stretch>
+        </p:blipFill>
+        <p:spPr bwMode="auto">
+          <a:xfrm>
+            <a:off x="5615303" y="2276872"/>
+            <a:ext cx="1207537" cy="1575048"/>
+          </a:xfrm>
+          <a:prstGeom prst="rect">
+            <a:avLst/>
+          </a:prstGeom>
+          <a:noFill/>
+          <a:ln>
+            <a:noFill/>
+          </a:ln>
+          <a:extLst>
+            <a:ext uri="{909E8E84-426E-40DD-AFC4-6F175D3DCCD1}">
+              <a14:hiddenFill xmlns:a14="http://schemas.microsoft.com/office/drawing/2010/main">
+                <a:solidFill>
+                  <a:schemeClr val="accent1"/>
+                </a:solidFill>
+              </a14:hiddenFill>
+            </a:ext>
+            <a:ext uri="{91240B29-F687-4F45-9708-019B960494DF}">
+              <a14:hiddenLine xmlns:a14="http://schemas.microsoft.com/office/drawing/2010/main" w="9525">
+                <a:solidFill>
+                  <a:schemeClr val="tx1"/>
+                </a:solidFill>
+                <a:miter lim="800000"/>
+                <a:headEnd/>
+                <a:tailEnd/>
+              </a14:hiddenLine>
+            </a:ext>
+          </a:extLst>
+        </p:spPr>
+      </p:pic>
+      <p:sp>
+        <p:nvSpPr>
+          <p:cNvPr id="16" name="TextBox 15"/>
+          <p:cNvSpPr txBox="1"/>
+          <p:nvPr/>
+        </p:nvSpPr>
+        <p:spPr>
+          <a:xfrm>
+            <a:off x="5350990" y="1866310"/>
+            <a:ext cx="1741290" cy="338554"/>
+          </a:xfrm>
+          <a:prstGeom prst="rect">
+            <a:avLst/>
+          </a:prstGeom>
+          <a:noFill/>
+        </p:spPr>
+        <p:txBody>
+          <a:bodyPr wrap="square" rtlCol="0">
+            <a:spAutoFit/>
+          </a:bodyPr>
+          <a:lstStyle/>
+          <a:p>
+            <a:r>
+              <a:rPr lang="en-AU" sz="1600" dirty="0" smtClean="0"/>
+              <a:t>Study any time</a:t>
+            </a:r>
+            <a:endParaRPr lang="en-AU" sz="1600" dirty="0"/>
+          </a:p>
+        </p:txBody>
+      </p:sp>
+      <p:sp>
+        <p:nvSpPr>
+          <p:cNvPr id="17" name="TextBox 16"/>
+          <p:cNvSpPr txBox="1"/>
+          <p:nvPr/>
+        </p:nvSpPr>
+        <p:spPr>
+          <a:xfrm>
+            <a:off x="7380312" y="4098558"/>
+            <a:ext cx="1944216" cy="338554"/>
+          </a:xfrm>
+          <a:prstGeom prst="rect">
+            <a:avLst/>
+          </a:prstGeom>
+          <a:noFill/>
+        </p:spPr>
+        <p:txBody>
+          <a:bodyPr wrap="square" rtlCol="0">
+            <a:spAutoFit/>
+          </a:bodyPr>
+          <a:lstStyle/>
+          <a:p>
+            <a:r>
+              <a:rPr lang="en-AU" sz="1600" dirty="0" smtClean="0"/>
+              <a:t>Study anywhere</a:t>
+            </a:r>
+            <a:endParaRPr lang="en-AU" sz="1600" dirty="0"/>
+          </a:p>
+        </p:txBody>
+      </p:sp>
+      <p:sp>
+        <p:nvSpPr>
+          <p:cNvPr id="18" name="TextBox 17"/>
+          <p:cNvSpPr txBox="1"/>
+          <p:nvPr/>
+        </p:nvSpPr>
+        <p:spPr>
+          <a:xfrm>
+            <a:off x="7236296" y="1866310"/>
+            <a:ext cx="1770749" cy="338554"/>
+          </a:xfrm>
+          <a:prstGeom prst="rect">
+            <a:avLst/>
+          </a:prstGeom>
+          <a:noFill/>
+        </p:spPr>
+        <p:txBody>
+          <a:bodyPr wrap="square" rtlCol="0">
+            <a:spAutoFit/>
+          </a:bodyPr>
+          <a:lstStyle/>
+          <a:p>
+            <a:r>
+              <a:rPr lang="en-AU" sz="1600" dirty="0" smtClean="0"/>
+              <a:t>Study at your pace</a:t>
+            </a:r>
+            <a:endParaRPr lang="en-AU" sz="1600" dirty="0"/>
+          </a:p>
+        </p:txBody>
+      </p:sp>
+      <p:sp>
+        <p:nvSpPr>
+          <p:cNvPr id="20" name="TextBox 19"/>
+          <p:cNvSpPr txBox="1"/>
+          <p:nvPr/>
+        </p:nvSpPr>
+        <p:spPr>
+          <a:xfrm>
+            <a:off x="5443701" y="3861048"/>
+            <a:ext cx="1648579" cy="584775"/>
+          </a:xfrm>
+          <a:prstGeom prst="rect">
+            <a:avLst/>
+          </a:prstGeom>
+          <a:noFill/>
+        </p:spPr>
+        <p:txBody>
+          <a:bodyPr wrap="square" rtlCol="0">
+            <a:spAutoFit/>
+          </a:bodyPr>
+          <a:lstStyle/>
+          <a:p>
+            <a:r>
+              <a:rPr lang="en-AU" sz="1600" dirty="0" smtClean="0"/>
+              <a:t>Ask queries in the blogging area</a:t>
+            </a:r>
+            <a:endParaRPr lang="en-AU" sz="1600" dirty="0"/>
+          </a:p>
+        </p:txBody>
+      </p:sp>
+      <p:sp>
+        <p:nvSpPr>
+          <p:cNvPr id="21" name="Right Arrow 20"/>
+          <p:cNvSpPr/>
+          <p:nvPr/>
+        </p:nvSpPr>
+        <p:spPr>
+          <a:xfrm rot="10800000">
+            <a:off x="3995935" y="1189009"/>
+            <a:ext cx="1303749" cy="439791"/>
+          </a:xfrm>
+          <a:prstGeom prst="rightArrow">
+            <a:avLst/>
+          </a:prstGeom>
+        </p:spPr>
+        <p:style>
+          <a:lnRef idx="2">
+            <a:schemeClr val="accent1">
+              <a:shade val="50000"/>
+            </a:schemeClr>
+          </a:lnRef>
+          <a:fillRef idx="1">
+            <a:schemeClr val="accent1"/>
+          </a:fillRef>
+          <a:effectRef idx="0">
+            <a:schemeClr val="accent1"/>
+          </a:effectRef>
+          <a:fontRef idx="minor">
+            <a:schemeClr val="lt1"/>
+          </a:fontRef>
+        </p:style>
+        <p:txBody>
+          <a:bodyPr rtlCol="0" anchor="ctr"/>
+          <a:lstStyle/>
+          <a:p>
+            <a:pPr algn="ctr"/>
+            <a:endParaRPr lang="en-AU" b="1" dirty="0"/>
+          </a:p>
+        </p:txBody>
+      </p:sp>
+      <p:sp>
+        <p:nvSpPr>
+          <p:cNvPr id="23" name="TextBox 22"/>
+          <p:cNvSpPr txBox="1"/>
+          <p:nvPr/>
+        </p:nvSpPr>
+        <p:spPr>
+          <a:xfrm>
+            <a:off x="3995936" y="1228110"/>
+            <a:ext cx="1800200" cy="307777"/>
+          </a:xfrm>
+          <a:prstGeom prst="rect">
+            <a:avLst/>
+          </a:prstGeom>
+          <a:noFill/>
+        </p:spPr>
+        <p:txBody>
+          <a:bodyPr wrap="square" rtlCol="0">
+            <a:spAutoFit/>
+          </a:bodyPr>
+          <a:lstStyle/>
+          <a:p>
+            <a:r>
+              <a:rPr lang="en-AU" sz="1400" dirty="0" smtClean="0"/>
+              <a:t>Rating teachers</a:t>
+            </a:r>
+            <a:endParaRPr lang="en-AU" sz="1400" dirty="0"/>
+          </a:p>
+        </p:txBody>
+      </p:sp>
+      <p:sp>
+        <p:nvSpPr>
+          <p:cNvPr id="38" name="Right Arrow 37"/>
+          <p:cNvSpPr/>
+          <p:nvPr/>
+        </p:nvSpPr>
+        <p:spPr>
+          <a:xfrm rot="10800000">
+            <a:off x="3996599" y="3996904"/>
+            <a:ext cx="1303749" cy="439791"/>
+          </a:xfrm>
+          <a:prstGeom prst="rightArrow">
+            <a:avLst/>
+          </a:prstGeom>
+        </p:spPr>
+        <p:style>
+          <a:lnRef idx="2">
+            <a:schemeClr val="accent1">
+              <a:shade val="50000"/>
+            </a:schemeClr>
+          </a:lnRef>
+          <a:fillRef idx="1">
+            <a:schemeClr val="accent1"/>
+          </a:fillRef>
+          <a:effectRef idx="0">
+            <a:schemeClr val="accent1"/>
+          </a:effectRef>
+          <a:fontRef idx="minor">
+            <a:schemeClr val="lt1"/>
+          </a:fontRef>
+        </p:style>
+        <p:txBody>
+          <a:bodyPr rtlCol="0" anchor="ctr"/>
+          <a:lstStyle/>
+          <a:p>
+            <a:pPr algn="ctr"/>
+            <a:endParaRPr lang="en-AU"/>
+          </a:p>
+        </p:txBody>
+      </p:sp>
+      <p:sp>
+        <p:nvSpPr>
+          <p:cNvPr id="26" name="TextBox 25"/>
+          <p:cNvSpPr txBox="1"/>
+          <p:nvPr/>
+        </p:nvSpPr>
+        <p:spPr>
+          <a:xfrm>
+            <a:off x="3947496" y="4057327"/>
+            <a:ext cx="2064664" cy="307777"/>
+          </a:xfrm>
+          <a:prstGeom prst="rect">
+            <a:avLst/>
+          </a:prstGeom>
+          <a:noFill/>
+        </p:spPr>
+        <p:txBody>
+          <a:bodyPr wrap="square" rtlCol="0">
+            <a:spAutoFit/>
+          </a:bodyPr>
+          <a:lstStyle/>
+          <a:p>
+            <a:r>
+              <a:rPr lang="en-AU" sz="1400" dirty="0" smtClean="0"/>
+              <a:t>Ongoing process</a:t>
+            </a:r>
+            <a:endParaRPr lang="en-AU" sz="1400" dirty="0"/>
+          </a:p>
+        </p:txBody>
+      </p:sp>
+      <p:sp>
+        <p:nvSpPr>
+          <p:cNvPr id="27" name="TextBox 26"/>
+          <p:cNvSpPr txBox="1"/>
+          <p:nvPr/>
+        </p:nvSpPr>
+        <p:spPr>
+          <a:xfrm>
+            <a:off x="3491880" y="1988840"/>
+            <a:ext cx="1078930" cy="369332"/>
+          </a:xfrm>
+          <a:prstGeom prst="rect">
+            <a:avLst/>
+          </a:prstGeom>
+          <a:noFill/>
+        </p:spPr>
+        <p:txBody>
+          <a:bodyPr wrap="square" rtlCol="0">
+            <a:spAutoFit/>
+          </a:bodyPr>
+          <a:lstStyle/>
+          <a:p>
+            <a:r>
+              <a:rPr lang="en-AU" dirty="0" smtClean="0"/>
+              <a:t> </a:t>
+            </a:r>
+            <a:endParaRPr lang="en-AU" dirty="0"/>
           </a:p>
         </p:txBody>
       </p:sp>
@@ -9694,7 +11279,3479 @@
 </p:sld>
 </file>
 
-<file path=ppt/slides/slide3.xml><?xml version="1.0" encoding="utf-8"?>
+<file path=ppt/slides/slide4.xml><?xml version="1.0" encoding="utf-8"?>
+<p:sld xmlns:a="http://schemas.openxmlformats.org/drawingml/2006/main" xmlns:r="http://schemas.openxmlformats.org/officeDocument/2006/relationships" xmlns:p="http://schemas.openxmlformats.org/presentationml/2006/main">
+  <p:cSld>
+    <p:spTree>
+      <p:nvGrpSpPr>
+        <p:cNvPr id="1" name=""/>
+        <p:cNvGrpSpPr/>
+        <p:nvPr/>
+      </p:nvGrpSpPr>
+      <p:grpSpPr>
+        <a:xfrm>
+          <a:off x="0" y="0"/>
+          <a:ext cx="0" cy="0"/>
+          <a:chOff x="0" y="0"/>
+          <a:chExt cx="0" cy="0"/>
+        </a:xfrm>
+      </p:grpSpPr>
+      <p:pic>
+        <p:nvPicPr>
+          <p:cNvPr id="8" name="Picture 5"/>
+          <p:cNvPicPr>
+            <a:picLocks noChangeAspect="1" noChangeArrowheads="1"/>
+          </p:cNvPicPr>
+          <p:nvPr/>
+        </p:nvPicPr>
+        <p:blipFill>
+          <a:blip r:embed="rId2">
+            <a:extLst>
+              <a:ext uri="{BEBA8EAE-BF5A-486C-A8C5-ECC9F3942E4B}">
+                <a14:imgProps xmlns:a14="http://schemas.microsoft.com/office/drawing/2010/main">
+                  <a14:imgLayer r:embed="rId3">
+                    <a14:imgEffect>
+                      <a14:sharpenSoften amount="-50000"/>
+                    </a14:imgEffect>
+                    <a14:imgEffect>
+                      <a14:brightnessContrast bright="11000"/>
+                    </a14:imgEffect>
+                  </a14:imgLayer>
+                </a14:imgProps>
+              </a:ext>
+              <a:ext uri="{28A0092B-C50C-407E-A947-70E740481C1C}">
+                <a14:useLocalDpi xmlns:a14="http://schemas.microsoft.com/office/drawing/2010/main" val="0"/>
+              </a:ext>
+            </a:extLst>
+          </a:blip>
+          <a:srcRect/>
+          <a:stretch>
+            <a:fillRect/>
+          </a:stretch>
+        </p:blipFill>
+        <p:spPr bwMode="auto">
+          <a:xfrm>
+            <a:off x="4680" y="2348422"/>
+            <a:ext cx="9146381" cy="4509578"/>
+          </a:xfrm>
+          <a:prstGeom prst="rect">
+            <a:avLst/>
+          </a:prstGeom>
+          <a:noFill/>
+          <a:ln>
+            <a:noFill/>
+          </a:ln>
+          <a:extLst>
+            <a:ext uri="{909E8E84-426E-40DD-AFC4-6F175D3DCCD1}">
+              <a14:hiddenFill xmlns:a14="http://schemas.microsoft.com/office/drawing/2010/main">
+                <a:solidFill>
+                  <a:schemeClr val="accent1"/>
+                </a:solidFill>
+              </a14:hiddenFill>
+            </a:ext>
+            <a:ext uri="{91240B29-F687-4F45-9708-019B960494DF}">
+              <a14:hiddenLine xmlns:a14="http://schemas.microsoft.com/office/drawing/2010/main" w="9525">
+                <a:solidFill>
+                  <a:schemeClr val="tx1"/>
+                </a:solidFill>
+                <a:miter lim="800000"/>
+                <a:headEnd/>
+                <a:tailEnd/>
+              </a14:hiddenLine>
+            </a:ext>
+          </a:extLst>
+        </p:spPr>
+      </p:pic>
+      <p:sp>
+        <p:nvSpPr>
+          <p:cNvPr id="7" name="Freeform 6"/>
+          <p:cNvSpPr/>
+          <p:nvPr/>
+        </p:nvSpPr>
+        <p:spPr>
+          <a:xfrm>
+            <a:off x="-2381" y="5955109"/>
+            <a:ext cx="1910085" cy="902891"/>
+          </a:xfrm>
+          <a:custGeom>
+            <a:avLst/>
+            <a:gdLst>
+              <a:gd name="connsiteX0" fmla="*/ 0 w 3571875"/>
+              <a:gd name="connsiteY0" fmla="*/ 4210050 h 4210050"/>
+              <a:gd name="connsiteX1" fmla="*/ 0 w 3571875"/>
+              <a:gd name="connsiteY1" fmla="*/ 0 h 4210050"/>
+              <a:gd name="connsiteX2" fmla="*/ 3571875 w 3571875"/>
+              <a:gd name="connsiteY2" fmla="*/ 4210050 h 4210050"/>
+              <a:gd name="connsiteX3" fmla="*/ 0 w 3571875"/>
+              <a:gd name="connsiteY3" fmla="*/ 4210050 h 4210050"/>
+              <a:gd name="connsiteX0" fmla="*/ 0 w 3571875"/>
+              <a:gd name="connsiteY0" fmla="*/ 4210050 h 4210050"/>
+              <a:gd name="connsiteX1" fmla="*/ 0 w 3571875"/>
+              <a:gd name="connsiteY1" fmla="*/ 0 h 4210050"/>
+              <a:gd name="connsiteX2" fmla="*/ 2028825 w 3571875"/>
+              <a:gd name="connsiteY2" fmla="*/ 2388394 h 4210050"/>
+              <a:gd name="connsiteX3" fmla="*/ 3571875 w 3571875"/>
+              <a:gd name="connsiteY3" fmla="*/ 4210050 h 4210050"/>
+              <a:gd name="connsiteX4" fmla="*/ 0 w 3571875"/>
+              <a:gd name="connsiteY4" fmla="*/ 4210050 h 4210050"/>
+              <a:gd name="connsiteX0" fmla="*/ 0 w 3571875"/>
+              <a:gd name="connsiteY0" fmla="*/ 4210050 h 4210050"/>
+              <a:gd name="connsiteX1" fmla="*/ 0 w 3571875"/>
+              <a:gd name="connsiteY1" fmla="*/ 0 h 4210050"/>
+              <a:gd name="connsiteX2" fmla="*/ 2028825 w 3571875"/>
+              <a:gd name="connsiteY2" fmla="*/ 2205038 h 4210050"/>
+              <a:gd name="connsiteX3" fmla="*/ 3571875 w 3571875"/>
+              <a:gd name="connsiteY3" fmla="*/ 4210050 h 4210050"/>
+              <a:gd name="connsiteX4" fmla="*/ 0 w 3571875"/>
+              <a:gd name="connsiteY4" fmla="*/ 4210050 h 4210050"/>
+              <a:gd name="connsiteX0" fmla="*/ 0 w 3571875"/>
+              <a:gd name="connsiteY0" fmla="*/ 4210050 h 4210050"/>
+              <a:gd name="connsiteX1" fmla="*/ 0 w 3571875"/>
+              <a:gd name="connsiteY1" fmla="*/ 0 h 4210050"/>
+              <a:gd name="connsiteX2" fmla="*/ 2028825 w 3571875"/>
+              <a:gd name="connsiteY2" fmla="*/ 2393157 h 4210050"/>
+              <a:gd name="connsiteX3" fmla="*/ 3571875 w 3571875"/>
+              <a:gd name="connsiteY3" fmla="*/ 4210050 h 4210050"/>
+              <a:gd name="connsiteX4" fmla="*/ 0 w 3571875"/>
+              <a:gd name="connsiteY4" fmla="*/ 4210050 h 4210050"/>
+              <a:gd name="connsiteX0" fmla="*/ 0 w 3571875"/>
+              <a:gd name="connsiteY0" fmla="*/ 4210050 h 4210050"/>
+              <a:gd name="connsiteX1" fmla="*/ 0 w 3571875"/>
+              <a:gd name="connsiteY1" fmla="*/ 0 h 4210050"/>
+              <a:gd name="connsiteX2" fmla="*/ 2028825 w 3571875"/>
+              <a:gd name="connsiteY2" fmla="*/ 2393157 h 4210050"/>
+              <a:gd name="connsiteX3" fmla="*/ 3571875 w 3571875"/>
+              <a:gd name="connsiteY3" fmla="*/ 4210050 h 4210050"/>
+              <a:gd name="connsiteX4" fmla="*/ 0 w 3571875"/>
+              <a:gd name="connsiteY4" fmla="*/ 4210050 h 4210050"/>
+              <a:gd name="connsiteX0" fmla="*/ 0 w 3571875"/>
+              <a:gd name="connsiteY0" fmla="*/ 4210050 h 4210050"/>
+              <a:gd name="connsiteX1" fmla="*/ 0 w 3571875"/>
+              <a:gd name="connsiteY1" fmla="*/ 0 h 4210050"/>
+              <a:gd name="connsiteX2" fmla="*/ 2028825 w 3571875"/>
+              <a:gd name="connsiteY2" fmla="*/ 2281238 h 4210050"/>
+              <a:gd name="connsiteX3" fmla="*/ 3571875 w 3571875"/>
+              <a:gd name="connsiteY3" fmla="*/ 4210050 h 4210050"/>
+              <a:gd name="connsiteX4" fmla="*/ 0 w 3571875"/>
+              <a:gd name="connsiteY4" fmla="*/ 4210050 h 4210050"/>
+              <a:gd name="connsiteX0" fmla="*/ 0 w 3571875"/>
+              <a:gd name="connsiteY0" fmla="*/ 4210050 h 4210050"/>
+              <a:gd name="connsiteX1" fmla="*/ 0 w 3571875"/>
+              <a:gd name="connsiteY1" fmla="*/ 0 h 4210050"/>
+              <a:gd name="connsiteX2" fmla="*/ 2028825 w 3571875"/>
+              <a:gd name="connsiteY2" fmla="*/ 2393157 h 4210050"/>
+              <a:gd name="connsiteX3" fmla="*/ 3571875 w 3571875"/>
+              <a:gd name="connsiteY3" fmla="*/ 4210050 h 4210050"/>
+              <a:gd name="connsiteX4" fmla="*/ 0 w 3571875"/>
+              <a:gd name="connsiteY4" fmla="*/ 4210050 h 4210050"/>
+              <a:gd name="connsiteX0" fmla="*/ 0 w 3571875"/>
+              <a:gd name="connsiteY0" fmla="*/ 4210050 h 4210050"/>
+              <a:gd name="connsiteX1" fmla="*/ 0 w 3571875"/>
+              <a:gd name="connsiteY1" fmla="*/ 0 h 4210050"/>
+              <a:gd name="connsiteX2" fmla="*/ 2028825 w 3571875"/>
+              <a:gd name="connsiteY2" fmla="*/ 2393157 h 4210050"/>
+              <a:gd name="connsiteX3" fmla="*/ 3571875 w 3571875"/>
+              <a:gd name="connsiteY3" fmla="*/ 4210050 h 4210050"/>
+              <a:gd name="connsiteX4" fmla="*/ 0 w 3571875"/>
+              <a:gd name="connsiteY4" fmla="*/ 4210050 h 4210050"/>
+              <a:gd name="connsiteX0" fmla="*/ 0 w 3571875"/>
+              <a:gd name="connsiteY0" fmla="*/ 4210050 h 4210050"/>
+              <a:gd name="connsiteX1" fmla="*/ 0 w 3571875"/>
+              <a:gd name="connsiteY1" fmla="*/ 0 h 4210050"/>
+              <a:gd name="connsiteX2" fmla="*/ 2076450 w 3571875"/>
+              <a:gd name="connsiteY2" fmla="*/ 2274094 h 4210050"/>
+              <a:gd name="connsiteX3" fmla="*/ 3571875 w 3571875"/>
+              <a:gd name="connsiteY3" fmla="*/ 4210050 h 4210050"/>
+              <a:gd name="connsiteX4" fmla="*/ 0 w 3571875"/>
+              <a:gd name="connsiteY4" fmla="*/ 4210050 h 4210050"/>
+              <a:gd name="connsiteX0" fmla="*/ 0 w 3571875"/>
+              <a:gd name="connsiteY0" fmla="*/ 4210050 h 4210050"/>
+              <a:gd name="connsiteX1" fmla="*/ 0 w 3571875"/>
+              <a:gd name="connsiteY1" fmla="*/ 0 h 4210050"/>
+              <a:gd name="connsiteX2" fmla="*/ 2245519 w 3571875"/>
+              <a:gd name="connsiteY2" fmla="*/ 2405063 h 4210050"/>
+              <a:gd name="connsiteX3" fmla="*/ 3571875 w 3571875"/>
+              <a:gd name="connsiteY3" fmla="*/ 4210050 h 4210050"/>
+              <a:gd name="connsiteX4" fmla="*/ 0 w 3571875"/>
+              <a:gd name="connsiteY4" fmla="*/ 4210050 h 4210050"/>
+              <a:gd name="connsiteX0" fmla="*/ 0 w 3571875"/>
+              <a:gd name="connsiteY0" fmla="*/ 4210050 h 4210050"/>
+              <a:gd name="connsiteX1" fmla="*/ 0 w 3571875"/>
+              <a:gd name="connsiteY1" fmla="*/ 0 h 4210050"/>
+              <a:gd name="connsiteX2" fmla="*/ 2038350 w 3571875"/>
+              <a:gd name="connsiteY2" fmla="*/ 2405063 h 4210050"/>
+              <a:gd name="connsiteX3" fmla="*/ 3571875 w 3571875"/>
+              <a:gd name="connsiteY3" fmla="*/ 4210050 h 4210050"/>
+              <a:gd name="connsiteX4" fmla="*/ 0 w 3571875"/>
+              <a:gd name="connsiteY4" fmla="*/ 4210050 h 4210050"/>
+              <a:gd name="connsiteX0" fmla="*/ 0 w 3571875"/>
+              <a:gd name="connsiteY0" fmla="*/ 2433637 h 2433637"/>
+              <a:gd name="connsiteX1" fmla="*/ 257175 w 3571875"/>
+              <a:gd name="connsiteY1" fmla="*/ 0 h 2433637"/>
+              <a:gd name="connsiteX2" fmla="*/ 2038350 w 3571875"/>
+              <a:gd name="connsiteY2" fmla="*/ 628650 h 2433637"/>
+              <a:gd name="connsiteX3" fmla="*/ 3571875 w 3571875"/>
+              <a:gd name="connsiteY3" fmla="*/ 2433637 h 2433637"/>
+              <a:gd name="connsiteX4" fmla="*/ 0 w 3571875"/>
+              <a:gd name="connsiteY4" fmla="*/ 2433637 h 2433637"/>
+              <a:gd name="connsiteX0" fmla="*/ 2382 w 3574257"/>
+              <a:gd name="connsiteY0" fmla="*/ 1807368 h 1807368"/>
+              <a:gd name="connsiteX1" fmla="*/ 0 w 3574257"/>
+              <a:gd name="connsiteY1" fmla="*/ 0 h 1807368"/>
+              <a:gd name="connsiteX2" fmla="*/ 2040732 w 3574257"/>
+              <a:gd name="connsiteY2" fmla="*/ 2381 h 1807368"/>
+              <a:gd name="connsiteX3" fmla="*/ 3574257 w 3574257"/>
+              <a:gd name="connsiteY3" fmla="*/ 1807368 h 1807368"/>
+              <a:gd name="connsiteX4" fmla="*/ 2382 w 3574257"/>
+              <a:gd name="connsiteY4" fmla="*/ 1807368 h 1807368"/>
+              <a:gd name="connsiteX0" fmla="*/ 2382 w 3574257"/>
+              <a:gd name="connsiteY0" fmla="*/ 1807368 h 1807368"/>
+              <a:gd name="connsiteX1" fmla="*/ 0 w 3574257"/>
+              <a:gd name="connsiteY1" fmla="*/ 0 h 1807368"/>
+              <a:gd name="connsiteX2" fmla="*/ 1924051 w 3574257"/>
+              <a:gd name="connsiteY2" fmla="*/ 307181 h 1807368"/>
+              <a:gd name="connsiteX3" fmla="*/ 3574257 w 3574257"/>
+              <a:gd name="connsiteY3" fmla="*/ 1807368 h 1807368"/>
+              <a:gd name="connsiteX4" fmla="*/ 2382 w 3574257"/>
+              <a:gd name="connsiteY4" fmla="*/ 1807368 h 1807368"/>
+              <a:gd name="connsiteX0" fmla="*/ 2382 w 3574257"/>
+              <a:gd name="connsiteY0" fmla="*/ 1809749 h 1809749"/>
+              <a:gd name="connsiteX1" fmla="*/ 0 w 3574257"/>
+              <a:gd name="connsiteY1" fmla="*/ 2381 h 1809749"/>
+              <a:gd name="connsiteX2" fmla="*/ 2038351 w 3574257"/>
+              <a:gd name="connsiteY2" fmla="*/ 0 h 1809749"/>
+              <a:gd name="connsiteX3" fmla="*/ 3574257 w 3574257"/>
+              <a:gd name="connsiteY3" fmla="*/ 1809749 h 1809749"/>
+              <a:gd name="connsiteX4" fmla="*/ 2382 w 3574257"/>
+              <a:gd name="connsiteY4" fmla="*/ 1809749 h 1809749"/>
+              <a:gd name="connsiteX0" fmla="*/ 2382 w 3574257"/>
+              <a:gd name="connsiteY0" fmla="*/ 1807368 h 1807368"/>
+              <a:gd name="connsiteX1" fmla="*/ 0 w 3574257"/>
+              <a:gd name="connsiteY1" fmla="*/ 0 h 1807368"/>
+              <a:gd name="connsiteX2" fmla="*/ 1640682 w 3574257"/>
+              <a:gd name="connsiteY2" fmla="*/ 450057 h 1807368"/>
+              <a:gd name="connsiteX3" fmla="*/ 3574257 w 3574257"/>
+              <a:gd name="connsiteY3" fmla="*/ 1807368 h 1807368"/>
+              <a:gd name="connsiteX4" fmla="*/ 2382 w 3574257"/>
+              <a:gd name="connsiteY4" fmla="*/ 1807368 h 1807368"/>
+              <a:gd name="connsiteX0" fmla="*/ 2382 w 3574257"/>
+              <a:gd name="connsiteY0" fmla="*/ 1809749 h 1809749"/>
+              <a:gd name="connsiteX1" fmla="*/ 0 w 3574257"/>
+              <a:gd name="connsiteY1" fmla="*/ 2381 h 1809749"/>
+              <a:gd name="connsiteX2" fmla="*/ 2038351 w 3574257"/>
+              <a:gd name="connsiteY2" fmla="*/ 0 h 1809749"/>
+              <a:gd name="connsiteX3" fmla="*/ 3574257 w 3574257"/>
+              <a:gd name="connsiteY3" fmla="*/ 1809749 h 1809749"/>
+              <a:gd name="connsiteX4" fmla="*/ 2382 w 3574257"/>
+              <a:gd name="connsiteY4" fmla="*/ 1809749 h 1809749"/>
+              <a:gd name="connsiteX0" fmla="*/ 2382 w 3574257"/>
+              <a:gd name="connsiteY0" fmla="*/ 1807368 h 1807368"/>
+              <a:gd name="connsiteX1" fmla="*/ 0 w 3574257"/>
+              <a:gd name="connsiteY1" fmla="*/ 0 h 1807368"/>
+              <a:gd name="connsiteX2" fmla="*/ 1657351 w 3574257"/>
+              <a:gd name="connsiteY2" fmla="*/ 230982 h 1807368"/>
+              <a:gd name="connsiteX3" fmla="*/ 3574257 w 3574257"/>
+              <a:gd name="connsiteY3" fmla="*/ 1807368 h 1807368"/>
+              <a:gd name="connsiteX4" fmla="*/ 2382 w 3574257"/>
+              <a:gd name="connsiteY4" fmla="*/ 1807368 h 1807368"/>
+              <a:gd name="connsiteX0" fmla="*/ 2382 w 3574257"/>
+              <a:gd name="connsiteY0" fmla="*/ 1807368 h 1807368"/>
+              <a:gd name="connsiteX1" fmla="*/ 0 w 3574257"/>
+              <a:gd name="connsiteY1" fmla="*/ 0 h 1807368"/>
+              <a:gd name="connsiteX2" fmla="*/ 2040732 w 3574257"/>
+              <a:gd name="connsiteY2" fmla="*/ 2382 h 1807368"/>
+              <a:gd name="connsiteX3" fmla="*/ 3574257 w 3574257"/>
+              <a:gd name="connsiteY3" fmla="*/ 1807368 h 1807368"/>
+              <a:gd name="connsiteX4" fmla="*/ 2382 w 3574257"/>
+              <a:gd name="connsiteY4" fmla="*/ 1807368 h 1807368"/>
+              <a:gd name="connsiteX0" fmla="*/ 2382 w 3574257"/>
+              <a:gd name="connsiteY0" fmla="*/ 1807368 h 1807368"/>
+              <a:gd name="connsiteX1" fmla="*/ 0 w 3574257"/>
+              <a:gd name="connsiteY1" fmla="*/ 0 h 1807368"/>
+              <a:gd name="connsiteX2" fmla="*/ 1774032 w 3574257"/>
+              <a:gd name="connsiteY2" fmla="*/ 161925 h 1807368"/>
+              <a:gd name="connsiteX3" fmla="*/ 3574257 w 3574257"/>
+              <a:gd name="connsiteY3" fmla="*/ 1807368 h 1807368"/>
+              <a:gd name="connsiteX4" fmla="*/ 2382 w 3574257"/>
+              <a:gd name="connsiteY4" fmla="*/ 1807368 h 1807368"/>
+              <a:gd name="connsiteX0" fmla="*/ 2382 w 3574257"/>
+              <a:gd name="connsiteY0" fmla="*/ 1807368 h 1807368"/>
+              <a:gd name="connsiteX1" fmla="*/ 0 w 3574257"/>
+              <a:gd name="connsiteY1" fmla="*/ 0 h 1807368"/>
+              <a:gd name="connsiteX2" fmla="*/ 1969294 w 3574257"/>
+              <a:gd name="connsiteY2" fmla="*/ 21432 h 1807368"/>
+              <a:gd name="connsiteX3" fmla="*/ 3574257 w 3574257"/>
+              <a:gd name="connsiteY3" fmla="*/ 1807368 h 1807368"/>
+              <a:gd name="connsiteX4" fmla="*/ 2382 w 3574257"/>
+              <a:gd name="connsiteY4" fmla="*/ 1807368 h 1807368"/>
+              <a:gd name="connsiteX0" fmla="*/ 2382 w 3574257"/>
+              <a:gd name="connsiteY0" fmla="*/ 1807368 h 1807368"/>
+              <a:gd name="connsiteX1" fmla="*/ 0 w 3574257"/>
+              <a:gd name="connsiteY1" fmla="*/ 0 h 1807368"/>
+              <a:gd name="connsiteX2" fmla="*/ 1819275 w 3574257"/>
+              <a:gd name="connsiteY2" fmla="*/ 200026 h 1807368"/>
+              <a:gd name="connsiteX3" fmla="*/ 3574257 w 3574257"/>
+              <a:gd name="connsiteY3" fmla="*/ 1807368 h 1807368"/>
+              <a:gd name="connsiteX4" fmla="*/ 2382 w 3574257"/>
+              <a:gd name="connsiteY4" fmla="*/ 1807368 h 1807368"/>
+              <a:gd name="connsiteX0" fmla="*/ 2382 w 3574257"/>
+              <a:gd name="connsiteY0" fmla="*/ 1807368 h 1807368"/>
+              <a:gd name="connsiteX1" fmla="*/ 0 w 3574257"/>
+              <a:gd name="connsiteY1" fmla="*/ 0 h 1807368"/>
+              <a:gd name="connsiteX2" fmla="*/ 2045494 w 3574257"/>
+              <a:gd name="connsiteY2" fmla="*/ 1 h 1807368"/>
+              <a:gd name="connsiteX3" fmla="*/ 3574257 w 3574257"/>
+              <a:gd name="connsiteY3" fmla="*/ 1807368 h 1807368"/>
+              <a:gd name="connsiteX4" fmla="*/ 2382 w 3574257"/>
+              <a:gd name="connsiteY4" fmla="*/ 1807368 h 1807368"/>
+            </a:gdLst>
+            <a:ahLst/>
+            <a:cxnLst>
+              <a:cxn ang="0">
+                <a:pos x="connsiteX0" y="connsiteY0"/>
+              </a:cxn>
+              <a:cxn ang="0">
+                <a:pos x="connsiteX1" y="connsiteY1"/>
+              </a:cxn>
+              <a:cxn ang="0">
+                <a:pos x="connsiteX2" y="connsiteY2"/>
+              </a:cxn>
+              <a:cxn ang="0">
+                <a:pos x="connsiteX3" y="connsiteY3"/>
+              </a:cxn>
+              <a:cxn ang="0">
+                <a:pos x="connsiteX4" y="connsiteY4"/>
+              </a:cxn>
+            </a:cxnLst>
+            <a:rect l="l" t="t" r="r" b="b"/>
+            <a:pathLst>
+              <a:path w="3574257" h="1807368">
+                <a:moveTo>
+                  <a:pt x="2382" y="1807368"/>
+                </a:moveTo>
+                <a:lnTo>
+                  <a:pt x="0" y="0"/>
+                </a:lnTo>
+                <a:lnTo>
+                  <a:pt x="2045494" y="1"/>
+                </a:lnTo>
+                <a:lnTo>
+                  <a:pt x="3574257" y="1807368"/>
+                </a:lnTo>
+                <a:lnTo>
+                  <a:pt x="2382" y="1807368"/>
+                </a:lnTo>
+                <a:close/>
+              </a:path>
+            </a:pathLst>
+          </a:custGeom>
+          <a:solidFill>
+            <a:srgbClr val="FF7F4F"/>
+          </a:solidFill>
+          <a:ln>
+            <a:noFill/>
+          </a:ln>
+        </p:spPr>
+        <p:style>
+          <a:lnRef idx="2">
+            <a:schemeClr val="accent1">
+              <a:shade val="50000"/>
+            </a:schemeClr>
+          </a:lnRef>
+          <a:fillRef idx="1">
+            <a:schemeClr val="accent1"/>
+          </a:fillRef>
+          <a:effectRef idx="0">
+            <a:schemeClr val="accent1"/>
+          </a:effectRef>
+          <a:fontRef idx="minor">
+            <a:schemeClr val="lt1"/>
+          </a:fontRef>
+        </p:style>
+        <p:txBody>
+          <a:bodyPr rtlCol="0" anchor="ctr"/>
+          <a:lstStyle/>
+          <a:p>
+            <a:pPr algn="ctr"/>
+            <a:endParaRPr lang="en-US"/>
+          </a:p>
+        </p:txBody>
+      </p:sp>
+      <p:sp>
+        <p:nvSpPr>
+          <p:cNvPr id="5" name="Freeform 4"/>
+          <p:cNvSpPr/>
+          <p:nvPr/>
+        </p:nvSpPr>
+        <p:spPr>
+          <a:xfrm>
+            <a:off x="-2380" y="5951801"/>
+            <a:ext cx="9146380" cy="906200"/>
+          </a:xfrm>
+          <a:custGeom>
+            <a:avLst/>
+            <a:gdLst>
+              <a:gd name="connsiteX0" fmla="*/ 0 w 3350419"/>
+              <a:gd name="connsiteY0" fmla="*/ 2081213 h 2083594"/>
+              <a:gd name="connsiteX1" fmla="*/ 3031331 w 3350419"/>
+              <a:gd name="connsiteY1" fmla="*/ 0 h 2083594"/>
+              <a:gd name="connsiteX2" fmla="*/ 3350419 w 3350419"/>
+              <a:gd name="connsiteY2" fmla="*/ 80963 h 2083594"/>
+              <a:gd name="connsiteX3" fmla="*/ 3350419 w 3350419"/>
+              <a:gd name="connsiteY3" fmla="*/ 2083594 h 2083594"/>
+              <a:gd name="connsiteX4" fmla="*/ 0 w 3350419"/>
+              <a:gd name="connsiteY4" fmla="*/ 2081213 h 2083594"/>
+              <a:gd name="connsiteX0" fmla="*/ 0 w 3112294"/>
+              <a:gd name="connsiteY0" fmla="*/ 2019301 h 2083594"/>
+              <a:gd name="connsiteX1" fmla="*/ 2793206 w 3112294"/>
+              <a:gd name="connsiteY1" fmla="*/ 0 h 2083594"/>
+              <a:gd name="connsiteX2" fmla="*/ 3112294 w 3112294"/>
+              <a:gd name="connsiteY2" fmla="*/ 80963 h 2083594"/>
+              <a:gd name="connsiteX3" fmla="*/ 3112294 w 3112294"/>
+              <a:gd name="connsiteY3" fmla="*/ 2083594 h 2083594"/>
+              <a:gd name="connsiteX4" fmla="*/ 0 w 3112294"/>
+              <a:gd name="connsiteY4" fmla="*/ 2019301 h 2083594"/>
+              <a:gd name="connsiteX0" fmla="*/ 0 w 3345656"/>
+              <a:gd name="connsiteY0" fmla="*/ 2097882 h 2097882"/>
+              <a:gd name="connsiteX1" fmla="*/ 3026568 w 3345656"/>
+              <a:gd name="connsiteY1" fmla="*/ 0 h 2097882"/>
+              <a:gd name="connsiteX2" fmla="*/ 3345656 w 3345656"/>
+              <a:gd name="connsiteY2" fmla="*/ 80963 h 2097882"/>
+              <a:gd name="connsiteX3" fmla="*/ 3345656 w 3345656"/>
+              <a:gd name="connsiteY3" fmla="*/ 2083594 h 2097882"/>
+              <a:gd name="connsiteX4" fmla="*/ 0 w 3345656"/>
+              <a:gd name="connsiteY4" fmla="*/ 2097882 h 2097882"/>
+              <a:gd name="connsiteX0" fmla="*/ 0 w 2800350"/>
+              <a:gd name="connsiteY0" fmla="*/ 1935957 h 2083594"/>
+              <a:gd name="connsiteX1" fmla="*/ 2481262 w 2800350"/>
+              <a:gd name="connsiteY1" fmla="*/ 0 h 2083594"/>
+              <a:gd name="connsiteX2" fmla="*/ 2800350 w 2800350"/>
+              <a:gd name="connsiteY2" fmla="*/ 80963 h 2083594"/>
+              <a:gd name="connsiteX3" fmla="*/ 2800350 w 2800350"/>
+              <a:gd name="connsiteY3" fmla="*/ 2083594 h 2083594"/>
+              <a:gd name="connsiteX4" fmla="*/ 0 w 2800350"/>
+              <a:gd name="connsiteY4" fmla="*/ 1935957 h 2083594"/>
+              <a:gd name="connsiteX0" fmla="*/ 0 w 3352800"/>
+              <a:gd name="connsiteY0" fmla="*/ 2083594 h 2083594"/>
+              <a:gd name="connsiteX1" fmla="*/ 3033712 w 3352800"/>
+              <a:gd name="connsiteY1" fmla="*/ 0 h 2083594"/>
+              <a:gd name="connsiteX2" fmla="*/ 3352800 w 3352800"/>
+              <a:gd name="connsiteY2" fmla="*/ 80963 h 2083594"/>
+              <a:gd name="connsiteX3" fmla="*/ 3352800 w 3352800"/>
+              <a:gd name="connsiteY3" fmla="*/ 2083594 h 2083594"/>
+              <a:gd name="connsiteX4" fmla="*/ 0 w 3352800"/>
+              <a:gd name="connsiteY4" fmla="*/ 2083594 h 2083594"/>
+              <a:gd name="connsiteX0" fmla="*/ 0 w 3352800"/>
+              <a:gd name="connsiteY0" fmla="*/ 2002631 h 2002631"/>
+              <a:gd name="connsiteX1" fmla="*/ 3033712 w 3352800"/>
+              <a:gd name="connsiteY1" fmla="*/ 157162 h 2002631"/>
+              <a:gd name="connsiteX2" fmla="*/ 3352800 w 3352800"/>
+              <a:gd name="connsiteY2" fmla="*/ 0 h 2002631"/>
+              <a:gd name="connsiteX3" fmla="*/ 3352800 w 3352800"/>
+              <a:gd name="connsiteY3" fmla="*/ 2002631 h 2002631"/>
+              <a:gd name="connsiteX4" fmla="*/ 0 w 3352800"/>
+              <a:gd name="connsiteY4" fmla="*/ 2002631 h 2002631"/>
+              <a:gd name="connsiteX0" fmla="*/ 0 w 3352800"/>
+              <a:gd name="connsiteY0" fmla="*/ 2002631 h 2002631"/>
+              <a:gd name="connsiteX1" fmla="*/ 2988469 w 3352800"/>
+              <a:gd name="connsiteY1" fmla="*/ 59530 h 2002631"/>
+              <a:gd name="connsiteX2" fmla="*/ 3352800 w 3352800"/>
+              <a:gd name="connsiteY2" fmla="*/ 0 h 2002631"/>
+              <a:gd name="connsiteX3" fmla="*/ 3352800 w 3352800"/>
+              <a:gd name="connsiteY3" fmla="*/ 2002631 h 2002631"/>
+              <a:gd name="connsiteX4" fmla="*/ 0 w 3352800"/>
+              <a:gd name="connsiteY4" fmla="*/ 2002631 h 2002631"/>
+              <a:gd name="connsiteX0" fmla="*/ 0 w 3352800"/>
+              <a:gd name="connsiteY0" fmla="*/ 2002631 h 2002631"/>
+              <a:gd name="connsiteX1" fmla="*/ 2833966 w 3352800"/>
+              <a:gd name="connsiteY1" fmla="*/ 425 h 2002631"/>
+              <a:gd name="connsiteX2" fmla="*/ 3352800 w 3352800"/>
+              <a:gd name="connsiteY2" fmla="*/ 0 h 2002631"/>
+              <a:gd name="connsiteX3" fmla="*/ 3352800 w 3352800"/>
+              <a:gd name="connsiteY3" fmla="*/ 2002631 h 2002631"/>
+              <a:gd name="connsiteX4" fmla="*/ 0 w 3352800"/>
+              <a:gd name="connsiteY4" fmla="*/ 2002631 h 2002631"/>
+              <a:gd name="connsiteX0" fmla="*/ 0 w 3352800"/>
+              <a:gd name="connsiteY0" fmla="*/ 2002631 h 2002631"/>
+              <a:gd name="connsiteX1" fmla="*/ 2845314 w 3352800"/>
+              <a:gd name="connsiteY1" fmla="*/ 12246 h 2002631"/>
+              <a:gd name="connsiteX2" fmla="*/ 3352800 w 3352800"/>
+              <a:gd name="connsiteY2" fmla="*/ 0 h 2002631"/>
+              <a:gd name="connsiteX3" fmla="*/ 3352800 w 3352800"/>
+              <a:gd name="connsiteY3" fmla="*/ 2002631 h 2002631"/>
+              <a:gd name="connsiteX4" fmla="*/ 0 w 3352800"/>
+              <a:gd name="connsiteY4" fmla="*/ 2002631 h 2002631"/>
+              <a:gd name="connsiteX0" fmla="*/ 0 w 3352800"/>
+              <a:gd name="connsiteY0" fmla="*/ 2002631 h 2002631"/>
+              <a:gd name="connsiteX1" fmla="*/ 2834839 w 3352800"/>
+              <a:gd name="connsiteY1" fmla="*/ 425 h 2002631"/>
+              <a:gd name="connsiteX2" fmla="*/ 3352800 w 3352800"/>
+              <a:gd name="connsiteY2" fmla="*/ 0 h 2002631"/>
+              <a:gd name="connsiteX3" fmla="*/ 3352800 w 3352800"/>
+              <a:gd name="connsiteY3" fmla="*/ 2002631 h 2002631"/>
+              <a:gd name="connsiteX4" fmla="*/ 0 w 3352800"/>
+              <a:gd name="connsiteY4" fmla="*/ 2002631 h 2002631"/>
+              <a:gd name="connsiteX0" fmla="*/ 0 w 3352800"/>
+              <a:gd name="connsiteY0" fmla="*/ 2002631 h 2002631"/>
+              <a:gd name="connsiteX1" fmla="*/ 2875865 w 3352800"/>
+              <a:gd name="connsiteY1" fmla="*/ 81782 h 2002631"/>
+              <a:gd name="connsiteX2" fmla="*/ 3352800 w 3352800"/>
+              <a:gd name="connsiteY2" fmla="*/ 0 h 2002631"/>
+              <a:gd name="connsiteX3" fmla="*/ 3352800 w 3352800"/>
+              <a:gd name="connsiteY3" fmla="*/ 2002631 h 2002631"/>
+              <a:gd name="connsiteX4" fmla="*/ 0 w 3352800"/>
+              <a:gd name="connsiteY4" fmla="*/ 2002631 h 2002631"/>
+              <a:gd name="connsiteX0" fmla="*/ 0 w 3352800"/>
+              <a:gd name="connsiteY0" fmla="*/ 2002901 h 2002901"/>
+              <a:gd name="connsiteX1" fmla="*/ 2836585 w 3352800"/>
+              <a:gd name="connsiteY1" fmla="*/ 0 h 2002901"/>
+              <a:gd name="connsiteX2" fmla="*/ 3352800 w 3352800"/>
+              <a:gd name="connsiteY2" fmla="*/ 270 h 2002901"/>
+              <a:gd name="connsiteX3" fmla="*/ 3352800 w 3352800"/>
+              <a:gd name="connsiteY3" fmla="*/ 2002901 h 2002901"/>
+              <a:gd name="connsiteX4" fmla="*/ 0 w 3352800"/>
+              <a:gd name="connsiteY4" fmla="*/ 2002901 h 2002901"/>
+              <a:gd name="connsiteX0" fmla="*/ 0 w 3352800"/>
+              <a:gd name="connsiteY0" fmla="*/ 2002631 h 2002631"/>
+              <a:gd name="connsiteX1" fmla="*/ 754045 w 3352800"/>
+              <a:gd name="connsiteY1" fmla="*/ 1468326 h 2002631"/>
+              <a:gd name="connsiteX2" fmla="*/ 3352800 w 3352800"/>
+              <a:gd name="connsiteY2" fmla="*/ 0 h 2002631"/>
+              <a:gd name="connsiteX3" fmla="*/ 3352800 w 3352800"/>
+              <a:gd name="connsiteY3" fmla="*/ 2002631 h 2002631"/>
+              <a:gd name="connsiteX4" fmla="*/ 0 w 3352800"/>
+              <a:gd name="connsiteY4" fmla="*/ 2002631 h 2002631"/>
+              <a:gd name="connsiteX0" fmla="*/ 0 w 3352800"/>
+              <a:gd name="connsiteY0" fmla="*/ 534305 h 534305"/>
+              <a:gd name="connsiteX1" fmla="*/ 754045 w 3352800"/>
+              <a:gd name="connsiteY1" fmla="*/ 0 h 534305"/>
+              <a:gd name="connsiteX2" fmla="*/ 3352800 w 3352800"/>
+              <a:gd name="connsiteY2" fmla="*/ 7687 h 534305"/>
+              <a:gd name="connsiteX3" fmla="*/ 3352800 w 3352800"/>
+              <a:gd name="connsiteY3" fmla="*/ 534305 h 534305"/>
+              <a:gd name="connsiteX4" fmla="*/ 0 w 3352800"/>
+              <a:gd name="connsiteY4" fmla="*/ 534305 h 534305"/>
+              <a:gd name="connsiteX0" fmla="*/ 0 w 3352800"/>
+              <a:gd name="connsiteY0" fmla="*/ 534305 h 534305"/>
+              <a:gd name="connsiteX1" fmla="*/ 754045 w 3352800"/>
+              <a:gd name="connsiteY1" fmla="*/ 0 h 534305"/>
+              <a:gd name="connsiteX2" fmla="*/ 3352800 w 3352800"/>
+              <a:gd name="connsiteY2" fmla="*/ 7687 h 534305"/>
+              <a:gd name="connsiteX3" fmla="*/ 3352800 w 3352800"/>
+              <a:gd name="connsiteY3" fmla="*/ 534305 h 534305"/>
+              <a:gd name="connsiteX4" fmla="*/ 0 w 3352800"/>
+              <a:gd name="connsiteY4" fmla="*/ 534305 h 534305"/>
+              <a:gd name="connsiteX0" fmla="*/ 0 w 3352800"/>
+              <a:gd name="connsiteY0" fmla="*/ 526618 h 526618"/>
+              <a:gd name="connsiteX1" fmla="*/ 980611 w 3352800"/>
+              <a:gd name="connsiteY1" fmla="*/ 93681 h 526618"/>
+              <a:gd name="connsiteX2" fmla="*/ 3352800 w 3352800"/>
+              <a:gd name="connsiteY2" fmla="*/ 0 h 526618"/>
+              <a:gd name="connsiteX3" fmla="*/ 3352800 w 3352800"/>
+              <a:gd name="connsiteY3" fmla="*/ 526618 h 526618"/>
+              <a:gd name="connsiteX4" fmla="*/ 0 w 3352800"/>
+              <a:gd name="connsiteY4" fmla="*/ 526618 h 526618"/>
+              <a:gd name="connsiteX0" fmla="*/ 0 w 3352800"/>
+              <a:gd name="connsiteY0" fmla="*/ 526888 h 526888"/>
+              <a:gd name="connsiteX1" fmla="*/ 744735 w 3352800"/>
+              <a:gd name="connsiteY1" fmla="*/ 0 h 526888"/>
+              <a:gd name="connsiteX2" fmla="*/ 3352800 w 3352800"/>
+              <a:gd name="connsiteY2" fmla="*/ 270 h 526888"/>
+              <a:gd name="connsiteX3" fmla="*/ 3352800 w 3352800"/>
+              <a:gd name="connsiteY3" fmla="*/ 526888 h 526888"/>
+              <a:gd name="connsiteX4" fmla="*/ 0 w 3352800"/>
+              <a:gd name="connsiteY4" fmla="*/ 526888 h 526888"/>
+              <a:gd name="connsiteX0" fmla="*/ 0 w 3352800"/>
+              <a:gd name="connsiteY0" fmla="*/ 526618 h 526618"/>
+              <a:gd name="connsiteX1" fmla="*/ 811948 w 3352800"/>
+              <a:gd name="connsiteY1" fmla="*/ 60921 h 526618"/>
+              <a:gd name="connsiteX2" fmla="*/ 3352800 w 3352800"/>
+              <a:gd name="connsiteY2" fmla="*/ 0 h 526618"/>
+              <a:gd name="connsiteX3" fmla="*/ 3352800 w 3352800"/>
+              <a:gd name="connsiteY3" fmla="*/ 526618 h 526618"/>
+              <a:gd name="connsiteX4" fmla="*/ 0 w 3352800"/>
+              <a:gd name="connsiteY4" fmla="*/ 526618 h 526618"/>
+              <a:gd name="connsiteX0" fmla="*/ 0 w 3352800"/>
+              <a:gd name="connsiteY0" fmla="*/ 527584 h 527584"/>
+              <a:gd name="connsiteX1" fmla="*/ 751718 w 3352800"/>
+              <a:gd name="connsiteY1" fmla="*/ 0 h 527584"/>
+              <a:gd name="connsiteX2" fmla="*/ 3352800 w 3352800"/>
+              <a:gd name="connsiteY2" fmla="*/ 966 h 527584"/>
+              <a:gd name="connsiteX3" fmla="*/ 3352800 w 3352800"/>
+              <a:gd name="connsiteY3" fmla="*/ 527584 h 527584"/>
+              <a:gd name="connsiteX4" fmla="*/ 0 w 3352800"/>
+              <a:gd name="connsiteY4" fmla="*/ 527584 h 527584"/>
+              <a:gd name="connsiteX0" fmla="*/ 0 w 3352800"/>
+              <a:gd name="connsiteY0" fmla="*/ 527584 h 527584"/>
+              <a:gd name="connsiteX1" fmla="*/ 751718 w 3352800"/>
+              <a:gd name="connsiteY1" fmla="*/ 0 h 527584"/>
+              <a:gd name="connsiteX2" fmla="*/ 3241069 w 3352800"/>
+              <a:gd name="connsiteY2" fmla="*/ 94144 h 527584"/>
+              <a:gd name="connsiteX3" fmla="*/ 3352800 w 3352800"/>
+              <a:gd name="connsiteY3" fmla="*/ 527584 h 527584"/>
+              <a:gd name="connsiteX4" fmla="*/ 0 w 3352800"/>
+              <a:gd name="connsiteY4" fmla="*/ 527584 h 527584"/>
+              <a:gd name="connsiteX0" fmla="*/ 0 w 3352800"/>
+              <a:gd name="connsiteY0" fmla="*/ 527584 h 527584"/>
+              <a:gd name="connsiteX1" fmla="*/ 751718 w 3352800"/>
+              <a:gd name="connsiteY1" fmla="*/ 0 h 527584"/>
+              <a:gd name="connsiteX2" fmla="*/ 3352800 w 3352800"/>
+              <a:gd name="connsiteY2" fmla="*/ 271 h 527584"/>
+              <a:gd name="connsiteX3" fmla="*/ 3352800 w 3352800"/>
+              <a:gd name="connsiteY3" fmla="*/ 527584 h 527584"/>
+              <a:gd name="connsiteX4" fmla="*/ 0 w 3352800"/>
+              <a:gd name="connsiteY4" fmla="*/ 527584 h 527584"/>
+              <a:gd name="connsiteX0" fmla="*/ 0 w 3352800"/>
+              <a:gd name="connsiteY0" fmla="*/ 527313 h 527313"/>
+              <a:gd name="connsiteX1" fmla="*/ 900984 w 3352800"/>
+              <a:gd name="connsiteY1" fmla="*/ 97774 h 527313"/>
+              <a:gd name="connsiteX2" fmla="*/ 3352800 w 3352800"/>
+              <a:gd name="connsiteY2" fmla="*/ 0 h 527313"/>
+              <a:gd name="connsiteX3" fmla="*/ 3352800 w 3352800"/>
+              <a:gd name="connsiteY3" fmla="*/ 527313 h 527313"/>
+              <a:gd name="connsiteX4" fmla="*/ 0 w 3352800"/>
+              <a:gd name="connsiteY4" fmla="*/ 527313 h 527313"/>
+              <a:gd name="connsiteX0" fmla="*/ 0 w 3352800"/>
+              <a:gd name="connsiteY0" fmla="*/ 527584 h 527584"/>
+              <a:gd name="connsiteX1" fmla="*/ 748227 w 3352800"/>
+              <a:gd name="connsiteY1" fmla="*/ 0 h 527584"/>
+              <a:gd name="connsiteX2" fmla="*/ 3352800 w 3352800"/>
+              <a:gd name="connsiteY2" fmla="*/ 271 h 527584"/>
+              <a:gd name="connsiteX3" fmla="*/ 3352800 w 3352800"/>
+              <a:gd name="connsiteY3" fmla="*/ 527584 h 527584"/>
+              <a:gd name="connsiteX4" fmla="*/ 0 w 3352800"/>
+              <a:gd name="connsiteY4" fmla="*/ 527584 h 527584"/>
+              <a:gd name="connsiteX0" fmla="*/ 0 w 3352800"/>
+              <a:gd name="connsiteY0" fmla="*/ 527313 h 527313"/>
+              <a:gd name="connsiteX1" fmla="*/ 378118 w 3352800"/>
+              <a:gd name="connsiteY1" fmla="*/ 21980 h 527313"/>
+              <a:gd name="connsiteX2" fmla="*/ 3352800 w 3352800"/>
+              <a:gd name="connsiteY2" fmla="*/ 0 h 527313"/>
+              <a:gd name="connsiteX3" fmla="*/ 3352800 w 3352800"/>
+              <a:gd name="connsiteY3" fmla="*/ 527313 h 527313"/>
+              <a:gd name="connsiteX4" fmla="*/ 0 w 3352800"/>
+              <a:gd name="connsiteY4" fmla="*/ 527313 h 527313"/>
+              <a:gd name="connsiteX0" fmla="*/ 0 w 3352800"/>
+              <a:gd name="connsiteY0" fmla="*/ 527313 h 527313"/>
+              <a:gd name="connsiteX1" fmla="*/ 398129 w 3352800"/>
+              <a:gd name="connsiteY1" fmla="*/ 6039 h 527313"/>
+              <a:gd name="connsiteX2" fmla="*/ 3352800 w 3352800"/>
+              <a:gd name="connsiteY2" fmla="*/ 0 h 527313"/>
+              <a:gd name="connsiteX3" fmla="*/ 3352800 w 3352800"/>
+              <a:gd name="connsiteY3" fmla="*/ 527313 h 527313"/>
+              <a:gd name="connsiteX4" fmla="*/ 0 w 3352800"/>
+              <a:gd name="connsiteY4" fmla="*/ 527313 h 527313"/>
+              <a:gd name="connsiteX0" fmla="*/ 0 w 3352800"/>
+              <a:gd name="connsiteY0" fmla="*/ 529245 h 529245"/>
+              <a:gd name="connsiteX1" fmla="*/ 403132 w 3352800"/>
+              <a:gd name="connsiteY1" fmla="*/ 0 h 529245"/>
+              <a:gd name="connsiteX2" fmla="*/ 3352800 w 3352800"/>
+              <a:gd name="connsiteY2" fmla="*/ 1932 h 529245"/>
+              <a:gd name="connsiteX3" fmla="*/ 3352800 w 3352800"/>
+              <a:gd name="connsiteY3" fmla="*/ 529245 h 529245"/>
+              <a:gd name="connsiteX4" fmla="*/ 0 w 3352800"/>
+              <a:gd name="connsiteY4" fmla="*/ 529245 h 529245"/>
+            </a:gdLst>
+            <a:ahLst/>
+            <a:cxnLst>
+              <a:cxn ang="0">
+                <a:pos x="connsiteX0" y="connsiteY0"/>
+              </a:cxn>
+              <a:cxn ang="0">
+                <a:pos x="connsiteX1" y="connsiteY1"/>
+              </a:cxn>
+              <a:cxn ang="0">
+                <a:pos x="connsiteX2" y="connsiteY2"/>
+              </a:cxn>
+              <a:cxn ang="0">
+                <a:pos x="connsiteX3" y="connsiteY3"/>
+              </a:cxn>
+              <a:cxn ang="0">
+                <a:pos x="connsiteX4" y="connsiteY4"/>
+              </a:cxn>
+            </a:cxnLst>
+            <a:rect l="l" t="t" r="r" b="b"/>
+            <a:pathLst>
+              <a:path w="3352800" h="529245">
+                <a:moveTo>
+                  <a:pt x="0" y="529245"/>
+                </a:moveTo>
+                <a:lnTo>
+                  <a:pt x="403132" y="0"/>
+                </a:lnTo>
+                <a:lnTo>
+                  <a:pt x="3352800" y="1932"/>
+                </a:lnTo>
+                <a:lnTo>
+                  <a:pt x="3352800" y="529245"/>
+                </a:lnTo>
+                <a:lnTo>
+                  <a:pt x="0" y="529245"/>
+                </a:lnTo>
+                <a:close/>
+              </a:path>
+            </a:pathLst>
+          </a:custGeom>
+          <a:solidFill>
+            <a:srgbClr val="4F6FFF">
+              <a:alpha val="80000"/>
+            </a:srgbClr>
+          </a:solidFill>
+          <a:ln>
+            <a:noFill/>
+          </a:ln>
+        </p:spPr>
+        <p:style>
+          <a:lnRef idx="2">
+            <a:schemeClr val="accent1">
+              <a:shade val="50000"/>
+            </a:schemeClr>
+          </a:lnRef>
+          <a:fillRef idx="1">
+            <a:schemeClr val="accent1"/>
+          </a:fillRef>
+          <a:effectRef idx="0">
+            <a:schemeClr val="accent1"/>
+          </a:effectRef>
+          <a:fontRef idx="minor">
+            <a:schemeClr val="lt1"/>
+          </a:fontRef>
+        </p:style>
+        <p:txBody>
+          <a:bodyPr rtlCol="0" anchor="ctr"/>
+          <a:lstStyle/>
+          <a:p>
+            <a:pPr algn="ctr"/>
+            <a:endParaRPr lang="en-US" dirty="0"/>
+          </a:p>
+        </p:txBody>
+      </p:sp>
+      <p:pic>
+        <p:nvPicPr>
+          <p:cNvPr id="9" name="Picture 2" descr="D:\Anodiam\Docs\ProjectExecution\BA\ImageResources\AnodiamFullLogo.bmp"/>
+          <p:cNvPicPr>
+            <a:picLocks noChangeAspect="1" noChangeArrowheads="1"/>
+          </p:cNvPicPr>
+          <p:nvPr/>
+        </p:nvPicPr>
+        <p:blipFill>
+          <a:blip r:embed="rId4">
+            <a:extLst>
+              <a:ext uri="{28A0092B-C50C-407E-A947-70E740481C1C}">
+                <a14:useLocalDpi xmlns:a14="http://schemas.microsoft.com/office/drawing/2010/main" val="0"/>
+              </a:ext>
+            </a:extLst>
+          </a:blip>
+          <a:srcRect/>
+          <a:stretch>
+            <a:fillRect/>
+          </a:stretch>
+        </p:blipFill>
+        <p:spPr bwMode="auto">
+          <a:xfrm>
+            <a:off x="179512" y="188640"/>
+            <a:ext cx="1728192" cy="555987"/>
+          </a:xfrm>
+          <a:prstGeom prst="rect">
+            <a:avLst/>
+          </a:prstGeom>
+          <a:noFill/>
+          <a:extLst>
+            <a:ext uri="{909E8E84-426E-40DD-AFC4-6F175D3DCCD1}">
+              <a14:hiddenFill xmlns:a14="http://schemas.microsoft.com/office/drawing/2010/main">
+                <a:solidFill>
+                  <a:srgbClr val="FFFFFF"/>
+                </a:solidFill>
+              </a14:hiddenFill>
+            </a:ext>
+          </a:extLst>
+        </p:spPr>
+      </p:pic>
+      <p:sp>
+        <p:nvSpPr>
+          <p:cNvPr id="11" name="Footer Placeholder 4"/>
+          <p:cNvSpPr>
+            <a:spLocks noGrp="1"/>
+          </p:cNvSpPr>
+          <p:nvPr>
+            <p:ph type="ftr" sz="quarter" idx="4294967295"/>
+          </p:nvPr>
+        </p:nvSpPr>
+        <p:spPr>
+          <a:xfrm>
+            <a:off x="3517514" y="6285122"/>
+            <a:ext cx="4724400" cy="274320"/>
+          </a:xfrm>
+          <a:prstGeom prst="rect">
+            <a:avLst/>
+          </a:prstGeom>
+        </p:spPr>
+        <p:txBody>
+          <a:bodyPr vert="horz" lIns="91440" tIns="45720" rIns="91440" bIns="45720" rtlCol="0" anchor="ctr"/>
+          <a:lstStyle>
+            <a:lvl1pPr algn="r">
+              <a:defRPr sz="1000" b="1" cap="all" spc="200" baseline="0">
+                <a:solidFill>
+                  <a:srgbClr val="FFFFFF"/>
+                </a:solidFill>
+              </a:defRPr>
+            </a:lvl1pPr>
+          </a:lstStyle>
+          <a:p>
+            <a:r>
+              <a:rPr lang="en-AU" dirty="0" smtClean="0"/>
+              <a:t>© Protected </a:t>
+            </a:r>
+            <a:r>
+              <a:rPr lang="en-AU" dirty="0" err="1" smtClean="0"/>
+              <a:t>Anodiam</a:t>
+            </a:r>
+            <a:r>
+              <a:rPr lang="en-AU" dirty="0" smtClean="0"/>
+              <a:t> 2020</a:t>
+            </a:r>
+            <a:endParaRPr lang="en-AU" dirty="0"/>
+          </a:p>
+        </p:txBody>
+      </p:sp>
+      <p:sp>
+        <p:nvSpPr>
+          <p:cNvPr id="12" name="Slide Number Placeholder 5"/>
+          <p:cNvSpPr>
+            <a:spLocks noGrp="1"/>
+          </p:cNvSpPr>
+          <p:nvPr>
+            <p:ph type="sldNum" sz="quarter" idx="4294967295"/>
+          </p:nvPr>
+        </p:nvSpPr>
+        <p:spPr>
+          <a:xfrm>
+            <a:off x="8401038" y="6170822"/>
+            <a:ext cx="502920" cy="502920"/>
+          </a:xfrm>
+          <a:prstGeom prst="ellipse">
+            <a:avLst/>
+          </a:prstGeom>
+          <a:ln w="19050">
+            <a:solidFill>
+              <a:srgbClr val="FFFFFF"/>
+            </a:solidFill>
+          </a:ln>
+        </p:spPr>
+        <p:txBody>
+          <a:bodyPr vert="horz" lIns="9144" tIns="9144" rIns="9144" bIns="9144" rtlCol="0" anchor="ctr">
+            <a:normAutofit/>
+          </a:bodyPr>
+          <a:lstStyle>
+            <a:lvl1pPr algn="ctr">
+              <a:defRPr sz="1650">
+                <a:solidFill>
+                  <a:srgbClr val="FFFFFF"/>
+                </a:solidFill>
+              </a:defRPr>
+            </a:lvl1pPr>
+          </a:lstStyle>
+          <a:p>
+            <a:fld id="{6C6DB775-3259-4DA2-8D46-167E4B8900DC}" type="slidenum">
+              <a:rPr lang="en-AU" smtClean="0"/>
+              <a:t>4</a:t>
+            </a:fld>
+            <a:endParaRPr lang="en-AU" dirty="0"/>
+          </a:p>
+        </p:txBody>
+      </p:sp>
+      <p:pic>
+        <p:nvPicPr>
+          <p:cNvPr id="1029" name="Picture 5"/>
+          <p:cNvPicPr>
+            <a:picLocks noChangeAspect="1" noChangeArrowheads="1"/>
+          </p:cNvPicPr>
+          <p:nvPr/>
+        </p:nvPicPr>
+        <p:blipFill>
+          <a:blip r:embed="rId5">
+            <a:duotone>
+              <a:schemeClr val="accent5">
+                <a:shade val="45000"/>
+                <a:satMod val="135000"/>
+              </a:schemeClr>
+              <a:prstClr val="white"/>
+            </a:duotone>
+            <a:extLst>
+              <a:ext uri="{BEBA8EAE-BF5A-486C-A8C5-ECC9F3942E4B}">
+                <a14:imgProps xmlns:a14="http://schemas.microsoft.com/office/drawing/2010/main">
+                  <a14:imgLayer r:embed="rId6">
+                    <a14:imgEffect>
+                      <a14:sharpenSoften amount="-50000"/>
+                    </a14:imgEffect>
+                    <a14:imgEffect>
+                      <a14:brightnessContrast contrast="-55000"/>
+                    </a14:imgEffect>
+                  </a14:imgLayer>
+                </a14:imgProps>
+              </a:ext>
+              <a:ext uri="{28A0092B-C50C-407E-A947-70E740481C1C}">
+                <a14:useLocalDpi xmlns:a14="http://schemas.microsoft.com/office/drawing/2010/main" val="0"/>
+              </a:ext>
+            </a:extLst>
+          </a:blip>
+          <a:srcRect/>
+          <a:stretch>
+            <a:fillRect/>
+          </a:stretch>
+        </p:blipFill>
+        <p:spPr bwMode="auto">
+          <a:xfrm>
+            <a:off x="4644008" y="476672"/>
+            <a:ext cx="3374874" cy="3390869"/>
+          </a:xfrm>
+          <a:prstGeom prst="rect">
+            <a:avLst/>
+          </a:prstGeom>
+          <a:noFill/>
+          <a:ln>
+            <a:noFill/>
+          </a:ln>
+          <a:extLst>
+            <a:ext uri="{909E8E84-426E-40DD-AFC4-6F175D3DCCD1}">
+              <a14:hiddenFill xmlns:a14="http://schemas.microsoft.com/office/drawing/2010/main">
+                <a:solidFill>
+                  <a:schemeClr val="accent1"/>
+                </a:solidFill>
+              </a14:hiddenFill>
+            </a:ext>
+            <a:ext uri="{91240B29-F687-4F45-9708-019B960494DF}">
+              <a14:hiddenLine xmlns:a14="http://schemas.microsoft.com/office/drawing/2010/main" w="9525">
+                <a:solidFill>
+                  <a:schemeClr val="tx1"/>
+                </a:solidFill>
+                <a:miter lim="800000"/>
+                <a:headEnd/>
+                <a:tailEnd/>
+              </a14:hiddenLine>
+            </a:ext>
+          </a:extLst>
+        </p:spPr>
+      </p:pic>
+      <p:sp>
+        <p:nvSpPr>
+          <p:cNvPr id="3" name="Rectangle 2"/>
+          <p:cNvSpPr/>
+          <p:nvPr/>
+        </p:nvSpPr>
+        <p:spPr>
+          <a:xfrm>
+            <a:off x="5040560" y="836712"/>
+            <a:ext cx="4572000" cy="2585323"/>
+          </a:xfrm>
+          <a:prstGeom prst="rect">
+            <a:avLst/>
+          </a:prstGeom>
+        </p:spPr>
+        <p:txBody>
+          <a:bodyPr>
+            <a:spAutoFit/>
+          </a:bodyPr>
+          <a:lstStyle/>
+          <a:p>
+            <a:pPr marL="285750" indent="-285750">
+              <a:buFont typeface="Wingdings" panose="05000000000000000000" pitchFamily="2" charset="2"/>
+              <a:buChar char="Ø"/>
+            </a:pPr>
+            <a:endParaRPr lang="en-AU" b="1" dirty="0" smtClean="0">
+              <a:solidFill>
+                <a:srgbClr val="0F0F7F"/>
+              </a:solidFill>
+            </a:endParaRPr>
+          </a:p>
+          <a:p>
+            <a:pPr marL="285750" indent="-285750">
+              <a:buFont typeface="Wingdings" panose="05000000000000000000" pitchFamily="2" charset="2"/>
+              <a:buChar char="Ø"/>
+            </a:pPr>
+            <a:r>
+              <a:rPr lang="en-AU" b="1" dirty="0" smtClean="0">
+                <a:solidFill>
+                  <a:srgbClr val="0F0F7F"/>
+                </a:solidFill>
+              </a:rPr>
+              <a:t>Ongoing income</a:t>
+            </a:r>
+          </a:p>
+          <a:p>
+            <a:pPr marL="285750" indent="-285750">
+              <a:buFont typeface="Wingdings" panose="05000000000000000000" pitchFamily="2" charset="2"/>
+              <a:buChar char="Ø"/>
+            </a:pPr>
+            <a:r>
+              <a:rPr lang="en-AU" b="1" dirty="0" smtClean="0">
+                <a:solidFill>
+                  <a:srgbClr val="0F0F7F"/>
+                </a:solidFill>
+              </a:rPr>
+              <a:t>Unlimited income </a:t>
+            </a:r>
+          </a:p>
+          <a:p>
+            <a:r>
+              <a:rPr lang="en-AU" b="1" dirty="0" smtClean="0">
+                <a:solidFill>
+                  <a:srgbClr val="0F0F7F"/>
+                </a:solidFill>
+              </a:rPr>
+              <a:t>     opportunity</a:t>
+            </a:r>
+            <a:endParaRPr lang="en-AU" b="1" dirty="0">
+              <a:solidFill>
+                <a:srgbClr val="0F0F7F"/>
+              </a:solidFill>
+            </a:endParaRPr>
+          </a:p>
+          <a:p>
+            <a:pPr marL="285750" indent="-285750">
+              <a:buFont typeface="Wingdings" panose="05000000000000000000" pitchFamily="2" charset="2"/>
+              <a:buChar char="Ø"/>
+            </a:pPr>
+            <a:r>
+              <a:rPr lang="en-AU" b="1" dirty="0">
+                <a:solidFill>
+                  <a:srgbClr val="0F0F7F"/>
+                </a:solidFill>
+              </a:rPr>
+              <a:t>No </a:t>
+            </a:r>
+            <a:r>
+              <a:rPr lang="en-AU" b="1" dirty="0" smtClean="0">
+                <a:solidFill>
+                  <a:srgbClr val="0F0F7F"/>
+                </a:solidFill>
+              </a:rPr>
+              <a:t>repetitive work</a:t>
+            </a:r>
+            <a:endParaRPr lang="en-AU" b="1" dirty="0">
+              <a:solidFill>
+                <a:srgbClr val="0F0F7F"/>
+              </a:solidFill>
+            </a:endParaRPr>
+          </a:p>
+          <a:p>
+            <a:pPr marL="285750" indent="-285750">
+              <a:buFont typeface="Wingdings" panose="05000000000000000000" pitchFamily="2" charset="2"/>
+              <a:buChar char="Ø"/>
+            </a:pPr>
+            <a:r>
+              <a:rPr lang="en-AU" b="1" dirty="0">
+                <a:solidFill>
+                  <a:srgbClr val="0F0F7F"/>
+                </a:solidFill>
+              </a:rPr>
+              <a:t>One time upload</a:t>
+            </a:r>
+          </a:p>
+          <a:p>
+            <a:pPr marL="285750" indent="-285750">
+              <a:buFont typeface="Wingdings" panose="05000000000000000000" pitchFamily="2" charset="2"/>
+              <a:buChar char="Ø"/>
+            </a:pPr>
+            <a:r>
+              <a:rPr lang="en-AU" b="1" dirty="0">
+                <a:solidFill>
+                  <a:srgbClr val="0F0F7F"/>
+                </a:solidFill>
+              </a:rPr>
+              <a:t>More quality work</a:t>
+            </a:r>
+          </a:p>
+          <a:p>
+            <a:pPr marL="285750" indent="-285750">
+              <a:buFont typeface="Wingdings" panose="05000000000000000000" pitchFamily="2" charset="2"/>
+              <a:buChar char="Ø"/>
+            </a:pPr>
+            <a:r>
+              <a:rPr lang="en-AU" b="1" dirty="0">
+                <a:solidFill>
+                  <a:srgbClr val="0F0F7F"/>
+                </a:solidFill>
+              </a:rPr>
+              <a:t>Job satisfaction</a:t>
+            </a:r>
+          </a:p>
+          <a:p>
+            <a:pPr marL="285750" indent="-285750">
+              <a:buFont typeface="Wingdings" panose="05000000000000000000" pitchFamily="2" charset="2"/>
+              <a:buChar char="Ø"/>
+            </a:pPr>
+            <a:r>
+              <a:rPr lang="en-AU" b="1" dirty="0">
+                <a:solidFill>
+                  <a:srgbClr val="0F0F7F"/>
+                </a:solidFill>
+              </a:rPr>
+              <a:t>More family time </a:t>
+            </a:r>
+            <a:endParaRPr lang="en-AU" b="1" dirty="0">
+              <a:solidFill>
+                <a:srgbClr val="0F0F7F"/>
+              </a:solidFill>
+            </a:endParaRPr>
+          </a:p>
+        </p:txBody>
+      </p:sp>
+      <p:pic>
+        <p:nvPicPr>
+          <p:cNvPr id="2053" name="Picture 5"/>
+          <p:cNvPicPr>
+            <a:picLocks noChangeAspect="1" noChangeArrowheads="1"/>
+          </p:cNvPicPr>
+          <p:nvPr/>
+        </p:nvPicPr>
+        <p:blipFill>
+          <a:blip r:embed="rId7">
+            <a:extLst>
+              <a:ext uri="{28A0092B-C50C-407E-A947-70E740481C1C}">
+                <a14:useLocalDpi xmlns:a14="http://schemas.microsoft.com/office/drawing/2010/main" val="0"/>
+              </a:ext>
+            </a:extLst>
+          </a:blip>
+          <a:srcRect/>
+          <a:stretch>
+            <a:fillRect/>
+          </a:stretch>
+        </p:blipFill>
+        <p:spPr bwMode="auto">
+          <a:xfrm>
+            <a:off x="323528" y="1196752"/>
+            <a:ext cx="4229100" cy="2295525"/>
+          </a:xfrm>
+          <a:prstGeom prst="rect">
+            <a:avLst/>
+          </a:prstGeom>
+          <a:noFill/>
+          <a:ln>
+            <a:noFill/>
+          </a:ln>
+          <a:extLst>
+            <a:ext uri="{909E8E84-426E-40DD-AFC4-6F175D3DCCD1}">
+              <a14:hiddenFill xmlns:a14="http://schemas.microsoft.com/office/drawing/2010/main">
+                <a:solidFill>
+                  <a:schemeClr val="accent1"/>
+                </a:solidFill>
+              </a14:hiddenFill>
+            </a:ext>
+            <a:ext uri="{91240B29-F687-4F45-9708-019B960494DF}">
+              <a14:hiddenLine xmlns:a14="http://schemas.microsoft.com/office/drawing/2010/main" w="9525">
+                <a:solidFill>
+                  <a:schemeClr val="tx1"/>
+                </a:solidFill>
+                <a:miter lim="800000"/>
+                <a:headEnd/>
+                <a:tailEnd/>
+              </a14:hiddenLine>
+            </a:ext>
+          </a:extLst>
+        </p:spPr>
+      </p:pic>
+      <p:sp>
+        <p:nvSpPr>
+          <p:cNvPr id="4" name="Rectangle 3"/>
+          <p:cNvSpPr/>
+          <p:nvPr/>
+        </p:nvSpPr>
+        <p:spPr>
+          <a:xfrm>
+            <a:off x="2664296" y="332656"/>
+            <a:ext cx="4572000" cy="646331"/>
+          </a:xfrm>
+          <a:prstGeom prst="rect">
+            <a:avLst/>
+          </a:prstGeom>
+        </p:spPr>
+        <p:txBody>
+          <a:bodyPr>
+            <a:spAutoFit/>
+          </a:bodyPr>
+          <a:lstStyle/>
+          <a:p>
+            <a:r>
+              <a:rPr lang="en-AU" b="1" u="sng" dirty="0">
+                <a:solidFill>
+                  <a:srgbClr val="0F0F7F"/>
+                </a:solidFill>
+              </a:rPr>
+              <a:t>Benefits for the teachers:</a:t>
+            </a:r>
+          </a:p>
+          <a:p>
+            <a:endParaRPr lang="en-AU" b="1" u="sng" dirty="0">
+              <a:solidFill>
+                <a:srgbClr val="0F0F7F"/>
+              </a:solidFill>
+            </a:endParaRPr>
+          </a:p>
+        </p:txBody>
+      </p:sp>
+    </p:spTree>
+    <p:extLst>
+      <p:ext uri="{BB962C8B-B14F-4D97-AF65-F5344CB8AC3E}">
+        <p14:creationId xmlns:p14="http://schemas.microsoft.com/office/powerpoint/2010/main" val="1624750435"/>
+      </p:ext>
+    </p:extLst>
+  </p:cSld>
+  <p:clrMapOvr>
+    <a:masterClrMapping/>
+  </p:clrMapOvr>
+  <p:timing>
+    <p:tnLst>
+      <p:par>
+        <p:cTn id="1" dur="indefinite" restart="never" nodeType="tmRoot"/>
+      </p:par>
+    </p:tnLst>
+  </p:timing>
+</p:sld>
+</file>
+
+<file path=ppt/slides/slide5.xml><?xml version="1.0" encoding="utf-8"?>
+<p:sld xmlns:a="http://schemas.openxmlformats.org/drawingml/2006/main" xmlns:r="http://schemas.openxmlformats.org/officeDocument/2006/relationships" xmlns:p="http://schemas.openxmlformats.org/presentationml/2006/main">
+  <p:cSld>
+    <p:spTree>
+      <p:nvGrpSpPr>
+        <p:cNvPr id="1" name=""/>
+        <p:cNvGrpSpPr/>
+        <p:nvPr/>
+      </p:nvGrpSpPr>
+      <p:grpSpPr>
+        <a:xfrm>
+          <a:off x="0" y="0"/>
+          <a:ext cx="0" cy="0"/>
+          <a:chOff x="0" y="0"/>
+          <a:chExt cx="0" cy="0"/>
+        </a:xfrm>
+      </p:grpSpPr>
+      <p:sp>
+        <p:nvSpPr>
+          <p:cNvPr id="22" name="Rectangle 21"/>
+          <p:cNvSpPr/>
+          <p:nvPr/>
+        </p:nvSpPr>
+        <p:spPr>
+          <a:xfrm>
+            <a:off x="6732240" y="1460925"/>
+            <a:ext cx="1008112" cy="417481"/>
+          </a:xfrm>
+          <a:prstGeom prst="rect">
+            <a:avLst/>
+          </a:prstGeom>
+        </p:spPr>
+        <p:style>
+          <a:lnRef idx="2">
+            <a:schemeClr val="accent1">
+              <a:shade val="50000"/>
+            </a:schemeClr>
+          </a:lnRef>
+          <a:fillRef idx="1">
+            <a:schemeClr val="accent1"/>
+          </a:fillRef>
+          <a:effectRef idx="0">
+            <a:schemeClr val="accent1"/>
+          </a:effectRef>
+          <a:fontRef idx="minor">
+            <a:schemeClr val="lt1"/>
+          </a:fontRef>
+        </p:style>
+        <p:txBody>
+          <a:bodyPr rtlCol="0" anchor="ctr"/>
+          <a:lstStyle/>
+          <a:p>
+            <a:pPr algn="ctr"/>
+            <a:endParaRPr lang="en-AU"/>
+          </a:p>
+        </p:txBody>
+      </p:sp>
+      <p:pic>
+        <p:nvPicPr>
+          <p:cNvPr id="8" name="Picture 5"/>
+          <p:cNvPicPr>
+            <a:picLocks noChangeAspect="1" noChangeArrowheads="1"/>
+          </p:cNvPicPr>
+          <p:nvPr/>
+        </p:nvPicPr>
+        <p:blipFill>
+          <a:blip r:embed="rId2">
+            <a:extLst>
+              <a:ext uri="{BEBA8EAE-BF5A-486C-A8C5-ECC9F3942E4B}">
+                <a14:imgProps xmlns:a14="http://schemas.microsoft.com/office/drawing/2010/main">
+                  <a14:imgLayer r:embed="rId3">
+                    <a14:imgEffect>
+                      <a14:sharpenSoften amount="-50000"/>
+                    </a14:imgEffect>
+                    <a14:imgEffect>
+                      <a14:brightnessContrast bright="11000"/>
+                    </a14:imgEffect>
+                  </a14:imgLayer>
+                </a14:imgProps>
+              </a:ext>
+              <a:ext uri="{28A0092B-C50C-407E-A947-70E740481C1C}">
+                <a14:useLocalDpi xmlns:a14="http://schemas.microsoft.com/office/drawing/2010/main" val="0"/>
+              </a:ext>
+            </a:extLst>
+          </a:blip>
+          <a:srcRect/>
+          <a:stretch>
+            <a:fillRect/>
+          </a:stretch>
+        </p:blipFill>
+        <p:spPr bwMode="auto">
+          <a:xfrm>
+            <a:off x="4680" y="2348422"/>
+            <a:ext cx="9146381" cy="4509578"/>
+          </a:xfrm>
+          <a:prstGeom prst="rect">
+            <a:avLst/>
+          </a:prstGeom>
+          <a:noFill/>
+          <a:ln>
+            <a:noFill/>
+          </a:ln>
+          <a:extLst>
+            <a:ext uri="{909E8E84-426E-40DD-AFC4-6F175D3DCCD1}">
+              <a14:hiddenFill xmlns:a14="http://schemas.microsoft.com/office/drawing/2010/main">
+                <a:solidFill>
+                  <a:schemeClr val="accent1"/>
+                </a:solidFill>
+              </a14:hiddenFill>
+            </a:ext>
+            <a:ext uri="{91240B29-F687-4F45-9708-019B960494DF}">
+              <a14:hiddenLine xmlns:a14="http://schemas.microsoft.com/office/drawing/2010/main" w="9525">
+                <a:solidFill>
+                  <a:schemeClr val="tx1"/>
+                </a:solidFill>
+                <a:miter lim="800000"/>
+                <a:headEnd/>
+                <a:tailEnd/>
+              </a14:hiddenLine>
+            </a:ext>
+          </a:extLst>
+        </p:spPr>
+      </p:pic>
+      <p:sp>
+        <p:nvSpPr>
+          <p:cNvPr id="7" name="Freeform 6"/>
+          <p:cNvSpPr/>
+          <p:nvPr/>
+        </p:nvSpPr>
+        <p:spPr>
+          <a:xfrm>
+            <a:off x="-2381" y="5955109"/>
+            <a:ext cx="1910085" cy="902891"/>
+          </a:xfrm>
+          <a:custGeom>
+            <a:avLst/>
+            <a:gdLst>
+              <a:gd name="connsiteX0" fmla="*/ 0 w 3571875"/>
+              <a:gd name="connsiteY0" fmla="*/ 4210050 h 4210050"/>
+              <a:gd name="connsiteX1" fmla="*/ 0 w 3571875"/>
+              <a:gd name="connsiteY1" fmla="*/ 0 h 4210050"/>
+              <a:gd name="connsiteX2" fmla="*/ 3571875 w 3571875"/>
+              <a:gd name="connsiteY2" fmla="*/ 4210050 h 4210050"/>
+              <a:gd name="connsiteX3" fmla="*/ 0 w 3571875"/>
+              <a:gd name="connsiteY3" fmla="*/ 4210050 h 4210050"/>
+              <a:gd name="connsiteX0" fmla="*/ 0 w 3571875"/>
+              <a:gd name="connsiteY0" fmla="*/ 4210050 h 4210050"/>
+              <a:gd name="connsiteX1" fmla="*/ 0 w 3571875"/>
+              <a:gd name="connsiteY1" fmla="*/ 0 h 4210050"/>
+              <a:gd name="connsiteX2" fmla="*/ 2028825 w 3571875"/>
+              <a:gd name="connsiteY2" fmla="*/ 2388394 h 4210050"/>
+              <a:gd name="connsiteX3" fmla="*/ 3571875 w 3571875"/>
+              <a:gd name="connsiteY3" fmla="*/ 4210050 h 4210050"/>
+              <a:gd name="connsiteX4" fmla="*/ 0 w 3571875"/>
+              <a:gd name="connsiteY4" fmla="*/ 4210050 h 4210050"/>
+              <a:gd name="connsiteX0" fmla="*/ 0 w 3571875"/>
+              <a:gd name="connsiteY0" fmla="*/ 4210050 h 4210050"/>
+              <a:gd name="connsiteX1" fmla="*/ 0 w 3571875"/>
+              <a:gd name="connsiteY1" fmla="*/ 0 h 4210050"/>
+              <a:gd name="connsiteX2" fmla="*/ 2028825 w 3571875"/>
+              <a:gd name="connsiteY2" fmla="*/ 2205038 h 4210050"/>
+              <a:gd name="connsiteX3" fmla="*/ 3571875 w 3571875"/>
+              <a:gd name="connsiteY3" fmla="*/ 4210050 h 4210050"/>
+              <a:gd name="connsiteX4" fmla="*/ 0 w 3571875"/>
+              <a:gd name="connsiteY4" fmla="*/ 4210050 h 4210050"/>
+              <a:gd name="connsiteX0" fmla="*/ 0 w 3571875"/>
+              <a:gd name="connsiteY0" fmla="*/ 4210050 h 4210050"/>
+              <a:gd name="connsiteX1" fmla="*/ 0 w 3571875"/>
+              <a:gd name="connsiteY1" fmla="*/ 0 h 4210050"/>
+              <a:gd name="connsiteX2" fmla="*/ 2028825 w 3571875"/>
+              <a:gd name="connsiteY2" fmla="*/ 2393157 h 4210050"/>
+              <a:gd name="connsiteX3" fmla="*/ 3571875 w 3571875"/>
+              <a:gd name="connsiteY3" fmla="*/ 4210050 h 4210050"/>
+              <a:gd name="connsiteX4" fmla="*/ 0 w 3571875"/>
+              <a:gd name="connsiteY4" fmla="*/ 4210050 h 4210050"/>
+              <a:gd name="connsiteX0" fmla="*/ 0 w 3571875"/>
+              <a:gd name="connsiteY0" fmla="*/ 4210050 h 4210050"/>
+              <a:gd name="connsiteX1" fmla="*/ 0 w 3571875"/>
+              <a:gd name="connsiteY1" fmla="*/ 0 h 4210050"/>
+              <a:gd name="connsiteX2" fmla="*/ 2028825 w 3571875"/>
+              <a:gd name="connsiteY2" fmla="*/ 2393157 h 4210050"/>
+              <a:gd name="connsiteX3" fmla="*/ 3571875 w 3571875"/>
+              <a:gd name="connsiteY3" fmla="*/ 4210050 h 4210050"/>
+              <a:gd name="connsiteX4" fmla="*/ 0 w 3571875"/>
+              <a:gd name="connsiteY4" fmla="*/ 4210050 h 4210050"/>
+              <a:gd name="connsiteX0" fmla="*/ 0 w 3571875"/>
+              <a:gd name="connsiteY0" fmla="*/ 4210050 h 4210050"/>
+              <a:gd name="connsiteX1" fmla="*/ 0 w 3571875"/>
+              <a:gd name="connsiteY1" fmla="*/ 0 h 4210050"/>
+              <a:gd name="connsiteX2" fmla="*/ 2028825 w 3571875"/>
+              <a:gd name="connsiteY2" fmla="*/ 2281238 h 4210050"/>
+              <a:gd name="connsiteX3" fmla="*/ 3571875 w 3571875"/>
+              <a:gd name="connsiteY3" fmla="*/ 4210050 h 4210050"/>
+              <a:gd name="connsiteX4" fmla="*/ 0 w 3571875"/>
+              <a:gd name="connsiteY4" fmla="*/ 4210050 h 4210050"/>
+              <a:gd name="connsiteX0" fmla="*/ 0 w 3571875"/>
+              <a:gd name="connsiteY0" fmla="*/ 4210050 h 4210050"/>
+              <a:gd name="connsiteX1" fmla="*/ 0 w 3571875"/>
+              <a:gd name="connsiteY1" fmla="*/ 0 h 4210050"/>
+              <a:gd name="connsiteX2" fmla="*/ 2028825 w 3571875"/>
+              <a:gd name="connsiteY2" fmla="*/ 2393157 h 4210050"/>
+              <a:gd name="connsiteX3" fmla="*/ 3571875 w 3571875"/>
+              <a:gd name="connsiteY3" fmla="*/ 4210050 h 4210050"/>
+              <a:gd name="connsiteX4" fmla="*/ 0 w 3571875"/>
+              <a:gd name="connsiteY4" fmla="*/ 4210050 h 4210050"/>
+              <a:gd name="connsiteX0" fmla="*/ 0 w 3571875"/>
+              <a:gd name="connsiteY0" fmla="*/ 4210050 h 4210050"/>
+              <a:gd name="connsiteX1" fmla="*/ 0 w 3571875"/>
+              <a:gd name="connsiteY1" fmla="*/ 0 h 4210050"/>
+              <a:gd name="connsiteX2" fmla="*/ 2028825 w 3571875"/>
+              <a:gd name="connsiteY2" fmla="*/ 2393157 h 4210050"/>
+              <a:gd name="connsiteX3" fmla="*/ 3571875 w 3571875"/>
+              <a:gd name="connsiteY3" fmla="*/ 4210050 h 4210050"/>
+              <a:gd name="connsiteX4" fmla="*/ 0 w 3571875"/>
+              <a:gd name="connsiteY4" fmla="*/ 4210050 h 4210050"/>
+              <a:gd name="connsiteX0" fmla="*/ 0 w 3571875"/>
+              <a:gd name="connsiteY0" fmla="*/ 4210050 h 4210050"/>
+              <a:gd name="connsiteX1" fmla="*/ 0 w 3571875"/>
+              <a:gd name="connsiteY1" fmla="*/ 0 h 4210050"/>
+              <a:gd name="connsiteX2" fmla="*/ 2076450 w 3571875"/>
+              <a:gd name="connsiteY2" fmla="*/ 2274094 h 4210050"/>
+              <a:gd name="connsiteX3" fmla="*/ 3571875 w 3571875"/>
+              <a:gd name="connsiteY3" fmla="*/ 4210050 h 4210050"/>
+              <a:gd name="connsiteX4" fmla="*/ 0 w 3571875"/>
+              <a:gd name="connsiteY4" fmla="*/ 4210050 h 4210050"/>
+              <a:gd name="connsiteX0" fmla="*/ 0 w 3571875"/>
+              <a:gd name="connsiteY0" fmla="*/ 4210050 h 4210050"/>
+              <a:gd name="connsiteX1" fmla="*/ 0 w 3571875"/>
+              <a:gd name="connsiteY1" fmla="*/ 0 h 4210050"/>
+              <a:gd name="connsiteX2" fmla="*/ 2245519 w 3571875"/>
+              <a:gd name="connsiteY2" fmla="*/ 2405063 h 4210050"/>
+              <a:gd name="connsiteX3" fmla="*/ 3571875 w 3571875"/>
+              <a:gd name="connsiteY3" fmla="*/ 4210050 h 4210050"/>
+              <a:gd name="connsiteX4" fmla="*/ 0 w 3571875"/>
+              <a:gd name="connsiteY4" fmla="*/ 4210050 h 4210050"/>
+              <a:gd name="connsiteX0" fmla="*/ 0 w 3571875"/>
+              <a:gd name="connsiteY0" fmla="*/ 4210050 h 4210050"/>
+              <a:gd name="connsiteX1" fmla="*/ 0 w 3571875"/>
+              <a:gd name="connsiteY1" fmla="*/ 0 h 4210050"/>
+              <a:gd name="connsiteX2" fmla="*/ 2038350 w 3571875"/>
+              <a:gd name="connsiteY2" fmla="*/ 2405063 h 4210050"/>
+              <a:gd name="connsiteX3" fmla="*/ 3571875 w 3571875"/>
+              <a:gd name="connsiteY3" fmla="*/ 4210050 h 4210050"/>
+              <a:gd name="connsiteX4" fmla="*/ 0 w 3571875"/>
+              <a:gd name="connsiteY4" fmla="*/ 4210050 h 4210050"/>
+              <a:gd name="connsiteX0" fmla="*/ 0 w 3571875"/>
+              <a:gd name="connsiteY0" fmla="*/ 2433637 h 2433637"/>
+              <a:gd name="connsiteX1" fmla="*/ 257175 w 3571875"/>
+              <a:gd name="connsiteY1" fmla="*/ 0 h 2433637"/>
+              <a:gd name="connsiteX2" fmla="*/ 2038350 w 3571875"/>
+              <a:gd name="connsiteY2" fmla="*/ 628650 h 2433637"/>
+              <a:gd name="connsiteX3" fmla="*/ 3571875 w 3571875"/>
+              <a:gd name="connsiteY3" fmla="*/ 2433637 h 2433637"/>
+              <a:gd name="connsiteX4" fmla="*/ 0 w 3571875"/>
+              <a:gd name="connsiteY4" fmla="*/ 2433637 h 2433637"/>
+              <a:gd name="connsiteX0" fmla="*/ 2382 w 3574257"/>
+              <a:gd name="connsiteY0" fmla="*/ 1807368 h 1807368"/>
+              <a:gd name="connsiteX1" fmla="*/ 0 w 3574257"/>
+              <a:gd name="connsiteY1" fmla="*/ 0 h 1807368"/>
+              <a:gd name="connsiteX2" fmla="*/ 2040732 w 3574257"/>
+              <a:gd name="connsiteY2" fmla="*/ 2381 h 1807368"/>
+              <a:gd name="connsiteX3" fmla="*/ 3574257 w 3574257"/>
+              <a:gd name="connsiteY3" fmla="*/ 1807368 h 1807368"/>
+              <a:gd name="connsiteX4" fmla="*/ 2382 w 3574257"/>
+              <a:gd name="connsiteY4" fmla="*/ 1807368 h 1807368"/>
+              <a:gd name="connsiteX0" fmla="*/ 2382 w 3574257"/>
+              <a:gd name="connsiteY0" fmla="*/ 1807368 h 1807368"/>
+              <a:gd name="connsiteX1" fmla="*/ 0 w 3574257"/>
+              <a:gd name="connsiteY1" fmla="*/ 0 h 1807368"/>
+              <a:gd name="connsiteX2" fmla="*/ 1924051 w 3574257"/>
+              <a:gd name="connsiteY2" fmla="*/ 307181 h 1807368"/>
+              <a:gd name="connsiteX3" fmla="*/ 3574257 w 3574257"/>
+              <a:gd name="connsiteY3" fmla="*/ 1807368 h 1807368"/>
+              <a:gd name="connsiteX4" fmla="*/ 2382 w 3574257"/>
+              <a:gd name="connsiteY4" fmla="*/ 1807368 h 1807368"/>
+              <a:gd name="connsiteX0" fmla="*/ 2382 w 3574257"/>
+              <a:gd name="connsiteY0" fmla="*/ 1809749 h 1809749"/>
+              <a:gd name="connsiteX1" fmla="*/ 0 w 3574257"/>
+              <a:gd name="connsiteY1" fmla="*/ 2381 h 1809749"/>
+              <a:gd name="connsiteX2" fmla="*/ 2038351 w 3574257"/>
+              <a:gd name="connsiteY2" fmla="*/ 0 h 1809749"/>
+              <a:gd name="connsiteX3" fmla="*/ 3574257 w 3574257"/>
+              <a:gd name="connsiteY3" fmla="*/ 1809749 h 1809749"/>
+              <a:gd name="connsiteX4" fmla="*/ 2382 w 3574257"/>
+              <a:gd name="connsiteY4" fmla="*/ 1809749 h 1809749"/>
+              <a:gd name="connsiteX0" fmla="*/ 2382 w 3574257"/>
+              <a:gd name="connsiteY0" fmla="*/ 1807368 h 1807368"/>
+              <a:gd name="connsiteX1" fmla="*/ 0 w 3574257"/>
+              <a:gd name="connsiteY1" fmla="*/ 0 h 1807368"/>
+              <a:gd name="connsiteX2" fmla="*/ 1640682 w 3574257"/>
+              <a:gd name="connsiteY2" fmla="*/ 450057 h 1807368"/>
+              <a:gd name="connsiteX3" fmla="*/ 3574257 w 3574257"/>
+              <a:gd name="connsiteY3" fmla="*/ 1807368 h 1807368"/>
+              <a:gd name="connsiteX4" fmla="*/ 2382 w 3574257"/>
+              <a:gd name="connsiteY4" fmla="*/ 1807368 h 1807368"/>
+              <a:gd name="connsiteX0" fmla="*/ 2382 w 3574257"/>
+              <a:gd name="connsiteY0" fmla="*/ 1809749 h 1809749"/>
+              <a:gd name="connsiteX1" fmla="*/ 0 w 3574257"/>
+              <a:gd name="connsiteY1" fmla="*/ 2381 h 1809749"/>
+              <a:gd name="connsiteX2" fmla="*/ 2038351 w 3574257"/>
+              <a:gd name="connsiteY2" fmla="*/ 0 h 1809749"/>
+              <a:gd name="connsiteX3" fmla="*/ 3574257 w 3574257"/>
+              <a:gd name="connsiteY3" fmla="*/ 1809749 h 1809749"/>
+              <a:gd name="connsiteX4" fmla="*/ 2382 w 3574257"/>
+              <a:gd name="connsiteY4" fmla="*/ 1809749 h 1809749"/>
+              <a:gd name="connsiteX0" fmla="*/ 2382 w 3574257"/>
+              <a:gd name="connsiteY0" fmla="*/ 1807368 h 1807368"/>
+              <a:gd name="connsiteX1" fmla="*/ 0 w 3574257"/>
+              <a:gd name="connsiteY1" fmla="*/ 0 h 1807368"/>
+              <a:gd name="connsiteX2" fmla="*/ 1657351 w 3574257"/>
+              <a:gd name="connsiteY2" fmla="*/ 230982 h 1807368"/>
+              <a:gd name="connsiteX3" fmla="*/ 3574257 w 3574257"/>
+              <a:gd name="connsiteY3" fmla="*/ 1807368 h 1807368"/>
+              <a:gd name="connsiteX4" fmla="*/ 2382 w 3574257"/>
+              <a:gd name="connsiteY4" fmla="*/ 1807368 h 1807368"/>
+              <a:gd name="connsiteX0" fmla="*/ 2382 w 3574257"/>
+              <a:gd name="connsiteY0" fmla="*/ 1807368 h 1807368"/>
+              <a:gd name="connsiteX1" fmla="*/ 0 w 3574257"/>
+              <a:gd name="connsiteY1" fmla="*/ 0 h 1807368"/>
+              <a:gd name="connsiteX2" fmla="*/ 2040732 w 3574257"/>
+              <a:gd name="connsiteY2" fmla="*/ 2382 h 1807368"/>
+              <a:gd name="connsiteX3" fmla="*/ 3574257 w 3574257"/>
+              <a:gd name="connsiteY3" fmla="*/ 1807368 h 1807368"/>
+              <a:gd name="connsiteX4" fmla="*/ 2382 w 3574257"/>
+              <a:gd name="connsiteY4" fmla="*/ 1807368 h 1807368"/>
+              <a:gd name="connsiteX0" fmla="*/ 2382 w 3574257"/>
+              <a:gd name="connsiteY0" fmla="*/ 1807368 h 1807368"/>
+              <a:gd name="connsiteX1" fmla="*/ 0 w 3574257"/>
+              <a:gd name="connsiteY1" fmla="*/ 0 h 1807368"/>
+              <a:gd name="connsiteX2" fmla="*/ 1774032 w 3574257"/>
+              <a:gd name="connsiteY2" fmla="*/ 161925 h 1807368"/>
+              <a:gd name="connsiteX3" fmla="*/ 3574257 w 3574257"/>
+              <a:gd name="connsiteY3" fmla="*/ 1807368 h 1807368"/>
+              <a:gd name="connsiteX4" fmla="*/ 2382 w 3574257"/>
+              <a:gd name="connsiteY4" fmla="*/ 1807368 h 1807368"/>
+              <a:gd name="connsiteX0" fmla="*/ 2382 w 3574257"/>
+              <a:gd name="connsiteY0" fmla="*/ 1807368 h 1807368"/>
+              <a:gd name="connsiteX1" fmla="*/ 0 w 3574257"/>
+              <a:gd name="connsiteY1" fmla="*/ 0 h 1807368"/>
+              <a:gd name="connsiteX2" fmla="*/ 1969294 w 3574257"/>
+              <a:gd name="connsiteY2" fmla="*/ 21432 h 1807368"/>
+              <a:gd name="connsiteX3" fmla="*/ 3574257 w 3574257"/>
+              <a:gd name="connsiteY3" fmla="*/ 1807368 h 1807368"/>
+              <a:gd name="connsiteX4" fmla="*/ 2382 w 3574257"/>
+              <a:gd name="connsiteY4" fmla="*/ 1807368 h 1807368"/>
+              <a:gd name="connsiteX0" fmla="*/ 2382 w 3574257"/>
+              <a:gd name="connsiteY0" fmla="*/ 1807368 h 1807368"/>
+              <a:gd name="connsiteX1" fmla="*/ 0 w 3574257"/>
+              <a:gd name="connsiteY1" fmla="*/ 0 h 1807368"/>
+              <a:gd name="connsiteX2" fmla="*/ 1819275 w 3574257"/>
+              <a:gd name="connsiteY2" fmla="*/ 200026 h 1807368"/>
+              <a:gd name="connsiteX3" fmla="*/ 3574257 w 3574257"/>
+              <a:gd name="connsiteY3" fmla="*/ 1807368 h 1807368"/>
+              <a:gd name="connsiteX4" fmla="*/ 2382 w 3574257"/>
+              <a:gd name="connsiteY4" fmla="*/ 1807368 h 1807368"/>
+              <a:gd name="connsiteX0" fmla="*/ 2382 w 3574257"/>
+              <a:gd name="connsiteY0" fmla="*/ 1807368 h 1807368"/>
+              <a:gd name="connsiteX1" fmla="*/ 0 w 3574257"/>
+              <a:gd name="connsiteY1" fmla="*/ 0 h 1807368"/>
+              <a:gd name="connsiteX2" fmla="*/ 2045494 w 3574257"/>
+              <a:gd name="connsiteY2" fmla="*/ 1 h 1807368"/>
+              <a:gd name="connsiteX3" fmla="*/ 3574257 w 3574257"/>
+              <a:gd name="connsiteY3" fmla="*/ 1807368 h 1807368"/>
+              <a:gd name="connsiteX4" fmla="*/ 2382 w 3574257"/>
+              <a:gd name="connsiteY4" fmla="*/ 1807368 h 1807368"/>
+            </a:gdLst>
+            <a:ahLst/>
+            <a:cxnLst>
+              <a:cxn ang="0">
+                <a:pos x="connsiteX0" y="connsiteY0"/>
+              </a:cxn>
+              <a:cxn ang="0">
+                <a:pos x="connsiteX1" y="connsiteY1"/>
+              </a:cxn>
+              <a:cxn ang="0">
+                <a:pos x="connsiteX2" y="connsiteY2"/>
+              </a:cxn>
+              <a:cxn ang="0">
+                <a:pos x="connsiteX3" y="connsiteY3"/>
+              </a:cxn>
+              <a:cxn ang="0">
+                <a:pos x="connsiteX4" y="connsiteY4"/>
+              </a:cxn>
+            </a:cxnLst>
+            <a:rect l="l" t="t" r="r" b="b"/>
+            <a:pathLst>
+              <a:path w="3574257" h="1807368">
+                <a:moveTo>
+                  <a:pt x="2382" y="1807368"/>
+                </a:moveTo>
+                <a:lnTo>
+                  <a:pt x="0" y="0"/>
+                </a:lnTo>
+                <a:lnTo>
+                  <a:pt x="2045494" y="1"/>
+                </a:lnTo>
+                <a:lnTo>
+                  <a:pt x="3574257" y="1807368"/>
+                </a:lnTo>
+                <a:lnTo>
+                  <a:pt x="2382" y="1807368"/>
+                </a:lnTo>
+                <a:close/>
+              </a:path>
+            </a:pathLst>
+          </a:custGeom>
+          <a:solidFill>
+            <a:srgbClr val="FF7F4F"/>
+          </a:solidFill>
+          <a:ln>
+            <a:noFill/>
+          </a:ln>
+        </p:spPr>
+        <p:style>
+          <a:lnRef idx="2">
+            <a:schemeClr val="accent1">
+              <a:shade val="50000"/>
+            </a:schemeClr>
+          </a:lnRef>
+          <a:fillRef idx="1">
+            <a:schemeClr val="accent1"/>
+          </a:fillRef>
+          <a:effectRef idx="0">
+            <a:schemeClr val="accent1"/>
+          </a:effectRef>
+          <a:fontRef idx="minor">
+            <a:schemeClr val="lt1"/>
+          </a:fontRef>
+        </p:style>
+        <p:txBody>
+          <a:bodyPr rtlCol="0" anchor="ctr"/>
+          <a:lstStyle/>
+          <a:p>
+            <a:pPr algn="ctr"/>
+            <a:endParaRPr lang="en-US"/>
+          </a:p>
+        </p:txBody>
+      </p:sp>
+      <p:sp>
+        <p:nvSpPr>
+          <p:cNvPr id="5" name="Freeform 4"/>
+          <p:cNvSpPr/>
+          <p:nvPr/>
+        </p:nvSpPr>
+        <p:spPr>
+          <a:xfrm>
+            <a:off x="-2380" y="5951801"/>
+            <a:ext cx="9146380" cy="906200"/>
+          </a:xfrm>
+          <a:custGeom>
+            <a:avLst/>
+            <a:gdLst>
+              <a:gd name="connsiteX0" fmla="*/ 0 w 3350419"/>
+              <a:gd name="connsiteY0" fmla="*/ 2081213 h 2083594"/>
+              <a:gd name="connsiteX1" fmla="*/ 3031331 w 3350419"/>
+              <a:gd name="connsiteY1" fmla="*/ 0 h 2083594"/>
+              <a:gd name="connsiteX2" fmla="*/ 3350419 w 3350419"/>
+              <a:gd name="connsiteY2" fmla="*/ 80963 h 2083594"/>
+              <a:gd name="connsiteX3" fmla="*/ 3350419 w 3350419"/>
+              <a:gd name="connsiteY3" fmla="*/ 2083594 h 2083594"/>
+              <a:gd name="connsiteX4" fmla="*/ 0 w 3350419"/>
+              <a:gd name="connsiteY4" fmla="*/ 2081213 h 2083594"/>
+              <a:gd name="connsiteX0" fmla="*/ 0 w 3112294"/>
+              <a:gd name="connsiteY0" fmla="*/ 2019301 h 2083594"/>
+              <a:gd name="connsiteX1" fmla="*/ 2793206 w 3112294"/>
+              <a:gd name="connsiteY1" fmla="*/ 0 h 2083594"/>
+              <a:gd name="connsiteX2" fmla="*/ 3112294 w 3112294"/>
+              <a:gd name="connsiteY2" fmla="*/ 80963 h 2083594"/>
+              <a:gd name="connsiteX3" fmla="*/ 3112294 w 3112294"/>
+              <a:gd name="connsiteY3" fmla="*/ 2083594 h 2083594"/>
+              <a:gd name="connsiteX4" fmla="*/ 0 w 3112294"/>
+              <a:gd name="connsiteY4" fmla="*/ 2019301 h 2083594"/>
+              <a:gd name="connsiteX0" fmla="*/ 0 w 3345656"/>
+              <a:gd name="connsiteY0" fmla="*/ 2097882 h 2097882"/>
+              <a:gd name="connsiteX1" fmla="*/ 3026568 w 3345656"/>
+              <a:gd name="connsiteY1" fmla="*/ 0 h 2097882"/>
+              <a:gd name="connsiteX2" fmla="*/ 3345656 w 3345656"/>
+              <a:gd name="connsiteY2" fmla="*/ 80963 h 2097882"/>
+              <a:gd name="connsiteX3" fmla="*/ 3345656 w 3345656"/>
+              <a:gd name="connsiteY3" fmla="*/ 2083594 h 2097882"/>
+              <a:gd name="connsiteX4" fmla="*/ 0 w 3345656"/>
+              <a:gd name="connsiteY4" fmla="*/ 2097882 h 2097882"/>
+              <a:gd name="connsiteX0" fmla="*/ 0 w 2800350"/>
+              <a:gd name="connsiteY0" fmla="*/ 1935957 h 2083594"/>
+              <a:gd name="connsiteX1" fmla="*/ 2481262 w 2800350"/>
+              <a:gd name="connsiteY1" fmla="*/ 0 h 2083594"/>
+              <a:gd name="connsiteX2" fmla="*/ 2800350 w 2800350"/>
+              <a:gd name="connsiteY2" fmla="*/ 80963 h 2083594"/>
+              <a:gd name="connsiteX3" fmla="*/ 2800350 w 2800350"/>
+              <a:gd name="connsiteY3" fmla="*/ 2083594 h 2083594"/>
+              <a:gd name="connsiteX4" fmla="*/ 0 w 2800350"/>
+              <a:gd name="connsiteY4" fmla="*/ 1935957 h 2083594"/>
+              <a:gd name="connsiteX0" fmla="*/ 0 w 3352800"/>
+              <a:gd name="connsiteY0" fmla="*/ 2083594 h 2083594"/>
+              <a:gd name="connsiteX1" fmla="*/ 3033712 w 3352800"/>
+              <a:gd name="connsiteY1" fmla="*/ 0 h 2083594"/>
+              <a:gd name="connsiteX2" fmla="*/ 3352800 w 3352800"/>
+              <a:gd name="connsiteY2" fmla="*/ 80963 h 2083594"/>
+              <a:gd name="connsiteX3" fmla="*/ 3352800 w 3352800"/>
+              <a:gd name="connsiteY3" fmla="*/ 2083594 h 2083594"/>
+              <a:gd name="connsiteX4" fmla="*/ 0 w 3352800"/>
+              <a:gd name="connsiteY4" fmla="*/ 2083594 h 2083594"/>
+              <a:gd name="connsiteX0" fmla="*/ 0 w 3352800"/>
+              <a:gd name="connsiteY0" fmla="*/ 2002631 h 2002631"/>
+              <a:gd name="connsiteX1" fmla="*/ 3033712 w 3352800"/>
+              <a:gd name="connsiteY1" fmla="*/ 157162 h 2002631"/>
+              <a:gd name="connsiteX2" fmla="*/ 3352800 w 3352800"/>
+              <a:gd name="connsiteY2" fmla="*/ 0 h 2002631"/>
+              <a:gd name="connsiteX3" fmla="*/ 3352800 w 3352800"/>
+              <a:gd name="connsiteY3" fmla="*/ 2002631 h 2002631"/>
+              <a:gd name="connsiteX4" fmla="*/ 0 w 3352800"/>
+              <a:gd name="connsiteY4" fmla="*/ 2002631 h 2002631"/>
+              <a:gd name="connsiteX0" fmla="*/ 0 w 3352800"/>
+              <a:gd name="connsiteY0" fmla="*/ 2002631 h 2002631"/>
+              <a:gd name="connsiteX1" fmla="*/ 2988469 w 3352800"/>
+              <a:gd name="connsiteY1" fmla="*/ 59530 h 2002631"/>
+              <a:gd name="connsiteX2" fmla="*/ 3352800 w 3352800"/>
+              <a:gd name="connsiteY2" fmla="*/ 0 h 2002631"/>
+              <a:gd name="connsiteX3" fmla="*/ 3352800 w 3352800"/>
+              <a:gd name="connsiteY3" fmla="*/ 2002631 h 2002631"/>
+              <a:gd name="connsiteX4" fmla="*/ 0 w 3352800"/>
+              <a:gd name="connsiteY4" fmla="*/ 2002631 h 2002631"/>
+              <a:gd name="connsiteX0" fmla="*/ 0 w 3352800"/>
+              <a:gd name="connsiteY0" fmla="*/ 2002631 h 2002631"/>
+              <a:gd name="connsiteX1" fmla="*/ 2833966 w 3352800"/>
+              <a:gd name="connsiteY1" fmla="*/ 425 h 2002631"/>
+              <a:gd name="connsiteX2" fmla="*/ 3352800 w 3352800"/>
+              <a:gd name="connsiteY2" fmla="*/ 0 h 2002631"/>
+              <a:gd name="connsiteX3" fmla="*/ 3352800 w 3352800"/>
+              <a:gd name="connsiteY3" fmla="*/ 2002631 h 2002631"/>
+              <a:gd name="connsiteX4" fmla="*/ 0 w 3352800"/>
+              <a:gd name="connsiteY4" fmla="*/ 2002631 h 2002631"/>
+              <a:gd name="connsiteX0" fmla="*/ 0 w 3352800"/>
+              <a:gd name="connsiteY0" fmla="*/ 2002631 h 2002631"/>
+              <a:gd name="connsiteX1" fmla="*/ 2845314 w 3352800"/>
+              <a:gd name="connsiteY1" fmla="*/ 12246 h 2002631"/>
+              <a:gd name="connsiteX2" fmla="*/ 3352800 w 3352800"/>
+              <a:gd name="connsiteY2" fmla="*/ 0 h 2002631"/>
+              <a:gd name="connsiteX3" fmla="*/ 3352800 w 3352800"/>
+              <a:gd name="connsiteY3" fmla="*/ 2002631 h 2002631"/>
+              <a:gd name="connsiteX4" fmla="*/ 0 w 3352800"/>
+              <a:gd name="connsiteY4" fmla="*/ 2002631 h 2002631"/>
+              <a:gd name="connsiteX0" fmla="*/ 0 w 3352800"/>
+              <a:gd name="connsiteY0" fmla="*/ 2002631 h 2002631"/>
+              <a:gd name="connsiteX1" fmla="*/ 2834839 w 3352800"/>
+              <a:gd name="connsiteY1" fmla="*/ 425 h 2002631"/>
+              <a:gd name="connsiteX2" fmla="*/ 3352800 w 3352800"/>
+              <a:gd name="connsiteY2" fmla="*/ 0 h 2002631"/>
+              <a:gd name="connsiteX3" fmla="*/ 3352800 w 3352800"/>
+              <a:gd name="connsiteY3" fmla="*/ 2002631 h 2002631"/>
+              <a:gd name="connsiteX4" fmla="*/ 0 w 3352800"/>
+              <a:gd name="connsiteY4" fmla="*/ 2002631 h 2002631"/>
+              <a:gd name="connsiteX0" fmla="*/ 0 w 3352800"/>
+              <a:gd name="connsiteY0" fmla="*/ 2002631 h 2002631"/>
+              <a:gd name="connsiteX1" fmla="*/ 2875865 w 3352800"/>
+              <a:gd name="connsiteY1" fmla="*/ 81782 h 2002631"/>
+              <a:gd name="connsiteX2" fmla="*/ 3352800 w 3352800"/>
+              <a:gd name="connsiteY2" fmla="*/ 0 h 2002631"/>
+              <a:gd name="connsiteX3" fmla="*/ 3352800 w 3352800"/>
+              <a:gd name="connsiteY3" fmla="*/ 2002631 h 2002631"/>
+              <a:gd name="connsiteX4" fmla="*/ 0 w 3352800"/>
+              <a:gd name="connsiteY4" fmla="*/ 2002631 h 2002631"/>
+              <a:gd name="connsiteX0" fmla="*/ 0 w 3352800"/>
+              <a:gd name="connsiteY0" fmla="*/ 2002901 h 2002901"/>
+              <a:gd name="connsiteX1" fmla="*/ 2836585 w 3352800"/>
+              <a:gd name="connsiteY1" fmla="*/ 0 h 2002901"/>
+              <a:gd name="connsiteX2" fmla="*/ 3352800 w 3352800"/>
+              <a:gd name="connsiteY2" fmla="*/ 270 h 2002901"/>
+              <a:gd name="connsiteX3" fmla="*/ 3352800 w 3352800"/>
+              <a:gd name="connsiteY3" fmla="*/ 2002901 h 2002901"/>
+              <a:gd name="connsiteX4" fmla="*/ 0 w 3352800"/>
+              <a:gd name="connsiteY4" fmla="*/ 2002901 h 2002901"/>
+              <a:gd name="connsiteX0" fmla="*/ 0 w 3352800"/>
+              <a:gd name="connsiteY0" fmla="*/ 2002631 h 2002631"/>
+              <a:gd name="connsiteX1" fmla="*/ 754045 w 3352800"/>
+              <a:gd name="connsiteY1" fmla="*/ 1468326 h 2002631"/>
+              <a:gd name="connsiteX2" fmla="*/ 3352800 w 3352800"/>
+              <a:gd name="connsiteY2" fmla="*/ 0 h 2002631"/>
+              <a:gd name="connsiteX3" fmla="*/ 3352800 w 3352800"/>
+              <a:gd name="connsiteY3" fmla="*/ 2002631 h 2002631"/>
+              <a:gd name="connsiteX4" fmla="*/ 0 w 3352800"/>
+              <a:gd name="connsiteY4" fmla="*/ 2002631 h 2002631"/>
+              <a:gd name="connsiteX0" fmla="*/ 0 w 3352800"/>
+              <a:gd name="connsiteY0" fmla="*/ 534305 h 534305"/>
+              <a:gd name="connsiteX1" fmla="*/ 754045 w 3352800"/>
+              <a:gd name="connsiteY1" fmla="*/ 0 h 534305"/>
+              <a:gd name="connsiteX2" fmla="*/ 3352800 w 3352800"/>
+              <a:gd name="connsiteY2" fmla="*/ 7687 h 534305"/>
+              <a:gd name="connsiteX3" fmla="*/ 3352800 w 3352800"/>
+              <a:gd name="connsiteY3" fmla="*/ 534305 h 534305"/>
+              <a:gd name="connsiteX4" fmla="*/ 0 w 3352800"/>
+              <a:gd name="connsiteY4" fmla="*/ 534305 h 534305"/>
+              <a:gd name="connsiteX0" fmla="*/ 0 w 3352800"/>
+              <a:gd name="connsiteY0" fmla="*/ 534305 h 534305"/>
+              <a:gd name="connsiteX1" fmla="*/ 754045 w 3352800"/>
+              <a:gd name="connsiteY1" fmla="*/ 0 h 534305"/>
+              <a:gd name="connsiteX2" fmla="*/ 3352800 w 3352800"/>
+              <a:gd name="connsiteY2" fmla="*/ 7687 h 534305"/>
+              <a:gd name="connsiteX3" fmla="*/ 3352800 w 3352800"/>
+              <a:gd name="connsiteY3" fmla="*/ 534305 h 534305"/>
+              <a:gd name="connsiteX4" fmla="*/ 0 w 3352800"/>
+              <a:gd name="connsiteY4" fmla="*/ 534305 h 534305"/>
+              <a:gd name="connsiteX0" fmla="*/ 0 w 3352800"/>
+              <a:gd name="connsiteY0" fmla="*/ 526618 h 526618"/>
+              <a:gd name="connsiteX1" fmla="*/ 980611 w 3352800"/>
+              <a:gd name="connsiteY1" fmla="*/ 93681 h 526618"/>
+              <a:gd name="connsiteX2" fmla="*/ 3352800 w 3352800"/>
+              <a:gd name="connsiteY2" fmla="*/ 0 h 526618"/>
+              <a:gd name="connsiteX3" fmla="*/ 3352800 w 3352800"/>
+              <a:gd name="connsiteY3" fmla="*/ 526618 h 526618"/>
+              <a:gd name="connsiteX4" fmla="*/ 0 w 3352800"/>
+              <a:gd name="connsiteY4" fmla="*/ 526618 h 526618"/>
+              <a:gd name="connsiteX0" fmla="*/ 0 w 3352800"/>
+              <a:gd name="connsiteY0" fmla="*/ 526888 h 526888"/>
+              <a:gd name="connsiteX1" fmla="*/ 744735 w 3352800"/>
+              <a:gd name="connsiteY1" fmla="*/ 0 h 526888"/>
+              <a:gd name="connsiteX2" fmla="*/ 3352800 w 3352800"/>
+              <a:gd name="connsiteY2" fmla="*/ 270 h 526888"/>
+              <a:gd name="connsiteX3" fmla="*/ 3352800 w 3352800"/>
+              <a:gd name="connsiteY3" fmla="*/ 526888 h 526888"/>
+              <a:gd name="connsiteX4" fmla="*/ 0 w 3352800"/>
+              <a:gd name="connsiteY4" fmla="*/ 526888 h 526888"/>
+              <a:gd name="connsiteX0" fmla="*/ 0 w 3352800"/>
+              <a:gd name="connsiteY0" fmla="*/ 526618 h 526618"/>
+              <a:gd name="connsiteX1" fmla="*/ 811948 w 3352800"/>
+              <a:gd name="connsiteY1" fmla="*/ 60921 h 526618"/>
+              <a:gd name="connsiteX2" fmla="*/ 3352800 w 3352800"/>
+              <a:gd name="connsiteY2" fmla="*/ 0 h 526618"/>
+              <a:gd name="connsiteX3" fmla="*/ 3352800 w 3352800"/>
+              <a:gd name="connsiteY3" fmla="*/ 526618 h 526618"/>
+              <a:gd name="connsiteX4" fmla="*/ 0 w 3352800"/>
+              <a:gd name="connsiteY4" fmla="*/ 526618 h 526618"/>
+              <a:gd name="connsiteX0" fmla="*/ 0 w 3352800"/>
+              <a:gd name="connsiteY0" fmla="*/ 527584 h 527584"/>
+              <a:gd name="connsiteX1" fmla="*/ 751718 w 3352800"/>
+              <a:gd name="connsiteY1" fmla="*/ 0 h 527584"/>
+              <a:gd name="connsiteX2" fmla="*/ 3352800 w 3352800"/>
+              <a:gd name="connsiteY2" fmla="*/ 966 h 527584"/>
+              <a:gd name="connsiteX3" fmla="*/ 3352800 w 3352800"/>
+              <a:gd name="connsiteY3" fmla="*/ 527584 h 527584"/>
+              <a:gd name="connsiteX4" fmla="*/ 0 w 3352800"/>
+              <a:gd name="connsiteY4" fmla="*/ 527584 h 527584"/>
+              <a:gd name="connsiteX0" fmla="*/ 0 w 3352800"/>
+              <a:gd name="connsiteY0" fmla="*/ 527584 h 527584"/>
+              <a:gd name="connsiteX1" fmla="*/ 751718 w 3352800"/>
+              <a:gd name="connsiteY1" fmla="*/ 0 h 527584"/>
+              <a:gd name="connsiteX2" fmla="*/ 3241069 w 3352800"/>
+              <a:gd name="connsiteY2" fmla="*/ 94144 h 527584"/>
+              <a:gd name="connsiteX3" fmla="*/ 3352800 w 3352800"/>
+              <a:gd name="connsiteY3" fmla="*/ 527584 h 527584"/>
+              <a:gd name="connsiteX4" fmla="*/ 0 w 3352800"/>
+              <a:gd name="connsiteY4" fmla="*/ 527584 h 527584"/>
+              <a:gd name="connsiteX0" fmla="*/ 0 w 3352800"/>
+              <a:gd name="connsiteY0" fmla="*/ 527584 h 527584"/>
+              <a:gd name="connsiteX1" fmla="*/ 751718 w 3352800"/>
+              <a:gd name="connsiteY1" fmla="*/ 0 h 527584"/>
+              <a:gd name="connsiteX2" fmla="*/ 3352800 w 3352800"/>
+              <a:gd name="connsiteY2" fmla="*/ 271 h 527584"/>
+              <a:gd name="connsiteX3" fmla="*/ 3352800 w 3352800"/>
+              <a:gd name="connsiteY3" fmla="*/ 527584 h 527584"/>
+              <a:gd name="connsiteX4" fmla="*/ 0 w 3352800"/>
+              <a:gd name="connsiteY4" fmla="*/ 527584 h 527584"/>
+              <a:gd name="connsiteX0" fmla="*/ 0 w 3352800"/>
+              <a:gd name="connsiteY0" fmla="*/ 527313 h 527313"/>
+              <a:gd name="connsiteX1" fmla="*/ 900984 w 3352800"/>
+              <a:gd name="connsiteY1" fmla="*/ 97774 h 527313"/>
+              <a:gd name="connsiteX2" fmla="*/ 3352800 w 3352800"/>
+              <a:gd name="connsiteY2" fmla="*/ 0 h 527313"/>
+              <a:gd name="connsiteX3" fmla="*/ 3352800 w 3352800"/>
+              <a:gd name="connsiteY3" fmla="*/ 527313 h 527313"/>
+              <a:gd name="connsiteX4" fmla="*/ 0 w 3352800"/>
+              <a:gd name="connsiteY4" fmla="*/ 527313 h 527313"/>
+              <a:gd name="connsiteX0" fmla="*/ 0 w 3352800"/>
+              <a:gd name="connsiteY0" fmla="*/ 527584 h 527584"/>
+              <a:gd name="connsiteX1" fmla="*/ 748227 w 3352800"/>
+              <a:gd name="connsiteY1" fmla="*/ 0 h 527584"/>
+              <a:gd name="connsiteX2" fmla="*/ 3352800 w 3352800"/>
+              <a:gd name="connsiteY2" fmla="*/ 271 h 527584"/>
+              <a:gd name="connsiteX3" fmla="*/ 3352800 w 3352800"/>
+              <a:gd name="connsiteY3" fmla="*/ 527584 h 527584"/>
+              <a:gd name="connsiteX4" fmla="*/ 0 w 3352800"/>
+              <a:gd name="connsiteY4" fmla="*/ 527584 h 527584"/>
+              <a:gd name="connsiteX0" fmla="*/ 0 w 3352800"/>
+              <a:gd name="connsiteY0" fmla="*/ 527313 h 527313"/>
+              <a:gd name="connsiteX1" fmla="*/ 378118 w 3352800"/>
+              <a:gd name="connsiteY1" fmla="*/ 21980 h 527313"/>
+              <a:gd name="connsiteX2" fmla="*/ 3352800 w 3352800"/>
+              <a:gd name="connsiteY2" fmla="*/ 0 h 527313"/>
+              <a:gd name="connsiteX3" fmla="*/ 3352800 w 3352800"/>
+              <a:gd name="connsiteY3" fmla="*/ 527313 h 527313"/>
+              <a:gd name="connsiteX4" fmla="*/ 0 w 3352800"/>
+              <a:gd name="connsiteY4" fmla="*/ 527313 h 527313"/>
+              <a:gd name="connsiteX0" fmla="*/ 0 w 3352800"/>
+              <a:gd name="connsiteY0" fmla="*/ 527313 h 527313"/>
+              <a:gd name="connsiteX1" fmla="*/ 398129 w 3352800"/>
+              <a:gd name="connsiteY1" fmla="*/ 6039 h 527313"/>
+              <a:gd name="connsiteX2" fmla="*/ 3352800 w 3352800"/>
+              <a:gd name="connsiteY2" fmla="*/ 0 h 527313"/>
+              <a:gd name="connsiteX3" fmla="*/ 3352800 w 3352800"/>
+              <a:gd name="connsiteY3" fmla="*/ 527313 h 527313"/>
+              <a:gd name="connsiteX4" fmla="*/ 0 w 3352800"/>
+              <a:gd name="connsiteY4" fmla="*/ 527313 h 527313"/>
+              <a:gd name="connsiteX0" fmla="*/ 0 w 3352800"/>
+              <a:gd name="connsiteY0" fmla="*/ 529245 h 529245"/>
+              <a:gd name="connsiteX1" fmla="*/ 403132 w 3352800"/>
+              <a:gd name="connsiteY1" fmla="*/ 0 h 529245"/>
+              <a:gd name="connsiteX2" fmla="*/ 3352800 w 3352800"/>
+              <a:gd name="connsiteY2" fmla="*/ 1932 h 529245"/>
+              <a:gd name="connsiteX3" fmla="*/ 3352800 w 3352800"/>
+              <a:gd name="connsiteY3" fmla="*/ 529245 h 529245"/>
+              <a:gd name="connsiteX4" fmla="*/ 0 w 3352800"/>
+              <a:gd name="connsiteY4" fmla="*/ 529245 h 529245"/>
+            </a:gdLst>
+            <a:ahLst/>
+            <a:cxnLst>
+              <a:cxn ang="0">
+                <a:pos x="connsiteX0" y="connsiteY0"/>
+              </a:cxn>
+              <a:cxn ang="0">
+                <a:pos x="connsiteX1" y="connsiteY1"/>
+              </a:cxn>
+              <a:cxn ang="0">
+                <a:pos x="connsiteX2" y="connsiteY2"/>
+              </a:cxn>
+              <a:cxn ang="0">
+                <a:pos x="connsiteX3" y="connsiteY3"/>
+              </a:cxn>
+              <a:cxn ang="0">
+                <a:pos x="connsiteX4" y="connsiteY4"/>
+              </a:cxn>
+            </a:cxnLst>
+            <a:rect l="l" t="t" r="r" b="b"/>
+            <a:pathLst>
+              <a:path w="3352800" h="529245">
+                <a:moveTo>
+                  <a:pt x="0" y="529245"/>
+                </a:moveTo>
+                <a:lnTo>
+                  <a:pt x="403132" y="0"/>
+                </a:lnTo>
+                <a:lnTo>
+                  <a:pt x="3352800" y="1932"/>
+                </a:lnTo>
+                <a:lnTo>
+                  <a:pt x="3352800" y="529245"/>
+                </a:lnTo>
+                <a:lnTo>
+                  <a:pt x="0" y="529245"/>
+                </a:lnTo>
+                <a:close/>
+              </a:path>
+            </a:pathLst>
+          </a:custGeom>
+          <a:solidFill>
+            <a:srgbClr val="4F6FFF">
+              <a:alpha val="80000"/>
+            </a:srgbClr>
+          </a:solidFill>
+          <a:ln>
+            <a:noFill/>
+          </a:ln>
+        </p:spPr>
+        <p:style>
+          <a:lnRef idx="2">
+            <a:schemeClr val="accent1">
+              <a:shade val="50000"/>
+            </a:schemeClr>
+          </a:lnRef>
+          <a:fillRef idx="1">
+            <a:schemeClr val="accent1"/>
+          </a:fillRef>
+          <a:effectRef idx="0">
+            <a:schemeClr val="accent1"/>
+          </a:effectRef>
+          <a:fontRef idx="minor">
+            <a:schemeClr val="lt1"/>
+          </a:fontRef>
+        </p:style>
+        <p:txBody>
+          <a:bodyPr rtlCol="0" anchor="ctr"/>
+          <a:lstStyle/>
+          <a:p>
+            <a:pPr algn="ctr"/>
+            <a:endParaRPr lang="en-US" dirty="0"/>
+          </a:p>
+        </p:txBody>
+      </p:sp>
+      <p:pic>
+        <p:nvPicPr>
+          <p:cNvPr id="9" name="Picture 2" descr="D:\Anodiam\Docs\ProjectExecution\BA\ImageResources\AnodiamFullLogo.bmp"/>
+          <p:cNvPicPr>
+            <a:picLocks noChangeAspect="1" noChangeArrowheads="1"/>
+          </p:cNvPicPr>
+          <p:nvPr/>
+        </p:nvPicPr>
+        <p:blipFill>
+          <a:blip r:embed="rId4">
+            <a:extLst>
+              <a:ext uri="{28A0092B-C50C-407E-A947-70E740481C1C}">
+                <a14:useLocalDpi xmlns:a14="http://schemas.microsoft.com/office/drawing/2010/main" val="0"/>
+              </a:ext>
+            </a:extLst>
+          </a:blip>
+          <a:srcRect/>
+          <a:stretch>
+            <a:fillRect/>
+          </a:stretch>
+        </p:blipFill>
+        <p:spPr bwMode="auto">
+          <a:xfrm>
+            <a:off x="179512" y="188640"/>
+            <a:ext cx="1728192" cy="555987"/>
+          </a:xfrm>
+          <a:prstGeom prst="rect">
+            <a:avLst/>
+          </a:prstGeom>
+          <a:noFill/>
+          <a:extLst>
+            <a:ext uri="{909E8E84-426E-40DD-AFC4-6F175D3DCCD1}">
+              <a14:hiddenFill xmlns:a14="http://schemas.microsoft.com/office/drawing/2010/main">
+                <a:solidFill>
+                  <a:srgbClr val="FFFFFF"/>
+                </a:solidFill>
+              </a14:hiddenFill>
+            </a:ext>
+          </a:extLst>
+        </p:spPr>
+      </p:pic>
+      <p:sp>
+        <p:nvSpPr>
+          <p:cNvPr id="11" name="Footer Placeholder 4"/>
+          <p:cNvSpPr>
+            <a:spLocks noGrp="1"/>
+          </p:cNvSpPr>
+          <p:nvPr>
+            <p:ph type="ftr" sz="quarter" idx="4294967295"/>
+          </p:nvPr>
+        </p:nvSpPr>
+        <p:spPr>
+          <a:xfrm>
+            <a:off x="3517514" y="6285122"/>
+            <a:ext cx="4724400" cy="274320"/>
+          </a:xfrm>
+          <a:prstGeom prst="rect">
+            <a:avLst/>
+          </a:prstGeom>
+        </p:spPr>
+        <p:txBody>
+          <a:bodyPr vert="horz" lIns="91440" tIns="45720" rIns="91440" bIns="45720" rtlCol="0" anchor="ctr"/>
+          <a:lstStyle>
+            <a:lvl1pPr algn="r">
+              <a:defRPr sz="1000" b="1" cap="all" spc="200" baseline="0">
+                <a:solidFill>
+                  <a:srgbClr val="FFFFFF"/>
+                </a:solidFill>
+              </a:defRPr>
+            </a:lvl1pPr>
+          </a:lstStyle>
+          <a:p>
+            <a:r>
+              <a:rPr lang="en-AU" dirty="0" smtClean="0"/>
+              <a:t>© Protected </a:t>
+            </a:r>
+            <a:r>
+              <a:rPr lang="en-AU" dirty="0" err="1" smtClean="0"/>
+              <a:t>Anodiam</a:t>
+            </a:r>
+            <a:r>
+              <a:rPr lang="en-AU" dirty="0" smtClean="0"/>
+              <a:t> 2020</a:t>
+            </a:r>
+            <a:endParaRPr lang="en-AU" dirty="0"/>
+          </a:p>
+        </p:txBody>
+      </p:sp>
+      <p:sp>
+        <p:nvSpPr>
+          <p:cNvPr id="12" name="Slide Number Placeholder 5"/>
+          <p:cNvSpPr>
+            <a:spLocks noGrp="1"/>
+          </p:cNvSpPr>
+          <p:nvPr>
+            <p:ph type="sldNum" sz="quarter" idx="4294967295"/>
+          </p:nvPr>
+        </p:nvSpPr>
+        <p:spPr>
+          <a:xfrm>
+            <a:off x="8401038" y="6170822"/>
+            <a:ext cx="502920" cy="502920"/>
+          </a:xfrm>
+          <a:prstGeom prst="ellipse">
+            <a:avLst/>
+          </a:prstGeom>
+          <a:ln w="19050">
+            <a:solidFill>
+              <a:srgbClr val="FFFFFF"/>
+            </a:solidFill>
+          </a:ln>
+        </p:spPr>
+        <p:txBody>
+          <a:bodyPr vert="horz" lIns="9144" tIns="9144" rIns="9144" bIns="9144" rtlCol="0" anchor="ctr">
+            <a:normAutofit/>
+          </a:bodyPr>
+          <a:lstStyle>
+            <a:lvl1pPr algn="ctr">
+              <a:defRPr sz="1650">
+                <a:solidFill>
+                  <a:srgbClr val="FFFFFF"/>
+                </a:solidFill>
+              </a:defRPr>
+            </a:lvl1pPr>
+          </a:lstStyle>
+          <a:p>
+            <a:fld id="{6C6DB775-3259-4DA2-8D46-167E4B8900DC}" type="slidenum">
+              <a:rPr lang="en-AU" smtClean="0"/>
+              <a:t>5</a:t>
+            </a:fld>
+            <a:endParaRPr lang="en-AU" dirty="0"/>
+          </a:p>
+        </p:txBody>
+      </p:sp>
+      <p:pic>
+        <p:nvPicPr>
+          <p:cNvPr id="13" name="Picture 2" descr="C:\Users\Ananya\AppData\Local\Microsoft\Windows\INetCache\IE\K9IJ94JL\teacher-never-stop-learning[1].jpg"/>
+          <p:cNvPicPr>
+            <a:picLocks noChangeAspect="1" noChangeArrowheads="1"/>
+          </p:cNvPicPr>
+          <p:nvPr/>
+        </p:nvPicPr>
+        <p:blipFill>
+          <a:blip r:embed="rId5" cstate="print">
+            <a:extLst>
+              <a:ext uri="{28A0092B-C50C-407E-A947-70E740481C1C}">
+                <a14:useLocalDpi xmlns:a14="http://schemas.microsoft.com/office/drawing/2010/main" val="0"/>
+              </a:ext>
+            </a:extLst>
+          </a:blip>
+          <a:srcRect/>
+          <a:stretch>
+            <a:fillRect/>
+          </a:stretch>
+        </p:blipFill>
+        <p:spPr bwMode="auto">
+          <a:xfrm>
+            <a:off x="3804474" y="188640"/>
+            <a:ext cx="1487606" cy="1641617"/>
+          </a:xfrm>
+          <a:prstGeom prst="rect">
+            <a:avLst/>
+          </a:prstGeom>
+          <a:noFill/>
+          <a:extLst>
+            <a:ext uri="{909E8E84-426E-40DD-AFC4-6F175D3DCCD1}">
+              <a14:hiddenFill xmlns:a14="http://schemas.microsoft.com/office/drawing/2010/main">
+                <a:solidFill>
+                  <a:srgbClr val="FFFFFF"/>
+                </a:solidFill>
+              </a14:hiddenFill>
+            </a:ext>
+          </a:extLst>
+        </p:spPr>
+      </p:pic>
+      <p:sp>
+        <p:nvSpPr>
+          <p:cNvPr id="2" name="Rectangle 1"/>
+          <p:cNvSpPr/>
+          <p:nvPr/>
+        </p:nvSpPr>
+        <p:spPr>
+          <a:xfrm>
+            <a:off x="1187624" y="2118747"/>
+            <a:ext cx="1296144" cy="518165"/>
+          </a:xfrm>
+          <a:prstGeom prst="rect">
+            <a:avLst/>
+          </a:prstGeom>
+        </p:spPr>
+        <p:style>
+          <a:lnRef idx="2">
+            <a:schemeClr val="accent1">
+              <a:shade val="50000"/>
+            </a:schemeClr>
+          </a:lnRef>
+          <a:fillRef idx="1">
+            <a:schemeClr val="accent1"/>
+          </a:fillRef>
+          <a:effectRef idx="0">
+            <a:schemeClr val="accent1"/>
+          </a:effectRef>
+          <a:fontRef idx="minor">
+            <a:schemeClr val="lt1"/>
+          </a:fontRef>
+        </p:style>
+        <p:txBody>
+          <a:bodyPr rtlCol="0" anchor="ctr"/>
+          <a:lstStyle/>
+          <a:p>
+            <a:pPr algn="ctr"/>
+            <a:endParaRPr lang="en-AU"/>
+          </a:p>
+        </p:txBody>
+      </p:sp>
+      <p:sp>
+        <p:nvSpPr>
+          <p:cNvPr id="15" name="Rectangle 14"/>
+          <p:cNvSpPr/>
+          <p:nvPr/>
+        </p:nvSpPr>
+        <p:spPr>
+          <a:xfrm>
+            <a:off x="3084395" y="2118747"/>
+            <a:ext cx="1296144" cy="518165"/>
+          </a:xfrm>
+          <a:prstGeom prst="rect">
+            <a:avLst/>
+          </a:prstGeom>
+        </p:spPr>
+        <p:style>
+          <a:lnRef idx="2">
+            <a:schemeClr val="accent1">
+              <a:shade val="50000"/>
+            </a:schemeClr>
+          </a:lnRef>
+          <a:fillRef idx="1">
+            <a:schemeClr val="accent1"/>
+          </a:fillRef>
+          <a:effectRef idx="0">
+            <a:schemeClr val="accent1"/>
+          </a:effectRef>
+          <a:fontRef idx="minor">
+            <a:schemeClr val="lt1"/>
+          </a:fontRef>
+        </p:style>
+        <p:txBody>
+          <a:bodyPr rtlCol="0" anchor="ctr"/>
+          <a:lstStyle/>
+          <a:p>
+            <a:pPr algn="ctr"/>
+            <a:endParaRPr lang="en-AU"/>
+          </a:p>
+        </p:txBody>
+      </p:sp>
+      <p:sp>
+        <p:nvSpPr>
+          <p:cNvPr id="16" name="Rectangle 15"/>
+          <p:cNvSpPr/>
+          <p:nvPr/>
+        </p:nvSpPr>
+        <p:spPr>
+          <a:xfrm>
+            <a:off x="6588224" y="2118747"/>
+            <a:ext cx="1296144" cy="518165"/>
+          </a:xfrm>
+          <a:prstGeom prst="rect">
+            <a:avLst/>
+          </a:prstGeom>
+        </p:spPr>
+        <p:style>
+          <a:lnRef idx="2">
+            <a:schemeClr val="accent1">
+              <a:shade val="50000"/>
+            </a:schemeClr>
+          </a:lnRef>
+          <a:fillRef idx="1">
+            <a:schemeClr val="accent1"/>
+          </a:fillRef>
+          <a:effectRef idx="0">
+            <a:schemeClr val="accent1"/>
+          </a:effectRef>
+          <a:fontRef idx="minor">
+            <a:schemeClr val="lt1"/>
+          </a:fontRef>
+        </p:style>
+        <p:txBody>
+          <a:bodyPr rtlCol="0" anchor="ctr"/>
+          <a:lstStyle/>
+          <a:p>
+            <a:pPr algn="ctr"/>
+            <a:r>
+              <a:rPr lang="en-AU" dirty="0" smtClean="0">
+                <a:solidFill>
+                  <a:schemeClr val="tx1"/>
+                </a:solidFill>
+              </a:rPr>
+              <a:t>Maths</a:t>
+            </a:r>
+            <a:endParaRPr lang="en-AU" dirty="0">
+              <a:solidFill>
+                <a:schemeClr val="tx1"/>
+              </a:solidFill>
+            </a:endParaRPr>
+          </a:p>
+        </p:txBody>
+      </p:sp>
+      <p:sp>
+        <p:nvSpPr>
+          <p:cNvPr id="6" name="TextBox 5"/>
+          <p:cNvSpPr txBox="1"/>
+          <p:nvPr/>
+        </p:nvSpPr>
+        <p:spPr>
+          <a:xfrm>
+            <a:off x="1187624" y="2195572"/>
+            <a:ext cx="1296144" cy="369332"/>
+          </a:xfrm>
+          <a:prstGeom prst="rect">
+            <a:avLst/>
+          </a:prstGeom>
+          <a:noFill/>
+        </p:spPr>
+        <p:txBody>
+          <a:bodyPr wrap="square" rtlCol="0">
+            <a:spAutoFit/>
+          </a:bodyPr>
+          <a:lstStyle/>
+          <a:p>
+            <a:r>
+              <a:rPr lang="en-AU" dirty="0" smtClean="0"/>
+              <a:t>Life Science</a:t>
+            </a:r>
+            <a:endParaRPr lang="en-AU" dirty="0"/>
+          </a:p>
+        </p:txBody>
+      </p:sp>
+      <p:sp>
+        <p:nvSpPr>
+          <p:cNvPr id="10" name="TextBox 9"/>
+          <p:cNvSpPr txBox="1"/>
+          <p:nvPr/>
+        </p:nvSpPr>
+        <p:spPr>
+          <a:xfrm>
+            <a:off x="3084395" y="2195572"/>
+            <a:ext cx="1199573" cy="369332"/>
+          </a:xfrm>
+          <a:prstGeom prst="rect">
+            <a:avLst/>
+          </a:prstGeom>
+          <a:noFill/>
+        </p:spPr>
+        <p:txBody>
+          <a:bodyPr wrap="square" rtlCol="0">
+            <a:spAutoFit/>
+          </a:bodyPr>
+          <a:lstStyle/>
+          <a:p>
+            <a:r>
+              <a:rPr lang="en-AU" dirty="0" smtClean="0"/>
+              <a:t>Physical </a:t>
+            </a:r>
+            <a:r>
+              <a:rPr lang="en-AU" dirty="0" err="1" smtClean="0"/>
+              <a:t>Sc</a:t>
+            </a:r>
+            <a:endParaRPr lang="en-AU" dirty="0"/>
+          </a:p>
+        </p:txBody>
+      </p:sp>
+      <p:sp>
+        <p:nvSpPr>
+          <p:cNvPr id="17" name="Rectangle 16"/>
+          <p:cNvSpPr/>
+          <p:nvPr/>
+        </p:nvSpPr>
+        <p:spPr>
+          <a:xfrm>
+            <a:off x="2267744" y="1412776"/>
+            <a:ext cx="1008112" cy="417481"/>
+          </a:xfrm>
+          <a:prstGeom prst="rect">
+            <a:avLst/>
+          </a:prstGeom>
+        </p:spPr>
+        <p:style>
+          <a:lnRef idx="2">
+            <a:schemeClr val="accent1">
+              <a:shade val="50000"/>
+            </a:schemeClr>
+          </a:lnRef>
+          <a:fillRef idx="1">
+            <a:schemeClr val="accent1"/>
+          </a:fillRef>
+          <a:effectRef idx="0">
+            <a:schemeClr val="accent1"/>
+          </a:effectRef>
+          <a:fontRef idx="minor">
+            <a:schemeClr val="lt1"/>
+          </a:fontRef>
+        </p:style>
+        <p:txBody>
+          <a:bodyPr rtlCol="0" anchor="ctr"/>
+          <a:lstStyle/>
+          <a:p>
+            <a:pPr algn="ctr"/>
+            <a:endParaRPr lang="en-AU"/>
+          </a:p>
+        </p:txBody>
+      </p:sp>
+      <p:sp>
+        <p:nvSpPr>
+          <p:cNvPr id="18" name="TextBox 17"/>
+          <p:cNvSpPr txBox="1"/>
+          <p:nvPr/>
+        </p:nvSpPr>
+        <p:spPr>
+          <a:xfrm>
+            <a:off x="2267744" y="1412776"/>
+            <a:ext cx="1008112" cy="369332"/>
+          </a:xfrm>
+          <a:prstGeom prst="rect">
+            <a:avLst/>
+          </a:prstGeom>
+          <a:noFill/>
+        </p:spPr>
+        <p:txBody>
+          <a:bodyPr wrap="square" rtlCol="0">
+            <a:spAutoFit/>
+          </a:bodyPr>
+          <a:lstStyle/>
+          <a:p>
+            <a:r>
+              <a:rPr lang="en-AU" dirty="0" smtClean="0"/>
+              <a:t>Class 9</a:t>
+            </a:r>
+            <a:endParaRPr lang="en-AU" dirty="0"/>
+          </a:p>
+        </p:txBody>
+      </p:sp>
+      <p:sp>
+        <p:nvSpPr>
+          <p:cNvPr id="21" name="TextBox 20"/>
+          <p:cNvSpPr txBox="1"/>
+          <p:nvPr/>
+        </p:nvSpPr>
+        <p:spPr>
+          <a:xfrm>
+            <a:off x="6732240" y="1460925"/>
+            <a:ext cx="1008112" cy="369332"/>
+          </a:xfrm>
+          <a:prstGeom prst="rect">
+            <a:avLst/>
+          </a:prstGeom>
+          <a:noFill/>
+        </p:spPr>
+        <p:txBody>
+          <a:bodyPr wrap="square" rtlCol="0">
+            <a:spAutoFit/>
+          </a:bodyPr>
+          <a:lstStyle/>
+          <a:p>
+            <a:r>
+              <a:rPr lang="en-AU" dirty="0" smtClean="0"/>
+              <a:t>Class 10</a:t>
+            </a:r>
+            <a:endParaRPr lang="en-AU" dirty="0"/>
+          </a:p>
+        </p:txBody>
+      </p:sp>
+      <p:sp>
+        <p:nvSpPr>
+          <p:cNvPr id="19" name="Oval 18"/>
+          <p:cNvSpPr/>
+          <p:nvPr/>
+        </p:nvSpPr>
+        <p:spPr>
+          <a:xfrm>
+            <a:off x="755576" y="3933056"/>
+            <a:ext cx="864096" cy="792088"/>
+          </a:xfrm>
+          <a:prstGeom prst="ellipse">
+            <a:avLst/>
+          </a:prstGeom>
+        </p:spPr>
+        <p:style>
+          <a:lnRef idx="2">
+            <a:schemeClr val="accent1">
+              <a:shade val="50000"/>
+            </a:schemeClr>
+          </a:lnRef>
+          <a:fillRef idx="1">
+            <a:schemeClr val="accent1"/>
+          </a:fillRef>
+          <a:effectRef idx="0">
+            <a:schemeClr val="accent1"/>
+          </a:effectRef>
+          <a:fontRef idx="minor">
+            <a:schemeClr val="lt1"/>
+          </a:fontRef>
+        </p:style>
+        <p:txBody>
+          <a:bodyPr rtlCol="0" anchor="ctr"/>
+          <a:lstStyle/>
+          <a:p>
+            <a:pPr algn="ctr"/>
+            <a:endParaRPr lang="en-AU"/>
+          </a:p>
+        </p:txBody>
+      </p:sp>
+      <p:sp>
+        <p:nvSpPr>
+          <p:cNvPr id="24" name="Oval 23"/>
+          <p:cNvSpPr/>
+          <p:nvPr/>
+        </p:nvSpPr>
+        <p:spPr>
+          <a:xfrm>
+            <a:off x="1907704" y="3929890"/>
+            <a:ext cx="864096" cy="792088"/>
+          </a:xfrm>
+          <a:prstGeom prst="ellipse">
+            <a:avLst/>
+          </a:prstGeom>
+        </p:spPr>
+        <p:style>
+          <a:lnRef idx="2">
+            <a:schemeClr val="accent1">
+              <a:shade val="50000"/>
+            </a:schemeClr>
+          </a:lnRef>
+          <a:fillRef idx="1">
+            <a:schemeClr val="accent1"/>
+          </a:fillRef>
+          <a:effectRef idx="0">
+            <a:schemeClr val="accent1"/>
+          </a:effectRef>
+          <a:fontRef idx="minor">
+            <a:schemeClr val="lt1"/>
+          </a:fontRef>
+        </p:style>
+        <p:txBody>
+          <a:bodyPr rtlCol="0" anchor="ctr"/>
+          <a:lstStyle/>
+          <a:p>
+            <a:pPr algn="ctr"/>
+            <a:endParaRPr lang="en-AU"/>
+          </a:p>
+        </p:txBody>
+      </p:sp>
+      <p:sp>
+        <p:nvSpPr>
+          <p:cNvPr id="25" name="Oval 24"/>
+          <p:cNvSpPr/>
+          <p:nvPr/>
+        </p:nvSpPr>
+        <p:spPr>
+          <a:xfrm>
+            <a:off x="2987824" y="3949824"/>
+            <a:ext cx="864096" cy="792088"/>
+          </a:xfrm>
+          <a:prstGeom prst="ellipse">
+            <a:avLst/>
+          </a:prstGeom>
+        </p:spPr>
+        <p:style>
+          <a:lnRef idx="2">
+            <a:schemeClr val="accent1">
+              <a:shade val="50000"/>
+            </a:schemeClr>
+          </a:lnRef>
+          <a:fillRef idx="1">
+            <a:schemeClr val="accent1"/>
+          </a:fillRef>
+          <a:effectRef idx="0">
+            <a:schemeClr val="accent1"/>
+          </a:effectRef>
+          <a:fontRef idx="minor">
+            <a:schemeClr val="lt1"/>
+          </a:fontRef>
+        </p:style>
+        <p:txBody>
+          <a:bodyPr rtlCol="0" anchor="ctr"/>
+          <a:lstStyle/>
+          <a:p>
+            <a:pPr algn="ctr"/>
+            <a:endParaRPr lang="en-AU"/>
+          </a:p>
+        </p:txBody>
+      </p:sp>
+      <p:sp>
+        <p:nvSpPr>
+          <p:cNvPr id="26" name="Oval 25"/>
+          <p:cNvSpPr/>
+          <p:nvPr/>
+        </p:nvSpPr>
+        <p:spPr>
+          <a:xfrm>
+            <a:off x="4139952" y="3952822"/>
+            <a:ext cx="864096" cy="792088"/>
+          </a:xfrm>
+          <a:prstGeom prst="ellipse">
+            <a:avLst/>
+          </a:prstGeom>
+        </p:spPr>
+        <p:style>
+          <a:lnRef idx="2">
+            <a:schemeClr val="accent1">
+              <a:shade val="50000"/>
+            </a:schemeClr>
+          </a:lnRef>
+          <a:fillRef idx="1">
+            <a:schemeClr val="accent1"/>
+          </a:fillRef>
+          <a:effectRef idx="0">
+            <a:schemeClr val="accent1"/>
+          </a:effectRef>
+          <a:fontRef idx="minor">
+            <a:schemeClr val="lt1"/>
+          </a:fontRef>
+        </p:style>
+        <p:txBody>
+          <a:bodyPr rtlCol="0" anchor="ctr"/>
+          <a:lstStyle/>
+          <a:p>
+            <a:pPr algn="ctr"/>
+            <a:endParaRPr lang="en-AU"/>
+          </a:p>
+        </p:txBody>
+      </p:sp>
+      <p:sp>
+        <p:nvSpPr>
+          <p:cNvPr id="27" name="Oval 26"/>
+          <p:cNvSpPr/>
+          <p:nvPr/>
+        </p:nvSpPr>
+        <p:spPr>
+          <a:xfrm>
+            <a:off x="7452320" y="3952822"/>
+            <a:ext cx="864096" cy="792088"/>
+          </a:xfrm>
+          <a:prstGeom prst="ellipse">
+            <a:avLst/>
+          </a:prstGeom>
+        </p:spPr>
+        <p:style>
+          <a:lnRef idx="2">
+            <a:schemeClr val="accent1">
+              <a:shade val="50000"/>
+            </a:schemeClr>
+          </a:lnRef>
+          <a:fillRef idx="1">
+            <a:schemeClr val="accent1"/>
+          </a:fillRef>
+          <a:effectRef idx="0">
+            <a:schemeClr val="accent1"/>
+          </a:effectRef>
+          <a:fontRef idx="minor">
+            <a:schemeClr val="lt1"/>
+          </a:fontRef>
+        </p:style>
+        <p:txBody>
+          <a:bodyPr rtlCol="0" anchor="ctr"/>
+          <a:lstStyle/>
+          <a:p>
+            <a:pPr algn="ctr"/>
+            <a:endParaRPr lang="en-AU"/>
+          </a:p>
+        </p:txBody>
+      </p:sp>
+      <p:sp>
+        <p:nvSpPr>
+          <p:cNvPr id="28" name="Oval 27"/>
+          <p:cNvSpPr/>
+          <p:nvPr/>
+        </p:nvSpPr>
+        <p:spPr>
+          <a:xfrm>
+            <a:off x="6156176" y="3952822"/>
+            <a:ext cx="864096" cy="792088"/>
+          </a:xfrm>
+          <a:prstGeom prst="ellipse">
+            <a:avLst/>
+          </a:prstGeom>
+        </p:spPr>
+        <p:style>
+          <a:lnRef idx="2">
+            <a:schemeClr val="accent1">
+              <a:shade val="50000"/>
+            </a:schemeClr>
+          </a:lnRef>
+          <a:fillRef idx="1">
+            <a:schemeClr val="accent1"/>
+          </a:fillRef>
+          <a:effectRef idx="0">
+            <a:schemeClr val="accent1"/>
+          </a:effectRef>
+          <a:fontRef idx="minor">
+            <a:schemeClr val="lt1"/>
+          </a:fontRef>
+        </p:style>
+        <p:txBody>
+          <a:bodyPr rtlCol="0" anchor="ctr"/>
+          <a:lstStyle/>
+          <a:p>
+            <a:pPr algn="ctr"/>
+            <a:endParaRPr lang="en-AU"/>
+          </a:p>
+        </p:txBody>
+      </p:sp>
+      <p:sp>
+        <p:nvSpPr>
+          <p:cNvPr id="20" name="TextBox 19"/>
+          <p:cNvSpPr txBox="1"/>
+          <p:nvPr/>
+        </p:nvSpPr>
+        <p:spPr>
+          <a:xfrm>
+            <a:off x="1043608" y="4149080"/>
+            <a:ext cx="504056" cy="369332"/>
+          </a:xfrm>
+          <a:prstGeom prst="rect">
+            <a:avLst/>
+          </a:prstGeom>
+          <a:noFill/>
+        </p:spPr>
+        <p:txBody>
+          <a:bodyPr wrap="square" rtlCol="0">
+            <a:spAutoFit/>
+          </a:bodyPr>
+          <a:lstStyle/>
+          <a:p>
+            <a:r>
+              <a:rPr lang="en-AU" dirty="0" smtClean="0"/>
+              <a:t>A</a:t>
+            </a:r>
+            <a:endParaRPr lang="en-AU" dirty="0"/>
+          </a:p>
+        </p:txBody>
+      </p:sp>
+      <p:sp>
+        <p:nvSpPr>
+          <p:cNvPr id="23" name="TextBox 22"/>
+          <p:cNvSpPr txBox="1"/>
+          <p:nvPr/>
+        </p:nvSpPr>
+        <p:spPr>
+          <a:xfrm>
+            <a:off x="2123728" y="4149080"/>
+            <a:ext cx="360040" cy="369332"/>
+          </a:xfrm>
+          <a:prstGeom prst="rect">
+            <a:avLst/>
+          </a:prstGeom>
+          <a:noFill/>
+        </p:spPr>
+        <p:txBody>
+          <a:bodyPr wrap="square" rtlCol="0">
+            <a:spAutoFit/>
+          </a:bodyPr>
+          <a:lstStyle/>
+          <a:p>
+            <a:r>
+              <a:rPr lang="en-AU" dirty="0" smtClean="0"/>
+              <a:t>B</a:t>
+            </a:r>
+            <a:endParaRPr lang="en-AU" dirty="0"/>
+          </a:p>
+        </p:txBody>
+      </p:sp>
+      <p:sp>
+        <p:nvSpPr>
+          <p:cNvPr id="29" name="TextBox 28"/>
+          <p:cNvSpPr txBox="1"/>
+          <p:nvPr/>
+        </p:nvSpPr>
+        <p:spPr>
+          <a:xfrm>
+            <a:off x="3300419" y="4149080"/>
+            <a:ext cx="191461" cy="369332"/>
+          </a:xfrm>
+          <a:prstGeom prst="rect">
+            <a:avLst/>
+          </a:prstGeom>
+          <a:noFill/>
+        </p:spPr>
+        <p:txBody>
+          <a:bodyPr wrap="square" rtlCol="0">
+            <a:spAutoFit/>
+          </a:bodyPr>
+          <a:lstStyle/>
+          <a:p>
+            <a:r>
+              <a:rPr lang="en-AU" dirty="0" smtClean="0"/>
+              <a:t>C</a:t>
+            </a:r>
+            <a:endParaRPr lang="en-AU" dirty="0"/>
+          </a:p>
+        </p:txBody>
+      </p:sp>
+      <p:sp>
+        <p:nvSpPr>
+          <p:cNvPr id="30" name="TextBox 29"/>
+          <p:cNvSpPr txBox="1"/>
+          <p:nvPr/>
+        </p:nvSpPr>
+        <p:spPr>
+          <a:xfrm>
+            <a:off x="4403421" y="4149080"/>
+            <a:ext cx="312595" cy="369332"/>
+          </a:xfrm>
+          <a:prstGeom prst="rect">
+            <a:avLst/>
+          </a:prstGeom>
+          <a:noFill/>
+        </p:spPr>
+        <p:txBody>
+          <a:bodyPr wrap="square" rtlCol="0">
+            <a:spAutoFit/>
+          </a:bodyPr>
+          <a:lstStyle/>
+          <a:p>
+            <a:r>
+              <a:rPr lang="en-AU" dirty="0" smtClean="0"/>
+              <a:t>D</a:t>
+            </a:r>
+            <a:endParaRPr lang="en-AU" dirty="0"/>
+          </a:p>
+        </p:txBody>
+      </p:sp>
+      <p:sp>
+        <p:nvSpPr>
+          <p:cNvPr id="32" name="TextBox 31"/>
+          <p:cNvSpPr txBox="1"/>
+          <p:nvPr/>
+        </p:nvSpPr>
+        <p:spPr>
+          <a:xfrm>
+            <a:off x="7740352" y="4149080"/>
+            <a:ext cx="288032" cy="369332"/>
+          </a:xfrm>
+          <a:prstGeom prst="rect">
+            <a:avLst/>
+          </a:prstGeom>
+          <a:noFill/>
+        </p:spPr>
+        <p:txBody>
+          <a:bodyPr wrap="square" rtlCol="0">
+            <a:spAutoFit/>
+          </a:bodyPr>
+          <a:lstStyle/>
+          <a:p>
+            <a:r>
+              <a:rPr lang="en-AU" dirty="0" smtClean="0"/>
+              <a:t>Y</a:t>
+            </a:r>
+            <a:endParaRPr lang="en-AU" dirty="0"/>
+          </a:p>
+        </p:txBody>
+      </p:sp>
+      <p:sp>
+        <p:nvSpPr>
+          <p:cNvPr id="33" name="TextBox 32"/>
+          <p:cNvSpPr txBox="1"/>
+          <p:nvPr/>
+        </p:nvSpPr>
+        <p:spPr>
+          <a:xfrm>
+            <a:off x="6444208" y="4149080"/>
+            <a:ext cx="288032" cy="369332"/>
+          </a:xfrm>
+          <a:prstGeom prst="rect">
+            <a:avLst/>
+          </a:prstGeom>
+          <a:noFill/>
+        </p:spPr>
+        <p:txBody>
+          <a:bodyPr wrap="square" rtlCol="0">
+            <a:spAutoFit/>
+          </a:bodyPr>
+          <a:lstStyle/>
+          <a:p>
+            <a:r>
+              <a:rPr lang="en-AU" dirty="0" smtClean="0"/>
+              <a:t>X</a:t>
+            </a:r>
+            <a:endParaRPr lang="en-AU" dirty="0"/>
+          </a:p>
+        </p:txBody>
+      </p:sp>
+      <p:cxnSp>
+        <p:nvCxnSpPr>
+          <p:cNvPr id="42" name="Straight Arrow Connector 41"/>
+          <p:cNvCxnSpPr>
+            <a:stCxn id="19" idx="0"/>
+          </p:cNvCxnSpPr>
+          <p:nvPr/>
+        </p:nvCxnSpPr>
+        <p:spPr>
+          <a:xfrm flipV="1">
+            <a:off x="1187624" y="2636912"/>
+            <a:ext cx="432048" cy="1296144"/>
+          </a:xfrm>
+          <a:prstGeom prst="straightConnector1">
+            <a:avLst/>
+          </a:prstGeom>
+          <a:ln>
+            <a:tailEnd type="arrow"/>
+          </a:ln>
+        </p:spPr>
+        <p:style>
+          <a:lnRef idx="1">
+            <a:schemeClr val="accent1"/>
+          </a:lnRef>
+          <a:fillRef idx="0">
+            <a:schemeClr val="accent1"/>
+          </a:fillRef>
+          <a:effectRef idx="0">
+            <a:schemeClr val="accent1"/>
+          </a:effectRef>
+          <a:fontRef idx="minor">
+            <a:schemeClr val="tx1"/>
+          </a:fontRef>
+        </p:style>
+      </p:cxnSp>
+      <p:cxnSp>
+        <p:nvCxnSpPr>
+          <p:cNvPr id="44" name="Straight Arrow Connector 43"/>
+          <p:cNvCxnSpPr>
+            <a:stCxn id="24" idx="0"/>
+          </p:cNvCxnSpPr>
+          <p:nvPr/>
+        </p:nvCxnSpPr>
+        <p:spPr>
+          <a:xfrm flipH="1" flipV="1">
+            <a:off x="1907704" y="2636912"/>
+            <a:ext cx="432048" cy="1292978"/>
+          </a:xfrm>
+          <a:prstGeom prst="straightConnector1">
+            <a:avLst/>
+          </a:prstGeom>
+          <a:ln>
+            <a:solidFill>
+              <a:srgbClr val="C00000"/>
+            </a:solidFill>
+            <a:tailEnd type="arrow"/>
+          </a:ln>
+        </p:spPr>
+        <p:style>
+          <a:lnRef idx="1">
+            <a:schemeClr val="accent1"/>
+          </a:lnRef>
+          <a:fillRef idx="0">
+            <a:schemeClr val="accent1"/>
+          </a:fillRef>
+          <a:effectRef idx="0">
+            <a:schemeClr val="accent1"/>
+          </a:effectRef>
+          <a:fontRef idx="minor">
+            <a:schemeClr val="tx1"/>
+          </a:fontRef>
+        </p:style>
+      </p:cxnSp>
+      <p:cxnSp>
+        <p:nvCxnSpPr>
+          <p:cNvPr id="48" name="Straight Arrow Connector 47"/>
+          <p:cNvCxnSpPr/>
+          <p:nvPr/>
+        </p:nvCxnSpPr>
+        <p:spPr>
+          <a:xfrm flipH="1" flipV="1">
+            <a:off x="2483768" y="2636912"/>
+            <a:ext cx="600628" cy="1440160"/>
+          </a:xfrm>
+          <a:prstGeom prst="straightConnector1">
+            <a:avLst/>
+          </a:prstGeom>
+          <a:ln>
+            <a:solidFill>
+              <a:schemeClr val="tx1"/>
+            </a:solidFill>
+            <a:tailEnd type="arrow"/>
+          </a:ln>
+        </p:spPr>
+        <p:style>
+          <a:lnRef idx="1">
+            <a:schemeClr val="accent1"/>
+          </a:lnRef>
+          <a:fillRef idx="0">
+            <a:schemeClr val="accent1"/>
+          </a:fillRef>
+          <a:effectRef idx="0">
+            <a:schemeClr val="accent1"/>
+          </a:effectRef>
+          <a:fontRef idx="minor">
+            <a:schemeClr val="tx1"/>
+          </a:fontRef>
+        </p:style>
+      </p:cxnSp>
+      <p:cxnSp>
+        <p:nvCxnSpPr>
+          <p:cNvPr id="51" name="Straight Arrow Connector 50"/>
+          <p:cNvCxnSpPr>
+            <a:stCxn id="25" idx="0"/>
+          </p:cNvCxnSpPr>
+          <p:nvPr/>
+        </p:nvCxnSpPr>
+        <p:spPr>
+          <a:xfrm flipH="1" flipV="1">
+            <a:off x="3396149" y="2636912"/>
+            <a:ext cx="23723" cy="1312912"/>
+          </a:xfrm>
+          <a:prstGeom prst="straightConnector1">
+            <a:avLst/>
+          </a:prstGeom>
+          <a:ln>
+            <a:solidFill>
+              <a:schemeClr val="tx1"/>
+            </a:solidFill>
+            <a:tailEnd type="arrow"/>
+          </a:ln>
+        </p:spPr>
+        <p:style>
+          <a:lnRef idx="1">
+            <a:schemeClr val="accent1"/>
+          </a:lnRef>
+          <a:fillRef idx="0">
+            <a:schemeClr val="accent1"/>
+          </a:fillRef>
+          <a:effectRef idx="0">
+            <a:schemeClr val="accent1"/>
+          </a:effectRef>
+          <a:fontRef idx="minor">
+            <a:schemeClr val="tx1"/>
+          </a:fontRef>
+        </p:style>
+      </p:cxnSp>
+      <p:cxnSp>
+        <p:nvCxnSpPr>
+          <p:cNvPr id="53" name="Straight Arrow Connector 52"/>
+          <p:cNvCxnSpPr>
+            <a:stCxn id="26" idx="0"/>
+          </p:cNvCxnSpPr>
+          <p:nvPr/>
+        </p:nvCxnSpPr>
+        <p:spPr>
+          <a:xfrm flipH="1" flipV="1">
+            <a:off x="4139952" y="2636912"/>
+            <a:ext cx="432048" cy="1315910"/>
+          </a:xfrm>
+          <a:prstGeom prst="straightConnector1">
+            <a:avLst/>
+          </a:prstGeom>
+          <a:ln>
+            <a:tailEnd type="arrow"/>
+          </a:ln>
+        </p:spPr>
+        <p:style>
+          <a:lnRef idx="1">
+            <a:schemeClr val="accent1"/>
+          </a:lnRef>
+          <a:fillRef idx="0">
+            <a:schemeClr val="accent1"/>
+          </a:fillRef>
+          <a:effectRef idx="0">
+            <a:schemeClr val="accent1"/>
+          </a:effectRef>
+          <a:fontRef idx="minor">
+            <a:schemeClr val="tx1"/>
+          </a:fontRef>
+        </p:style>
+      </p:cxnSp>
+      <p:cxnSp>
+        <p:nvCxnSpPr>
+          <p:cNvPr id="55" name="Straight Arrow Connector 54"/>
+          <p:cNvCxnSpPr/>
+          <p:nvPr/>
+        </p:nvCxnSpPr>
+        <p:spPr>
+          <a:xfrm flipV="1">
+            <a:off x="6588224" y="2636912"/>
+            <a:ext cx="144016" cy="1292978"/>
+          </a:xfrm>
+          <a:prstGeom prst="straightConnector1">
+            <a:avLst/>
+          </a:prstGeom>
+          <a:ln>
+            <a:tailEnd type="arrow"/>
+          </a:ln>
+        </p:spPr>
+        <p:style>
+          <a:lnRef idx="1">
+            <a:schemeClr val="accent1"/>
+          </a:lnRef>
+          <a:fillRef idx="0">
+            <a:schemeClr val="accent1"/>
+          </a:fillRef>
+          <a:effectRef idx="0">
+            <a:schemeClr val="accent1"/>
+          </a:effectRef>
+          <a:fontRef idx="minor">
+            <a:schemeClr val="tx1"/>
+          </a:fontRef>
+        </p:style>
+      </p:cxnSp>
+      <p:cxnSp>
+        <p:nvCxnSpPr>
+          <p:cNvPr id="57" name="Straight Arrow Connector 56"/>
+          <p:cNvCxnSpPr/>
+          <p:nvPr/>
+        </p:nvCxnSpPr>
+        <p:spPr>
+          <a:xfrm flipH="1" flipV="1">
+            <a:off x="7596336" y="2636912"/>
+            <a:ext cx="288032" cy="1292978"/>
+          </a:xfrm>
+          <a:prstGeom prst="straightConnector1">
+            <a:avLst/>
+          </a:prstGeom>
+          <a:ln>
+            <a:tailEnd type="arrow"/>
+          </a:ln>
+        </p:spPr>
+        <p:style>
+          <a:lnRef idx="1">
+            <a:schemeClr val="accent1"/>
+          </a:lnRef>
+          <a:fillRef idx="0">
+            <a:schemeClr val="accent1"/>
+          </a:fillRef>
+          <a:effectRef idx="0">
+            <a:schemeClr val="accent1"/>
+          </a:effectRef>
+          <a:fontRef idx="minor">
+            <a:schemeClr val="tx1"/>
+          </a:fontRef>
+        </p:style>
+      </p:cxnSp>
+      <p:cxnSp>
+        <p:nvCxnSpPr>
+          <p:cNvPr id="61" name="Straight Arrow Connector 60"/>
+          <p:cNvCxnSpPr>
+            <a:stCxn id="24" idx="7"/>
+          </p:cNvCxnSpPr>
+          <p:nvPr/>
+        </p:nvCxnSpPr>
+        <p:spPr>
+          <a:xfrm flipV="1">
+            <a:off x="2645256" y="2636912"/>
+            <a:ext cx="630600" cy="1408977"/>
+          </a:xfrm>
+          <a:prstGeom prst="straightConnector1">
+            <a:avLst/>
+          </a:prstGeom>
+          <a:ln>
+            <a:solidFill>
+              <a:srgbClr val="C00000"/>
+            </a:solidFill>
+            <a:tailEnd type="arrow"/>
+          </a:ln>
+        </p:spPr>
+        <p:style>
+          <a:lnRef idx="1">
+            <a:schemeClr val="accent1"/>
+          </a:lnRef>
+          <a:fillRef idx="0">
+            <a:schemeClr val="accent1"/>
+          </a:fillRef>
+          <a:effectRef idx="0">
+            <a:schemeClr val="accent1"/>
+          </a:effectRef>
+          <a:fontRef idx="minor">
+            <a:schemeClr val="tx1"/>
+          </a:fontRef>
+        </p:style>
+      </p:cxnSp>
+      <p:sp>
+        <p:nvSpPr>
+          <p:cNvPr id="64" name="Rectangle 63"/>
+          <p:cNvSpPr/>
+          <p:nvPr/>
+        </p:nvSpPr>
+        <p:spPr>
+          <a:xfrm>
+            <a:off x="2522331" y="5373216"/>
+            <a:ext cx="4209909" cy="323165"/>
+          </a:xfrm>
+          <a:prstGeom prst="rect">
+            <a:avLst/>
+          </a:prstGeom>
+        </p:spPr>
+        <p:style>
+          <a:lnRef idx="2">
+            <a:schemeClr val="accent1">
+              <a:shade val="50000"/>
+            </a:schemeClr>
+          </a:lnRef>
+          <a:fillRef idx="1">
+            <a:schemeClr val="accent1"/>
+          </a:fillRef>
+          <a:effectRef idx="0">
+            <a:schemeClr val="accent1"/>
+          </a:effectRef>
+          <a:fontRef idx="minor">
+            <a:schemeClr val="lt1"/>
+          </a:fontRef>
+        </p:style>
+        <p:txBody>
+          <a:bodyPr rtlCol="0" anchor="ctr"/>
+          <a:lstStyle/>
+          <a:p>
+            <a:pPr algn="ctr"/>
+            <a:endParaRPr lang="en-AU"/>
+          </a:p>
+        </p:txBody>
+      </p:sp>
+      <p:sp>
+        <p:nvSpPr>
+          <p:cNvPr id="65" name="TextBox 64"/>
+          <p:cNvSpPr txBox="1"/>
+          <p:nvPr/>
+        </p:nvSpPr>
+        <p:spPr>
+          <a:xfrm>
+            <a:off x="2771800" y="5373216"/>
+            <a:ext cx="4176464" cy="338554"/>
+          </a:xfrm>
+          <a:prstGeom prst="rect">
+            <a:avLst/>
+          </a:prstGeom>
+          <a:noFill/>
+        </p:spPr>
+        <p:txBody>
+          <a:bodyPr wrap="square" rtlCol="0">
+            <a:spAutoFit/>
+          </a:bodyPr>
+          <a:lstStyle/>
+          <a:p>
+            <a:r>
+              <a:rPr lang="en-AU" sz="1600" b="1" dirty="0" smtClean="0">
+                <a:solidFill>
+                  <a:schemeClr val="bg1"/>
+                </a:solidFill>
+              </a:rPr>
+              <a:t>Repetitive process with one time upload</a:t>
+            </a:r>
+            <a:endParaRPr lang="en-AU" sz="1600" b="1" dirty="0">
+              <a:solidFill>
+                <a:schemeClr val="bg1"/>
+              </a:solidFill>
+            </a:endParaRPr>
+          </a:p>
+        </p:txBody>
+      </p:sp>
+    </p:spTree>
+    <p:extLst>
+      <p:ext uri="{BB962C8B-B14F-4D97-AF65-F5344CB8AC3E}">
+        <p14:creationId xmlns:p14="http://schemas.microsoft.com/office/powerpoint/2010/main" val="280818986"/>
+      </p:ext>
+    </p:extLst>
+  </p:cSld>
+  <p:clrMapOvr>
+    <a:masterClrMapping/>
+  </p:clrMapOvr>
+  <p:timing>
+    <p:tnLst>
+      <p:par>
+        <p:cTn id="1" dur="indefinite" restart="never" nodeType="tmRoot">
+          <p:childTnLst>
+            <p:seq concurrent="1" nextAc="seek">
+              <p:cTn id="2" dur="indefinite" nodeType="mainSeq">
+                <p:childTnLst>
+                  <p:par>
+                    <p:cTn id="3" fill="hold">
+                      <p:stCondLst>
+                        <p:cond delay="indefinite"/>
+                      </p:stCondLst>
+                      <p:childTnLst>
+                        <p:par>
+                          <p:cTn id="4" fill="hold">
+                            <p:stCondLst>
+                              <p:cond delay="0"/>
+                            </p:stCondLst>
+                            <p:childTnLst>
+                              <p:par>
+                                <p:cTn id="5" presetID="10" presetClass="entr" presetSubtype="0" fill="hold" grpId="0" nodeType="clickEffect">
+                                  <p:stCondLst>
+                                    <p:cond delay="0"/>
+                                  </p:stCondLst>
+                                  <p:childTnLst>
+                                    <p:set>
+                                      <p:cBhvr>
+                                        <p:cTn id="6" dur="1" fill="hold">
+                                          <p:stCondLst>
+                                            <p:cond delay="0"/>
+                                          </p:stCondLst>
+                                        </p:cTn>
+                                        <p:tgtEl>
+                                          <p:spTgt spid="64"/>
+                                        </p:tgtEl>
+                                        <p:attrNameLst>
+                                          <p:attrName>style.visibility</p:attrName>
+                                        </p:attrNameLst>
+                                      </p:cBhvr>
+                                      <p:to>
+                                        <p:strVal val="visible"/>
+                                      </p:to>
+                                    </p:set>
+                                    <p:animEffect transition="in" filter="fade">
+                                      <p:cBhvr>
+                                        <p:cTn id="7" dur="500"/>
+                                        <p:tgtEl>
+                                          <p:spTgt spid="64"/>
+                                        </p:tgtEl>
+                                      </p:cBhvr>
+                                    </p:animEffect>
+                                  </p:childTnLst>
+                                </p:cTn>
+                              </p:par>
+                            </p:childTnLst>
+                          </p:cTn>
+                        </p:par>
+                      </p:childTnLst>
+                    </p:cTn>
+                  </p:par>
+                  <p:par>
+                    <p:cTn id="8" fill="hold">
+                      <p:stCondLst>
+                        <p:cond delay="indefinite"/>
+                      </p:stCondLst>
+                      <p:childTnLst>
+                        <p:par>
+                          <p:cTn id="9" fill="hold">
+                            <p:stCondLst>
+                              <p:cond delay="0"/>
+                            </p:stCondLst>
+                            <p:childTnLst>
+                              <p:par>
+                                <p:cTn id="10" presetID="42" presetClass="entr" presetSubtype="0" fill="hold" grpId="0" nodeType="clickEffect">
+                                  <p:stCondLst>
+                                    <p:cond delay="0"/>
+                                  </p:stCondLst>
+                                  <p:childTnLst>
+                                    <p:set>
+                                      <p:cBhvr>
+                                        <p:cTn id="11" dur="1" fill="hold">
+                                          <p:stCondLst>
+                                            <p:cond delay="0"/>
+                                          </p:stCondLst>
+                                        </p:cTn>
+                                        <p:tgtEl>
+                                          <p:spTgt spid="65"/>
+                                        </p:tgtEl>
+                                        <p:attrNameLst>
+                                          <p:attrName>style.visibility</p:attrName>
+                                        </p:attrNameLst>
+                                      </p:cBhvr>
+                                      <p:to>
+                                        <p:strVal val="visible"/>
+                                      </p:to>
+                                    </p:set>
+                                    <p:animEffect transition="in" filter="fade">
+                                      <p:cBhvr>
+                                        <p:cTn id="12" dur="1000"/>
+                                        <p:tgtEl>
+                                          <p:spTgt spid="65"/>
+                                        </p:tgtEl>
+                                      </p:cBhvr>
+                                    </p:animEffect>
+                                    <p:anim calcmode="lin" valueType="num">
+                                      <p:cBhvr>
+                                        <p:cTn id="13" dur="1000" fill="hold"/>
+                                        <p:tgtEl>
+                                          <p:spTgt spid="65"/>
+                                        </p:tgtEl>
+                                        <p:attrNameLst>
+                                          <p:attrName>ppt_x</p:attrName>
+                                        </p:attrNameLst>
+                                      </p:cBhvr>
+                                      <p:tavLst>
+                                        <p:tav tm="0">
+                                          <p:val>
+                                            <p:strVal val="#ppt_x"/>
+                                          </p:val>
+                                        </p:tav>
+                                        <p:tav tm="100000">
+                                          <p:val>
+                                            <p:strVal val="#ppt_x"/>
+                                          </p:val>
+                                        </p:tav>
+                                      </p:tavLst>
+                                    </p:anim>
+                                    <p:anim calcmode="lin" valueType="num">
+                                      <p:cBhvr>
+                                        <p:cTn id="14" dur="1000" fill="hold"/>
+                                        <p:tgtEl>
+                                          <p:spTgt spid="65"/>
+                                        </p:tgtEl>
+                                        <p:attrNameLst>
+                                          <p:attrName>ppt_y</p:attrName>
+                                        </p:attrNameLst>
+                                      </p:cBhvr>
+                                      <p:tavLst>
+                                        <p:tav tm="0">
+                                          <p:val>
+                                            <p:strVal val="#ppt_y+.1"/>
+                                          </p:val>
+                                        </p:tav>
+                                        <p:tav tm="100000">
+                                          <p:val>
+                                            <p:strVal val="#ppt_y"/>
+                                          </p:val>
+                                        </p:tav>
+                                      </p:tavLst>
+                                    </p:anim>
+                                  </p:childTnLst>
+                                </p:cTn>
+                              </p:par>
+                            </p:childTnLst>
+                          </p:cTn>
+                        </p:par>
+                      </p:childTnLst>
+                    </p:cTn>
+                  </p:par>
+                </p:childTnLst>
+              </p:cTn>
+              <p:prevCondLst>
+                <p:cond evt="onPrev" delay="0">
+                  <p:tgtEl>
+                    <p:sldTgt/>
+                  </p:tgtEl>
+                </p:cond>
+              </p:prevCondLst>
+              <p:nextCondLst>
+                <p:cond evt="onNext" delay="0">
+                  <p:tgtEl>
+                    <p:sldTgt/>
+                  </p:tgtEl>
+                </p:cond>
+              </p:nextCondLst>
+            </p:seq>
+          </p:childTnLst>
+        </p:cTn>
+      </p:par>
+    </p:tnLst>
+    <p:bldLst>
+      <p:bldP spid="64" grpId="0" animBg="1"/>
+      <p:bldP spid="65" grpId="0"/>
+    </p:bldLst>
+  </p:timing>
+</p:sld>
+</file>
+
+<file path=ppt/slides/slide6.xml><?xml version="1.0" encoding="utf-8"?>
 <p:sld xmlns:a="http://schemas.openxmlformats.org/drawingml/2006/main" xmlns:r="http://schemas.openxmlformats.org/officeDocument/2006/relationships" xmlns:p="http://schemas.openxmlformats.org/presentationml/2006/main">
   <p:cSld>
     <p:spTree>

--- a/ProjectExecution/BA/presentation/InitialBusinessPresentation.pptx
+++ b/ProjectExecution/BA/presentation/InitialBusinessPresentation.pptx
@@ -5,6 +5,9 @@
     <p:sldMasterId id="2147483660" r:id="rId1"/>
     <p:sldMasterId id="2147483673" r:id="rId2"/>
   </p:sldMasterIdLst>
+  <p:notesMasterIdLst>
+    <p:notesMasterId r:id="rId9"/>
+  </p:notesMasterIdLst>
   <p:sldIdLst>
     <p:sldId id="256" r:id="rId3"/>
     <p:sldId id="259" r:id="rId4"/>
@@ -143,6 +146,448 @@
 </p:presentation>
 </file>
 
+<file path=ppt/notesMasters/notesMaster1.xml><?xml version="1.0" encoding="utf-8"?>
+<p:notesMaster xmlns:a="http://schemas.openxmlformats.org/drawingml/2006/main" xmlns:r="http://schemas.openxmlformats.org/officeDocument/2006/relationships" xmlns:p="http://schemas.openxmlformats.org/presentationml/2006/main">
+  <p:cSld>
+    <p:bg>
+      <p:bgRef idx="1001">
+        <a:schemeClr val="bg1"/>
+      </p:bgRef>
+    </p:bg>
+    <p:spTree>
+      <p:nvGrpSpPr>
+        <p:cNvPr id="1" name=""/>
+        <p:cNvGrpSpPr/>
+        <p:nvPr/>
+      </p:nvGrpSpPr>
+      <p:grpSpPr>
+        <a:xfrm>
+          <a:off x="0" y="0"/>
+          <a:ext cx="0" cy="0"/>
+          <a:chOff x="0" y="0"/>
+          <a:chExt cx="0" cy="0"/>
+        </a:xfrm>
+      </p:grpSpPr>
+      <p:sp>
+        <p:nvSpPr>
+          <p:cNvPr id="2" name="Header Placeholder 1"/>
+          <p:cNvSpPr>
+            <a:spLocks noGrp="1"/>
+          </p:cNvSpPr>
+          <p:nvPr>
+            <p:ph type="hdr" sz="quarter"/>
+          </p:nvPr>
+        </p:nvSpPr>
+        <p:spPr>
+          <a:xfrm>
+            <a:off x="0" y="0"/>
+            <a:ext cx="2971800" cy="457200"/>
+          </a:xfrm>
+          <a:prstGeom prst="rect">
+            <a:avLst/>
+          </a:prstGeom>
+        </p:spPr>
+        <p:txBody>
+          <a:bodyPr vert="horz" lIns="91440" tIns="45720" rIns="91440" bIns="45720" rtlCol="0"/>
+          <a:lstStyle>
+            <a:lvl1pPr algn="l">
+              <a:defRPr sz="1200"/>
+            </a:lvl1pPr>
+          </a:lstStyle>
+          <a:p>
+            <a:endParaRPr lang="en-AU"/>
+          </a:p>
+        </p:txBody>
+      </p:sp>
+      <p:sp>
+        <p:nvSpPr>
+          <p:cNvPr id="3" name="Date Placeholder 2"/>
+          <p:cNvSpPr>
+            <a:spLocks noGrp="1"/>
+          </p:cNvSpPr>
+          <p:nvPr>
+            <p:ph type="dt" idx="1"/>
+          </p:nvPr>
+        </p:nvSpPr>
+        <p:spPr>
+          <a:xfrm>
+            <a:off x="3884613" y="0"/>
+            <a:ext cx="2971800" cy="457200"/>
+          </a:xfrm>
+          <a:prstGeom prst="rect">
+            <a:avLst/>
+          </a:prstGeom>
+        </p:spPr>
+        <p:txBody>
+          <a:bodyPr vert="horz" lIns="91440" tIns="45720" rIns="91440" bIns="45720" rtlCol="0"/>
+          <a:lstStyle>
+            <a:lvl1pPr algn="r">
+              <a:defRPr sz="1200"/>
+            </a:lvl1pPr>
+          </a:lstStyle>
+          <a:p>
+            <a:fld id="{2CCDD150-63BF-43F2-976F-8A0555E70530}" type="datetimeFigureOut">
+              <a:rPr lang="en-AU" smtClean="0"/>
+              <a:t>12/10/2020</a:t>
+            </a:fld>
+            <a:endParaRPr lang="en-AU"/>
+          </a:p>
+        </p:txBody>
+      </p:sp>
+      <p:sp>
+        <p:nvSpPr>
+          <p:cNvPr id="4" name="Slide Image Placeholder 3"/>
+          <p:cNvSpPr>
+            <a:spLocks noGrp="1" noRot="1" noChangeAspect="1"/>
+          </p:cNvSpPr>
+          <p:nvPr>
+            <p:ph type="sldImg" idx="2"/>
+          </p:nvPr>
+        </p:nvSpPr>
+        <p:spPr>
+          <a:xfrm>
+            <a:off x="1143000" y="685800"/>
+            <a:ext cx="4572000" cy="3429000"/>
+          </a:xfrm>
+          <a:prstGeom prst="rect">
+            <a:avLst/>
+          </a:prstGeom>
+          <a:noFill/>
+          <a:ln w="12700">
+            <a:solidFill>
+              <a:prstClr val="black"/>
+            </a:solidFill>
+          </a:ln>
+        </p:spPr>
+        <p:txBody>
+          <a:bodyPr vert="horz" lIns="91440" tIns="45720" rIns="91440" bIns="45720" rtlCol="0" anchor="ctr"/>
+          <a:lstStyle/>
+          <a:p>
+            <a:endParaRPr lang="en-AU"/>
+          </a:p>
+        </p:txBody>
+      </p:sp>
+      <p:sp>
+        <p:nvSpPr>
+          <p:cNvPr id="5" name="Notes Placeholder 4"/>
+          <p:cNvSpPr>
+            <a:spLocks noGrp="1"/>
+          </p:cNvSpPr>
+          <p:nvPr>
+            <p:ph type="body" sz="quarter" idx="3"/>
+          </p:nvPr>
+        </p:nvSpPr>
+        <p:spPr>
+          <a:xfrm>
+            <a:off x="685800" y="4343400"/>
+            <a:ext cx="5486400" cy="4114800"/>
+          </a:xfrm>
+          <a:prstGeom prst="rect">
+            <a:avLst/>
+          </a:prstGeom>
+        </p:spPr>
+        <p:txBody>
+          <a:bodyPr vert="horz" lIns="91440" tIns="45720" rIns="91440" bIns="45720" rtlCol="0"/>
+          <a:lstStyle/>
+          <a:p>
+            <a:pPr lvl="0"/>
+            <a:r>
+              <a:rPr lang="en-US" smtClean="0"/>
+              <a:t>Click to edit Master text styles</a:t>
+            </a:r>
+          </a:p>
+          <a:p>
+            <a:pPr lvl="1"/>
+            <a:r>
+              <a:rPr lang="en-US" smtClean="0"/>
+              <a:t>Second level</a:t>
+            </a:r>
+          </a:p>
+          <a:p>
+            <a:pPr lvl="2"/>
+            <a:r>
+              <a:rPr lang="en-US" smtClean="0"/>
+              <a:t>Third level</a:t>
+            </a:r>
+          </a:p>
+          <a:p>
+            <a:pPr lvl="3"/>
+            <a:r>
+              <a:rPr lang="en-US" smtClean="0"/>
+              <a:t>Fourth level</a:t>
+            </a:r>
+          </a:p>
+          <a:p>
+            <a:pPr lvl="4"/>
+            <a:r>
+              <a:rPr lang="en-US" smtClean="0"/>
+              <a:t>Fifth level</a:t>
+            </a:r>
+            <a:endParaRPr lang="en-AU"/>
+          </a:p>
+        </p:txBody>
+      </p:sp>
+      <p:sp>
+        <p:nvSpPr>
+          <p:cNvPr id="6" name="Footer Placeholder 5"/>
+          <p:cNvSpPr>
+            <a:spLocks noGrp="1"/>
+          </p:cNvSpPr>
+          <p:nvPr>
+            <p:ph type="ftr" sz="quarter" idx="4"/>
+          </p:nvPr>
+        </p:nvSpPr>
+        <p:spPr>
+          <a:xfrm>
+            <a:off x="0" y="8685213"/>
+            <a:ext cx="2971800" cy="457200"/>
+          </a:xfrm>
+          <a:prstGeom prst="rect">
+            <a:avLst/>
+          </a:prstGeom>
+        </p:spPr>
+        <p:txBody>
+          <a:bodyPr vert="horz" lIns="91440" tIns="45720" rIns="91440" bIns="45720" rtlCol="0" anchor="b"/>
+          <a:lstStyle>
+            <a:lvl1pPr algn="l">
+              <a:defRPr sz="1200"/>
+            </a:lvl1pPr>
+          </a:lstStyle>
+          <a:p>
+            <a:endParaRPr lang="en-AU"/>
+          </a:p>
+        </p:txBody>
+      </p:sp>
+      <p:sp>
+        <p:nvSpPr>
+          <p:cNvPr id="7" name="Slide Number Placeholder 6"/>
+          <p:cNvSpPr>
+            <a:spLocks noGrp="1"/>
+          </p:cNvSpPr>
+          <p:nvPr>
+            <p:ph type="sldNum" sz="quarter" idx="5"/>
+          </p:nvPr>
+        </p:nvSpPr>
+        <p:spPr>
+          <a:xfrm>
+            <a:off x="3884613" y="8685213"/>
+            <a:ext cx="2971800" cy="457200"/>
+          </a:xfrm>
+          <a:prstGeom prst="rect">
+            <a:avLst/>
+          </a:prstGeom>
+        </p:spPr>
+        <p:txBody>
+          <a:bodyPr vert="horz" lIns="91440" tIns="45720" rIns="91440" bIns="45720" rtlCol="0" anchor="b"/>
+          <a:lstStyle>
+            <a:lvl1pPr algn="r">
+              <a:defRPr sz="1200"/>
+            </a:lvl1pPr>
+          </a:lstStyle>
+          <a:p>
+            <a:fld id="{9B192599-3291-41C0-A8F6-DD8670FDBDE3}" type="slidenum">
+              <a:rPr lang="en-AU" smtClean="0"/>
+              <a:t>‹#›</a:t>
+            </a:fld>
+            <a:endParaRPr lang="en-AU"/>
+          </a:p>
+        </p:txBody>
+      </p:sp>
+    </p:spTree>
+    <p:extLst>
+      <p:ext uri="{BB962C8B-B14F-4D97-AF65-F5344CB8AC3E}">
+        <p14:creationId xmlns:p14="http://schemas.microsoft.com/office/powerpoint/2010/main" val="1509317907"/>
+      </p:ext>
+    </p:extLst>
+  </p:cSld>
+  <p:clrMap bg1="lt1" tx1="dk1" bg2="lt2" tx2="dk2" accent1="accent1" accent2="accent2" accent3="accent3" accent4="accent4" accent5="accent5" accent6="accent6" hlink="hlink" folHlink="folHlink"/>
+  <p:notesStyle>
+    <a:lvl1pPr marL="0" algn="l" defTabSz="914400" rtl="0" eaLnBrk="1" latinLnBrk="0" hangingPunct="1">
+      <a:defRPr sz="1200" kern="1200">
+        <a:solidFill>
+          <a:schemeClr val="tx1"/>
+        </a:solidFill>
+        <a:latin typeface="+mn-lt"/>
+        <a:ea typeface="+mn-ea"/>
+        <a:cs typeface="+mn-cs"/>
+      </a:defRPr>
+    </a:lvl1pPr>
+    <a:lvl2pPr marL="457200" algn="l" defTabSz="914400" rtl="0" eaLnBrk="1" latinLnBrk="0" hangingPunct="1">
+      <a:defRPr sz="1200" kern="1200">
+        <a:solidFill>
+          <a:schemeClr val="tx1"/>
+        </a:solidFill>
+        <a:latin typeface="+mn-lt"/>
+        <a:ea typeface="+mn-ea"/>
+        <a:cs typeface="+mn-cs"/>
+      </a:defRPr>
+    </a:lvl2pPr>
+    <a:lvl3pPr marL="914400" algn="l" defTabSz="914400" rtl="0" eaLnBrk="1" latinLnBrk="0" hangingPunct="1">
+      <a:defRPr sz="1200" kern="1200">
+        <a:solidFill>
+          <a:schemeClr val="tx1"/>
+        </a:solidFill>
+        <a:latin typeface="+mn-lt"/>
+        <a:ea typeface="+mn-ea"/>
+        <a:cs typeface="+mn-cs"/>
+      </a:defRPr>
+    </a:lvl3pPr>
+    <a:lvl4pPr marL="1371600" algn="l" defTabSz="914400" rtl="0" eaLnBrk="1" latinLnBrk="0" hangingPunct="1">
+      <a:defRPr sz="1200" kern="1200">
+        <a:solidFill>
+          <a:schemeClr val="tx1"/>
+        </a:solidFill>
+        <a:latin typeface="+mn-lt"/>
+        <a:ea typeface="+mn-ea"/>
+        <a:cs typeface="+mn-cs"/>
+      </a:defRPr>
+    </a:lvl4pPr>
+    <a:lvl5pPr marL="1828800" algn="l" defTabSz="914400" rtl="0" eaLnBrk="1" latinLnBrk="0" hangingPunct="1">
+      <a:defRPr sz="1200" kern="1200">
+        <a:solidFill>
+          <a:schemeClr val="tx1"/>
+        </a:solidFill>
+        <a:latin typeface="+mn-lt"/>
+        <a:ea typeface="+mn-ea"/>
+        <a:cs typeface="+mn-cs"/>
+      </a:defRPr>
+    </a:lvl5pPr>
+    <a:lvl6pPr marL="2286000" algn="l" defTabSz="914400" rtl="0" eaLnBrk="1" latinLnBrk="0" hangingPunct="1">
+      <a:defRPr sz="1200" kern="1200">
+        <a:solidFill>
+          <a:schemeClr val="tx1"/>
+        </a:solidFill>
+        <a:latin typeface="+mn-lt"/>
+        <a:ea typeface="+mn-ea"/>
+        <a:cs typeface="+mn-cs"/>
+      </a:defRPr>
+    </a:lvl6pPr>
+    <a:lvl7pPr marL="2743200" algn="l" defTabSz="914400" rtl="0" eaLnBrk="1" latinLnBrk="0" hangingPunct="1">
+      <a:defRPr sz="1200" kern="1200">
+        <a:solidFill>
+          <a:schemeClr val="tx1"/>
+        </a:solidFill>
+        <a:latin typeface="+mn-lt"/>
+        <a:ea typeface="+mn-ea"/>
+        <a:cs typeface="+mn-cs"/>
+      </a:defRPr>
+    </a:lvl7pPr>
+    <a:lvl8pPr marL="3200400" algn="l" defTabSz="914400" rtl="0" eaLnBrk="1" latinLnBrk="0" hangingPunct="1">
+      <a:defRPr sz="1200" kern="1200">
+        <a:solidFill>
+          <a:schemeClr val="tx1"/>
+        </a:solidFill>
+        <a:latin typeface="+mn-lt"/>
+        <a:ea typeface="+mn-ea"/>
+        <a:cs typeface="+mn-cs"/>
+      </a:defRPr>
+    </a:lvl8pPr>
+    <a:lvl9pPr marL="3657600" algn="l" defTabSz="914400" rtl="0" eaLnBrk="1" latinLnBrk="0" hangingPunct="1">
+      <a:defRPr sz="1200" kern="1200">
+        <a:solidFill>
+          <a:schemeClr val="tx1"/>
+        </a:solidFill>
+        <a:latin typeface="+mn-lt"/>
+        <a:ea typeface="+mn-ea"/>
+        <a:cs typeface="+mn-cs"/>
+      </a:defRPr>
+    </a:lvl9pPr>
+  </p:notesStyle>
+</p:notesMaster>
+</file>
+
+<file path=ppt/notesSlides/notesSlide1.xml><?xml version="1.0" encoding="utf-8"?>
+<p:notes xmlns:a="http://schemas.openxmlformats.org/drawingml/2006/main" xmlns:r="http://schemas.openxmlformats.org/officeDocument/2006/relationships" xmlns:p="http://schemas.openxmlformats.org/presentationml/2006/main">
+  <p:cSld>
+    <p:spTree>
+      <p:nvGrpSpPr>
+        <p:cNvPr id="1" name=""/>
+        <p:cNvGrpSpPr/>
+        <p:nvPr/>
+      </p:nvGrpSpPr>
+      <p:grpSpPr>
+        <a:xfrm>
+          <a:off x="0" y="0"/>
+          <a:ext cx="0" cy="0"/>
+          <a:chOff x="0" y="0"/>
+          <a:chExt cx="0" cy="0"/>
+        </a:xfrm>
+      </p:grpSpPr>
+      <p:sp>
+        <p:nvSpPr>
+          <p:cNvPr id="2" name="Slide Image Placeholder 1"/>
+          <p:cNvSpPr>
+            <a:spLocks noGrp="1" noRot="1" noChangeAspect="1"/>
+          </p:cNvSpPr>
+          <p:nvPr>
+            <p:ph type="sldImg"/>
+          </p:nvPr>
+        </p:nvSpPr>
+        <p:spPr/>
+      </p:sp>
+      <p:sp>
+        <p:nvSpPr>
+          <p:cNvPr id="3" name="Notes Placeholder 2"/>
+          <p:cNvSpPr>
+            <a:spLocks noGrp="1"/>
+          </p:cNvSpPr>
+          <p:nvPr>
+            <p:ph type="body" idx="1"/>
+          </p:nvPr>
+        </p:nvSpPr>
+        <p:spPr/>
+        <p:txBody>
+          <a:bodyPr/>
+          <a:lstStyle/>
+          <a:p>
+            <a:r>
+              <a:rPr lang="en-AU" dirty="0" smtClean="0"/>
+              <a:t>If the students can see the video offline then</a:t>
+            </a:r>
+            <a:r>
+              <a:rPr lang="en-AU" baseline="0" dirty="0" smtClean="0"/>
+              <a:t> they might share it with others too</a:t>
+            </a:r>
+            <a:endParaRPr lang="en-AU" dirty="0"/>
+          </a:p>
+        </p:txBody>
+      </p:sp>
+      <p:sp>
+        <p:nvSpPr>
+          <p:cNvPr id="4" name="Slide Number Placeholder 3"/>
+          <p:cNvSpPr>
+            <a:spLocks noGrp="1"/>
+          </p:cNvSpPr>
+          <p:nvPr>
+            <p:ph type="sldNum" sz="quarter" idx="10"/>
+          </p:nvPr>
+        </p:nvSpPr>
+        <p:spPr/>
+        <p:txBody>
+          <a:bodyPr/>
+          <a:lstStyle/>
+          <a:p>
+            <a:fld id="{9B192599-3291-41C0-A8F6-DD8670FDBDE3}" type="slidenum">
+              <a:rPr lang="en-AU" smtClean="0"/>
+              <a:t>3</a:t>
+            </a:fld>
+            <a:endParaRPr lang="en-AU"/>
+          </a:p>
+        </p:txBody>
+      </p:sp>
+    </p:spTree>
+    <p:extLst>
+      <p:ext uri="{BB962C8B-B14F-4D97-AF65-F5344CB8AC3E}">
+        <p14:creationId xmlns:p14="http://schemas.microsoft.com/office/powerpoint/2010/main" val="1405193624"/>
+      </p:ext>
+    </p:extLst>
+  </p:cSld>
+  <p:clrMapOvr>
+    <a:masterClrMapping/>
+  </p:clrMapOvr>
+</p:notes>
+</file>
+
 <file path=ppt/slideLayouts/slideLayout1.xml><?xml version="1.0" encoding="utf-8"?>
 <p:sldLayout xmlns:a="http://schemas.openxmlformats.org/drawingml/2006/main" xmlns:r="http://schemas.openxmlformats.org/officeDocument/2006/relationships" xmlns:p="http://schemas.openxmlformats.org/presentationml/2006/main" type="title" preserve="1">
   <p:cSld name="Title Slide">
@@ -334,7 +779,7 @@
               <a:pPr>
                 <a:defRPr/>
               </a:pPr>
-              <a:t>9/10/2020</a:t>
+              <a:t>10/10/2020</a:t>
             </a:fld>
             <a:endParaRPr lang="en-AU"/>
           </a:p>
@@ -531,7 +976,7 @@
               <a:pPr>
                 <a:defRPr/>
               </a:pPr>
-              <a:t>9/10/2020</a:t>
+              <a:t>10/10/2020</a:t>
             </a:fld>
             <a:endParaRPr lang="en-AU"/>
           </a:p>
@@ -738,7 +1183,7 @@
               <a:pPr>
                 <a:defRPr/>
               </a:pPr>
-              <a:t>9/10/2020</a:t>
+              <a:t>10/10/2020</a:t>
             </a:fld>
             <a:endParaRPr lang="en-AU"/>
           </a:p>
@@ -883,7 +1328,7 @@
               <a:pPr>
                 <a:defRPr/>
               </a:pPr>
-              <a:t>9/10/2020</a:t>
+              <a:t>10/10/2020</a:t>
             </a:fld>
             <a:endParaRPr lang="en-AU"/>
           </a:p>
@@ -1152,7 +1597,7 @@
               <a:pPr>
                 <a:defRPr/>
               </a:pPr>
-              <a:t>9/10/2020</a:t>
+              <a:t>10/10/2020</a:t>
             </a:fld>
             <a:endParaRPr lang="en-AU"/>
           </a:p>
@@ -1349,7 +1794,7 @@
               <a:pPr>
                 <a:defRPr/>
               </a:pPr>
-              <a:t>9/10/2020</a:t>
+              <a:t>10/10/2020</a:t>
             </a:fld>
             <a:endParaRPr lang="en-AU"/>
           </a:p>
@@ -1622,7 +2067,7 @@
               <a:pPr>
                 <a:defRPr/>
               </a:pPr>
-              <a:t>9/10/2020</a:t>
+              <a:t>10/10/2020</a:t>
             </a:fld>
             <a:endParaRPr lang="en-AU"/>
           </a:p>
@@ -1937,7 +2382,7 @@
               <a:pPr>
                 <a:defRPr/>
               </a:pPr>
-              <a:t>9/10/2020</a:t>
+              <a:t>10/10/2020</a:t>
             </a:fld>
             <a:endParaRPr lang="en-AU"/>
           </a:p>
@@ -2386,7 +2831,7 @@
               <a:pPr>
                 <a:defRPr/>
               </a:pPr>
-              <a:t>9/10/2020</a:t>
+              <a:t>10/10/2020</a:t>
             </a:fld>
             <a:endParaRPr lang="en-AU"/>
           </a:p>
@@ -2531,7 +2976,7 @@
               <a:pPr>
                 <a:defRPr/>
               </a:pPr>
-              <a:t>9/10/2020</a:t>
+              <a:t>10/10/2020</a:t>
             </a:fld>
             <a:endParaRPr lang="en-AU"/>
           </a:p>
@@ -2653,7 +3098,7 @@
               <a:pPr>
                 <a:defRPr/>
               </a:pPr>
-              <a:t>9/10/2020</a:t>
+              <a:t>10/10/2020</a:t>
             </a:fld>
             <a:endParaRPr lang="en-AU"/>
           </a:p>
@@ -2850,7 +3295,7 @@
               <a:pPr>
                 <a:defRPr/>
               </a:pPr>
-              <a:t>9/10/2020</a:t>
+              <a:t>10/10/2020</a:t>
             </a:fld>
             <a:endParaRPr lang="en-AU"/>
           </a:p>
@@ -3154,7 +3599,7 @@
               <a:pPr>
                 <a:defRPr/>
               </a:pPr>
-              <a:t>9/10/2020</a:t>
+              <a:t>10/10/2020</a:t>
             </a:fld>
             <a:endParaRPr lang="en-AU"/>
           </a:p>
@@ -3437,7 +3882,7 @@
               <a:pPr>
                 <a:defRPr/>
               </a:pPr>
-              <a:t>9/10/2020</a:t>
+              <a:t>10/10/2020</a:t>
             </a:fld>
             <a:endParaRPr lang="en-AU"/>
           </a:p>
@@ -3634,7 +4079,7 @@
               <a:pPr>
                 <a:defRPr/>
               </a:pPr>
-              <a:t>9/10/2020</a:t>
+              <a:t>10/10/2020</a:t>
             </a:fld>
             <a:endParaRPr lang="en-AU"/>
           </a:p>
@@ -3810,7 +4255,7 @@
               <a:pPr>
                 <a:defRPr/>
               </a:pPr>
-              <a:t>9/10/2020</a:t>
+              <a:t>10/10/2020</a:t>
             </a:fld>
             <a:endParaRPr lang="en-AU"/>
           </a:p>
@@ -4017,7 +4462,7 @@
               <a:pPr>
                 <a:defRPr/>
               </a:pPr>
-              <a:t>9/10/2020</a:t>
+              <a:t>10/10/2020</a:t>
             </a:fld>
             <a:endParaRPr lang="en-AU"/>
           </a:p>
@@ -4162,7 +4607,7 @@
               <a:pPr>
                 <a:defRPr/>
               </a:pPr>
-              <a:t>9/10/2020</a:t>
+              <a:t>10/10/2020</a:t>
             </a:fld>
             <a:endParaRPr lang="en-AU"/>
           </a:p>
@@ -4307,7 +4752,7 @@
               <a:pPr>
                 <a:defRPr/>
               </a:pPr>
-              <a:t>9/10/2020</a:t>
+              <a:t>10/10/2020</a:t>
             </a:fld>
             <a:endParaRPr lang="en-AU"/>
           </a:p>
@@ -4452,7 +4897,7 @@
               <a:pPr>
                 <a:defRPr/>
               </a:pPr>
-              <a:t>9/10/2020</a:t>
+              <a:t>10/10/2020</a:t>
             </a:fld>
             <a:endParaRPr lang="en-AU"/>
           </a:p>
@@ -4725,7 +5170,7 @@
               <a:pPr>
                 <a:defRPr/>
               </a:pPr>
-              <a:t>9/10/2020</a:t>
+              <a:t>10/10/2020</a:t>
             </a:fld>
             <a:endParaRPr lang="en-AU"/>
           </a:p>
@@ -5040,7 +5485,7 @@
               <a:pPr>
                 <a:defRPr/>
               </a:pPr>
-              <a:t>9/10/2020</a:t>
+              <a:t>10/10/2020</a:t>
             </a:fld>
             <a:endParaRPr lang="en-AU"/>
           </a:p>
@@ -5489,7 +5934,7 @@
               <a:pPr>
                 <a:defRPr/>
               </a:pPr>
-              <a:t>9/10/2020</a:t>
+              <a:t>10/10/2020</a:t>
             </a:fld>
             <a:endParaRPr lang="en-AU"/>
           </a:p>
@@ -5634,7 +6079,7 @@
               <a:pPr>
                 <a:defRPr/>
               </a:pPr>
-              <a:t>9/10/2020</a:t>
+              <a:t>10/10/2020</a:t>
             </a:fld>
             <a:endParaRPr lang="en-AU"/>
           </a:p>
@@ -5756,7 +6201,7 @@
               <a:pPr>
                 <a:defRPr/>
               </a:pPr>
-              <a:t>9/10/2020</a:t>
+              <a:t>10/10/2020</a:t>
             </a:fld>
             <a:endParaRPr lang="en-AU"/>
           </a:p>
@@ -6060,7 +6505,7 @@
               <a:pPr>
                 <a:defRPr/>
               </a:pPr>
-              <a:t>9/10/2020</a:t>
+              <a:t>10/10/2020</a:t>
             </a:fld>
             <a:endParaRPr lang="en-AU"/>
           </a:p>
@@ -6347,7 +6792,7 @@
               <a:pPr>
                 <a:defRPr/>
               </a:pPr>
-              <a:t>9/10/2020</a:t>
+              <a:t>10/10/2020</a:t>
             </a:fld>
             <a:endParaRPr lang="en-AU"/>
           </a:p>
@@ -6645,7 +7090,7 @@
               <a:pPr>
                 <a:defRPr/>
               </a:pPr>
-              <a:t>9/10/2020</a:t>
+              <a:t>10/10/2020</a:t>
             </a:fld>
             <a:endParaRPr lang="en-AU"/>
           </a:p>
@@ -7371,7 +7816,7 @@
               <a:pPr>
                 <a:defRPr/>
               </a:pPr>
-              <a:t>9/10/2020</a:t>
+              <a:t>10/10/2020</a:t>
             </a:fld>
             <a:endParaRPr lang="en-AU"/>
           </a:p>
@@ -9212,16 +9657,21 @@
         </p:nvSpPr>
         <p:spPr>
           <a:xfrm>
-            <a:off x="1259632" y="1239143"/>
-            <a:ext cx="5149423" cy="1138773"/>
+            <a:off x="1259631" y="1239143"/>
+            <a:ext cx="7372531" cy="1138773"/>
           </a:xfrm>
           <a:prstGeom prst="rect">
             <a:avLst/>
           </a:prstGeom>
           <a:noFill/>
+          <a:ln>
+            <a:solidFill>
+              <a:schemeClr val="accent1"/>
+            </a:solidFill>
+          </a:ln>
         </p:spPr>
         <p:txBody>
-          <a:bodyPr wrap="none" rtlCol="0">
+          <a:bodyPr wrap="square" rtlCol="0">
             <a:spAutoFit/>
           </a:bodyPr>
           <a:lstStyle/>
@@ -9248,34 +9698,30 @@
           </a:p>
           <a:p>
             <a:r>
-              <a:rPr lang="en-AU" sz="2000" dirty="0" smtClean="0">
+              <a:rPr lang="en-AU" sz="2000" b="1" dirty="0" smtClean="0">
                 <a:solidFill>
-                  <a:srgbClr val="0F0F7F"/>
+                  <a:schemeClr val="tx2">
+                    <a:lumMod val="60000"/>
+                    <a:lumOff val="40000"/>
+                  </a:schemeClr>
                 </a:solidFill>
                 <a:latin typeface="Arial" panose="020B0604020202020204" pitchFamily="34" charset="0"/>
                 <a:cs typeface="Arial" panose="020B0604020202020204" pitchFamily="34" charset="0"/>
               </a:rPr>
-              <a:t>Its a</a:t>
-            </a:r>
-            <a:r>
-              <a:rPr lang="en-AU" sz="2000" dirty="0" smtClean="0">
+              <a:t>Its an Australian entrepreneurial </a:t>
+            </a:r>
+            <a:r>
+              <a:rPr lang="en-AU" sz="2000" b="1" dirty="0" smtClean="0">
                 <a:solidFill>
-                  <a:srgbClr val="0F0F7F"/>
+                  <a:schemeClr val="tx2">
+                    <a:lumMod val="60000"/>
+                    <a:lumOff val="40000"/>
+                  </a:schemeClr>
                 </a:solidFill>
                 <a:latin typeface="Arial" panose="020B0604020202020204" pitchFamily="34" charset="0"/>
                 <a:cs typeface="Arial" panose="020B0604020202020204" pitchFamily="34" charset="0"/>
               </a:rPr>
-              <a:t>n Australian entrepreneurial endeavour</a:t>
-            </a:r>
-            <a:r>
-              <a:rPr lang="en-AU" u="sng" dirty="0" smtClean="0">
-                <a:solidFill>
-                  <a:srgbClr val="0F0F7F"/>
-                </a:solidFill>
-                <a:latin typeface="Arial" panose="020B0604020202020204" pitchFamily="34" charset="0"/>
-                <a:cs typeface="Arial" panose="020B0604020202020204" pitchFamily="34" charset="0"/>
-              </a:rPr>
-              <a:t>.</a:t>
+              <a:t>endeavour.</a:t>
             </a:r>
             <a:endParaRPr lang="en-AU" u="sng" dirty="0">
               <a:solidFill>
@@ -9296,12 +9742,17 @@
         <p:spPr>
           <a:xfrm>
             <a:off x="1259632" y="2687141"/>
-            <a:ext cx="6156494" cy="1461939"/>
+            <a:ext cx="7372531" cy="1523494"/>
           </a:xfrm>
           <a:prstGeom prst="rect">
             <a:avLst/>
           </a:prstGeom>
           <a:noFill/>
+          <a:ln>
+            <a:solidFill>
+              <a:schemeClr val="accent1"/>
+            </a:solidFill>
+          </a:ln>
         </p:spPr>
         <p:txBody>
           <a:bodyPr wrap="none" rtlCol="0">
@@ -9334,13 +9785,6 @@
               </a:rPr>
               <a:t>.</a:t>
             </a:r>
-            <a:endParaRPr lang="en-AU" sz="1400" dirty="0" smtClean="0">
-              <a:solidFill>
-                <a:srgbClr val="0F0F7F"/>
-              </a:solidFill>
-              <a:latin typeface="Arial" panose="020B0604020202020204" pitchFamily="34" charset="0"/>
-              <a:cs typeface="Arial" panose="020B0604020202020204" pitchFamily="34" charset="0"/>
-            </a:endParaRPr>
           </a:p>
           <a:p>
             <a:pPr>
@@ -9348,9 +9792,12 @@
                 <a:spcPts val="600"/>
               </a:spcAft>
             </a:pPr>
-            <a:endParaRPr lang="en-AU" sz="1400" dirty="0" smtClean="0">
+            <a:endParaRPr lang="en-AU" sz="1400" b="1" dirty="0" smtClean="0">
               <a:solidFill>
-                <a:srgbClr val="0F0F7F"/>
+                <a:schemeClr val="tx2">
+                  <a:lumMod val="60000"/>
+                  <a:lumOff val="40000"/>
+                </a:schemeClr>
               </a:solidFill>
               <a:latin typeface="Arial" panose="020B0604020202020204" pitchFamily="34" charset="0"/>
               <a:cs typeface="Arial" panose="020B0604020202020204" pitchFamily="34" charset="0"/>
@@ -9363,9 +9810,12 @@
               </a:spcAft>
             </a:pPr>
             <a:r>
-              <a:rPr lang="en-AU" dirty="0" smtClean="0">
+              <a:rPr lang="en-AU" sz="2000" b="1" dirty="0" smtClean="0">
                 <a:solidFill>
-                  <a:srgbClr val="0F0F7F"/>
+                  <a:schemeClr val="tx2">
+                    <a:lumMod val="60000"/>
+                    <a:lumOff val="40000"/>
+                  </a:schemeClr>
                 </a:solidFill>
                 <a:latin typeface="Arial" panose="020B0604020202020204" pitchFamily="34" charset="0"/>
                 <a:cs typeface="Arial" panose="020B0604020202020204" pitchFamily="34" charset="0"/>
@@ -9380,22 +9830,18 @@
               </a:spcAft>
             </a:pPr>
             <a:r>
-              <a:rPr lang="en-AU" dirty="0" smtClean="0">
+              <a:rPr lang="en-AU" sz="2000" b="1" dirty="0" smtClean="0">
                 <a:solidFill>
-                  <a:srgbClr val="0F0F7F"/>
+                  <a:schemeClr val="tx2">
+                    <a:lumMod val="60000"/>
+                    <a:lumOff val="40000"/>
+                  </a:schemeClr>
                 </a:solidFill>
                 <a:latin typeface="Arial" panose="020B0604020202020204" pitchFamily="34" charset="0"/>
                 <a:cs typeface="Arial" panose="020B0604020202020204" pitchFamily="34" charset="0"/>
               </a:rPr>
               <a:t>beyond all barriers and boundaries.</a:t>
             </a:r>
-            <a:endParaRPr lang="en-AU" dirty="0" smtClean="0">
-              <a:solidFill>
-                <a:srgbClr val="0F0F7F"/>
-              </a:solidFill>
-              <a:latin typeface="Arial" panose="020B0604020202020204" pitchFamily="34" charset="0"/>
-              <a:cs typeface="Arial" panose="020B0604020202020204" pitchFamily="34" charset="0"/>
-            </a:endParaRPr>
           </a:p>
         </p:txBody>
       </p:sp>
@@ -9438,8 +9884,8 @@
         </p:blipFill>
         <p:spPr bwMode="auto">
           <a:xfrm>
-            <a:off x="6271541" y="116632"/>
-            <a:ext cx="2626800" cy="1183161"/>
+            <a:off x="6264216" y="188640"/>
+            <a:ext cx="2626800" cy="936104"/>
           </a:xfrm>
           <a:prstGeom prst="rect">
             <a:avLst/>
@@ -9523,11 +9969,11 @@
           <p:nvPr/>
         </p:nvPicPr>
         <p:blipFill>
-          <a:blip r:embed="rId2">
+          <a:blip r:embed="rId3">
             <a:extLst>
               <a:ext uri="{BEBA8EAE-BF5A-486C-A8C5-ECC9F3942E4B}">
                 <a14:imgProps xmlns:a14="http://schemas.microsoft.com/office/drawing/2010/main">
-                  <a14:imgLayer r:embed="rId3">
+                  <a14:imgLayer r:embed="rId4">
                     <a14:imgEffect>
                       <a14:sharpenSoften amount="-50000"/>
                     </a14:imgEffect>
@@ -10253,7 +10699,7 @@
           <p:nvPr/>
         </p:nvPicPr>
         <p:blipFill>
-          <a:blip r:embed="rId4">
+          <a:blip r:embed="rId5">
             <a:extLst>
               <a:ext uri="{28A0092B-C50C-407E-A947-70E740481C1C}">
                 <a14:useLocalDpi xmlns:a14="http://schemas.microsoft.com/office/drawing/2010/main" val="0"/>
@@ -10386,8 +10832,8 @@
         </p:nvSpPr>
         <p:spPr>
           <a:xfrm>
-            <a:off x="1950819" y="323364"/>
-            <a:ext cx="1685077" cy="369332"/>
+            <a:off x="3534995" y="323364"/>
+            <a:ext cx="1848583" cy="400110"/>
           </a:xfrm>
           <a:prstGeom prst="rect">
             <a:avLst/>
@@ -10401,19 +10847,33 @@
           <a:lstStyle/>
           <a:p>
             <a:r>
-              <a:rPr lang="en-AU" b="1" dirty="0" smtClean="0">
+              <a:rPr lang="en-AU" sz="2000" b="1" u="sng" dirty="0" smtClean="0">
                 <a:solidFill>
                   <a:srgbClr val="0F0F7F"/>
                 </a:solidFill>
+                <a:effectLst>
+                  <a:outerShdw blurRad="38100" dist="38100" dir="2700000" algn="tl">
+                    <a:srgbClr val="000000">
+                      <a:alpha val="43137"/>
+                    </a:srgbClr>
+                  </a:outerShdw>
+                </a:effectLst>
                 <a:latin typeface="Arial" panose="020B0604020202020204" pitchFamily="34" charset="0"/>
                 <a:cs typeface="Arial" panose="020B0604020202020204" pitchFamily="34" charset="0"/>
               </a:rPr>
               <a:t>How it works:</a:t>
             </a:r>
-            <a:endParaRPr lang="en-AU" b="1" dirty="0">
+            <a:endParaRPr lang="en-AU" sz="2000" b="1" u="sng" dirty="0">
               <a:solidFill>
                 <a:srgbClr val="0F0F7F"/>
               </a:solidFill>
+              <a:effectLst>
+                <a:outerShdw blurRad="38100" dist="38100" dir="2700000" algn="tl">
+                  <a:srgbClr val="000000">
+                    <a:alpha val="43137"/>
+                  </a:srgbClr>
+                </a:outerShdw>
+              </a:effectLst>
               <a:latin typeface="Arial" panose="020B0604020202020204" pitchFamily="34" charset="0"/>
               <a:cs typeface="Arial" panose="020B0604020202020204" pitchFamily="34" charset="0"/>
             </a:endParaRPr>
@@ -10429,7 +10889,7 @@
           <p:nvPr/>
         </p:nvPicPr>
         <p:blipFill>
-          <a:blip r:embed="rId5" cstate="print">
+          <a:blip r:embed="rId6" cstate="print">
             <a:extLst>
               <a:ext uri="{28A0092B-C50C-407E-A947-70E740481C1C}">
                 <a14:useLocalDpi xmlns:a14="http://schemas.microsoft.com/office/drawing/2010/main" val="0"/>
@@ -10443,8 +10903,8 @@
         </p:blipFill>
         <p:spPr bwMode="auto">
           <a:xfrm flipH="1">
-            <a:off x="519221" y="836712"/>
-            <a:ext cx="668403" cy="1124308"/>
+            <a:off x="395536" y="836712"/>
+            <a:ext cx="792088" cy="1332356"/>
           </a:xfrm>
           <a:prstGeom prst="rect">
             <a:avLst/>
@@ -10483,7 +10943,7 @@
           <p:nvPr/>
         </p:nvPicPr>
         <p:blipFill>
-          <a:blip r:embed="rId6">
+          <a:blip r:embed="rId7">
             <a:extLst>
               <a:ext uri="{28A0092B-C50C-407E-A947-70E740481C1C}">
                 <a14:useLocalDpi xmlns:a14="http://schemas.microsoft.com/office/drawing/2010/main" val="0"/>
@@ -10497,8 +10957,8 @@
         </p:blipFill>
         <p:spPr bwMode="auto">
           <a:xfrm>
-            <a:off x="586612" y="2825387"/>
-            <a:ext cx="817036" cy="1179677"/>
+            <a:off x="483851" y="2893040"/>
+            <a:ext cx="919797" cy="1328048"/>
           </a:xfrm>
           <a:prstGeom prst="rect">
             <a:avLst/>
@@ -10591,10 +11051,18 @@
           <a:lstStyle/>
           <a:p>
             <a:r>
-              <a:rPr lang="en-AU" sz="1400" dirty="0" smtClean="0"/>
+              <a:rPr lang="en-AU" sz="1400" dirty="0" smtClean="0">
+                <a:solidFill>
+                  <a:schemeClr val="bg1"/>
+                </a:solidFill>
+              </a:rPr>
               <a:t>Uploading videos , test papers</a:t>
             </a:r>
-            <a:endParaRPr lang="en-AU" sz="1400" dirty="0"/>
+            <a:endParaRPr lang="en-AU" sz="1400" dirty="0">
+              <a:solidFill>
+                <a:schemeClr val="bg1"/>
+              </a:solidFill>
+            </a:endParaRPr>
           </a:p>
         </p:txBody>
       </p:sp>
@@ -10607,7 +11075,7 @@
           <p:nvPr/>
         </p:nvPicPr>
         <p:blipFill>
-          <a:blip r:embed="rId7" cstate="print">
+          <a:blip r:embed="rId8" cstate="print">
             <a:extLst>
               <a:ext uri="{28A0092B-C50C-407E-A947-70E740481C1C}">
                 <a14:useLocalDpi xmlns:a14="http://schemas.microsoft.com/office/drawing/2010/main" val="0"/>
@@ -10621,8 +11089,8 @@
         </p:blipFill>
         <p:spPr bwMode="auto">
           <a:xfrm>
-            <a:off x="395536" y="2259941"/>
-            <a:ext cx="831566" cy="448979"/>
+            <a:off x="-36200" y="2143304"/>
+            <a:ext cx="1349820" cy="728795"/>
           </a:xfrm>
           <a:prstGeom prst="rect">
             <a:avLst/>
@@ -10702,10 +11170,18 @@
           <a:lstStyle/>
           <a:p>
             <a:r>
-              <a:rPr lang="en-AU" sz="1400" dirty="0" smtClean="0"/>
+              <a:rPr lang="en-AU" sz="1400" dirty="0" smtClean="0">
+                <a:solidFill>
+                  <a:schemeClr val="bg1"/>
+                </a:solidFill>
+              </a:rPr>
               <a:t>Grading/feedback</a:t>
             </a:r>
-            <a:endParaRPr lang="en-AU" sz="1400" dirty="0"/>
+            <a:endParaRPr lang="en-AU" sz="1400" dirty="0">
+              <a:solidFill>
+                <a:schemeClr val="bg1"/>
+              </a:solidFill>
+            </a:endParaRPr>
           </a:p>
         </p:txBody>
       </p:sp>
@@ -10772,10 +11248,18 @@
           <a:lstStyle/>
           <a:p>
             <a:r>
-              <a:rPr lang="en-AU" sz="1400" dirty="0" smtClean="0"/>
+              <a:rPr lang="en-AU" sz="1400" dirty="0" smtClean="0">
+                <a:solidFill>
+                  <a:schemeClr val="bg1"/>
+                </a:solidFill>
+              </a:rPr>
               <a:t>Answering queries as blogging</a:t>
             </a:r>
-            <a:endParaRPr lang="en-AU" sz="1400" dirty="0"/>
+            <a:endParaRPr lang="en-AU" sz="1400" dirty="0">
+              <a:solidFill>
+                <a:schemeClr val="bg1"/>
+              </a:solidFill>
+            </a:endParaRPr>
           </a:p>
         </p:txBody>
       </p:sp>
@@ -10788,7 +11272,7 @@
           <p:nvPr/>
         </p:nvPicPr>
         <p:blipFill>
-          <a:blip r:embed="rId8">
+          <a:blip r:embed="rId9">
             <a:extLst>
               <a:ext uri="{28A0092B-C50C-407E-A947-70E740481C1C}">
                 <a14:useLocalDpi xmlns:a14="http://schemas.microsoft.com/office/drawing/2010/main" val="0"/>
@@ -10822,101 +11306,6 @@
       </p:pic>
       <p:pic>
         <p:nvPicPr>
-          <p:cNvPr id="1035" name="Picture 11"/>
-          <p:cNvPicPr>
-            <a:picLocks noChangeAspect="1" noChangeArrowheads="1"/>
-          </p:cNvPicPr>
-          <p:nvPr/>
-        </p:nvPicPr>
-        <p:blipFill>
-          <a:blip r:embed="rId9">
-            <a:extLst>
-              <a:ext uri="{28A0092B-C50C-407E-A947-70E740481C1C}">
-                <a14:useLocalDpi xmlns:a14="http://schemas.microsoft.com/office/drawing/2010/main" val="0"/>
-              </a:ext>
-            </a:extLst>
-          </a:blip>
-          <a:srcRect/>
-          <a:stretch>
-            <a:fillRect/>
-          </a:stretch>
-        </p:blipFill>
-        <p:spPr bwMode="auto">
-          <a:xfrm>
-            <a:off x="7380312" y="341784"/>
-            <a:ext cx="1207537" cy="1575048"/>
-          </a:xfrm>
-          <a:prstGeom prst="rect">
-            <a:avLst/>
-          </a:prstGeom>
-          <a:noFill/>
-          <a:ln>
-            <a:noFill/>
-          </a:ln>
-          <a:extLst>
-            <a:ext uri="{909E8E84-426E-40DD-AFC4-6F175D3DCCD1}">
-              <a14:hiddenFill xmlns:a14="http://schemas.microsoft.com/office/drawing/2010/main">
-                <a:solidFill>
-                  <a:schemeClr val="accent1"/>
-                </a:solidFill>
-              </a14:hiddenFill>
-            </a:ext>
-            <a:ext uri="{91240B29-F687-4F45-9708-019B960494DF}">
-              <a14:hiddenLine xmlns:a14="http://schemas.microsoft.com/office/drawing/2010/main" w="9525">
-                <a:solidFill>
-                  <a:schemeClr val="tx1"/>
-                </a:solidFill>
-                <a:miter lim="800000"/>
-                <a:headEnd/>
-                <a:tailEnd/>
-              </a14:hiddenLine>
-            </a:ext>
-          </a:extLst>
-        </p:spPr>
-      </p:pic>
-      <p:pic>
-        <p:nvPicPr>
-          <p:cNvPr id="29" name="Picture 9" descr="D:\Anodiam\Docs\ProjectExecution\BA\presentation\student girl 2.jpg"/>
-          <p:cNvPicPr>
-            <a:picLocks noChangeAspect="1" noChangeArrowheads="1"/>
-          </p:cNvPicPr>
-          <p:nvPr/>
-        </p:nvPicPr>
-        <p:blipFill>
-          <a:blip r:embed="rId8">
-            <a:extLst>
-              <a:ext uri="{28A0092B-C50C-407E-A947-70E740481C1C}">
-                <a14:useLocalDpi xmlns:a14="http://schemas.microsoft.com/office/drawing/2010/main" val="0"/>
-              </a:ext>
-            </a:extLst>
-          </a:blip>
-          <a:srcRect/>
-          <a:stretch>
-            <a:fillRect/>
-          </a:stretch>
-        </p:blipFill>
-        <p:spPr bwMode="auto">
-          <a:xfrm>
-            <a:off x="7441333" y="2333396"/>
-            <a:ext cx="1523155" cy="1599660"/>
-          </a:xfrm>
-          <a:prstGeom prst="rect">
-            <a:avLst/>
-          </a:prstGeom>
-          <a:noFill/>
-          <a:extLst>
-            <a:ext uri="{909E8E84-426E-40DD-AFC4-6F175D3DCCD1}">
-              <a14:hiddenFill xmlns:a14="http://schemas.microsoft.com/office/drawing/2010/main">
-                <a:solidFill>
-                  <a:srgbClr val="FFFFFF"/>
-                </a:solidFill>
-              </a14:hiddenFill>
-            </a:ext>
-          </a:extLst>
-        </p:spPr>
-      </p:pic>
-      <p:pic>
-        <p:nvPicPr>
           <p:cNvPr id="30" name="Picture 11"/>
           <p:cNvPicPr>
             <a:picLocks noChangeAspect="1" noChangeArrowheads="1"/>
@@ -10924,7 +11313,7 @@
           <p:nvPr/>
         </p:nvPicPr>
         <p:blipFill>
-          <a:blip r:embed="rId9">
+          <a:blip r:embed="rId10">
             <a:extLst>
               <a:ext uri="{28A0092B-C50C-407E-A947-70E740481C1C}">
                 <a14:useLocalDpi xmlns:a14="http://schemas.microsoft.com/office/drawing/2010/main" val="0"/>
@@ -11007,7 +11396,7 @@
         </p:nvSpPr>
         <p:spPr>
           <a:xfrm>
-            <a:off x="7380312" y="4098558"/>
+            <a:off x="7380312" y="3861048"/>
             <a:ext cx="1944216" cy="338554"/>
           </a:xfrm>
           <a:prstGeom prst="rect">
@@ -11023,7 +11412,11 @@
           <a:p>
             <a:r>
               <a:rPr lang="en-AU" sz="1600" dirty="0" smtClean="0"/>
-              <a:t>Study anywhere</a:t>
+              <a:t>Study </a:t>
+            </a:r>
+            <a:r>
+              <a:rPr lang="en-AU" sz="1600" dirty="0" smtClean="0"/>
+              <a:t>anywhere</a:t>
             </a:r>
             <a:endParaRPr lang="en-AU" sz="1600" dirty="0"/>
           </a:p>
@@ -11053,7 +11446,11 @@
           <a:p>
             <a:r>
               <a:rPr lang="en-AU" sz="1600" dirty="0" smtClean="0"/>
-              <a:t>Study at your pace</a:t>
+              <a:t>Study at </a:t>
+            </a:r>
+            <a:r>
+              <a:rPr lang="en-AU" sz="1600" dirty="0" smtClean="0"/>
+              <a:t>your pace</a:t>
             </a:r>
             <a:endParaRPr lang="en-AU" sz="1600" dirty="0"/>
           </a:p>
@@ -11152,10 +11549,18 @@
           <a:lstStyle/>
           <a:p>
             <a:r>
-              <a:rPr lang="en-AU" sz="1400" dirty="0" smtClean="0"/>
+              <a:rPr lang="en-AU" sz="1400" dirty="0" smtClean="0">
+                <a:solidFill>
+                  <a:schemeClr val="bg1"/>
+                </a:solidFill>
+              </a:rPr>
               <a:t>Rating teachers</a:t>
             </a:r>
-            <a:endParaRPr lang="en-AU" sz="1400" dirty="0"/>
+            <a:endParaRPr lang="en-AU" sz="1400" dirty="0">
+              <a:solidFill>
+                <a:schemeClr val="bg1"/>
+              </a:solidFill>
+            </a:endParaRPr>
           </a:p>
         </p:txBody>
       </p:sp>
@@ -11222,10 +11627,18 @@
           <a:lstStyle/>
           <a:p>
             <a:r>
-              <a:rPr lang="en-AU" sz="1400" dirty="0" smtClean="0"/>
+              <a:rPr lang="en-AU" sz="1400" dirty="0" smtClean="0">
+                <a:solidFill>
+                  <a:schemeClr val="bg1"/>
+                </a:solidFill>
+              </a:rPr>
               <a:t>Ongoing process</a:t>
             </a:r>
-            <a:endParaRPr lang="en-AU" sz="1400" dirty="0"/>
+            <a:endParaRPr lang="en-AU" sz="1400" dirty="0">
+              <a:solidFill>
+                <a:schemeClr val="bg1"/>
+              </a:solidFill>
+            </a:endParaRPr>
           </a:p>
         </p:txBody>
       </p:sp>
@@ -11259,6 +11672,168 @@
           </a:p>
         </p:txBody>
       </p:sp>
+      <p:pic>
+        <p:nvPicPr>
+          <p:cNvPr id="1026" name="Picture 2"/>
+          <p:cNvPicPr>
+            <a:picLocks noChangeAspect="1" noChangeArrowheads="1"/>
+          </p:cNvPicPr>
+          <p:nvPr/>
+        </p:nvPicPr>
+        <p:blipFill>
+          <a:blip r:embed="rId11">
+            <a:extLst>
+              <a:ext uri="{28A0092B-C50C-407E-A947-70E740481C1C}">
+                <a14:useLocalDpi xmlns:a14="http://schemas.microsoft.com/office/drawing/2010/main" val="0"/>
+              </a:ext>
+            </a:extLst>
+          </a:blip>
+          <a:srcRect/>
+          <a:stretch>
+            <a:fillRect/>
+          </a:stretch>
+        </p:blipFill>
+        <p:spPr bwMode="auto">
+          <a:xfrm>
+            <a:off x="7330087" y="546279"/>
+            <a:ext cx="1298444" cy="1363662"/>
+          </a:xfrm>
+          <a:prstGeom prst="rect">
+            <a:avLst/>
+          </a:prstGeom>
+          <a:noFill/>
+          <a:ln>
+            <a:noFill/>
+          </a:ln>
+          <a:extLst>
+            <a:ext uri="{909E8E84-426E-40DD-AFC4-6F175D3DCCD1}">
+              <a14:hiddenFill xmlns:a14="http://schemas.microsoft.com/office/drawing/2010/main">
+                <a:solidFill>
+                  <a:schemeClr val="accent1"/>
+                </a:solidFill>
+              </a14:hiddenFill>
+            </a:ext>
+            <a:ext uri="{91240B29-F687-4F45-9708-019B960494DF}">
+              <a14:hiddenLine xmlns:a14="http://schemas.microsoft.com/office/drawing/2010/main" w="9525">
+                <a:solidFill>
+                  <a:schemeClr val="tx1"/>
+                </a:solidFill>
+                <a:miter lim="800000"/>
+                <a:headEnd/>
+                <a:tailEnd/>
+              </a14:hiddenLine>
+            </a:ext>
+          </a:extLst>
+        </p:spPr>
+      </p:pic>
+      <p:pic>
+        <p:nvPicPr>
+          <p:cNvPr id="1028" name="Picture 4"/>
+          <p:cNvPicPr>
+            <a:picLocks noChangeAspect="1" noChangeArrowheads="1"/>
+          </p:cNvPicPr>
+          <p:nvPr/>
+        </p:nvPicPr>
+        <p:blipFill>
+          <a:blip r:embed="rId12" cstate="print">
+            <a:extLst>
+              <a:ext uri="{28A0092B-C50C-407E-A947-70E740481C1C}">
+                <a14:useLocalDpi xmlns:a14="http://schemas.microsoft.com/office/drawing/2010/main" val="0"/>
+              </a:ext>
+            </a:extLst>
+          </a:blip>
+          <a:srcRect/>
+          <a:stretch>
+            <a:fillRect/>
+          </a:stretch>
+        </p:blipFill>
+        <p:spPr bwMode="auto">
+          <a:xfrm>
+            <a:off x="7022954" y="2436129"/>
+            <a:ext cx="2013542" cy="1424919"/>
+          </a:xfrm>
+          <a:prstGeom prst="rect">
+            <a:avLst/>
+          </a:prstGeom>
+          <a:noFill/>
+          <a:ln>
+            <a:noFill/>
+          </a:ln>
+          <a:extLst>
+            <a:ext uri="{909E8E84-426E-40DD-AFC4-6F175D3DCCD1}">
+              <a14:hiddenFill xmlns:a14="http://schemas.microsoft.com/office/drawing/2010/main">
+                <a:solidFill>
+                  <a:schemeClr val="accent1"/>
+                </a:solidFill>
+              </a14:hiddenFill>
+            </a:ext>
+            <a:ext uri="{91240B29-F687-4F45-9708-019B960494DF}">
+              <a14:hiddenLine xmlns:a14="http://schemas.microsoft.com/office/drawing/2010/main" w="9525">
+                <a:solidFill>
+                  <a:schemeClr val="tx1"/>
+                </a:solidFill>
+                <a:miter lim="800000"/>
+                <a:headEnd/>
+                <a:tailEnd/>
+              </a14:hiddenLine>
+            </a:ext>
+          </a:extLst>
+        </p:spPr>
+      </p:pic>
+      <p:pic>
+        <p:nvPicPr>
+          <p:cNvPr id="1029" name="Picture 5"/>
+          <p:cNvPicPr>
+            <a:picLocks noChangeAspect="1" noChangeArrowheads="1"/>
+          </p:cNvPicPr>
+          <p:nvPr/>
+        </p:nvPicPr>
+        <p:blipFill>
+          <a:blip r:embed="rId13">
+            <a:extLst>
+              <a:ext uri="{28A0092B-C50C-407E-A947-70E740481C1C}">
+                <a14:useLocalDpi xmlns:a14="http://schemas.microsoft.com/office/drawing/2010/main" val="0"/>
+              </a:ext>
+            </a:extLst>
+          </a:blip>
+          <a:srcRect/>
+          <a:stretch>
+            <a:fillRect/>
+          </a:stretch>
+        </p:blipFill>
+        <p:spPr bwMode="auto">
+          <a:xfrm>
+            <a:off x="3898172" y="2060848"/>
+            <a:ext cx="1226740" cy="1377190"/>
+          </a:xfrm>
+          <a:prstGeom prst="rect">
+            <a:avLst/>
+          </a:prstGeom>
+          <a:noFill/>
+          <a:ln>
+            <a:noFill/>
+          </a:ln>
+          <a:extLst>
+            <a:ext uri="{909E8E84-426E-40DD-AFC4-6F175D3DCCD1}">
+              <a14:hiddenFill xmlns:a14="http://schemas.microsoft.com/office/drawing/2010/main">
+                <a:solidFill>
+                  <a:schemeClr val="accent1"/>
+                </a:solidFill>
+              </a14:hiddenFill>
+            </a:ext>
+            <a:ext uri="{91240B29-F687-4F45-9708-019B960494DF}">
+              <a14:hiddenLine xmlns:a14="http://schemas.microsoft.com/office/drawing/2010/main" w="9525">
+                <a:solidFill>
+                  <a:schemeClr val="tx1"/>
+                </a:solidFill>
+                <a:miter lim="800000"/>
+                <a:headEnd/>
+                <a:tailEnd/>
+              </a14:hiddenLine>
+            </a:ext>
+          </a:extLst>
+        </p:spPr>
+      </p:pic>
     </p:spTree>
     <p:extLst>
       <p:ext uri="{BB962C8B-B14F-4D97-AF65-F5344CB8AC3E}">
@@ -12202,8 +12777,8 @@
         </p:blipFill>
         <p:spPr bwMode="auto">
           <a:xfrm>
-            <a:off x="4644008" y="476672"/>
-            <a:ext cx="3374874" cy="3390869"/>
+            <a:off x="5076056" y="260648"/>
+            <a:ext cx="4067944" cy="4087224"/>
           </a:xfrm>
           <a:prstGeom prst="rect">
             <a:avLst/>
@@ -12241,15 +12816,15 @@
         </p:nvSpPr>
         <p:spPr>
           <a:xfrm>
-            <a:off x="5040560" y="836712"/>
-            <a:ext cx="4572000" cy="2585323"/>
+            <a:off x="5112568" y="965627"/>
+            <a:ext cx="4860032" cy="2585323"/>
           </a:xfrm>
           <a:prstGeom prst="rect">
             <a:avLst/>
           </a:prstGeom>
         </p:spPr>
         <p:txBody>
-          <a:bodyPr>
+          <a:bodyPr wrap="square">
             <a:spAutoFit/>
           </a:bodyPr>
           <a:lstStyle/>
@@ -12265,135 +12840,121 @@
             </a:endParaRPr>
           </a:p>
           <a:p>
-            <a:pPr marL="285750" indent="-285750">
+            <a:pPr marL="342900" indent="-342900">
               <a:buFont typeface="Wingdings" panose="05000000000000000000" pitchFamily="2" charset="2"/>
-              <a:buChar char="Ø"/>
+              <a:buChar char="!"/>
             </a:pPr>
             <a:r>
-              <a:rPr lang="en-AU" b="1" dirty="0" smtClean="0">
+              <a:rPr lang="en-AU" sz="2400" b="1" dirty="0">
                 <a:solidFill>
-                  <a:srgbClr val="0F0F7F"/>
+                  <a:srgbClr val="2F2FAF"/>
                 </a:solidFill>
               </a:rPr>
-              <a:t>Ongoing income</a:t>
-            </a:r>
-          </a:p>
-          <a:p>
-            <a:pPr marL="285750" indent="-285750">
+              <a:t>Ongoing income opportunity</a:t>
+            </a:r>
+          </a:p>
+          <a:p>
+            <a:pPr marL="342900" indent="-342900">
               <a:buFont typeface="Wingdings" panose="05000000000000000000" pitchFamily="2" charset="2"/>
-              <a:buChar char="Ø"/>
+              <a:buChar char="!"/>
             </a:pPr>
             <a:r>
-              <a:rPr lang="en-AU" b="1" dirty="0" smtClean="0">
+              <a:rPr lang="en-AU" sz="2400" b="1" dirty="0" smtClean="0">
                 <a:solidFill>
-                  <a:srgbClr val="0F0F7F"/>
+                  <a:srgbClr val="2F2FAF"/>
                 </a:solidFill>
               </a:rPr>
-              <a:t>Unlimited income </a:t>
-            </a:r>
-          </a:p>
-          <a:p>
-            <a:r>
-              <a:rPr lang="en-AU" b="1" dirty="0" smtClean="0">
+              <a:t>Money and time freedom</a:t>
+            </a:r>
+          </a:p>
+          <a:p>
+            <a:pPr marL="342900" indent="-342900">
+              <a:buFont typeface="Wingdings" panose="05000000000000000000" pitchFamily="2" charset="2"/>
+              <a:buChar char="!"/>
+            </a:pPr>
+            <a:r>
+              <a:rPr lang="en-AU" sz="2400" b="1" dirty="0" smtClean="0">
                 <a:solidFill>
-                  <a:srgbClr val="0F0F7F"/>
-                </a:solidFill>
-              </a:rPr>
-              <a:t>     opportunity</a:t>
-            </a:r>
-            <a:endParaRPr lang="en-AU" b="1" dirty="0">
-              <a:solidFill>
-                <a:srgbClr val="0F0F7F"/>
-              </a:solidFill>
-            </a:endParaRPr>
-          </a:p>
-          <a:p>
-            <a:pPr marL="285750" indent="-285750">
-              <a:buFont typeface="Wingdings" panose="05000000000000000000" pitchFamily="2" charset="2"/>
-              <a:buChar char="Ø"/>
-            </a:pPr>
-            <a:r>
-              <a:rPr lang="en-AU" b="1" dirty="0">
-                <a:solidFill>
-                  <a:srgbClr val="0F0F7F"/>
+                  <a:srgbClr val="2F2FAF"/>
                 </a:solidFill>
               </a:rPr>
               <a:t>No </a:t>
             </a:r>
             <a:r>
-              <a:rPr lang="en-AU" b="1" dirty="0" smtClean="0">
+              <a:rPr lang="en-AU" sz="2400" b="1" dirty="0">
                 <a:solidFill>
-                  <a:srgbClr val="0F0F7F"/>
+                  <a:srgbClr val="2F2FAF"/>
                 </a:solidFill>
               </a:rPr>
               <a:t>repetitive work</a:t>
             </a:r>
-            <a:endParaRPr lang="en-AU" b="1" dirty="0">
+            <a:endParaRPr lang="en-AU" sz="2400" b="1" dirty="0">
               <a:solidFill>
-                <a:srgbClr val="0F0F7F"/>
+                <a:srgbClr val="2F2FAF"/>
               </a:solidFill>
             </a:endParaRPr>
           </a:p>
           <a:p>
-            <a:pPr marL="285750" indent="-285750">
+            <a:pPr marL="342900" indent="-342900">
               <a:buFont typeface="Wingdings" panose="05000000000000000000" pitchFamily="2" charset="2"/>
-              <a:buChar char="Ø"/>
+              <a:buChar char="!"/>
             </a:pPr>
             <a:r>
-              <a:rPr lang="en-AU" b="1" dirty="0">
+              <a:rPr lang="en-AU" sz="2400" b="1" dirty="0">
                 <a:solidFill>
-                  <a:srgbClr val="0F0F7F"/>
+                  <a:srgbClr val="2F2FAF"/>
                 </a:solidFill>
               </a:rPr>
-              <a:t>One time upload</a:t>
-            </a:r>
-          </a:p>
-          <a:p>
-            <a:pPr marL="285750" indent="-285750">
-              <a:buFont typeface="Wingdings" panose="05000000000000000000" pitchFamily="2" charset="2"/>
-              <a:buChar char="Ø"/>
-            </a:pPr>
-            <a:r>
-              <a:rPr lang="en-AU" b="1" dirty="0">
+              <a:t>One time </a:t>
+            </a:r>
+            <a:r>
+              <a:rPr lang="en-AU" sz="2400" b="1" dirty="0">
                 <a:solidFill>
-                  <a:srgbClr val="0F0F7F"/>
+                  <a:srgbClr val="2F2FAF"/>
                 </a:solidFill>
               </a:rPr>
-              <a:t>More quality work</a:t>
-            </a:r>
-          </a:p>
-          <a:p>
-            <a:pPr marL="285750" indent="-285750">
-              <a:buFont typeface="Wingdings" panose="05000000000000000000" pitchFamily="2" charset="2"/>
-              <a:buChar char="Ø"/>
-            </a:pPr>
-            <a:r>
-              <a:rPr lang="en-AU" b="1" dirty="0">
+              <a:t>upload with the </a:t>
+            </a:r>
+          </a:p>
+          <a:p>
+            <a:r>
+              <a:rPr lang="en-AU" sz="2400" b="1" dirty="0">
                 <a:solidFill>
-                  <a:srgbClr val="0F0F7F"/>
+                  <a:srgbClr val="2F2FAF"/>
                 </a:solidFill>
               </a:rPr>
-              <a:t>Job satisfaction</a:t>
-            </a:r>
-          </a:p>
-          <a:p>
-            <a:pPr marL="285750" indent="-285750">
-              <a:buFont typeface="Wingdings" panose="05000000000000000000" pitchFamily="2" charset="2"/>
-              <a:buChar char="Ø"/>
-            </a:pPr>
-            <a:r>
-              <a:rPr lang="en-AU" b="1" dirty="0">
+              <a:t> </a:t>
+            </a:r>
+            <a:r>
+              <a:rPr lang="en-AU" sz="2400" b="1" dirty="0" smtClean="0">
                 <a:solidFill>
-                  <a:srgbClr val="0F0F7F"/>
+                  <a:srgbClr val="2F2FAF"/>
                 </a:solidFill>
               </a:rPr>
-              <a:t>More family time </a:t>
-            </a:r>
-            <a:endParaRPr lang="en-AU" b="1" dirty="0">
-              <a:solidFill>
-                <a:srgbClr val="0F0F7F"/>
-              </a:solidFill>
-            </a:endParaRPr>
+              <a:t>     best quality work</a:t>
+            </a:r>
+          </a:p>
+          <a:p>
+            <a:pPr marL="342900" indent="-342900">
+              <a:buFont typeface="Wingdings" panose="05000000000000000000" pitchFamily="2" charset="2"/>
+              <a:buChar char="!"/>
+            </a:pPr>
+            <a:r>
+              <a:rPr lang="en-AU" sz="2400" b="1" dirty="0" smtClean="0">
+                <a:solidFill>
+                  <a:srgbClr val="2F2FAF"/>
+                </a:solidFill>
+              </a:rPr>
+              <a:t>Job </a:t>
+            </a:r>
+            <a:r>
+              <a:rPr lang="en-AU" sz="2400" b="1" dirty="0">
+                <a:solidFill>
+                  <a:srgbClr val="2F2FAF"/>
+                </a:solidFill>
+              </a:rPr>
+              <a:t>satisfaction</a:t>
+            </a:r>
           </a:p>
         </p:txBody>
       </p:sp>
@@ -12420,7 +12981,7 @@
         </p:blipFill>
         <p:spPr bwMode="auto">
           <a:xfrm>
-            <a:off x="323528" y="1196752"/>
+            <a:off x="414908" y="1196752"/>
             <a:ext cx="4229100" cy="2295525"/>
           </a:xfrm>
           <a:prstGeom prst="rect">
@@ -12460,7 +13021,7 @@
         <p:spPr>
           <a:xfrm>
             <a:off x="2664296" y="332656"/>
-            <a:ext cx="4572000" cy="646331"/>
+            <a:ext cx="4572000" cy="677108"/>
           </a:xfrm>
           <a:prstGeom prst="rect">
             <a:avLst/>
@@ -12473,12 +13034,36 @@
           <a:lstStyle/>
           <a:p>
             <a:r>
-              <a:rPr lang="en-AU" b="1" u="sng" dirty="0">
+              <a:rPr lang="en-AU" sz="2000" b="1" u="sng" dirty="0">
                 <a:solidFill>
                   <a:srgbClr val="0F0F7F"/>
                 </a:solidFill>
+                <a:effectLst>
+                  <a:outerShdw blurRad="38100" dist="38100" dir="2700000" algn="tl">
+                    <a:srgbClr val="000000">
+                      <a:alpha val="43137"/>
+                    </a:srgbClr>
+                  </a:outerShdw>
+                </a:effectLst>
+                <a:latin typeface="Arial" panose="020B0604020202020204" pitchFamily="34" charset="0"/>
+                <a:cs typeface="Arial" panose="020B0604020202020204" pitchFamily="34" charset="0"/>
               </a:rPr>
-              <a:t>Benefits for the teachers:</a:t>
+              <a:t>Benefits for the teachers</a:t>
+            </a:r>
+            <a:r>
+              <a:rPr lang="en-AU" sz="2000" b="1" u="sng" dirty="0">
+                <a:solidFill>
+                  <a:srgbClr val="0F0F7F"/>
+                </a:solidFill>
+                <a:effectLst>
+                  <a:outerShdw blurRad="38100" dist="38100" dir="2700000" algn="tl">
+                    <a:srgbClr val="000000">
+                      <a:alpha val="43137"/>
+                    </a:srgbClr>
+                  </a:outerShdw>
+                </a:effectLst>
+              </a:rPr>
+              <a:t>:</a:t>
             </a:r>
           </a:p>
           <a:p>
@@ -13454,8 +14039,8 @@
         </p:blipFill>
         <p:spPr bwMode="auto">
           <a:xfrm>
-            <a:off x="3804474" y="188640"/>
-            <a:ext cx="1487606" cy="1641617"/>
+            <a:off x="4203185" y="640319"/>
+            <a:ext cx="1744027" cy="1924585"/>
           </a:xfrm>
           <a:prstGeom prst="rect">
             <a:avLst/>
@@ -13591,14 +14176,14 @@
             <a:r>
               <a:rPr lang="en-AU" dirty="0" smtClean="0">
                 <a:solidFill>
-                  <a:schemeClr val="tx1"/>
+                  <a:schemeClr val="bg1"/>
                 </a:solidFill>
               </a:rPr>
               <a:t>Maths</a:t>
             </a:r>
             <a:endParaRPr lang="en-AU" dirty="0">
               <a:solidFill>
-                <a:schemeClr val="tx1"/>
+                <a:schemeClr val="bg1"/>
               </a:solidFill>
             </a:endParaRPr>
           </a:p>
@@ -13627,10 +14212,18 @@
           <a:lstStyle/>
           <a:p>
             <a:r>
-              <a:rPr lang="en-AU" dirty="0" smtClean="0"/>
+              <a:rPr lang="en-AU" dirty="0" smtClean="0">
+                <a:solidFill>
+                  <a:schemeClr val="bg1"/>
+                </a:solidFill>
+              </a:rPr>
               <a:t>Life Science</a:t>
             </a:r>
-            <a:endParaRPr lang="en-AU" dirty="0"/>
+            <a:endParaRPr lang="en-AU" dirty="0">
+              <a:solidFill>
+                <a:schemeClr val="bg1"/>
+              </a:solidFill>
+            </a:endParaRPr>
           </a:p>
         </p:txBody>
       </p:sp>
@@ -13657,14 +14250,26 @@
           <a:lstStyle/>
           <a:p>
             <a:r>
-              <a:rPr lang="en-AU" dirty="0" smtClean="0"/>
+              <a:rPr lang="en-AU" dirty="0" smtClean="0">
+                <a:solidFill>
+                  <a:schemeClr val="bg1"/>
+                </a:solidFill>
+              </a:rPr>
               <a:t>Physical </a:t>
             </a:r>
             <a:r>
-              <a:rPr lang="en-AU" dirty="0" err="1" smtClean="0"/>
+              <a:rPr lang="en-AU" dirty="0" err="1" smtClean="0">
+                <a:solidFill>
+                  <a:schemeClr val="bg1"/>
+                </a:solidFill>
+              </a:rPr>
               <a:t>Sc</a:t>
             </a:r>
-            <a:endParaRPr lang="en-AU" dirty="0"/>
+            <a:endParaRPr lang="en-AU" dirty="0">
+              <a:solidFill>
+                <a:schemeClr val="bg1"/>
+              </a:solidFill>
+            </a:endParaRPr>
           </a:p>
         </p:txBody>
       </p:sp>
@@ -13716,7 +14321,7 @@
         </p:nvSpPr>
         <p:spPr>
           <a:xfrm>
-            <a:off x="2267744" y="1412776"/>
+            <a:off x="2339752" y="1412776"/>
             <a:ext cx="1008112" cy="369332"/>
           </a:xfrm>
           <a:prstGeom prst="rect">
@@ -13731,10 +14336,18 @@
           <a:lstStyle/>
           <a:p>
             <a:r>
-              <a:rPr lang="en-AU" dirty="0" smtClean="0"/>
+              <a:rPr lang="en-AU" dirty="0" smtClean="0">
+                <a:solidFill>
+                  <a:schemeClr val="bg1"/>
+                </a:solidFill>
+              </a:rPr>
               <a:t>Class 9</a:t>
             </a:r>
-            <a:endParaRPr lang="en-AU" dirty="0"/>
+            <a:endParaRPr lang="en-AU" dirty="0">
+              <a:solidFill>
+                <a:schemeClr val="bg1"/>
+              </a:solidFill>
+            </a:endParaRPr>
           </a:p>
         </p:txBody>
       </p:sp>
@@ -13761,250 +14374,18 @@
           <a:lstStyle/>
           <a:p>
             <a:r>
-              <a:rPr lang="en-AU" dirty="0" smtClean="0"/>
+              <a:rPr lang="en-AU" dirty="0" smtClean="0">
+                <a:solidFill>
+                  <a:schemeClr val="bg1"/>
+                </a:solidFill>
+              </a:rPr>
               <a:t>Class 10</a:t>
             </a:r>
-            <a:endParaRPr lang="en-AU" dirty="0"/>
-          </a:p>
-        </p:txBody>
-      </p:sp>
-      <p:sp>
-        <p:nvSpPr>
-          <p:cNvPr id="19" name="Oval 18"/>
-          <p:cNvSpPr/>
-          <p:nvPr/>
-        </p:nvSpPr>
-        <p:spPr>
-          <a:xfrm>
-            <a:off x="755576" y="3933056"/>
-            <a:ext cx="864096" cy="792088"/>
-          </a:xfrm>
-          <a:prstGeom prst="ellipse">
-            <a:avLst/>
-          </a:prstGeom>
-        </p:spPr>
-        <p:style>
-          <a:lnRef idx="2">
-            <a:schemeClr val="accent1">
-              <a:shade val="50000"/>
-            </a:schemeClr>
-          </a:lnRef>
-          <a:fillRef idx="1">
-            <a:schemeClr val="accent1"/>
-          </a:fillRef>
-          <a:effectRef idx="0">
-            <a:schemeClr val="accent1"/>
-          </a:effectRef>
-          <a:fontRef idx="minor">
-            <a:schemeClr val="lt1"/>
-          </a:fontRef>
-        </p:style>
-        <p:txBody>
-          <a:bodyPr rtlCol="0" anchor="ctr"/>
-          <a:lstStyle/>
-          <a:p>
-            <a:pPr algn="ctr"/>
-            <a:endParaRPr lang="en-AU"/>
-          </a:p>
-        </p:txBody>
-      </p:sp>
-      <p:sp>
-        <p:nvSpPr>
-          <p:cNvPr id="24" name="Oval 23"/>
-          <p:cNvSpPr/>
-          <p:nvPr/>
-        </p:nvSpPr>
-        <p:spPr>
-          <a:xfrm>
-            <a:off x="1907704" y="3929890"/>
-            <a:ext cx="864096" cy="792088"/>
-          </a:xfrm>
-          <a:prstGeom prst="ellipse">
-            <a:avLst/>
-          </a:prstGeom>
-        </p:spPr>
-        <p:style>
-          <a:lnRef idx="2">
-            <a:schemeClr val="accent1">
-              <a:shade val="50000"/>
-            </a:schemeClr>
-          </a:lnRef>
-          <a:fillRef idx="1">
-            <a:schemeClr val="accent1"/>
-          </a:fillRef>
-          <a:effectRef idx="0">
-            <a:schemeClr val="accent1"/>
-          </a:effectRef>
-          <a:fontRef idx="minor">
-            <a:schemeClr val="lt1"/>
-          </a:fontRef>
-        </p:style>
-        <p:txBody>
-          <a:bodyPr rtlCol="0" anchor="ctr"/>
-          <a:lstStyle/>
-          <a:p>
-            <a:pPr algn="ctr"/>
-            <a:endParaRPr lang="en-AU"/>
-          </a:p>
-        </p:txBody>
-      </p:sp>
-      <p:sp>
-        <p:nvSpPr>
-          <p:cNvPr id="25" name="Oval 24"/>
-          <p:cNvSpPr/>
-          <p:nvPr/>
-        </p:nvSpPr>
-        <p:spPr>
-          <a:xfrm>
-            <a:off x="2987824" y="3949824"/>
-            <a:ext cx="864096" cy="792088"/>
-          </a:xfrm>
-          <a:prstGeom prst="ellipse">
-            <a:avLst/>
-          </a:prstGeom>
-        </p:spPr>
-        <p:style>
-          <a:lnRef idx="2">
-            <a:schemeClr val="accent1">
-              <a:shade val="50000"/>
-            </a:schemeClr>
-          </a:lnRef>
-          <a:fillRef idx="1">
-            <a:schemeClr val="accent1"/>
-          </a:fillRef>
-          <a:effectRef idx="0">
-            <a:schemeClr val="accent1"/>
-          </a:effectRef>
-          <a:fontRef idx="minor">
-            <a:schemeClr val="lt1"/>
-          </a:fontRef>
-        </p:style>
-        <p:txBody>
-          <a:bodyPr rtlCol="0" anchor="ctr"/>
-          <a:lstStyle/>
-          <a:p>
-            <a:pPr algn="ctr"/>
-            <a:endParaRPr lang="en-AU"/>
-          </a:p>
-        </p:txBody>
-      </p:sp>
-      <p:sp>
-        <p:nvSpPr>
-          <p:cNvPr id="26" name="Oval 25"/>
-          <p:cNvSpPr/>
-          <p:nvPr/>
-        </p:nvSpPr>
-        <p:spPr>
-          <a:xfrm>
-            <a:off x="4139952" y="3952822"/>
-            <a:ext cx="864096" cy="792088"/>
-          </a:xfrm>
-          <a:prstGeom prst="ellipse">
-            <a:avLst/>
-          </a:prstGeom>
-        </p:spPr>
-        <p:style>
-          <a:lnRef idx="2">
-            <a:schemeClr val="accent1">
-              <a:shade val="50000"/>
-            </a:schemeClr>
-          </a:lnRef>
-          <a:fillRef idx="1">
-            <a:schemeClr val="accent1"/>
-          </a:fillRef>
-          <a:effectRef idx="0">
-            <a:schemeClr val="accent1"/>
-          </a:effectRef>
-          <a:fontRef idx="minor">
-            <a:schemeClr val="lt1"/>
-          </a:fontRef>
-        </p:style>
-        <p:txBody>
-          <a:bodyPr rtlCol="0" anchor="ctr"/>
-          <a:lstStyle/>
-          <a:p>
-            <a:pPr algn="ctr"/>
-            <a:endParaRPr lang="en-AU"/>
-          </a:p>
-        </p:txBody>
-      </p:sp>
-      <p:sp>
-        <p:nvSpPr>
-          <p:cNvPr id="27" name="Oval 26"/>
-          <p:cNvSpPr/>
-          <p:nvPr/>
-        </p:nvSpPr>
-        <p:spPr>
-          <a:xfrm>
-            <a:off x="7452320" y="3952822"/>
-            <a:ext cx="864096" cy="792088"/>
-          </a:xfrm>
-          <a:prstGeom prst="ellipse">
-            <a:avLst/>
-          </a:prstGeom>
-        </p:spPr>
-        <p:style>
-          <a:lnRef idx="2">
-            <a:schemeClr val="accent1">
-              <a:shade val="50000"/>
-            </a:schemeClr>
-          </a:lnRef>
-          <a:fillRef idx="1">
-            <a:schemeClr val="accent1"/>
-          </a:fillRef>
-          <a:effectRef idx="0">
-            <a:schemeClr val="accent1"/>
-          </a:effectRef>
-          <a:fontRef idx="minor">
-            <a:schemeClr val="lt1"/>
-          </a:fontRef>
-        </p:style>
-        <p:txBody>
-          <a:bodyPr rtlCol="0" anchor="ctr"/>
-          <a:lstStyle/>
-          <a:p>
-            <a:pPr algn="ctr"/>
-            <a:endParaRPr lang="en-AU"/>
-          </a:p>
-        </p:txBody>
-      </p:sp>
-      <p:sp>
-        <p:nvSpPr>
-          <p:cNvPr id="28" name="Oval 27"/>
-          <p:cNvSpPr/>
-          <p:nvPr/>
-        </p:nvSpPr>
-        <p:spPr>
-          <a:xfrm>
-            <a:off x="6156176" y="3952822"/>
-            <a:ext cx="864096" cy="792088"/>
-          </a:xfrm>
-          <a:prstGeom prst="ellipse">
-            <a:avLst/>
-          </a:prstGeom>
-        </p:spPr>
-        <p:style>
-          <a:lnRef idx="2">
-            <a:schemeClr val="accent1">
-              <a:shade val="50000"/>
-            </a:schemeClr>
-          </a:lnRef>
-          <a:fillRef idx="1">
-            <a:schemeClr val="accent1"/>
-          </a:fillRef>
-          <a:effectRef idx="0">
-            <a:schemeClr val="accent1"/>
-          </a:effectRef>
-          <a:fontRef idx="minor">
-            <a:schemeClr val="lt1"/>
-          </a:fontRef>
-        </p:style>
-        <p:txBody>
-          <a:bodyPr rtlCol="0" anchor="ctr"/>
-          <a:lstStyle/>
-          <a:p>
-            <a:pPr algn="ctr"/>
-            <a:endParaRPr lang="en-AU"/>
+            <a:endParaRPr lang="en-AU" dirty="0">
+              <a:solidFill>
+                <a:schemeClr val="bg1"/>
+              </a:solidFill>
+            </a:endParaRPr>
           </a:p>
         </p:txBody>
       </p:sp>
@@ -14191,9 +14572,7 @@
       <p:cxnSp>
         <p:nvCxnSpPr>
           <p:cNvPr id="42" name="Straight Arrow Connector 41"/>
-          <p:cNvCxnSpPr>
-            <a:stCxn id="19" idx="0"/>
-          </p:cNvCxnSpPr>
+          <p:cNvCxnSpPr/>
           <p:nvPr/>
         </p:nvCxnSpPr>
         <p:spPr>
@@ -14225,84 +14604,8 @@
       </p:cxnSp>
       <p:cxnSp>
         <p:nvCxnSpPr>
-          <p:cNvPr id="44" name="Straight Arrow Connector 43"/>
-          <p:cNvCxnSpPr>
-            <a:stCxn id="24" idx="0"/>
-          </p:cNvCxnSpPr>
-          <p:nvPr/>
-        </p:nvCxnSpPr>
-        <p:spPr>
-          <a:xfrm flipH="1" flipV="1">
-            <a:off x="1907704" y="2636912"/>
-            <a:ext cx="432048" cy="1292978"/>
-          </a:xfrm>
-          <a:prstGeom prst="straightConnector1">
-            <a:avLst/>
-          </a:prstGeom>
-          <a:ln>
-            <a:solidFill>
-              <a:srgbClr val="C00000"/>
-            </a:solidFill>
-            <a:tailEnd type="arrow"/>
-          </a:ln>
-        </p:spPr>
-        <p:style>
-          <a:lnRef idx="1">
-            <a:schemeClr val="accent1"/>
-          </a:lnRef>
-          <a:fillRef idx="0">
-            <a:schemeClr val="accent1"/>
-          </a:fillRef>
-          <a:effectRef idx="0">
-            <a:schemeClr val="accent1"/>
-          </a:effectRef>
-          <a:fontRef idx="minor">
-            <a:schemeClr val="tx1"/>
-          </a:fontRef>
-        </p:style>
-      </p:cxnSp>
-      <p:cxnSp>
-        <p:nvCxnSpPr>
-          <p:cNvPr id="48" name="Straight Arrow Connector 47"/>
+          <p:cNvPr id="51" name="Straight Arrow Connector 50"/>
           <p:cNvCxnSpPr/>
-          <p:nvPr/>
-        </p:nvCxnSpPr>
-        <p:spPr>
-          <a:xfrm flipH="1" flipV="1">
-            <a:off x="2483768" y="2636912"/>
-            <a:ext cx="600628" cy="1440160"/>
-          </a:xfrm>
-          <a:prstGeom prst="straightConnector1">
-            <a:avLst/>
-          </a:prstGeom>
-          <a:ln>
-            <a:solidFill>
-              <a:schemeClr val="tx1"/>
-            </a:solidFill>
-            <a:tailEnd type="arrow"/>
-          </a:ln>
-        </p:spPr>
-        <p:style>
-          <a:lnRef idx="1">
-            <a:schemeClr val="accent1"/>
-          </a:lnRef>
-          <a:fillRef idx="0">
-            <a:schemeClr val="accent1"/>
-          </a:fillRef>
-          <a:effectRef idx="0">
-            <a:schemeClr val="accent1"/>
-          </a:effectRef>
-          <a:fontRef idx="minor">
-            <a:schemeClr val="tx1"/>
-          </a:fontRef>
-        </p:style>
-      </p:cxnSp>
-      <p:cxnSp>
-        <p:nvCxnSpPr>
-          <p:cNvPr id="51" name="Straight Arrow Connector 50"/>
-          <p:cNvCxnSpPr>
-            <a:stCxn id="25" idx="0"/>
-          </p:cNvCxnSpPr>
           <p:nvPr/>
         </p:nvCxnSpPr>
         <p:spPr>
@@ -14335,23 +14638,132 @@
           </a:fontRef>
         </p:style>
       </p:cxnSp>
+      <p:pic>
+        <p:nvPicPr>
+          <p:cNvPr id="2050" name="Picture 2"/>
+          <p:cNvPicPr>
+            <a:picLocks noChangeAspect="1" noChangeArrowheads="1"/>
+          </p:cNvPicPr>
+          <p:nvPr/>
+        </p:nvPicPr>
+        <p:blipFill>
+          <a:blip r:embed="rId6" cstate="print">
+            <a:extLst>
+              <a:ext uri="{28A0092B-C50C-407E-A947-70E740481C1C}">
+                <a14:useLocalDpi xmlns:a14="http://schemas.microsoft.com/office/drawing/2010/main" val="0"/>
+              </a:ext>
+            </a:extLst>
+          </a:blip>
+          <a:srcRect/>
+          <a:stretch>
+            <a:fillRect/>
+          </a:stretch>
+        </p:blipFill>
+        <p:spPr bwMode="auto">
+          <a:xfrm>
+            <a:off x="672739" y="3861048"/>
+            <a:ext cx="986259" cy="891743"/>
+          </a:xfrm>
+          <a:prstGeom prst="rect">
+            <a:avLst/>
+          </a:prstGeom>
+          <a:noFill/>
+          <a:ln>
+            <a:noFill/>
+          </a:ln>
+          <a:extLst>
+            <a:ext uri="{909E8E84-426E-40DD-AFC4-6F175D3DCCD1}">
+              <a14:hiddenFill xmlns:a14="http://schemas.microsoft.com/office/drawing/2010/main">
+                <a:solidFill>
+                  <a:schemeClr val="accent1"/>
+                </a:solidFill>
+              </a14:hiddenFill>
+            </a:ext>
+            <a:ext uri="{91240B29-F687-4F45-9708-019B960494DF}">
+              <a14:hiddenLine xmlns:a14="http://schemas.microsoft.com/office/drawing/2010/main" w="9525">
+                <a:solidFill>
+                  <a:schemeClr val="tx1"/>
+                </a:solidFill>
+                <a:miter lim="800000"/>
+                <a:headEnd/>
+                <a:tailEnd/>
+              </a14:hiddenLine>
+            </a:ext>
+          </a:extLst>
+        </p:spPr>
+      </p:pic>
+      <p:pic>
+        <p:nvPicPr>
+          <p:cNvPr id="2051" name="Picture 3"/>
+          <p:cNvPicPr>
+            <a:picLocks noChangeAspect="1" noChangeArrowheads="1"/>
+          </p:cNvPicPr>
+          <p:nvPr/>
+        </p:nvPicPr>
+        <p:blipFill>
+          <a:blip r:embed="rId7">
+            <a:extLst>
+              <a:ext uri="{28A0092B-C50C-407E-A947-70E740481C1C}">
+                <a14:useLocalDpi xmlns:a14="http://schemas.microsoft.com/office/drawing/2010/main" val="0"/>
+              </a:ext>
+            </a:extLst>
+          </a:blip>
+          <a:srcRect/>
+          <a:stretch>
+            <a:fillRect/>
+          </a:stretch>
+        </p:blipFill>
+        <p:spPr bwMode="auto">
+          <a:xfrm rot="2648829">
+            <a:off x="1834590" y="3745103"/>
+            <a:ext cx="969185" cy="996573"/>
+          </a:xfrm>
+          <a:prstGeom prst="rect">
+            <a:avLst/>
+          </a:prstGeom>
+          <a:noFill/>
+          <a:ln>
+            <a:noFill/>
+          </a:ln>
+          <a:extLst>
+            <a:ext uri="{909E8E84-426E-40DD-AFC4-6F175D3DCCD1}">
+              <a14:hiddenFill xmlns:a14="http://schemas.microsoft.com/office/drawing/2010/main">
+                <a:solidFill>
+                  <a:schemeClr val="accent1"/>
+                </a:solidFill>
+              </a14:hiddenFill>
+            </a:ext>
+            <a:ext uri="{91240B29-F687-4F45-9708-019B960494DF}">
+              <a14:hiddenLine xmlns:a14="http://schemas.microsoft.com/office/drawing/2010/main" w="9525">
+                <a:solidFill>
+                  <a:schemeClr val="tx1"/>
+                </a:solidFill>
+                <a:miter lim="800000"/>
+                <a:headEnd/>
+                <a:tailEnd/>
+              </a14:hiddenLine>
+            </a:ext>
+          </a:extLst>
+        </p:spPr>
+      </p:pic>
       <p:cxnSp>
         <p:nvCxnSpPr>
-          <p:cNvPr id="53" name="Straight Arrow Connector 52"/>
-          <p:cNvCxnSpPr>
-            <a:stCxn id="26" idx="0"/>
-          </p:cNvCxnSpPr>
+          <p:cNvPr id="44" name="Straight Arrow Connector 43"/>
+          <p:cNvCxnSpPr/>
           <p:nvPr/>
         </p:nvCxnSpPr>
         <p:spPr>
           <a:xfrm flipH="1" flipV="1">
-            <a:off x="4139952" y="2636912"/>
-            <a:ext cx="432048" cy="1315910"/>
+            <a:off x="1907704" y="2636912"/>
+            <a:ext cx="360040" cy="1152128"/>
           </a:xfrm>
           <a:prstGeom prst="straightConnector1">
             <a:avLst/>
           </a:prstGeom>
           <a:ln>
+            <a:solidFill>
+              <a:srgbClr val="C00000"/>
+            </a:solidFill>
             <a:tailEnd type="arrow"/>
           </a:ln>
         </p:spPr>
@@ -14370,6 +14782,204 @@
           </a:fontRef>
         </p:style>
       </p:cxnSp>
+      <p:pic>
+        <p:nvPicPr>
+          <p:cNvPr id="2052" name="Picture 4"/>
+          <p:cNvPicPr>
+            <a:picLocks noChangeAspect="1" noChangeArrowheads="1"/>
+          </p:cNvPicPr>
+          <p:nvPr/>
+        </p:nvPicPr>
+        <p:blipFill>
+          <a:blip r:embed="rId8" cstate="print">
+            <a:extLst>
+              <a:ext uri="{28A0092B-C50C-407E-A947-70E740481C1C}">
+                <a14:useLocalDpi xmlns:a14="http://schemas.microsoft.com/office/drawing/2010/main" val="0"/>
+              </a:ext>
+            </a:extLst>
+          </a:blip>
+          <a:srcRect/>
+          <a:stretch>
+            <a:fillRect/>
+          </a:stretch>
+        </p:blipFill>
+        <p:spPr bwMode="auto">
+          <a:xfrm rot="16200000">
+            <a:off x="2874809" y="3808309"/>
+            <a:ext cx="979159" cy="975063"/>
+          </a:xfrm>
+          <a:prstGeom prst="rect">
+            <a:avLst/>
+          </a:prstGeom>
+          <a:noFill/>
+          <a:ln>
+            <a:noFill/>
+          </a:ln>
+          <a:extLst>
+            <a:ext uri="{909E8E84-426E-40DD-AFC4-6F175D3DCCD1}">
+              <a14:hiddenFill xmlns:a14="http://schemas.microsoft.com/office/drawing/2010/main">
+                <a:solidFill>
+                  <a:schemeClr val="accent1"/>
+                </a:solidFill>
+              </a14:hiddenFill>
+            </a:ext>
+            <a:ext uri="{91240B29-F687-4F45-9708-019B960494DF}">
+              <a14:hiddenLine xmlns:a14="http://schemas.microsoft.com/office/drawing/2010/main" w="9525">
+                <a:solidFill>
+                  <a:schemeClr val="tx1"/>
+                </a:solidFill>
+                <a:miter lim="800000"/>
+                <a:headEnd/>
+                <a:tailEnd/>
+              </a14:hiddenLine>
+            </a:ext>
+          </a:extLst>
+        </p:spPr>
+      </p:pic>
+      <p:cxnSp>
+        <p:nvCxnSpPr>
+          <p:cNvPr id="48" name="Straight Arrow Connector 47"/>
+          <p:cNvCxnSpPr/>
+          <p:nvPr/>
+        </p:nvCxnSpPr>
+        <p:spPr>
+          <a:xfrm flipH="1" flipV="1">
+            <a:off x="2483768" y="2636912"/>
+            <a:ext cx="583320" cy="1312912"/>
+          </a:xfrm>
+          <a:prstGeom prst="straightConnector1">
+            <a:avLst/>
+          </a:prstGeom>
+          <a:ln>
+            <a:solidFill>
+              <a:schemeClr val="tx1"/>
+            </a:solidFill>
+            <a:tailEnd type="arrow"/>
+          </a:ln>
+        </p:spPr>
+        <p:style>
+          <a:lnRef idx="1">
+            <a:schemeClr val="accent1"/>
+          </a:lnRef>
+          <a:fillRef idx="0">
+            <a:schemeClr val="accent1"/>
+          </a:fillRef>
+          <a:effectRef idx="0">
+            <a:schemeClr val="accent1"/>
+          </a:effectRef>
+          <a:fontRef idx="minor">
+            <a:schemeClr val="tx1"/>
+          </a:fontRef>
+        </p:style>
+      </p:cxnSp>
+      <p:pic>
+        <p:nvPicPr>
+          <p:cNvPr id="2053" name="Picture 5"/>
+          <p:cNvPicPr>
+            <a:picLocks noChangeAspect="1" noChangeArrowheads="1"/>
+          </p:cNvPicPr>
+          <p:nvPr/>
+        </p:nvPicPr>
+        <p:blipFill>
+          <a:blip r:embed="rId9" cstate="print">
+            <a:extLst>
+              <a:ext uri="{28A0092B-C50C-407E-A947-70E740481C1C}">
+                <a14:useLocalDpi xmlns:a14="http://schemas.microsoft.com/office/drawing/2010/main" val="0"/>
+              </a:ext>
+            </a:extLst>
+          </a:blip>
+          <a:srcRect/>
+          <a:stretch>
+            <a:fillRect/>
+          </a:stretch>
+        </p:blipFill>
+        <p:spPr bwMode="auto">
+          <a:xfrm rot="5400000">
+            <a:off x="4130526" y="3789699"/>
+            <a:ext cx="1017340" cy="872006"/>
+          </a:xfrm>
+          <a:prstGeom prst="rect">
+            <a:avLst/>
+          </a:prstGeom>
+          <a:noFill/>
+          <a:ln>
+            <a:noFill/>
+          </a:ln>
+          <a:extLst>
+            <a:ext uri="{909E8E84-426E-40DD-AFC4-6F175D3DCCD1}">
+              <a14:hiddenFill xmlns:a14="http://schemas.microsoft.com/office/drawing/2010/main">
+                <a:solidFill>
+                  <a:schemeClr val="accent1"/>
+                </a:solidFill>
+              </a14:hiddenFill>
+            </a:ext>
+            <a:ext uri="{91240B29-F687-4F45-9708-019B960494DF}">
+              <a14:hiddenLine xmlns:a14="http://schemas.microsoft.com/office/drawing/2010/main" w="9525">
+                <a:solidFill>
+                  <a:schemeClr val="tx1"/>
+                </a:solidFill>
+                <a:miter lim="800000"/>
+                <a:headEnd/>
+                <a:tailEnd/>
+              </a14:hiddenLine>
+            </a:ext>
+          </a:extLst>
+        </p:spPr>
+      </p:pic>
+      <p:pic>
+        <p:nvPicPr>
+          <p:cNvPr id="2054" name="Picture 6"/>
+          <p:cNvPicPr>
+            <a:picLocks noChangeAspect="1" noChangeArrowheads="1"/>
+          </p:cNvPicPr>
+          <p:nvPr/>
+        </p:nvPicPr>
+        <p:blipFill>
+          <a:blip r:embed="rId10" cstate="print">
+            <a:extLst>
+              <a:ext uri="{28A0092B-C50C-407E-A947-70E740481C1C}">
+                <a14:useLocalDpi xmlns:a14="http://schemas.microsoft.com/office/drawing/2010/main" val="0"/>
+              </a:ext>
+            </a:extLst>
+          </a:blip>
+          <a:srcRect/>
+          <a:stretch>
+            <a:fillRect/>
+          </a:stretch>
+        </p:blipFill>
+        <p:spPr bwMode="auto">
+          <a:xfrm rot="7918076">
+            <a:off x="5884053" y="3808639"/>
+            <a:ext cx="1149761" cy="1069137"/>
+          </a:xfrm>
+          <a:prstGeom prst="rect">
+            <a:avLst/>
+          </a:prstGeom>
+          <a:noFill/>
+          <a:ln>
+            <a:noFill/>
+          </a:ln>
+          <a:extLst>
+            <a:ext uri="{909E8E84-426E-40DD-AFC4-6F175D3DCCD1}">
+              <a14:hiddenFill xmlns:a14="http://schemas.microsoft.com/office/drawing/2010/main">
+                <a:solidFill>
+                  <a:schemeClr val="accent1"/>
+                </a:solidFill>
+              </a14:hiddenFill>
+            </a:ext>
+            <a:ext uri="{91240B29-F687-4F45-9708-019B960494DF}">
+              <a14:hiddenLine xmlns:a14="http://schemas.microsoft.com/office/drawing/2010/main" w="9525">
+                <a:solidFill>
+                  <a:schemeClr val="tx1"/>
+                </a:solidFill>
+                <a:miter lim="800000"/>
+                <a:headEnd/>
+                <a:tailEnd/>
+              </a14:hiddenLine>
+            </a:ext>
+          </a:extLst>
+        </p:spPr>
+      </p:pic>
       <p:cxnSp>
         <p:nvCxnSpPr>
           <p:cNvPr id="55" name="Straight Arrow Connector 54"/>
@@ -14403,6 +15013,60 @@
           </a:fontRef>
         </p:style>
       </p:cxnSp>
+      <p:pic>
+        <p:nvPicPr>
+          <p:cNvPr id="2055" name="Picture 7"/>
+          <p:cNvPicPr>
+            <a:picLocks noChangeAspect="1" noChangeArrowheads="1"/>
+          </p:cNvPicPr>
+          <p:nvPr/>
+        </p:nvPicPr>
+        <p:blipFill>
+          <a:blip r:embed="rId11" cstate="print">
+            <a:extLst>
+              <a:ext uri="{28A0092B-C50C-407E-A947-70E740481C1C}">
+                <a14:useLocalDpi xmlns:a14="http://schemas.microsoft.com/office/drawing/2010/main" val="0"/>
+              </a:ext>
+            </a:extLst>
+          </a:blip>
+          <a:srcRect/>
+          <a:stretch>
+            <a:fillRect/>
+          </a:stretch>
+        </p:blipFill>
+        <p:spPr bwMode="auto">
+          <a:xfrm rot="10800000">
+            <a:off x="7218052" y="3806262"/>
+            <a:ext cx="1026356" cy="946528"/>
+          </a:xfrm>
+          <a:prstGeom prst="rect">
+            <a:avLst/>
+          </a:prstGeom>
+          <a:noFill/>
+          <a:ln>
+            <a:noFill/>
+          </a:ln>
+          <a:extLst>
+            <a:ext uri="{909E8E84-426E-40DD-AFC4-6F175D3DCCD1}">
+              <a14:hiddenFill xmlns:a14="http://schemas.microsoft.com/office/drawing/2010/main">
+                <a:solidFill>
+                  <a:schemeClr val="accent1"/>
+                </a:solidFill>
+              </a14:hiddenFill>
+            </a:ext>
+            <a:ext uri="{91240B29-F687-4F45-9708-019B960494DF}">
+              <a14:hiddenLine xmlns:a14="http://schemas.microsoft.com/office/drawing/2010/main" w="9525">
+                <a:solidFill>
+                  <a:schemeClr val="tx1"/>
+                </a:solidFill>
+                <a:miter lim="800000"/>
+                <a:headEnd/>
+                <a:tailEnd/>
+              </a14:hiddenLine>
+            </a:ext>
+          </a:extLst>
+        </p:spPr>
+      </p:pic>
       <p:cxnSp>
         <p:nvCxnSpPr>
           <p:cNvPr id="57" name="Straight Arrow Connector 56"/>
@@ -14412,7 +15076,40 @@
         <p:spPr>
           <a:xfrm flipH="1" flipV="1">
             <a:off x="7596336" y="2636912"/>
-            <a:ext cx="288032" cy="1292978"/>
+            <a:ext cx="288032" cy="1224136"/>
+          </a:xfrm>
+          <a:prstGeom prst="straightConnector1">
+            <a:avLst/>
+          </a:prstGeom>
+          <a:ln>
+            <a:tailEnd type="arrow"/>
+          </a:ln>
+        </p:spPr>
+        <p:style>
+          <a:lnRef idx="1">
+            <a:schemeClr val="accent1"/>
+          </a:lnRef>
+          <a:fillRef idx="0">
+            <a:schemeClr val="accent1"/>
+          </a:fillRef>
+          <a:effectRef idx="0">
+            <a:schemeClr val="accent1"/>
+          </a:effectRef>
+          <a:fontRef idx="minor">
+            <a:schemeClr val="tx1"/>
+          </a:fontRef>
+        </p:style>
+      </p:cxnSp>
+      <p:cxnSp>
+        <p:nvCxnSpPr>
+          <p:cNvPr id="53" name="Straight Arrow Connector 52"/>
+          <p:cNvCxnSpPr/>
+          <p:nvPr/>
+        </p:nvCxnSpPr>
+        <p:spPr>
+          <a:xfrm flipH="1" flipV="1">
+            <a:off x="4139953" y="2636912"/>
+            <a:ext cx="408324" cy="1152128"/>
           </a:xfrm>
           <a:prstGeom prst="straightConnector1">
             <a:avLst/>
@@ -14439,15 +15136,13 @@
       <p:cxnSp>
         <p:nvCxnSpPr>
           <p:cNvPr id="61" name="Straight Arrow Connector 60"/>
-          <p:cNvCxnSpPr>
-            <a:stCxn id="24" idx="7"/>
-          </p:cNvCxnSpPr>
+          <p:cNvCxnSpPr/>
           <p:nvPr/>
         </p:nvCxnSpPr>
         <p:spPr>
           <a:xfrm flipV="1">
-            <a:off x="2645256" y="2636912"/>
-            <a:ext cx="630600" cy="1408977"/>
+            <a:off x="2522331" y="2636914"/>
+            <a:ext cx="753525" cy="1224134"/>
           </a:xfrm>
           <a:prstGeom prst="straightConnector1">
             <a:avLst/>
@@ -14476,14 +15171,69 @@
       </p:cxnSp>
       <p:sp>
         <p:nvSpPr>
-          <p:cNvPr id="64" name="Rectangle 63"/>
+          <p:cNvPr id="41" name="Rectangle 40"/>
           <p:cNvSpPr/>
           <p:nvPr/>
         </p:nvSpPr>
         <p:spPr>
           <a:xfrm>
-            <a:off x="2522331" y="5373216"/>
-            <a:ext cx="4209909" cy="323165"/>
+            <a:off x="2552216" y="260648"/>
+            <a:ext cx="5081840" cy="400110"/>
+          </a:xfrm>
+          <a:prstGeom prst="rect">
+            <a:avLst/>
+          </a:prstGeom>
+        </p:spPr>
+        <p:txBody>
+          <a:bodyPr wrap="none">
+            <a:spAutoFit/>
+          </a:bodyPr>
+          <a:lstStyle/>
+          <a:p>
+            <a:r>
+              <a:rPr lang="en-AU" sz="2000" b="1" u="sng" dirty="0">
+                <a:solidFill>
+                  <a:srgbClr val="002060"/>
+                </a:solidFill>
+                <a:effectLst>
+                  <a:outerShdw blurRad="38100" dist="38100" dir="2700000" algn="tl">
+                    <a:srgbClr val="000000">
+                      <a:alpha val="43137"/>
+                    </a:srgbClr>
+                  </a:outerShdw>
+                </a:effectLst>
+                <a:latin typeface="Arial" panose="020B0604020202020204" pitchFamily="34" charset="0"/>
+                <a:cs typeface="Arial" panose="020B0604020202020204" pitchFamily="34" charset="0"/>
+              </a:rPr>
+              <a:t>Repetitive process with one time upload</a:t>
+            </a:r>
+            <a:endParaRPr lang="en-AU" sz="2000" b="1" u="sng" dirty="0">
+              <a:solidFill>
+                <a:srgbClr val="002060"/>
+              </a:solidFill>
+              <a:effectLst>
+                <a:outerShdw blurRad="38100" dist="38100" dir="2700000" algn="tl">
+                  <a:srgbClr val="000000">
+                    <a:alpha val="43137"/>
+                  </a:srgbClr>
+                </a:outerShdw>
+              </a:effectLst>
+              <a:latin typeface="Arial" panose="020B0604020202020204" pitchFamily="34" charset="0"/>
+              <a:cs typeface="Arial" panose="020B0604020202020204" pitchFamily="34" charset="0"/>
+            </a:endParaRPr>
+          </a:p>
+        </p:txBody>
+      </p:sp>
+      <p:sp>
+        <p:nvSpPr>
+          <p:cNvPr id="43" name="Rectangle 42"/>
+          <p:cNvSpPr/>
+          <p:nvPr/>
+        </p:nvSpPr>
+        <p:spPr>
+          <a:xfrm>
+            <a:off x="3491880" y="5301208"/>
+            <a:ext cx="2664296" cy="288032"/>
           </a:xfrm>
           <a:prstGeom prst="rect">
             <a:avLst/>
@@ -14516,19 +15266,29 @@
       </p:sp>
       <p:sp>
         <p:nvSpPr>
-          <p:cNvPr id="65" name="TextBox 64"/>
+          <p:cNvPr id="45" name="TextBox 44"/>
           <p:cNvSpPr txBox="1"/>
           <p:nvPr/>
         </p:nvSpPr>
         <p:spPr>
           <a:xfrm>
-            <a:off x="2771800" y="5373216"/>
-            <a:ext cx="4176464" cy="338554"/>
+            <a:off x="3347864" y="5219908"/>
+            <a:ext cx="2952328" cy="369332"/>
           </a:xfrm>
           <a:prstGeom prst="rect">
             <a:avLst/>
           </a:prstGeom>
-          <a:noFill/>
+          <a:solidFill>
+            <a:srgbClr val="002060"/>
+          </a:solidFill>
+          <a:ln>
+            <a:solidFill>
+              <a:schemeClr val="tx2">
+                <a:lumMod val="20000"/>
+                <a:lumOff val="80000"/>
+              </a:schemeClr>
+            </a:solidFill>
+          </a:ln>
         </p:spPr>
         <p:txBody>
           <a:bodyPr wrap="square" rtlCol="0">
@@ -14536,15 +15296,32 @@
           </a:bodyPr>
           <a:lstStyle/>
           <a:p>
-            <a:r>
-              <a:rPr lang="en-AU" sz="1600" b="1" dirty="0" smtClean="0">
+            <a:pPr algn="ctr"/>
+            <a:r>
+              <a:rPr lang="en-AU" b="1" dirty="0" smtClean="0">
                 <a:solidFill>
                   <a:schemeClr val="bg1"/>
                 </a:solidFill>
               </a:rPr>
-              <a:t>Repetitive process with one time upload</a:t>
-            </a:r>
-            <a:endParaRPr lang="en-AU" sz="1600" b="1" dirty="0">
+              <a:t>Win </a:t>
+            </a:r>
+            <a:r>
+              <a:rPr lang="en-AU" b="1" dirty="0" err="1" smtClean="0">
+                <a:solidFill>
+                  <a:schemeClr val="bg1"/>
+                </a:solidFill>
+              </a:rPr>
+              <a:t>win</a:t>
+            </a:r>
+            <a:r>
+              <a:rPr lang="en-AU" b="1" dirty="0" smtClean="0">
+                <a:solidFill>
+                  <a:schemeClr val="bg1"/>
+                </a:solidFill>
+              </a:rPr>
+              <a:t> situation</a:t>
+            </a:r>
+            <a:endParaRPr lang="en-AU" b="1" dirty="0">
               <a:solidFill>
                 <a:schemeClr val="bg1"/>
               </a:solidFill>
@@ -14565,188 +15342,9 @@
   <p:timing>
     <p:tnLst>
       <p:par>
-        <p:cTn id="1" dur="indefinite" restart="never" nodeType="tmRoot">
-          <p:childTnLst>
-            <p:seq concurrent="1" nextAc="seek">
-              <p:cTn id="2" dur="indefinite" nodeType="mainSeq">
-                <p:childTnLst>
-                  <p:par>
-                    <p:cTn id="3" fill="hold">
-                      <p:stCondLst>
-                        <p:cond delay="indefinite"/>
-                      </p:stCondLst>
-                      <p:childTnLst>
-                        <p:par>
-                          <p:cTn id="4" fill="hold">
-                            <p:stCondLst>
-                              <p:cond delay="0"/>
-                            </p:stCondLst>
-                            <p:childTnLst>
-                              <p:par>
-                                <p:cTn id="5" presetID="10" presetClass="entr" presetSubtype="0" fill="hold" grpId="0" nodeType="clickEffect">
-                                  <p:stCondLst>
-                                    <p:cond delay="0"/>
-                                  </p:stCondLst>
-                                  <p:childTnLst>
-                                    <p:set>
-                                      <p:cBhvr>
-                                        <p:cTn id="6" dur="1" fill="hold">
-                                          <p:stCondLst>
-                                            <p:cond delay="0"/>
-                                          </p:stCondLst>
-                                        </p:cTn>
-                                        <p:tgtEl>
-                                          <p:spTgt spid="64"/>
-                                        </p:tgtEl>
-                                        <p:attrNameLst>
-                                          <p:attrName>style.visibility</p:attrName>
-                                        </p:attrNameLst>
-                                      </p:cBhvr>
-                                      <p:to>
-                                        <p:strVal val="visible"/>
-                                      </p:to>
-                                    </p:set>
-                                    <p:animEffect transition="in" filter="fade">
-                                      <p:cBhvr>
-                                        <p:cTn id="7" dur="500"/>
-                                        <p:tgtEl>
-                                          <p:spTgt spid="64"/>
-                                        </p:tgtEl>
-                                      </p:cBhvr>
-                                    </p:animEffect>
-                                  </p:childTnLst>
-                                </p:cTn>
-                              </p:par>
-                            </p:childTnLst>
-                          </p:cTn>
-                        </p:par>
-                      </p:childTnLst>
-                    </p:cTn>
-                  </p:par>
-                  <p:par>
-                    <p:cTn id="8" fill="hold">
-                      <p:stCondLst>
-                        <p:cond delay="indefinite"/>
-                      </p:stCondLst>
-                      <p:childTnLst>
-                        <p:par>
-                          <p:cTn id="9" fill="hold">
-                            <p:stCondLst>
-                              <p:cond delay="0"/>
-                            </p:stCondLst>
-                            <p:childTnLst>
-                              <p:par>
-                                <p:cTn id="10" presetID="42" presetClass="entr" presetSubtype="0" fill="hold" grpId="0" nodeType="clickEffect">
-                                  <p:stCondLst>
-                                    <p:cond delay="0"/>
-                                  </p:stCondLst>
-                                  <p:childTnLst>
-                                    <p:set>
-                                      <p:cBhvr>
-                                        <p:cTn id="11" dur="1" fill="hold">
-                                          <p:stCondLst>
-                                            <p:cond delay="0"/>
-                                          </p:stCondLst>
-                                        </p:cTn>
-                                        <p:tgtEl>
-                                          <p:spTgt spid="65"/>
-                                        </p:tgtEl>
-                                        <p:attrNameLst>
-                                          <p:attrName>style.visibility</p:attrName>
-                                        </p:attrNameLst>
-                                      </p:cBhvr>
-                                      <p:to>
-                                        <p:strVal val="visible"/>
-                                      </p:to>
-                                    </p:set>
-                                    <p:animEffect transition="in" filter="fade">
-                                      <p:cBhvr>
-                                        <p:cTn id="12" dur="1000"/>
-                                        <p:tgtEl>
-                                          <p:spTgt spid="65"/>
-                                        </p:tgtEl>
-                                      </p:cBhvr>
-                                    </p:animEffect>
-                                    <p:anim calcmode="lin" valueType="num">
-                                      <p:cBhvr>
-                                        <p:cTn id="13" dur="1000" fill="hold"/>
-                                        <p:tgtEl>
-                                          <p:spTgt spid="65"/>
-                                        </p:tgtEl>
-                                        <p:attrNameLst>
-                                          <p:attrName>ppt_x</p:attrName>
-                                        </p:attrNameLst>
-                                      </p:cBhvr>
-                                      <p:tavLst>
-                                        <p:tav tm="0">
-                                          <p:val>
-                                            <p:strVal val="#ppt_x"/>
-                                          </p:val>
-                                        </p:tav>
-                                        <p:tav tm="100000">
-                                          <p:val>
-                                            <p:strVal val="#ppt_x"/>
-                                          </p:val>
-                                        </p:tav>
-                                      </p:tavLst>
-                                    </p:anim>
-                                    <p:anim calcmode="lin" valueType="num">
-                                      <p:cBhvr>
-                                        <p:cTn id="14" dur="1000" fill="hold"/>
-                                        <p:tgtEl>
-                                          <p:spTgt spid="65"/>
-                                        </p:tgtEl>
-                                        <p:attrNameLst>
-                                          <p:attrName>ppt_y</p:attrName>
-                                        </p:attrNameLst>
-                                      </p:cBhvr>
-                                      <p:tavLst>
-                                        <p:tav tm="0">
-                                          <p:val>
-                                            <p:strVal val="#ppt_y+.1"/>
-                                          </p:val>
-                                        </p:tav>
-                                        <p:tav tm="100000">
-                                          <p:val>
-                                            <p:strVal val="#ppt_y"/>
-                                          </p:val>
-                                        </p:tav>
-                                      </p:tavLst>
-                                    </p:anim>
-                                  </p:childTnLst>
-                                </p:cTn>
-                              </p:par>
-                            </p:childTnLst>
-                          </p:cTn>
-                        </p:par>
-                      </p:childTnLst>
-                    </p:cTn>
-                  </p:par>
-                </p:childTnLst>
-              </p:cTn>
-              <p:prevCondLst>
-                <p:cond evt="onPrev" delay="0">
-                  <p:tgtEl>
-                    <p:sldTgt/>
-                  </p:tgtEl>
-                </p:cond>
-              </p:prevCondLst>
-              <p:nextCondLst>
-                <p:cond evt="onNext" delay="0">
-                  <p:tgtEl>
-                    <p:sldTgt/>
-                  </p:tgtEl>
-                </p:cond>
-              </p:nextCondLst>
-            </p:seq>
-          </p:childTnLst>
-        </p:cTn>
+        <p:cTn id="1" dur="indefinite" restart="never" nodeType="tmRoot"/>
       </p:par>
     </p:tnLst>
-    <p:bldLst>
-      <p:bldP spid="64" grpId="0" animBg="1"/>
-      <p:bldP spid="65" grpId="0"/>
-    </p:bldLst>
   </p:timing>
 </p:sld>
 </file>
@@ -15586,4 +16184,289 @@
   <a:objectDefaults/>
   <a:extraClrSchemeLst/>
 </a:theme>
+</file>
+
+<file path=ppt/theme/theme3.xml><?xml version="1.0" encoding="utf-8"?>
+<a:theme xmlns:a="http://schemas.openxmlformats.org/drawingml/2006/main" name="Office Theme">
+  <a:themeElements>
+    <a:clrScheme name="Office">
+      <a:dk1>
+        <a:sysClr val="windowText" lastClr="000000"/>
+      </a:dk1>
+      <a:lt1>
+        <a:sysClr val="window" lastClr="FFFFFF"/>
+      </a:lt1>
+      <a:dk2>
+        <a:srgbClr val="1F497D"/>
+      </a:dk2>
+      <a:lt2>
+        <a:srgbClr val="EEECE1"/>
+      </a:lt2>
+      <a:accent1>
+        <a:srgbClr val="4F81BD"/>
+      </a:accent1>
+      <a:accent2>
+        <a:srgbClr val="C0504D"/>
+      </a:accent2>
+      <a:accent3>
+        <a:srgbClr val="9BBB59"/>
+      </a:accent3>
+      <a:accent4>
+        <a:srgbClr val="8064A2"/>
+      </a:accent4>
+      <a:accent5>
+        <a:srgbClr val="4BACC6"/>
+      </a:accent5>
+      <a:accent6>
+        <a:srgbClr val="F79646"/>
+      </a:accent6>
+      <a:hlink>
+        <a:srgbClr val="0000FF"/>
+      </a:hlink>
+      <a:folHlink>
+        <a:srgbClr val="800080"/>
+      </a:folHlink>
+    </a:clrScheme>
+    <a:fontScheme name="Office">
+      <a:majorFont>
+        <a:latin typeface="Calibri"/>
+        <a:ea typeface=""/>
+        <a:cs typeface=""/>
+        <a:font script="Jpan" typeface="ＭＳ Ｐゴシック"/>
+        <a:font script="Hang" typeface="맑은 고딕"/>
+        <a:font script="Hans" typeface="宋体"/>
+        <a:font script="Hant" typeface="新細明體"/>
+        <a:font script="Arab" typeface="Times New Roman"/>
+        <a:font script="Hebr" typeface="Times New Roman"/>
+        <a:font script="Thai" typeface="Angsana New"/>
+        <a:font script="Ethi" typeface="Nyala"/>
+        <a:font script="Beng" typeface="Vrinda"/>
+        <a:font script="Gujr" typeface="Shruti"/>
+        <a:font script="Khmr" typeface="MoolBoran"/>
+        <a:font script="Knda" typeface="Tunga"/>
+        <a:font script="Guru" typeface="Raavi"/>
+        <a:font script="Cans" typeface="Euphemia"/>
+        <a:font script="Cher" typeface="Plantagenet Cherokee"/>
+        <a:font script="Yiii" typeface="Microsoft Yi Baiti"/>
+        <a:font script="Tibt" typeface="Microsoft Himalaya"/>
+        <a:font script="Thaa" typeface="MV Boli"/>
+        <a:font script="Deva" typeface="Mangal"/>
+        <a:font script="Telu" typeface="Gautami"/>
+        <a:font script="Taml" typeface="Latha"/>
+        <a:font script="Syrc" typeface="Estrangelo Edessa"/>
+        <a:font script="Orya" typeface="Kalinga"/>
+        <a:font script="Mlym" typeface="Kartika"/>
+        <a:font script="Laoo" typeface="DokChampa"/>
+        <a:font script="Sinh" typeface="Iskoola Pota"/>
+        <a:font script="Mong" typeface="Mongolian Baiti"/>
+        <a:font script="Viet" typeface="Times New Roman"/>
+        <a:font script="Uigh" typeface="Microsoft Uighur"/>
+        <a:font script="Geor" typeface="Sylfaen"/>
+      </a:majorFont>
+      <a:minorFont>
+        <a:latin typeface="Calibri"/>
+        <a:ea typeface=""/>
+        <a:cs typeface=""/>
+        <a:font script="Jpan" typeface="ＭＳ Ｐゴシック"/>
+        <a:font script="Hang" typeface="맑은 고딕"/>
+        <a:font script="Hans" typeface="宋体"/>
+        <a:font script="Hant" typeface="新細明體"/>
+        <a:font script="Arab" typeface="Arial"/>
+        <a:font script="Hebr" typeface="Arial"/>
+        <a:font script="Thai" typeface="Cordia New"/>
+        <a:font script="Ethi" typeface="Nyala"/>
+        <a:font script="Beng" typeface="Vrinda"/>
+        <a:font script="Gujr" typeface="Shruti"/>
+        <a:font script="Khmr" typeface="DaunPenh"/>
+        <a:font script="Knda" typeface="Tunga"/>
+        <a:font script="Guru" typeface="Raavi"/>
+        <a:font script="Cans" typeface="Euphemia"/>
+        <a:font script="Cher" typeface="Plantagenet Cherokee"/>
+        <a:font script="Yiii" typeface="Microsoft Yi Baiti"/>
+        <a:font script="Tibt" typeface="Microsoft Himalaya"/>
+        <a:font script="Thaa" typeface="MV Boli"/>
+        <a:font script="Deva" typeface="Mangal"/>
+        <a:font script="Telu" typeface="Gautami"/>
+        <a:font script="Taml" typeface="Latha"/>
+        <a:font script="Syrc" typeface="Estrangelo Edessa"/>
+        <a:font script="Orya" typeface="Kalinga"/>
+        <a:font script="Mlym" typeface="Kartika"/>
+        <a:font script="Laoo" typeface="DokChampa"/>
+        <a:font script="Sinh" typeface="Iskoola Pota"/>
+        <a:font script="Mong" typeface="Mongolian Baiti"/>
+        <a:font script="Viet" typeface="Arial"/>
+        <a:font script="Uigh" typeface="Microsoft Uighur"/>
+        <a:font script="Geor" typeface="Sylfaen"/>
+      </a:minorFont>
+    </a:fontScheme>
+    <a:fmtScheme name="Office">
+      <a:fillStyleLst>
+        <a:solidFill>
+          <a:schemeClr val="phClr"/>
+        </a:solidFill>
+        <a:gradFill rotWithShape="1">
+          <a:gsLst>
+            <a:gs pos="0">
+              <a:schemeClr val="phClr">
+                <a:tint val="50000"/>
+                <a:satMod val="300000"/>
+              </a:schemeClr>
+            </a:gs>
+            <a:gs pos="35000">
+              <a:schemeClr val="phClr">
+                <a:tint val="37000"/>
+                <a:satMod val="300000"/>
+              </a:schemeClr>
+            </a:gs>
+            <a:gs pos="100000">
+              <a:schemeClr val="phClr">
+                <a:tint val="15000"/>
+                <a:satMod val="350000"/>
+              </a:schemeClr>
+            </a:gs>
+          </a:gsLst>
+          <a:lin ang="16200000" scaled="1"/>
+        </a:gradFill>
+        <a:gradFill rotWithShape="1">
+          <a:gsLst>
+            <a:gs pos="0">
+              <a:schemeClr val="phClr">
+                <a:shade val="51000"/>
+                <a:satMod val="130000"/>
+              </a:schemeClr>
+            </a:gs>
+            <a:gs pos="80000">
+              <a:schemeClr val="phClr">
+                <a:shade val="93000"/>
+                <a:satMod val="130000"/>
+              </a:schemeClr>
+            </a:gs>
+            <a:gs pos="100000">
+              <a:schemeClr val="phClr">
+                <a:shade val="94000"/>
+                <a:satMod val="135000"/>
+              </a:schemeClr>
+            </a:gs>
+          </a:gsLst>
+          <a:lin ang="16200000" scaled="0"/>
+        </a:gradFill>
+      </a:fillStyleLst>
+      <a:lnStyleLst>
+        <a:ln w="9525" cap="flat" cmpd="sng" algn="ctr">
+          <a:solidFill>
+            <a:schemeClr val="phClr">
+              <a:shade val="95000"/>
+              <a:satMod val="105000"/>
+            </a:schemeClr>
+          </a:solidFill>
+          <a:prstDash val="solid"/>
+        </a:ln>
+        <a:ln w="25400" cap="flat" cmpd="sng" algn="ctr">
+          <a:solidFill>
+            <a:schemeClr val="phClr"/>
+          </a:solidFill>
+          <a:prstDash val="solid"/>
+        </a:ln>
+        <a:ln w="38100" cap="flat" cmpd="sng" algn="ctr">
+          <a:solidFill>
+            <a:schemeClr val="phClr"/>
+          </a:solidFill>
+          <a:prstDash val="solid"/>
+        </a:ln>
+      </a:lnStyleLst>
+      <a:effectStyleLst>
+        <a:effectStyle>
+          <a:effectLst>
+            <a:outerShdw blurRad="40000" dist="20000" dir="5400000" rotWithShape="0">
+              <a:srgbClr val="000000">
+                <a:alpha val="38000"/>
+              </a:srgbClr>
+            </a:outerShdw>
+          </a:effectLst>
+        </a:effectStyle>
+        <a:effectStyle>
+          <a:effectLst>
+            <a:outerShdw blurRad="40000" dist="23000" dir="5400000" rotWithShape="0">
+              <a:srgbClr val="000000">
+                <a:alpha val="35000"/>
+              </a:srgbClr>
+            </a:outerShdw>
+          </a:effectLst>
+        </a:effectStyle>
+        <a:effectStyle>
+          <a:effectLst>
+            <a:outerShdw blurRad="40000" dist="23000" dir="5400000" rotWithShape="0">
+              <a:srgbClr val="000000">
+                <a:alpha val="35000"/>
+              </a:srgbClr>
+            </a:outerShdw>
+          </a:effectLst>
+          <a:scene3d>
+            <a:camera prst="orthographicFront">
+              <a:rot lat="0" lon="0" rev="0"/>
+            </a:camera>
+            <a:lightRig rig="threePt" dir="t">
+              <a:rot lat="0" lon="0" rev="1200000"/>
+            </a:lightRig>
+          </a:scene3d>
+          <a:sp3d>
+            <a:bevelT w="63500" h="25400"/>
+          </a:sp3d>
+        </a:effectStyle>
+      </a:effectStyleLst>
+      <a:bgFillStyleLst>
+        <a:solidFill>
+          <a:schemeClr val="phClr"/>
+        </a:solidFill>
+        <a:gradFill rotWithShape="1">
+          <a:gsLst>
+            <a:gs pos="0">
+              <a:schemeClr val="phClr">
+                <a:tint val="40000"/>
+                <a:satMod val="350000"/>
+              </a:schemeClr>
+            </a:gs>
+            <a:gs pos="40000">
+              <a:schemeClr val="phClr">
+                <a:tint val="45000"/>
+                <a:shade val="99000"/>
+                <a:satMod val="350000"/>
+              </a:schemeClr>
+            </a:gs>
+            <a:gs pos="100000">
+              <a:schemeClr val="phClr">
+                <a:shade val="20000"/>
+                <a:satMod val="255000"/>
+              </a:schemeClr>
+            </a:gs>
+          </a:gsLst>
+          <a:path path="circle">
+            <a:fillToRect l="50000" t="-80000" r="50000" b="180000"/>
+          </a:path>
+        </a:gradFill>
+        <a:gradFill rotWithShape="1">
+          <a:gsLst>
+            <a:gs pos="0">
+              <a:schemeClr val="phClr">
+                <a:tint val="80000"/>
+                <a:satMod val="300000"/>
+              </a:schemeClr>
+            </a:gs>
+            <a:gs pos="100000">
+              <a:schemeClr val="phClr">
+                <a:shade val="30000"/>
+                <a:satMod val="200000"/>
+              </a:schemeClr>
+            </a:gs>
+          </a:gsLst>
+          <a:path path="circle">
+            <a:fillToRect l="50000" t="50000" r="50000" b="50000"/>
+          </a:path>
+        </a:gradFill>
+      </a:bgFillStyleLst>
+    </a:fmtScheme>
+  </a:themeElements>
+  <a:objectDefaults/>
+  <a:extraClrSchemeLst/>
+</a:theme>
 </file>
--- a/ProjectExecution/BA/presentation/InitialBusinessPresentation.pptx
+++ b/ProjectExecution/BA/presentation/InitialBusinessPresentation.pptx
@@ -12,8 +12,8 @@
     <p:sldId id="256" r:id="rId3"/>
     <p:sldId id="259" r:id="rId4"/>
     <p:sldId id="257" r:id="rId5"/>
-    <p:sldId id="260" r:id="rId6"/>
-    <p:sldId id="261" r:id="rId7"/>
+    <p:sldId id="261" r:id="rId6"/>
+    <p:sldId id="260" r:id="rId7"/>
     <p:sldId id="258" r:id="rId8"/>
   </p:sldIdLst>
   <p:sldSz cx="9144000" cy="6858000" type="screen4x3"/>
@@ -228,7 +228,7 @@
           <a:p>
             <a:fld id="{2CCDD150-63BF-43F2-976F-8A0555E70530}" type="datetimeFigureOut">
               <a:rPr lang="en-AU" smtClean="0"/>
-              <a:t>12/10/2020</a:t>
+              <a:t>15/10/2020</a:t>
             </a:fld>
             <a:endParaRPr lang="en-AU"/>
           </a:p>
@@ -540,14 +540,90 @@
           <a:bodyPr/>
           <a:lstStyle/>
           <a:p>
-            <a:r>
-              <a:rPr lang="en-AU" dirty="0" smtClean="0"/>
-              <a:t>If the students can see the video offline then</a:t>
-            </a:r>
-            <a:r>
-              <a:rPr lang="en-AU" baseline="0" dirty="0" smtClean="0"/>
-              <a:t> they might share it with others too</a:t>
-            </a:r>
+            <a:endParaRPr lang="en-AU" dirty="0"/>
+          </a:p>
+        </p:txBody>
+      </p:sp>
+      <p:sp>
+        <p:nvSpPr>
+          <p:cNvPr id="4" name="Slide Number Placeholder 3"/>
+          <p:cNvSpPr>
+            <a:spLocks noGrp="1"/>
+          </p:cNvSpPr>
+          <p:nvPr>
+            <p:ph type="sldNum" sz="quarter" idx="10"/>
+          </p:nvPr>
+        </p:nvSpPr>
+        <p:spPr/>
+        <p:txBody>
+          <a:bodyPr/>
+          <a:lstStyle/>
+          <a:p>
+            <a:fld id="{9B192599-3291-41C0-A8F6-DD8670FDBDE3}" type="slidenum">
+              <a:rPr lang="en-AU" smtClean="0"/>
+              <a:t>1</a:t>
+            </a:fld>
+            <a:endParaRPr lang="en-AU"/>
+          </a:p>
+        </p:txBody>
+      </p:sp>
+    </p:spTree>
+    <p:extLst>
+      <p:ext uri="{BB962C8B-B14F-4D97-AF65-F5344CB8AC3E}">
+        <p14:creationId xmlns:p14="http://schemas.microsoft.com/office/powerpoint/2010/main" val="2680084763"/>
+      </p:ext>
+    </p:extLst>
+  </p:cSld>
+  <p:clrMapOvr>
+    <a:masterClrMapping/>
+  </p:clrMapOvr>
+</p:notes>
+</file>
+
+<file path=ppt/notesSlides/notesSlide2.xml><?xml version="1.0" encoding="utf-8"?>
+<p:notes xmlns:a="http://schemas.openxmlformats.org/drawingml/2006/main" xmlns:r="http://schemas.openxmlformats.org/officeDocument/2006/relationships" xmlns:p="http://schemas.openxmlformats.org/presentationml/2006/main">
+  <p:cSld>
+    <p:spTree>
+      <p:nvGrpSpPr>
+        <p:cNvPr id="1" name=""/>
+        <p:cNvGrpSpPr/>
+        <p:nvPr/>
+      </p:nvGrpSpPr>
+      <p:grpSpPr>
+        <a:xfrm>
+          <a:off x="0" y="0"/>
+          <a:ext cx="0" cy="0"/>
+          <a:chOff x="0" y="0"/>
+          <a:chExt cx="0" cy="0"/>
+        </a:xfrm>
+      </p:grpSpPr>
+      <p:sp>
+        <p:nvSpPr>
+          <p:cNvPr id="2" name="Slide Image Placeholder 1"/>
+          <p:cNvSpPr>
+            <a:spLocks noGrp="1" noRot="1" noChangeAspect="1"/>
+          </p:cNvSpPr>
+          <p:nvPr>
+            <p:ph type="sldImg"/>
+          </p:nvPr>
+        </p:nvSpPr>
+        <p:spPr/>
+      </p:sp>
+      <p:sp>
+        <p:nvSpPr>
+          <p:cNvPr id="3" name="Notes Placeholder 2"/>
+          <p:cNvSpPr>
+            <a:spLocks noGrp="1"/>
+          </p:cNvSpPr>
+          <p:nvPr>
+            <p:ph type="body" idx="1"/>
+          </p:nvPr>
+        </p:nvSpPr>
+        <p:spPr/>
+        <p:txBody>
+          <a:bodyPr/>
+          <a:lstStyle/>
+          <a:p>
             <a:endParaRPr lang="en-AU" dirty="0"/>
           </a:p>
         </p:txBody>
@@ -779,7 +855,7 @@
               <a:pPr>
                 <a:defRPr/>
               </a:pPr>
-              <a:t>10/10/2020</a:t>
+              <a:t>15/10/2020</a:t>
             </a:fld>
             <a:endParaRPr lang="en-AU"/>
           </a:p>
@@ -976,7 +1052,7 @@
               <a:pPr>
                 <a:defRPr/>
               </a:pPr>
-              <a:t>10/10/2020</a:t>
+              <a:t>15/10/2020</a:t>
             </a:fld>
             <a:endParaRPr lang="en-AU"/>
           </a:p>
@@ -1183,7 +1259,7 @@
               <a:pPr>
                 <a:defRPr/>
               </a:pPr>
-              <a:t>10/10/2020</a:t>
+              <a:t>15/10/2020</a:t>
             </a:fld>
             <a:endParaRPr lang="en-AU"/>
           </a:p>
@@ -1328,7 +1404,7 @@
               <a:pPr>
                 <a:defRPr/>
               </a:pPr>
-              <a:t>10/10/2020</a:t>
+              <a:t>15/10/2020</a:t>
             </a:fld>
             <a:endParaRPr lang="en-AU"/>
           </a:p>
@@ -1597,7 +1673,7 @@
               <a:pPr>
                 <a:defRPr/>
               </a:pPr>
-              <a:t>10/10/2020</a:t>
+              <a:t>15/10/2020</a:t>
             </a:fld>
             <a:endParaRPr lang="en-AU"/>
           </a:p>
@@ -1794,7 +1870,7 @@
               <a:pPr>
                 <a:defRPr/>
               </a:pPr>
-              <a:t>10/10/2020</a:t>
+              <a:t>15/10/2020</a:t>
             </a:fld>
             <a:endParaRPr lang="en-AU"/>
           </a:p>
@@ -2067,7 +2143,7 @@
               <a:pPr>
                 <a:defRPr/>
               </a:pPr>
-              <a:t>10/10/2020</a:t>
+              <a:t>15/10/2020</a:t>
             </a:fld>
             <a:endParaRPr lang="en-AU"/>
           </a:p>
@@ -2382,7 +2458,7 @@
               <a:pPr>
                 <a:defRPr/>
               </a:pPr>
-              <a:t>10/10/2020</a:t>
+              <a:t>15/10/2020</a:t>
             </a:fld>
             <a:endParaRPr lang="en-AU"/>
           </a:p>
@@ -2831,7 +2907,7 @@
               <a:pPr>
                 <a:defRPr/>
               </a:pPr>
-              <a:t>10/10/2020</a:t>
+              <a:t>15/10/2020</a:t>
             </a:fld>
             <a:endParaRPr lang="en-AU"/>
           </a:p>
@@ -2976,7 +3052,7 @@
               <a:pPr>
                 <a:defRPr/>
               </a:pPr>
-              <a:t>10/10/2020</a:t>
+              <a:t>15/10/2020</a:t>
             </a:fld>
             <a:endParaRPr lang="en-AU"/>
           </a:p>
@@ -3098,7 +3174,7 @@
               <a:pPr>
                 <a:defRPr/>
               </a:pPr>
-              <a:t>10/10/2020</a:t>
+              <a:t>15/10/2020</a:t>
             </a:fld>
             <a:endParaRPr lang="en-AU"/>
           </a:p>
@@ -3295,7 +3371,7 @@
               <a:pPr>
                 <a:defRPr/>
               </a:pPr>
-              <a:t>10/10/2020</a:t>
+              <a:t>15/10/2020</a:t>
             </a:fld>
             <a:endParaRPr lang="en-AU"/>
           </a:p>
@@ -3599,7 +3675,7 @@
               <a:pPr>
                 <a:defRPr/>
               </a:pPr>
-              <a:t>10/10/2020</a:t>
+              <a:t>15/10/2020</a:t>
             </a:fld>
             <a:endParaRPr lang="en-AU"/>
           </a:p>
@@ -3882,7 +3958,7 @@
               <a:pPr>
                 <a:defRPr/>
               </a:pPr>
-              <a:t>10/10/2020</a:t>
+              <a:t>15/10/2020</a:t>
             </a:fld>
             <a:endParaRPr lang="en-AU"/>
           </a:p>
@@ -4079,7 +4155,7 @@
               <a:pPr>
                 <a:defRPr/>
               </a:pPr>
-              <a:t>10/10/2020</a:t>
+              <a:t>15/10/2020</a:t>
             </a:fld>
             <a:endParaRPr lang="en-AU"/>
           </a:p>
@@ -4255,7 +4331,7 @@
               <a:pPr>
                 <a:defRPr/>
               </a:pPr>
-              <a:t>10/10/2020</a:t>
+              <a:t>15/10/2020</a:t>
             </a:fld>
             <a:endParaRPr lang="en-AU"/>
           </a:p>
@@ -4462,7 +4538,7 @@
               <a:pPr>
                 <a:defRPr/>
               </a:pPr>
-              <a:t>10/10/2020</a:t>
+              <a:t>15/10/2020</a:t>
             </a:fld>
             <a:endParaRPr lang="en-AU"/>
           </a:p>
@@ -4607,7 +4683,7 @@
               <a:pPr>
                 <a:defRPr/>
               </a:pPr>
-              <a:t>10/10/2020</a:t>
+              <a:t>15/10/2020</a:t>
             </a:fld>
             <a:endParaRPr lang="en-AU"/>
           </a:p>
@@ -4752,7 +4828,7 @@
               <a:pPr>
                 <a:defRPr/>
               </a:pPr>
-              <a:t>10/10/2020</a:t>
+              <a:t>15/10/2020</a:t>
             </a:fld>
             <a:endParaRPr lang="en-AU"/>
           </a:p>
@@ -4897,7 +4973,7 @@
               <a:pPr>
                 <a:defRPr/>
               </a:pPr>
-              <a:t>10/10/2020</a:t>
+              <a:t>15/10/2020</a:t>
             </a:fld>
             <a:endParaRPr lang="en-AU"/>
           </a:p>
@@ -5170,7 +5246,7 @@
               <a:pPr>
                 <a:defRPr/>
               </a:pPr>
-              <a:t>10/10/2020</a:t>
+              <a:t>15/10/2020</a:t>
             </a:fld>
             <a:endParaRPr lang="en-AU"/>
           </a:p>
@@ -5485,7 +5561,7 @@
               <a:pPr>
                 <a:defRPr/>
               </a:pPr>
-              <a:t>10/10/2020</a:t>
+              <a:t>15/10/2020</a:t>
             </a:fld>
             <a:endParaRPr lang="en-AU"/>
           </a:p>
@@ -5934,7 +6010,7 @@
               <a:pPr>
                 <a:defRPr/>
               </a:pPr>
-              <a:t>10/10/2020</a:t>
+              <a:t>15/10/2020</a:t>
             </a:fld>
             <a:endParaRPr lang="en-AU"/>
           </a:p>
@@ -6079,7 +6155,7 @@
               <a:pPr>
                 <a:defRPr/>
               </a:pPr>
-              <a:t>10/10/2020</a:t>
+              <a:t>15/10/2020</a:t>
             </a:fld>
             <a:endParaRPr lang="en-AU"/>
           </a:p>
@@ -6201,7 +6277,7 @@
               <a:pPr>
                 <a:defRPr/>
               </a:pPr>
-              <a:t>10/10/2020</a:t>
+              <a:t>15/10/2020</a:t>
             </a:fld>
             <a:endParaRPr lang="en-AU"/>
           </a:p>
@@ -6505,7 +6581,7 @@
               <a:pPr>
                 <a:defRPr/>
               </a:pPr>
-              <a:t>10/10/2020</a:t>
+              <a:t>15/10/2020</a:t>
             </a:fld>
             <a:endParaRPr lang="en-AU"/>
           </a:p>
@@ -6792,7 +6868,7 @@
               <a:pPr>
                 <a:defRPr/>
               </a:pPr>
-              <a:t>10/10/2020</a:t>
+              <a:t>15/10/2020</a:t>
             </a:fld>
             <a:endParaRPr lang="en-AU"/>
           </a:p>
@@ -7090,7 +7166,7 @@
               <a:pPr>
                 <a:defRPr/>
               </a:pPr>
-              <a:t>10/10/2020</a:t>
+              <a:t>15/10/2020</a:t>
             </a:fld>
             <a:endParaRPr lang="en-AU"/>
           </a:p>
@@ -7816,7 +7892,7 @@
               <a:pPr>
                 <a:defRPr/>
               </a:pPr>
-              <a:t>10/10/2020</a:t>
+              <a:t>15/10/2020</a:t>
             </a:fld>
             <a:endParaRPr lang="en-AU"/>
           </a:p>
@@ -8454,7 +8530,7 @@
           <p:nvPr/>
         </p:nvPicPr>
         <p:blipFill>
-          <a:blip r:embed="rId2">
+          <a:blip r:embed="rId3">
             <a:extLst>
               <a:ext uri="{28A0092B-C50C-407E-A947-70E740481C1C}">
                 <a14:useLocalDpi xmlns:a14="http://schemas.microsoft.com/office/drawing/2010/main" val="0"/>
@@ -9658,7 +9734,7 @@
         <p:spPr>
           <a:xfrm>
             <a:off x="1259631" y="1239143"/>
-            <a:ext cx="7372531" cy="1138773"/>
+            <a:ext cx="7372531" cy="846386"/>
           </a:xfrm>
           <a:prstGeom prst="rect">
             <a:avLst/>
@@ -9676,6 +9752,11 @@
           </a:bodyPr>
           <a:lstStyle/>
           <a:p>
+            <a:pPr>
+              <a:spcAft>
+                <a:spcPts val="600"/>
+              </a:spcAft>
+            </a:pPr>
             <a:r>
               <a:rPr lang="en-AU" sz="2400" b="1" dirty="0" smtClean="0">
                 <a:solidFill>
@@ -9684,11 +9765,19 @@
                 <a:latin typeface="Arial" panose="020B0604020202020204" pitchFamily="34" charset="0"/>
                 <a:cs typeface="Arial" panose="020B0604020202020204" pitchFamily="34" charset="0"/>
               </a:rPr>
-              <a:t>About the company :</a:t>
-            </a:r>
-          </a:p>
-          <a:p>
-            <a:endParaRPr lang="en-AU" sz="2400" b="1" dirty="0" smtClean="0">
+              <a:t>About the company </a:t>
+            </a:r>
+            <a:r>
+              <a:rPr lang="en-AU" sz="2400" b="1" dirty="0" smtClean="0">
+                <a:solidFill>
+                  <a:srgbClr val="0F0F7F"/>
+                </a:solidFill>
+                <a:latin typeface="Arial" panose="020B0604020202020204" pitchFamily="34" charset="0"/>
+                <a:cs typeface="Arial" panose="020B0604020202020204" pitchFamily="34" charset="0"/>
+              </a:rPr>
+              <a:t>:</a:t>
+            </a:r>
+            <a:endParaRPr lang="en-AU" sz="800" b="1" dirty="0" smtClean="0">
               <a:solidFill>
                 <a:srgbClr val="0F0F7F"/>
               </a:solidFill>
@@ -9708,20 +9797,7 @@
                 <a:latin typeface="Arial" panose="020B0604020202020204" pitchFamily="34" charset="0"/>
                 <a:cs typeface="Arial" panose="020B0604020202020204" pitchFamily="34" charset="0"/>
               </a:rPr>
-              <a:t>Its an Australian entrepreneurial </a:t>
-            </a:r>
-            <a:r>
-              <a:rPr lang="en-AU" sz="2000" b="1" dirty="0" smtClean="0">
-                <a:solidFill>
-                  <a:schemeClr val="tx2">
-                    <a:lumMod val="60000"/>
-                    <a:lumOff val="40000"/>
-                  </a:schemeClr>
-                </a:solidFill>
-                <a:latin typeface="Arial" panose="020B0604020202020204" pitchFamily="34" charset="0"/>
-                <a:cs typeface="Arial" panose="020B0604020202020204" pitchFamily="34" charset="0"/>
-              </a:rPr>
-              <a:t>endeavour.</a:t>
+              <a:t>Its an Australian entrepreneurial endeavour.</a:t>
             </a:r>
             <a:endParaRPr lang="en-AU" u="sng" dirty="0">
               <a:solidFill>
@@ -9742,7 +9818,7 @@
         <p:spPr>
           <a:xfrm>
             <a:off x="1259632" y="2687141"/>
-            <a:ext cx="7372531" cy="1523494"/>
+            <a:ext cx="7372531" cy="1154162"/>
           </a:xfrm>
           <a:prstGeom prst="rect">
             <a:avLst/>
@@ -9766,6 +9842,26 @@
               </a:spcAft>
             </a:pPr>
             <a:r>
+              <a:rPr lang="en-AU" sz="2400" b="1" dirty="0">
+                <a:solidFill>
+                  <a:srgbClr val="0F0F7F"/>
+                </a:solidFill>
+                <a:latin typeface="Arial" panose="020B0604020202020204" pitchFamily="34" charset="0"/>
+                <a:cs typeface="Arial" panose="020B0604020202020204" pitchFamily="34" charset="0"/>
+              </a:rPr>
+              <a:t>Mission and vision of the company</a:t>
+            </a:r>
+            <a:r>
+              <a:rPr lang="en-AU" sz="2400" b="1" dirty="0">
+                <a:solidFill>
+                  <a:srgbClr val="0F0F7F"/>
+                </a:solidFill>
+                <a:latin typeface="Arial" panose="020B0604020202020204" pitchFamily="34" charset="0"/>
+                <a:cs typeface="Arial" panose="020B0604020202020204" pitchFamily="34" charset="0"/>
+              </a:rPr>
+              <a:t> </a:t>
+            </a:r>
+            <a:r>
               <a:rPr lang="en-AU" sz="2400" b="1" dirty="0" smtClean="0">
                 <a:solidFill>
                   <a:srgbClr val="0F0F7F"/>
@@ -9773,31 +9869,11 @@
                 <a:latin typeface="Arial" panose="020B0604020202020204" pitchFamily="34" charset="0"/>
                 <a:cs typeface="Arial" panose="020B0604020202020204" pitchFamily="34" charset="0"/>
               </a:rPr>
-              <a:t>Mission and vision of the company</a:t>
-            </a:r>
-            <a:r>
-              <a:rPr lang="en-AU" sz="1400" dirty="0" smtClean="0">
-                <a:solidFill>
-                  <a:srgbClr val="0F0F7F"/>
-                </a:solidFill>
-                <a:latin typeface="Arial" panose="020B0604020202020204" pitchFamily="34" charset="0"/>
-                <a:cs typeface="Arial" panose="020B0604020202020204" pitchFamily="34" charset="0"/>
-              </a:rPr>
-              <a:t>.</a:t>
-            </a:r>
-          </a:p>
-          <a:p>
-            <a:pPr>
-              <a:spcAft>
-                <a:spcPts val="600"/>
-              </a:spcAft>
-            </a:pPr>
-            <a:endParaRPr lang="en-AU" sz="1400" b="1" dirty="0" smtClean="0">
+              <a:t>:</a:t>
+            </a:r>
+            <a:endParaRPr lang="en-AU" sz="800" b="1" dirty="0">
               <a:solidFill>
-                <a:schemeClr val="tx2">
-                  <a:lumMod val="60000"/>
-                  <a:lumOff val="40000"/>
-                </a:schemeClr>
+                <a:srgbClr val="0F0F7F"/>
               </a:solidFill>
               <a:latin typeface="Arial" panose="020B0604020202020204" pitchFamily="34" charset="0"/>
               <a:cs typeface="Arial" panose="020B0604020202020204" pitchFamily="34" charset="0"/>
@@ -9806,7 +9882,7 @@
           <a:p>
             <a:pPr>
               <a:spcAft>
-                <a:spcPts val="600"/>
+                <a:spcPts val="0"/>
               </a:spcAft>
             </a:pPr>
             <a:r>
@@ -9826,7 +9902,7 @@
           <a:p>
             <a:pPr>
               <a:spcAft>
-                <a:spcPts val="600"/>
+                <a:spcPts val="0"/>
               </a:spcAft>
             </a:pPr>
             <a:r>
@@ -10833,7 +10909,7 @@
         <p:spPr>
           <a:xfrm>
             <a:off x="3534995" y="323364"/>
-            <a:ext cx="1848583" cy="400110"/>
+            <a:ext cx="1887248" cy="400110"/>
           </a:xfrm>
           <a:prstGeom prst="rect">
             <a:avLst/>
@@ -10861,7 +10937,75 @@
                 <a:latin typeface="Arial" panose="020B0604020202020204" pitchFamily="34" charset="0"/>
                 <a:cs typeface="Arial" panose="020B0604020202020204" pitchFamily="34" charset="0"/>
               </a:rPr>
-              <a:t>How it works:</a:t>
+              <a:t>How </a:t>
+            </a:r>
+            <a:r>
+              <a:rPr lang="en-AU" sz="2000" b="1" u="sng" dirty="0" smtClean="0">
+                <a:solidFill>
+                  <a:srgbClr val="0F0F7F"/>
+                </a:solidFill>
+                <a:effectLst>
+                  <a:outerShdw blurRad="38100" dist="38100" dir="2700000" algn="tl">
+                    <a:srgbClr val="000000">
+                      <a:alpha val="43137"/>
+                    </a:srgbClr>
+                  </a:outerShdw>
+                </a:effectLst>
+                <a:latin typeface="Arial" panose="020B0604020202020204" pitchFamily="34" charset="0"/>
+                <a:cs typeface="Arial" panose="020B0604020202020204" pitchFamily="34" charset="0"/>
+              </a:rPr>
+              <a:t>It </a:t>
+            </a:r>
+            <a:r>
+              <a:rPr lang="en-AU" sz="2000" b="1" u="sng" dirty="0">
+                <a:solidFill>
+                  <a:srgbClr val="0F0F7F"/>
+                </a:solidFill>
+                <a:effectLst>
+                  <a:outerShdw blurRad="38100" dist="38100" dir="2700000" algn="tl">
+                    <a:srgbClr val="000000">
+                      <a:alpha val="43137"/>
+                    </a:srgbClr>
+                  </a:outerShdw>
+                </a:effectLst>
+                <a:latin typeface="Arial" panose="020B0604020202020204" pitchFamily="34" charset="0"/>
+                <a:cs typeface="Arial" panose="020B0604020202020204" pitchFamily="34" charset="0"/>
+              </a:rPr>
+              <a:t>W</a:t>
+            </a:r>
+            <a:r>
+              <a:rPr lang="en-AU" sz="2000" b="1" u="sng" dirty="0" smtClean="0">
+                <a:solidFill>
+                  <a:srgbClr val="0F0F7F"/>
+                </a:solidFill>
+                <a:effectLst>
+                  <a:outerShdw blurRad="38100" dist="38100" dir="2700000" algn="tl">
+                    <a:srgbClr val="000000">
+                      <a:alpha val="43137"/>
+                    </a:srgbClr>
+                  </a:outerShdw>
+                </a:effectLst>
+                <a:latin typeface="Arial" panose="020B0604020202020204" pitchFamily="34" charset="0"/>
+                <a:cs typeface="Arial" panose="020B0604020202020204" pitchFamily="34" charset="0"/>
+              </a:rPr>
+              <a:t>orks</a:t>
+            </a:r>
+            <a:r>
+              <a:rPr lang="en-AU" sz="2000" b="1" u="sng" dirty="0" smtClean="0">
+                <a:solidFill>
+                  <a:srgbClr val="0F0F7F"/>
+                </a:solidFill>
+                <a:effectLst>
+                  <a:outerShdw blurRad="38100" dist="38100" dir="2700000" algn="tl">
+                    <a:srgbClr val="000000">
+                      <a:alpha val="43137"/>
+                    </a:srgbClr>
+                  </a:outerShdw>
+                </a:effectLst>
+                <a:latin typeface="Arial" panose="020B0604020202020204" pitchFamily="34" charset="0"/>
+                <a:cs typeface="Arial" panose="020B0604020202020204" pitchFamily="34" charset="0"/>
+              </a:rPr>
+              <a:t>:</a:t>
             </a:r>
             <a:endParaRPr lang="en-AU" sz="2000" b="1" u="sng" dirty="0">
               <a:solidFill>
@@ -11412,11 +11556,7 @@
           <a:p>
             <a:r>
               <a:rPr lang="en-AU" sz="1600" dirty="0" smtClean="0"/>
-              <a:t>Study </a:t>
-            </a:r>
-            <a:r>
-              <a:rPr lang="en-AU" sz="1600" dirty="0" smtClean="0"/>
-              <a:t>anywhere</a:t>
+              <a:t>Study anywhere</a:t>
             </a:r>
             <a:endParaRPr lang="en-AU" sz="1600" dirty="0"/>
           </a:p>
@@ -11446,11 +11586,7 @@
           <a:p>
             <a:r>
               <a:rPr lang="en-AU" sz="1600" dirty="0" smtClean="0"/>
-              <a:t>Study at </a:t>
-            </a:r>
-            <a:r>
-              <a:rPr lang="en-AU" sz="1600" dirty="0" smtClean="0"/>
-              <a:t>your pace</a:t>
+              <a:t>Study at your pace</a:t>
             </a:r>
             <a:endParaRPr lang="en-AU" sz="1600" dirty="0"/>
           </a:p>
@@ -11554,7 +11690,15 @@
                   <a:schemeClr val="bg1"/>
                 </a:solidFill>
               </a:rPr>
-              <a:t>Rating teachers</a:t>
+              <a:t> Rating </a:t>
+            </a:r>
+            <a:r>
+              <a:rPr lang="en-AU" sz="1400" dirty="0" smtClean="0">
+                <a:solidFill>
+                  <a:schemeClr val="bg1"/>
+                </a:solidFill>
+              </a:rPr>
+              <a:t>teachers</a:t>
             </a:r>
             <a:endParaRPr lang="en-AU" sz="1400" dirty="0">
               <a:solidFill>
@@ -11632,7 +11776,15 @@
                   <a:schemeClr val="bg1"/>
                 </a:solidFill>
               </a:rPr>
-              <a:t>Ongoing process</a:t>
+              <a:t> Ongoing </a:t>
+            </a:r>
+            <a:r>
+              <a:rPr lang="en-AU" sz="1400" dirty="0" smtClean="0">
+                <a:solidFill>
+                  <a:schemeClr val="bg1"/>
+                </a:solidFill>
+              </a:rPr>
+              <a:t>process</a:t>
             </a:r>
             <a:endParaRPr lang="en-AU" sz="1400" dirty="0">
               <a:solidFill>
@@ -11871,6 +12023,46 @@
           <a:chExt cx="0" cy="0"/>
         </a:xfrm>
       </p:grpSpPr>
+      <p:sp>
+        <p:nvSpPr>
+          <p:cNvPr id="22" name="Rectangle 21"/>
+          <p:cNvSpPr/>
+          <p:nvPr/>
+        </p:nvSpPr>
+        <p:spPr>
+          <a:xfrm>
+            <a:off x="6732240" y="1460925"/>
+            <a:ext cx="1008112" cy="417481"/>
+          </a:xfrm>
+          <a:prstGeom prst="rect">
+            <a:avLst/>
+          </a:prstGeom>
+        </p:spPr>
+        <p:style>
+          <a:lnRef idx="2">
+            <a:schemeClr val="accent1">
+              <a:shade val="50000"/>
+            </a:schemeClr>
+          </a:lnRef>
+          <a:fillRef idx="1">
+            <a:schemeClr val="accent1"/>
+          </a:fillRef>
+          <a:effectRef idx="0">
+            <a:schemeClr val="accent1"/>
+          </a:effectRef>
+          <a:fontRef idx="minor">
+            <a:schemeClr val="lt1"/>
+          </a:fontRef>
+        </p:style>
+        <p:txBody>
+          <a:bodyPr rtlCol="0" anchor="ctr"/>
+          <a:lstStyle/>
+          <a:p>
+            <a:pPr algn="ctr"/>
+            <a:endParaRPr lang="en-AU"/>
+          </a:p>
+        </p:txBody>
+      </p:sp>
       <p:pic>
         <p:nvPicPr>
           <p:cNvPr id="8" name="Picture 5"/>
@@ -12737,1287 +12929,6 @@
       </p:sp>
       <p:pic>
         <p:nvPicPr>
-          <p:cNvPr id="1029" name="Picture 5"/>
-          <p:cNvPicPr>
-            <a:picLocks noChangeAspect="1" noChangeArrowheads="1"/>
-          </p:cNvPicPr>
-          <p:nvPr/>
-        </p:nvPicPr>
-        <p:blipFill>
-          <a:blip r:embed="rId5">
-            <a:duotone>
-              <a:schemeClr val="accent5">
-                <a:shade val="45000"/>
-                <a:satMod val="135000"/>
-              </a:schemeClr>
-              <a:prstClr val="white"/>
-            </a:duotone>
-            <a:extLst>
-              <a:ext uri="{BEBA8EAE-BF5A-486C-A8C5-ECC9F3942E4B}">
-                <a14:imgProps xmlns:a14="http://schemas.microsoft.com/office/drawing/2010/main">
-                  <a14:imgLayer r:embed="rId6">
-                    <a14:imgEffect>
-                      <a14:sharpenSoften amount="-50000"/>
-                    </a14:imgEffect>
-                    <a14:imgEffect>
-                      <a14:brightnessContrast contrast="-55000"/>
-                    </a14:imgEffect>
-                  </a14:imgLayer>
-                </a14:imgProps>
-              </a:ext>
-              <a:ext uri="{28A0092B-C50C-407E-A947-70E740481C1C}">
-                <a14:useLocalDpi xmlns:a14="http://schemas.microsoft.com/office/drawing/2010/main" val="0"/>
-              </a:ext>
-            </a:extLst>
-          </a:blip>
-          <a:srcRect/>
-          <a:stretch>
-            <a:fillRect/>
-          </a:stretch>
-        </p:blipFill>
-        <p:spPr bwMode="auto">
-          <a:xfrm>
-            <a:off x="5076056" y="260648"/>
-            <a:ext cx="4067944" cy="4087224"/>
-          </a:xfrm>
-          <a:prstGeom prst="rect">
-            <a:avLst/>
-          </a:prstGeom>
-          <a:noFill/>
-          <a:ln>
-            <a:noFill/>
-          </a:ln>
-          <a:extLst>
-            <a:ext uri="{909E8E84-426E-40DD-AFC4-6F175D3DCCD1}">
-              <a14:hiddenFill xmlns:a14="http://schemas.microsoft.com/office/drawing/2010/main">
-                <a:solidFill>
-                  <a:schemeClr val="accent1"/>
-                </a:solidFill>
-              </a14:hiddenFill>
-            </a:ext>
-            <a:ext uri="{91240B29-F687-4F45-9708-019B960494DF}">
-              <a14:hiddenLine xmlns:a14="http://schemas.microsoft.com/office/drawing/2010/main" w="9525">
-                <a:solidFill>
-                  <a:schemeClr val="tx1"/>
-                </a:solidFill>
-                <a:miter lim="800000"/>
-                <a:headEnd/>
-                <a:tailEnd/>
-              </a14:hiddenLine>
-            </a:ext>
-          </a:extLst>
-        </p:spPr>
-      </p:pic>
-      <p:sp>
-        <p:nvSpPr>
-          <p:cNvPr id="3" name="Rectangle 2"/>
-          <p:cNvSpPr/>
-          <p:nvPr/>
-        </p:nvSpPr>
-        <p:spPr>
-          <a:xfrm>
-            <a:off x="5112568" y="965627"/>
-            <a:ext cx="4860032" cy="2585323"/>
-          </a:xfrm>
-          <a:prstGeom prst="rect">
-            <a:avLst/>
-          </a:prstGeom>
-        </p:spPr>
-        <p:txBody>
-          <a:bodyPr wrap="square">
-            <a:spAutoFit/>
-          </a:bodyPr>
-          <a:lstStyle/>
-          <a:p>
-            <a:pPr marL="285750" indent="-285750">
-              <a:buFont typeface="Wingdings" panose="05000000000000000000" pitchFamily="2" charset="2"/>
-              <a:buChar char="Ø"/>
-            </a:pPr>
-            <a:endParaRPr lang="en-AU" b="1" dirty="0" smtClean="0">
-              <a:solidFill>
-                <a:srgbClr val="0F0F7F"/>
-              </a:solidFill>
-            </a:endParaRPr>
-          </a:p>
-          <a:p>
-            <a:pPr marL="342900" indent="-342900">
-              <a:buFont typeface="Wingdings" panose="05000000000000000000" pitchFamily="2" charset="2"/>
-              <a:buChar char="!"/>
-            </a:pPr>
-            <a:r>
-              <a:rPr lang="en-AU" sz="2400" b="1" dirty="0">
-                <a:solidFill>
-                  <a:srgbClr val="2F2FAF"/>
-                </a:solidFill>
-              </a:rPr>
-              <a:t>Ongoing income opportunity</a:t>
-            </a:r>
-          </a:p>
-          <a:p>
-            <a:pPr marL="342900" indent="-342900">
-              <a:buFont typeface="Wingdings" panose="05000000000000000000" pitchFamily="2" charset="2"/>
-              <a:buChar char="!"/>
-            </a:pPr>
-            <a:r>
-              <a:rPr lang="en-AU" sz="2400" b="1" dirty="0" smtClean="0">
-                <a:solidFill>
-                  <a:srgbClr val="2F2FAF"/>
-                </a:solidFill>
-              </a:rPr>
-              <a:t>Money and time freedom</a:t>
-            </a:r>
-          </a:p>
-          <a:p>
-            <a:pPr marL="342900" indent="-342900">
-              <a:buFont typeface="Wingdings" panose="05000000000000000000" pitchFamily="2" charset="2"/>
-              <a:buChar char="!"/>
-            </a:pPr>
-            <a:r>
-              <a:rPr lang="en-AU" sz="2400" b="1" dirty="0" smtClean="0">
-                <a:solidFill>
-                  <a:srgbClr val="2F2FAF"/>
-                </a:solidFill>
-              </a:rPr>
-              <a:t>No </a:t>
-            </a:r>
-            <a:r>
-              <a:rPr lang="en-AU" sz="2400" b="1" dirty="0">
-                <a:solidFill>
-                  <a:srgbClr val="2F2FAF"/>
-                </a:solidFill>
-              </a:rPr>
-              <a:t>repetitive work</a:t>
-            </a:r>
-            <a:endParaRPr lang="en-AU" sz="2400" b="1" dirty="0">
-              <a:solidFill>
-                <a:srgbClr val="2F2FAF"/>
-              </a:solidFill>
-            </a:endParaRPr>
-          </a:p>
-          <a:p>
-            <a:pPr marL="342900" indent="-342900">
-              <a:buFont typeface="Wingdings" panose="05000000000000000000" pitchFamily="2" charset="2"/>
-              <a:buChar char="!"/>
-            </a:pPr>
-            <a:r>
-              <a:rPr lang="en-AU" sz="2400" b="1" dirty="0">
-                <a:solidFill>
-                  <a:srgbClr val="2F2FAF"/>
-                </a:solidFill>
-              </a:rPr>
-              <a:t>One time </a:t>
-            </a:r>
-            <a:r>
-              <a:rPr lang="en-AU" sz="2400" b="1" dirty="0">
-                <a:solidFill>
-                  <a:srgbClr val="2F2FAF"/>
-                </a:solidFill>
-              </a:rPr>
-              <a:t>upload with the </a:t>
-            </a:r>
-          </a:p>
-          <a:p>
-            <a:r>
-              <a:rPr lang="en-AU" sz="2400" b="1" dirty="0">
-                <a:solidFill>
-                  <a:srgbClr val="2F2FAF"/>
-                </a:solidFill>
-              </a:rPr>
-              <a:t> </a:t>
-            </a:r>
-            <a:r>
-              <a:rPr lang="en-AU" sz="2400" b="1" dirty="0" smtClean="0">
-                <a:solidFill>
-                  <a:srgbClr val="2F2FAF"/>
-                </a:solidFill>
-              </a:rPr>
-              <a:t>     best quality work</a:t>
-            </a:r>
-          </a:p>
-          <a:p>
-            <a:pPr marL="342900" indent="-342900">
-              <a:buFont typeface="Wingdings" panose="05000000000000000000" pitchFamily="2" charset="2"/>
-              <a:buChar char="!"/>
-            </a:pPr>
-            <a:r>
-              <a:rPr lang="en-AU" sz="2400" b="1" dirty="0" smtClean="0">
-                <a:solidFill>
-                  <a:srgbClr val="2F2FAF"/>
-                </a:solidFill>
-              </a:rPr>
-              <a:t>Job </a:t>
-            </a:r>
-            <a:r>
-              <a:rPr lang="en-AU" sz="2400" b="1" dirty="0">
-                <a:solidFill>
-                  <a:srgbClr val="2F2FAF"/>
-                </a:solidFill>
-              </a:rPr>
-              <a:t>satisfaction</a:t>
-            </a:r>
-          </a:p>
-        </p:txBody>
-      </p:sp>
-      <p:pic>
-        <p:nvPicPr>
-          <p:cNvPr id="2053" name="Picture 5"/>
-          <p:cNvPicPr>
-            <a:picLocks noChangeAspect="1" noChangeArrowheads="1"/>
-          </p:cNvPicPr>
-          <p:nvPr/>
-        </p:nvPicPr>
-        <p:blipFill>
-          <a:blip r:embed="rId7">
-            <a:extLst>
-              <a:ext uri="{28A0092B-C50C-407E-A947-70E740481C1C}">
-                <a14:useLocalDpi xmlns:a14="http://schemas.microsoft.com/office/drawing/2010/main" val="0"/>
-              </a:ext>
-            </a:extLst>
-          </a:blip>
-          <a:srcRect/>
-          <a:stretch>
-            <a:fillRect/>
-          </a:stretch>
-        </p:blipFill>
-        <p:spPr bwMode="auto">
-          <a:xfrm>
-            <a:off x="414908" y="1196752"/>
-            <a:ext cx="4229100" cy="2295525"/>
-          </a:xfrm>
-          <a:prstGeom prst="rect">
-            <a:avLst/>
-          </a:prstGeom>
-          <a:noFill/>
-          <a:ln>
-            <a:noFill/>
-          </a:ln>
-          <a:extLst>
-            <a:ext uri="{909E8E84-426E-40DD-AFC4-6F175D3DCCD1}">
-              <a14:hiddenFill xmlns:a14="http://schemas.microsoft.com/office/drawing/2010/main">
-                <a:solidFill>
-                  <a:schemeClr val="accent1"/>
-                </a:solidFill>
-              </a14:hiddenFill>
-            </a:ext>
-            <a:ext uri="{91240B29-F687-4F45-9708-019B960494DF}">
-              <a14:hiddenLine xmlns:a14="http://schemas.microsoft.com/office/drawing/2010/main" w="9525">
-                <a:solidFill>
-                  <a:schemeClr val="tx1"/>
-                </a:solidFill>
-                <a:miter lim="800000"/>
-                <a:headEnd/>
-                <a:tailEnd/>
-              </a14:hiddenLine>
-            </a:ext>
-          </a:extLst>
-        </p:spPr>
-      </p:pic>
-      <p:sp>
-        <p:nvSpPr>
-          <p:cNvPr id="4" name="Rectangle 3"/>
-          <p:cNvSpPr/>
-          <p:nvPr/>
-        </p:nvSpPr>
-        <p:spPr>
-          <a:xfrm>
-            <a:off x="2664296" y="332656"/>
-            <a:ext cx="4572000" cy="677108"/>
-          </a:xfrm>
-          <a:prstGeom prst="rect">
-            <a:avLst/>
-          </a:prstGeom>
-        </p:spPr>
-        <p:txBody>
-          <a:bodyPr>
-            <a:spAutoFit/>
-          </a:bodyPr>
-          <a:lstStyle/>
-          <a:p>
-            <a:r>
-              <a:rPr lang="en-AU" sz="2000" b="1" u="sng" dirty="0">
-                <a:solidFill>
-                  <a:srgbClr val="0F0F7F"/>
-                </a:solidFill>
-                <a:effectLst>
-                  <a:outerShdw blurRad="38100" dist="38100" dir="2700000" algn="tl">
-                    <a:srgbClr val="000000">
-                      <a:alpha val="43137"/>
-                    </a:srgbClr>
-                  </a:outerShdw>
-                </a:effectLst>
-                <a:latin typeface="Arial" panose="020B0604020202020204" pitchFamily="34" charset="0"/>
-                <a:cs typeface="Arial" panose="020B0604020202020204" pitchFamily="34" charset="0"/>
-              </a:rPr>
-              <a:t>Benefits for the teachers</a:t>
-            </a:r>
-            <a:r>
-              <a:rPr lang="en-AU" sz="2000" b="1" u="sng" dirty="0">
-                <a:solidFill>
-                  <a:srgbClr val="0F0F7F"/>
-                </a:solidFill>
-                <a:effectLst>
-                  <a:outerShdw blurRad="38100" dist="38100" dir="2700000" algn="tl">
-                    <a:srgbClr val="000000">
-                      <a:alpha val="43137"/>
-                    </a:srgbClr>
-                  </a:outerShdw>
-                </a:effectLst>
-              </a:rPr>
-              <a:t>:</a:t>
-            </a:r>
-          </a:p>
-          <a:p>
-            <a:endParaRPr lang="en-AU" b="1" u="sng" dirty="0">
-              <a:solidFill>
-                <a:srgbClr val="0F0F7F"/>
-              </a:solidFill>
-            </a:endParaRPr>
-          </a:p>
-        </p:txBody>
-      </p:sp>
-    </p:spTree>
-    <p:extLst>
-      <p:ext uri="{BB962C8B-B14F-4D97-AF65-F5344CB8AC3E}">
-        <p14:creationId xmlns:p14="http://schemas.microsoft.com/office/powerpoint/2010/main" val="1624750435"/>
-      </p:ext>
-    </p:extLst>
-  </p:cSld>
-  <p:clrMapOvr>
-    <a:masterClrMapping/>
-  </p:clrMapOvr>
-  <p:timing>
-    <p:tnLst>
-      <p:par>
-        <p:cTn id="1" dur="indefinite" restart="never" nodeType="tmRoot"/>
-      </p:par>
-    </p:tnLst>
-  </p:timing>
-</p:sld>
-</file>
-
-<file path=ppt/slides/slide5.xml><?xml version="1.0" encoding="utf-8"?>
-<p:sld xmlns:a="http://schemas.openxmlformats.org/drawingml/2006/main" xmlns:r="http://schemas.openxmlformats.org/officeDocument/2006/relationships" xmlns:p="http://schemas.openxmlformats.org/presentationml/2006/main">
-  <p:cSld>
-    <p:spTree>
-      <p:nvGrpSpPr>
-        <p:cNvPr id="1" name=""/>
-        <p:cNvGrpSpPr/>
-        <p:nvPr/>
-      </p:nvGrpSpPr>
-      <p:grpSpPr>
-        <a:xfrm>
-          <a:off x="0" y="0"/>
-          <a:ext cx="0" cy="0"/>
-          <a:chOff x="0" y="0"/>
-          <a:chExt cx="0" cy="0"/>
-        </a:xfrm>
-      </p:grpSpPr>
-      <p:sp>
-        <p:nvSpPr>
-          <p:cNvPr id="22" name="Rectangle 21"/>
-          <p:cNvSpPr/>
-          <p:nvPr/>
-        </p:nvSpPr>
-        <p:spPr>
-          <a:xfrm>
-            <a:off x="6732240" y="1460925"/>
-            <a:ext cx="1008112" cy="417481"/>
-          </a:xfrm>
-          <a:prstGeom prst="rect">
-            <a:avLst/>
-          </a:prstGeom>
-        </p:spPr>
-        <p:style>
-          <a:lnRef idx="2">
-            <a:schemeClr val="accent1">
-              <a:shade val="50000"/>
-            </a:schemeClr>
-          </a:lnRef>
-          <a:fillRef idx="1">
-            <a:schemeClr val="accent1"/>
-          </a:fillRef>
-          <a:effectRef idx="0">
-            <a:schemeClr val="accent1"/>
-          </a:effectRef>
-          <a:fontRef idx="minor">
-            <a:schemeClr val="lt1"/>
-          </a:fontRef>
-        </p:style>
-        <p:txBody>
-          <a:bodyPr rtlCol="0" anchor="ctr"/>
-          <a:lstStyle/>
-          <a:p>
-            <a:pPr algn="ctr"/>
-            <a:endParaRPr lang="en-AU"/>
-          </a:p>
-        </p:txBody>
-      </p:sp>
-      <p:pic>
-        <p:nvPicPr>
-          <p:cNvPr id="8" name="Picture 5"/>
-          <p:cNvPicPr>
-            <a:picLocks noChangeAspect="1" noChangeArrowheads="1"/>
-          </p:cNvPicPr>
-          <p:nvPr/>
-        </p:nvPicPr>
-        <p:blipFill>
-          <a:blip r:embed="rId2">
-            <a:extLst>
-              <a:ext uri="{BEBA8EAE-BF5A-486C-A8C5-ECC9F3942E4B}">
-                <a14:imgProps xmlns:a14="http://schemas.microsoft.com/office/drawing/2010/main">
-                  <a14:imgLayer r:embed="rId3">
-                    <a14:imgEffect>
-                      <a14:sharpenSoften amount="-50000"/>
-                    </a14:imgEffect>
-                    <a14:imgEffect>
-                      <a14:brightnessContrast bright="11000"/>
-                    </a14:imgEffect>
-                  </a14:imgLayer>
-                </a14:imgProps>
-              </a:ext>
-              <a:ext uri="{28A0092B-C50C-407E-A947-70E740481C1C}">
-                <a14:useLocalDpi xmlns:a14="http://schemas.microsoft.com/office/drawing/2010/main" val="0"/>
-              </a:ext>
-            </a:extLst>
-          </a:blip>
-          <a:srcRect/>
-          <a:stretch>
-            <a:fillRect/>
-          </a:stretch>
-        </p:blipFill>
-        <p:spPr bwMode="auto">
-          <a:xfrm>
-            <a:off x="4680" y="2348422"/>
-            <a:ext cx="9146381" cy="4509578"/>
-          </a:xfrm>
-          <a:prstGeom prst="rect">
-            <a:avLst/>
-          </a:prstGeom>
-          <a:noFill/>
-          <a:ln>
-            <a:noFill/>
-          </a:ln>
-          <a:extLst>
-            <a:ext uri="{909E8E84-426E-40DD-AFC4-6F175D3DCCD1}">
-              <a14:hiddenFill xmlns:a14="http://schemas.microsoft.com/office/drawing/2010/main">
-                <a:solidFill>
-                  <a:schemeClr val="accent1"/>
-                </a:solidFill>
-              </a14:hiddenFill>
-            </a:ext>
-            <a:ext uri="{91240B29-F687-4F45-9708-019B960494DF}">
-              <a14:hiddenLine xmlns:a14="http://schemas.microsoft.com/office/drawing/2010/main" w="9525">
-                <a:solidFill>
-                  <a:schemeClr val="tx1"/>
-                </a:solidFill>
-                <a:miter lim="800000"/>
-                <a:headEnd/>
-                <a:tailEnd/>
-              </a14:hiddenLine>
-            </a:ext>
-          </a:extLst>
-        </p:spPr>
-      </p:pic>
-      <p:sp>
-        <p:nvSpPr>
-          <p:cNvPr id="7" name="Freeform 6"/>
-          <p:cNvSpPr/>
-          <p:nvPr/>
-        </p:nvSpPr>
-        <p:spPr>
-          <a:xfrm>
-            <a:off x="-2381" y="5955109"/>
-            <a:ext cx="1910085" cy="902891"/>
-          </a:xfrm>
-          <a:custGeom>
-            <a:avLst/>
-            <a:gdLst>
-              <a:gd name="connsiteX0" fmla="*/ 0 w 3571875"/>
-              <a:gd name="connsiteY0" fmla="*/ 4210050 h 4210050"/>
-              <a:gd name="connsiteX1" fmla="*/ 0 w 3571875"/>
-              <a:gd name="connsiteY1" fmla="*/ 0 h 4210050"/>
-              <a:gd name="connsiteX2" fmla="*/ 3571875 w 3571875"/>
-              <a:gd name="connsiteY2" fmla="*/ 4210050 h 4210050"/>
-              <a:gd name="connsiteX3" fmla="*/ 0 w 3571875"/>
-              <a:gd name="connsiteY3" fmla="*/ 4210050 h 4210050"/>
-              <a:gd name="connsiteX0" fmla="*/ 0 w 3571875"/>
-              <a:gd name="connsiteY0" fmla="*/ 4210050 h 4210050"/>
-              <a:gd name="connsiteX1" fmla="*/ 0 w 3571875"/>
-              <a:gd name="connsiteY1" fmla="*/ 0 h 4210050"/>
-              <a:gd name="connsiteX2" fmla="*/ 2028825 w 3571875"/>
-              <a:gd name="connsiteY2" fmla="*/ 2388394 h 4210050"/>
-              <a:gd name="connsiteX3" fmla="*/ 3571875 w 3571875"/>
-              <a:gd name="connsiteY3" fmla="*/ 4210050 h 4210050"/>
-              <a:gd name="connsiteX4" fmla="*/ 0 w 3571875"/>
-              <a:gd name="connsiteY4" fmla="*/ 4210050 h 4210050"/>
-              <a:gd name="connsiteX0" fmla="*/ 0 w 3571875"/>
-              <a:gd name="connsiteY0" fmla="*/ 4210050 h 4210050"/>
-              <a:gd name="connsiteX1" fmla="*/ 0 w 3571875"/>
-              <a:gd name="connsiteY1" fmla="*/ 0 h 4210050"/>
-              <a:gd name="connsiteX2" fmla="*/ 2028825 w 3571875"/>
-              <a:gd name="connsiteY2" fmla="*/ 2205038 h 4210050"/>
-              <a:gd name="connsiteX3" fmla="*/ 3571875 w 3571875"/>
-              <a:gd name="connsiteY3" fmla="*/ 4210050 h 4210050"/>
-              <a:gd name="connsiteX4" fmla="*/ 0 w 3571875"/>
-              <a:gd name="connsiteY4" fmla="*/ 4210050 h 4210050"/>
-              <a:gd name="connsiteX0" fmla="*/ 0 w 3571875"/>
-              <a:gd name="connsiteY0" fmla="*/ 4210050 h 4210050"/>
-              <a:gd name="connsiteX1" fmla="*/ 0 w 3571875"/>
-              <a:gd name="connsiteY1" fmla="*/ 0 h 4210050"/>
-              <a:gd name="connsiteX2" fmla="*/ 2028825 w 3571875"/>
-              <a:gd name="connsiteY2" fmla="*/ 2393157 h 4210050"/>
-              <a:gd name="connsiteX3" fmla="*/ 3571875 w 3571875"/>
-              <a:gd name="connsiteY3" fmla="*/ 4210050 h 4210050"/>
-              <a:gd name="connsiteX4" fmla="*/ 0 w 3571875"/>
-              <a:gd name="connsiteY4" fmla="*/ 4210050 h 4210050"/>
-              <a:gd name="connsiteX0" fmla="*/ 0 w 3571875"/>
-              <a:gd name="connsiteY0" fmla="*/ 4210050 h 4210050"/>
-              <a:gd name="connsiteX1" fmla="*/ 0 w 3571875"/>
-              <a:gd name="connsiteY1" fmla="*/ 0 h 4210050"/>
-              <a:gd name="connsiteX2" fmla="*/ 2028825 w 3571875"/>
-              <a:gd name="connsiteY2" fmla="*/ 2393157 h 4210050"/>
-              <a:gd name="connsiteX3" fmla="*/ 3571875 w 3571875"/>
-              <a:gd name="connsiteY3" fmla="*/ 4210050 h 4210050"/>
-              <a:gd name="connsiteX4" fmla="*/ 0 w 3571875"/>
-              <a:gd name="connsiteY4" fmla="*/ 4210050 h 4210050"/>
-              <a:gd name="connsiteX0" fmla="*/ 0 w 3571875"/>
-              <a:gd name="connsiteY0" fmla="*/ 4210050 h 4210050"/>
-              <a:gd name="connsiteX1" fmla="*/ 0 w 3571875"/>
-              <a:gd name="connsiteY1" fmla="*/ 0 h 4210050"/>
-              <a:gd name="connsiteX2" fmla="*/ 2028825 w 3571875"/>
-              <a:gd name="connsiteY2" fmla="*/ 2281238 h 4210050"/>
-              <a:gd name="connsiteX3" fmla="*/ 3571875 w 3571875"/>
-              <a:gd name="connsiteY3" fmla="*/ 4210050 h 4210050"/>
-              <a:gd name="connsiteX4" fmla="*/ 0 w 3571875"/>
-              <a:gd name="connsiteY4" fmla="*/ 4210050 h 4210050"/>
-              <a:gd name="connsiteX0" fmla="*/ 0 w 3571875"/>
-              <a:gd name="connsiteY0" fmla="*/ 4210050 h 4210050"/>
-              <a:gd name="connsiteX1" fmla="*/ 0 w 3571875"/>
-              <a:gd name="connsiteY1" fmla="*/ 0 h 4210050"/>
-              <a:gd name="connsiteX2" fmla="*/ 2028825 w 3571875"/>
-              <a:gd name="connsiteY2" fmla="*/ 2393157 h 4210050"/>
-              <a:gd name="connsiteX3" fmla="*/ 3571875 w 3571875"/>
-              <a:gd name="connsiteY3" fmla="*/ 4210050 h 4210050"/>
-              <a:gd name="connsiteX4" fmla="*/ 0 w 3571875"/>
-              <a:gd name="connsiteY4" fmla="*/ 4210050 h 4210050"/>
-              <a:gd name="connsiteX0" fmla="*/ 0 w 3571875"/>
-              <a:gd name="connsiteY0" fmla="*/ 4210050 h 4210050"/>
-              <a:gd name="connsiteX1" fmla="*/ 0 w 3571875"/>
-              <a:gd name="connsiteY1" fmla="*/ 0 h 4210050"/>
-              <a:gd name="connsiteX2" fmla="*/ 2028825 w 3571875"/>
-              <a:gd name="connsiteY2" fmla="*/ 2393157 h 4210050"/>
-              <a:gd name="connsiteX3" fmla="*/ 3571875 w 3571875"/>
-              <a:gd name="connsiteY3" fmla="*/ 4210050 h 4210050"/>
-              <a:gd name="connsiteX4" fmla="*/ 0 w 3571875"/>
-              <a:gd name="connsiteY4" fmla="*/ 4210050 h 4210050"/>
-              <a:gd name="connsiteX0" fmla="*/ 0 w 3571875"/>
-              <a:gd name="connsiteY0" fmla="*/ 4210050 h 4210050"/>
-              <a:gd name="connsiteX1" fmla="*/ 0 w 3571875"/>
-              <a:gd name="connsiteY1" fmla="*/ 0 h 4210050"/>
-              <a:gd name="connsiteX2" fmla="*/ 2076450 w 3571875"/>
-              <a:gd name="connsiteY2" fmla="*/ 2274094 h 4210050"/>
-              <a:gd name="connsiteX3" fmla="*/ 3571875 w 3571875"/>
-              <a:gd name="connsiteY3" fmla="*/ 4210050 h 4210050"/>
-              <a:gd name="connsiteX4" fmla="*/ 0 w 3571875"/>
-              <a:gd name="connsiteY4" fmla="*/ 4210050 h 4210050"/>
-              <a:gd name="connsiteX0" fmla="*/ 0 w 3571875"/>
-              <a:gd name="connsiteY0" fmla="*/ 4210050 h 4210050"/>
-              <a:gd name="connsiteX1" fmla="*/ 0 w 3571875"/>
-              <a:gd name="connsiteY1" fmla="*/ 0 h 4210050"/>
-              <a:gd name="connsiteX2" fmla="*/ 2245519 w 3571875"/>
-              <a:gd name="connsiteY2" fmla="*/ 2405063 h 4210050"/>
-              <a:gd name="connsiteX3" fmla="*/ 3571875 w 3571875"/>
-              <a:gd name="connsiteY3" fmla="*/ 4210050 h 4210050"/>
-              <a:gd name="connsiteX4" fmla="*/ 0 w 3571875"/>
-              <a:gd name="connsiteY4" fmla="*/ 4210050 h 4210050"/>
-              <a:gd name="connsiteX0" fmla="*/ 0 w 3571875"/>
-              <a:gd name="connsiteY0" fmla="*/ 4210050 h 4210050"/>
-              <a:gd name="connsiteX1" fmla="*/ 0 w 3571875"/>
-              <a:gd name="connsiteY1" fmla="*/ 0 h 4210050"/>
-              <a:gd name="connsiteX2" fmla="*/ 2038350 w 3571875"/>
-              <a:gd name="connsiteY2" fmla="*/ 2405063 h 4210050"/>
-              <a:gd name="connsiteX3" fmla="*/ 3571875 w 3571875"/>
-              <a:gd name="connsiteY3" fmla="*/ 4210050 h 4210050"/>
-              <a:gd name="connsiteX4" fmla="*/ 0 w 3571875"/>
-              <a:gd name="connsiteY4" fmla="*/ 4210050 h 4210050"/>
-              <a:gd name="connsiteX0" fmla="*/ 0 w 3571875"/>
-              <a:gd name="connsiteY0" fmla="*/ 2433637 h 2433637"/>
-              <a:gd name="connsiteX1" fmla="*/ 257175 w 3571875"/>
-              <a:gd name="connsiteY1" fmla="*/ 0 h 2433637"/>
-              <a:gd name="connsiteX2" fmla="*/ 2038350 w 3571875"/>
-              <a:gd name="connsiteY2" fmla="*/ 628650 h 2433637"/>
-              <a:gd name="connsiteX3" fmla="*/ 3571875 w 3571875"/>
-              <a:gd name="connsiteY3" fmla="*/ 2433637 h 2433637"/>
-              <a:gd name="connsiteX4" fmla="*/ 0 w 3571875"/>
-              <a:gd name="connsiteY4" fmla="*/ 2433637 h 2433637"/>
-              <a:gd name="connsiteX0" fmla="*/ 2382 w 3574257"/>
-              <a:gd name="connsiteY0" fmla="*/ 1807368 h 1807368"/>
-              <a:gd name="connsiteX1" fmla="*/ 0 w 3574257"/>
-              <a:gd name="connsiteY1" fmla="*/ 0 h 1807368"/>
-              <a:gd name="connsiteX2" fmla="*/ 2040732 w 3574257"/>
-              <a:gd name="connsiteY2" fmla="*/ 2381 h 1807368"/>
-              <a:gd name="connsiteX3" fmla="*/ 3574257 w 3574257"/>
-              <a:gd name="connsiteY3" fmla="*/ 1807368 h 1807368"/>
-              <a:gd name="connsiteX4" fmla="*/ 2382 w 3574257"/>
-              <a:gd name="connsiteY4" fmla="*/ 1807368 h 1807368"/>
-              <a:gd name="connsiteX0" fmla="*/ 2382 w 3574257"/>
-              <a:gd name="connsiteY0" fmla="*/ 1807368 h 1807368"/>
-              <a:gd name="connsiteX1" fmla="*/ 0 w 3574257"/>
-              <a:gd name="connsiteY1" fmla="*/ 0 h 1807368"/>
-              <a:gd name="connsiteX2" fmla="*/ 1924051 w 3574257"/>
-              <a:gd name="connsiteY2" fmla="*/ 307181 h 1807368"/>
-              <a:gd name="connsiteX3" fmla="*/ 3574257 w 3574257"/>
-              <a:gd name="connsiteY3" fmla="*/ 1807368 h 1807368"/>
-              <a:gd name="connsiteX4" fmla="*/ 2382 w 3574257"/>
-              <a:gd name="connsiteY4" fmla="*/ 1807368 h 1807368"/>
-              <a:gd name="connsiteX0" fmla="*/ 2382 w 3574257"/>
-              <a:gd name="connsiteY0" fmla="*/ 1809749 h 1809749"/>
-              <a:gd name="connsiteX1" fmla="*/ 0 w 3574257"/>
-              <a:gd name="connsiteY1" fmla="*/ 2381 h 1809749"/>
-              <a:gd name="connsiteX2" fmla="*/ 2038351 w 3574257"/>
-              <a:gd name="connsiteY2" fmla="*/ 0 h 1809749"/>
-              <a:gd name="connsiteX3" fmla="*/ 3574257 w 3574257"/>
-              <a:gd name="connsiteY3" fmla="*/ 1809749 h 1809749"/>
-              <a:gd name="connsiteX4" fmla="*/ 2382 w 3574257"/>
-              <a:gd name="connsiteY4" fmla="*/ 1809749 h 1809749"/>
-              <a:gd name="connsiteX0" fmla="*/ 2382 w 3574257"/>
-              <a:gd name="connsiteY0" fmla="*/ 1807368 h 1807368"/>
-              <a:gd name="connsiteX1" fmla="*/ 0 w 3574257"/>
-              <a:gd name="connsiteY1" fmla="*/ 0 h 1807368"/>
-              <a:gd name="connsiteX2" fmla="*/ 1640682 w 3574257"/>
-              <a:gd name="connsiteY2" fmla="*/ 450057 h 1807368"/>
-              <a:gd name="connsiteX3" fmla="*/ 3574257 w 3574257"/>
-              <a:gd name="connsiteY3" fmla="*/ 1807368 h 1807368"/>
-              <a:gd name="connsiteX4" fmla="*/ 2382 w 3574257"/>
-              <a:gd name="connsiteY4" fmla="*/ 1807368 h 1807368"/>
-              <a:gd name="connsiteX0" fmla="*/ 2382 w 3574257"/>
-              <a:gd name="connsiteY0" fmla="*/ 1809749 h 1809749"/>
-              <a:gd name="connsiteX1" fmla="*/ 0 w 3574257"/>
-              <a:gd name="connsiteY1" fmla="*/ 2381 h 1809749"/>
-              <a:gd name="connsiteX2" fmla="*/ 2038351 w 3574257"/>
-              <a:gd name="connsiteY2" fmla="*/ 0 h 1809749"/>
-              <a:gd name="connsiteX3" fmla="*/ 3574257 w 3574257"/>
-              <a:gd name="connsiteY3" fmla="*/ 1809749 h 1809749"/>
-              <a:gd name="connsiteX4" fmla="*/ 2382 w 3574257"/>
-              <a:gd name="connsiteY4" fmla="*/ 1809749 h 1809749"/>
-              <a:gd name="connsiteX0" fmla="*/ 2382 w 3574257"/>
-              <a:gd name="connsiteY0" fmla="*/ 1807368 h 1807368"/>
-              <a:gd name="connsiteX1" fmla="*/ 0 w 3574257"/>
-              <a:gd name="connsiteY1" fmla="*/ 0 h 1807368"/>
-              <a:gd name="connsiteX2" fmla="*/ 1657351 w 3574257"/>
-              <a:gd name="connsiteY2" fmla="*/ 230982 h 1807368"/>
-              <a:gd name="connsiteX3" fmla="*/ 3574257 w 3574257"/>
-              <a:gd name="connsiteY3" fmla="*/ 1807368 h 1807368"/>
-              <a:gd name="connsiteX4" fmla="*/ 2382 w 3574257"/>
-              <a:gd name="connsiteY4" fmla="*/ 1807368 h 1807368"/>
-              <a:gd name="connsiteX0" fmla="*/ 2382 w 3574257"/>
-              <a:gd name="connsiteY0" fmla="*/ 1807368 h 1807368"/>
-              <a:gd name="connsiteX1" fmla="*/ 0 w 3574257"/>
-              <a:gd name="connsiteY1" fmla="*/ 0 h 1807368"/>
-              <a:gd name="connsiteX2" fmla="*/ 2040732 w 3574257"/>
-              <a:gd name="connsiteY2" fmla="*/ 2382 h 1807368"/>
-              <a:gd name="connsiteX3" fmla="*/ 3574257 w 3574257"/>
-              <a:gd name="connsiteY3" fmla="*/ 1807368 h 1807368"/>
-              <a:gd name="connsiteX4" fmla="*/ 2382 w 3574257"/>
-              <a:gd name="connsiteY4" fmla="*/ 1807368 h 1807368"/>
-              <a:gd name="connsiteX0" fmla="*/ 2382 w 3574257"/>
-              <a:gd name="connsiteY0" fmla="*/ 1807368 h 1807368"/>
-              <a:gd name="connsiteX1" fmla="*/ 0 w 3574257"/>
-              <a:gd name="connsiteY1" fmla="*/ 0 h 1807368"/>
-              <a:gd name="connsiteX2" fmla="*/ 1774032 w 3574257"/>
-              <a:gd name="connsiteY2" fmla="*/ 161925 h 1807368"/>
-              <a:gd name="connsiteX3" fmla="*/ 3574257 w 3574257"/>
-              <a:gd name="connsiteY3" fmla="*/ 1807368 h 1807368"/>
-              <a:gd name="connsiteX4" fmla="*/ 2382 w 3574257"/>
-              <a:gd name="connsiteY4" fmla="*/ 1807368 h 1807368"/>
-              <a:gd name="connsiteX0" fmla="*/ 2382 w 3574257"/>
-              <a:gd name="connsiteY0" fmla="*/ 1807368 h 1807368"/>
-              <a:gd name="connsiteX1" fmla="*/ 0 w 3574257"/>
-              <a:gd name="connsiteY1" fmla="*/ 0 h 1807368"/>
-              <a:gd name="connsiteX2" fmla="*/ 1969294 w 3574257"/>
-              <a:gd name="connsiteY2" fmla="*/ 21432 h 1807368"/>
-              <a:gd name="connsiteX3" fmla="*/ 3574257 w 3574257"/>
-              <a:gd name="connsiteY3" fmla="*/ 1807368 h 1807368"/>
-              <a:gd name="connsiteX4" fmla="*/ 2382 w 3574257"/>
-              <a:gd name="connsiteY4" fmla="*/ 1807368 h 1807368"/>
-              <a:gd name="connsiteX0" fmla="*/ 2382 w 3574257"/>
-              <a:gd name="connsiteY0" fmla="*/ 1807368 h 1807368"/>
-              <a:gd name="connsiteX1" fmla="*/ 0 w 3574257"/>
-              <a:gd name="connsiteY1" fmla="*/ 0 h 1807368"/>
-              <a:gd name="connsiteX2" fmla="*/ 1819275 w 3574257"/>
-              <a:gd name="connsiteY2" fmla="*/ 200026 h 1807368"/>
-              <a:gd name="connsiteX3" fmla="*/ 3574257 w 3574257"/>
-              <a:gd name="connsiteY3" fmla="*/ 1807368 h 1807368"/>
-              <a:gd name="connsiteX4" fmla="*/ 2382 w 3574257"/>
-              <a:gd name="connsiteY4" fmla="*/ 1807368 h 1807368"/>
-              <a:gd name="connsiteX0" fmla="*/ 2382 w 3574257"/>
-              <a:gd name="connsiteY0" fmla="*/ 1807368 h 1807368"/>
-              <a:gd name="connsiteX1" fmla="*/ 0 w 3574257"/>
-              <a:gd name="connsiteY1" fmla="*/ 0 h 1807368"/>
-              <a:gd name="connsiteX2" fmla="*/ 2045494 w 3574257"/>
-              <a:gd name="connsiteY2" fmla="*/ 1 h 1807368"/>
-              <a:gd name="connsiteX3" fmla="*/ 3574257 w 3574257"/>
-              <a:gd name="connsiteY3" fmla="*/ 1807368 h 1807368"/>
-              <a:gd name="connsiteX4" fmla="*/ 2382 w 3574257"/>
-              <a:gd name="connsiteY4" fmla="*/ 1807368 h 1807368"/>
-            </a:gdLst>
-            <a:ahLst/>
-            <a:cxnLst>
-              <a:cxn ang="0">
-                <a:pos x="connsiteX0" y="connsiteY0"/>
-              </a:cxn>
-              <a:cxn ang="0">
-                <a:pos x="connsiteX1" y="connsiteY1"/>
-              </a:cxn>
-              <a:cxn ang="0">
-                <a:pos x="connsiteX2" y="connsiteY2"/>
-              </a:cxn>
-              <a:cxn ang="0">
-                <a:pos x="connsiteX3" y="connsiteY3"/>
-              </a:cxn>
-              <a:cxn ang="0">
-                <a:pos x="connsiteX4" y="connsiteY4"/>
-              </a:cxn>
-            </a:cxnLst>
-            <a:rect l="l" t="t" r="r" b="b"/>
-            <a:pathLst>
-              <a:path w="3574257" h="1807368">
-                <a:moveTo>
-                  <a:pt x="2382" y="1807368"/>
-                </a:moveTo>
-                <a:lnTo>
-                  <a:pt x="0" y="0"/>
-                </a:lnTo>
-                <a:lnTo>
-                  <a:pt x="2045494" y="1"/>
-                </a:lnTo>
-                <a:lnTo>
-                  <a:pt x="3574257" y="1807368"/>
-                </a:lnTo>
-                <a:lnTo>
-                  <a:pt x="2382" y="1807368"/>
-                </a:lnTo>
-                <a:close/>
-              </a:path>
-            </a:pathLst>
-          </a:custGeom>
-          <a:solidFill>
-            <a:srgbClr val="FF7F4F"/>
-          </a:solidFill>
-          <a:ln>
-            <a:noFill/>
-          </a:ln>
-        </p:spPr>
-        <p:style>
-          <a:lnRef idx="2">
-            <a:schemeClr val="accent1">
-              <a:shade val="50000"/>
-            </a:schemeClr>
-          </a:lnRef>
-          <a:fillRef idx="1">
-            <a:schemeClr val="accent1"/>
-          </a:fillRef>
-          <a:effectRef idx="0">
-            <a:schemeClr val="accent1"/>
-          </a:effectRef>
-          <a:fontRef idx="minor">
-            <a:schemeClr val="lt1"/>
-          </a:fontRef>
-        </p:style>
-        <p:txBody>
-          <a:bodyPr rtlCol="0" anchor="ctr"/>
-          <a:lstStyle/>
-          <a:p>
-            <a:pPr algn="ctr"/>
-            <a:endParaRPr lang="en-US"/>
-          </a:p>
-        </p:txBody>
-      </p:sp>
-      <p:sp>
-        <p:nvSpPr>
-          <p:cNvPr id="5" name="Freeform 4"/>
-          <p:cNvSpPr/>
-          <p:nvPr/>
-        </p:nvSpPr>
-        <p:spPr>
-          <a:xfrm>
-            <a:off x="-2380" y="5951801"/>
-            <a:ext cx="9146380" cy="906200"/>
-          </a:xfrm>
-          <a:custGeom>
-            <a:avLst/>
-            <a:gdLst>
-              <a:gd name="connsiteX0" fmla="*/ 0 w 3350419"/>
-              <a:gd name="connsiteY0" fmla="*/ 2081213 h 2083594"/>
-              <a:gd name="connsiteX1" fmla="*/ 3031331 w 3350419"/>
-              <a:gd name="connsiteY1" fmla="*/ 0 h 2083594"/>
-              <a:gd name="connsiteX2" fmla="*/ 3350419 w 3350419"/>
-              <a:gd name="connsiteY2" fmla="*/ 80963 h 2083594"/>
-              <a:gd name="connsiteX3" fmla="*/ 3350419 w 3350419"/>
-              <a:gd name="connsiteY3" fmla="*/ 2083594 h 2083594"/>
-              <a:gd name="connsiteX4" fmla="*/ 0 w 3350419"/>
-              <a:gd name="connsiteY4" fmla="*/ 2081213 h 2083594"/>
-              <a:gd name="connsiteX0" fmla="*/ 0 w 3112294"/>
-              <a:gd name="connsiteY0" fmla="*/ 2019301 h 2083594"/>
-              <a:gd name="connsiteX1" fmla="*/ 2793206 w 3112294"/>
-              <a:gd name="connsiteY1" fmla="*/ 0 h 2083594"/>
-              <a:gd name="connsiteX2" fmla="*/ 3112294 w 3112294"/>
-              <a:gd name="connsiteY2" fmla="*/ 80963 h 2083594"/>
-              <a:gd name="connsiteX3" fmla="*/ 3112294 w 3112294"/>
-              <a:gd name="connsiteY3" fmla="*/ 2083594 h 2083594"/>
-              <a:gd name="connsiteX4" fmla="*/ 0 w 3112294"/>
-              <a:gd name="connsiteY4" fmla="*/ 2019301 h 2083594"/>
-              <a:gd name="connsiteX0" fmla="*/ 0 w 3345656"/>
-              <a:gd name="connsiteY0" fmla="*/ 2097882 h 2097882"/>
-              <a:gd name="connsiteX1" fmla="*/ 3026568 w 3345656"/>
-              <a:gd name="connsiteY1" fmla="*/ 0 h 2097882"/>
-              <a:gd name="connsiteX2" fmla="*/ 3345656 w 3345656"/>
-              <a:gd name="connsiteY2" fmla="*/ 80963 h 2097882"/>
-              <a:gd name="connsiteX3" fmla="*/ 3345656 w 3345656"/>
-              <a:gd name="connsiteY3" fmla="*/ 2083594 h 2097882"/>
-              <a:gd name="connsiteX4" fmla="*/ 0 w 3345656"/>
-              <a:gd name="connsiteY4" fmla="*/ 2097882 h 2097882"/>
-              <a:gd name="connsiteX0" fmla="*/ 0 w 2800350"/>
-              <a:gd name="connsiteY0" fmla="*/ 1935957 h 2083594"/>
-              <a:gd name="connsiteX1" fmla="*/ 2481262 w 2800350"/>
-              <a:gd name="connsiteY1" fmla="*/ 0 h 2083594"/>
-              <a:gd name="connsiteX2" fmla="*/ 2800350 w 2800350"/>
-              <a:gd name="connsiteY2" fmla="*/ 80963 h 2083594"/>
-              <a:gd name="connsiteX3" fmla="*/ 2800350 w 2800350"/>
-              <a:gd name="connsiteY3" fmla="*/ 2083594 h 2083594"/>
-              <a:gd name="connsiteX4" fmla="*/ 0 w 2800350"/>
-              <a:gd name="connsiteY4" fmla="*/ 1935957 h 2083594"/>
-              <a:gd name="connsiteX0" fmla="*/ 0 w 3352800"/>
-              <a:gd name="connsiteY0" fmla="*/ 2083594 h 2083594"/>
-              <a:gd name="connsiteX1" fmla="*/ 3033712 w 3352800"/>
-              <a:gd name="connsiteY1" fmla="*/ 0 h 2083594"/>
-              <a:gd name="connsiteX2" fmla="*/ 3352800 w 3352800"/>
-              <a:gd name="connsiteY2" fmla="*/ 80963 h 2083594"/>
-              <a:gd name="connsiteX3" fmla="*/ 3352800 w 3352800"/>
-              <a:gd name="connsiteY3" fmla="*/ 2083594 h 2083594"/>
-              <a:gd name="connsiteX4" fmla="*/ 0 w 3352800"/>
-              <a:gd name="connsiteY4" fmla="*/ 2083594 h 2083594"/>
-              <a:gd name="connsiteX0" fmla="*/ 0 w 3352800"/>
-              <a:gd name="connsiteY0" fmla="*/ 2002631 h 2002631"/>
-              <a:gd name="connsiteX1" fmla="*/ 3033712 w 3352800"/>
-              <a:gd name="connsiteY1" fmla="*/ 157162 h 2002631"/>
-              <a:gd name="connsiteX2" fmla="*/ 3352800 w 3352800"/>
-              <a:gd name="connsiteY2" fmla="*/ 0 h 2002631"/>
-              <a:gd name="connsiteX3" fmla="*/ 3352800 w 3352800"/>
-              <a:gd name="connsiteY3" fmla="*/ 2002631 h 2002631"/>
-              <a:gd name="connsiteX4" fmla="*/ 0 w 3352800"/>
-              <a:gd name="connsiteY4" fmla="*/ 2002631 h 2002631"/>
-              <a:gd name="connsiteX0" fmla="*/ 0 w 3352800"/>
-              <a:gd name="connsiteY0" fmla="*/ 2002631 h 2002631"/>
-              <a:gd name="connsiteX1" fmla="*/ 2988469 w 3352800"/>
-              <a:gd name="connsiteY1" fmla="*/ 59530 h 2002631"/>
-              <a:gd name="connsiteX2" fmla="*/ 3352800 w 3352800"/>
-              <a:gd name="connsiteY2" fmla="*/ 0 h 2002631"/>
-              <a:gd name="connsiteX3" fmla="*/ 3352800 w 3352800"/>
-              <a:gd name="connsiteY3" fmla="*/ 2002631 h 2002631"/>
-              <a:gd name="connsiteX4" fmla="*/ 0 w 3352800"/>
-              <a:gd name="connsiteY4" fmla="*/ 2002631 h 2002631"/>
-              <a:gd name="connsiteX0" fmla="*/ 0 w 3352800"/>
-              <a:gd name="connsiteY0" fmla="*/ 2002631 h 2002631"/>
-              <a:gd name="connsiteX1" fmla="*/ 2833966 w 3352800"/>
-              <a:gd name="connsiteY1" fmla="*/ 425 h 2002631"/>
-              <a:gd name="connsiteX2" fmla="*/ 3352800 w 3352800"/>
-              <a:gd name="connsiteY2" fmla="*/ 0 h 2002631"/>
-              <a:gd name="connsiteX3" fmla="*/ 3352800 w 3352800"/>
-              <a:gd name="connsiteY3" fmla="*/ 2002631 h 2002631"/>
-              <a:gd name="connsiteX4" fmla="*/ 0 w 3352800"/>
-              <a:gd name="connsiteY4" fmla="*/ 2002631 h 2002631"/>
-              <a:gd name="connsiteX0" fmla="*/ 0 w 3352800"/>
-              <a:gd name="connsiteY0" fmla="*/ 2002631 h 2002631"/>
-              <a:gd name="connsiteX1" fmla="*/ 2845314 w 3352800"/>
-              <a:gd name="connsiteY1" fmla="*/ 12246 h 2002631"/>
-              <a:gd name="connsiteX2" fmla="*/ 3352800 w 3352800"/>
-              <a:gd name="connsiteY2" fmla="*/ 0 h 2002631"/>
-              <a:gd name="connsiteX3" fmla="*/ 3352800 w 3352800"/>
-              <a:gd name="connsiteY3" fmla="*/ 2002631 h 2002631"/>
-              <a:gd name="connsiteX4" fmla="*/ 0 w 3352800"/>
-              <a:gd name="connsiteY4" fmla="*/ 2002631 h 2002631"/>
-              <a:gd name="connsiteX0" fmla="*/ 0 w 3352800"/>
-              <a:gd name="connsiteY0" fmla="*/ 2002631 h 2002631"/>
-              <a:gd name="connsiteX1" fmla="*/ 2834839 w 3352800"/>
-              <a:gd name="connsiteY1" fmla="*/ 425 h 2002631"/>
-              <a:gd name="connsiteX2" fmla="*/ 3352800 w 3352800"/>
-              <a:gd name="connsiteY2" fmla="*/ 0 h 2002631"/>
-              <a:gd name="connsiteX3" fmla="*/ 3352800 w 3352800"/>
-              <a:gd name="connsiteY3" fmla="*/ 2002631 h 2002631"/>
-              <a:gd name="connsiteX4" fmla="*/ 0 w 3352800"/>
-              <a:gd name="connsiteY4" fmla="*/ 2002631 h 2002631"/>
-              <a:gd name="connsiteX0" fmla="*/ 0 w 3352800"/>
-              <a:gd name="connsiteY0" fmla="*/ 2002631 h 2002631"/>
-              <a:gd name="connsiteX1" fmla="*/ 2875865 w 3352800"/>
-              <a:gd name="connsiteY1" fmla="*/ 81782 h 2002631"/>
-              <a:gd name="connsiteX2" fmla="*/ 3352800 w 3352800"/>
-              <a:gd name="connsiteY2" fmla="*/ 0 h 2002631"/>
-              <a:gd name="connsiteX3" fmla="*/ 3352800 w 3352800"/>
-              <a:gd name="connsiteY3" fmla="*/ 2002631 h 2002631"/>
-              <a:gd name="connsiteX4" fmla="*/ 0 w 3352800"/>
-              <a:gd name="connsiteY4" fmla="*/ 2002631 h 2002631"/>
-              <a:gd name="connsiteX0" fmla="*/ 0 w 3352800"/>
-              <a:gd name="connsiteY0" fmla="*/ 2002901 h 2002901"/>
-              <a:gd name="connsiteX1" fmla="*/ 2836585 w 3352800"/>
-              <a:gd name="connsiteY1" fmla="*/ 0 h 2002901"/>
-              <a:gd name="connsiteX2" fmla="*/ 3352800 w 3352800"/>
-              <a:gd name="connsiteY2" fmla="*/ 270 h 2002901"/>
-              <a:gd name="connsiteX3" fmla="*/ 3352800 w 3352800"/>
-              <a:gd name="connsiteY3" fmla="*/ 2002901 h 2002901"/>
-              <a:gd name="connsiteX4" fmla="*/ 0 w 3352800"/>
-              <a:gd name="connsiteY4" fmla="*/ 2002901 h 2002901"/>
-              <a:gd name="connsiteX0" fmla="*/ 0 w 3352800"/>
-              <a:gd name="connsiteY0" fmla="*/ 2002631 h 2002631"/>
-              <a:gd name="connsiteX1" fmla="*/ 754045 w 3352800"/>
-              <a:gd name="connsiteY1" fmla="*/ 1468326 h 2002631"/>
-              <a:gd name="connsiteX2" fmla="*/ 3352800 w 3352800"/>
-              <a:gd name="connsiteY2" fmla="*/ 0 h 2002631"/>
-              <a:gd name="connsiteX3" fmla="*/ 3352800 w 3352800"/>
-              <a:gd name="connsiteY3" fmla="*/ 2002631 h 2002631"/>
-              <a:gd name="connsiteX4" fmla="*/ 0 w 3352800"/>
-              <a:gd name="connsiteY4" fmla="*/ 2002631 h 2002631"/>
-              <a:gd name="connsiteX0" fmla="*/ 0 w 3352800"/>
-              <a:gd name="connsiteY0" fmla="*/ 534305 h 534305"/>
-              <a:gd name="connsiteX1" fmla="*/ 754045 w 3352800"/>
-              <a:gd name="connsiteY1" fmla="*/ 0 h 534305"/>
-              <a:gd name="connsiteX2" fmla="*/ 3352800 w 3352800"/>
-              <a:gd name="connsiteY2" fmla="*/ 7687 h 534305"/>
-              <a:gd name="connsiteX3" fmla="*/ 3352800 w 3352800"/>
-              <a:gd name="connsiteY3" fmla="*/ 534305 h 534305"/>
-              <a:gd name="connsiteX4" fmla="*/ 0 w 3352800"/>
-              <a:gd name="connsiteY4" fmla="*/ 534305 h 534305"/>
-              <a:gd name="connsiteX0" fmla="*/ 0 w 3352800"/>
-              <a:gd name="connsiteY0" fmla="*/ 534305 h 534305"/>
-              <a:gd name="connsiteX1" fmla="*/ 754045 w 3352800"/>
-              <a:gd name="connsiteY1" fmla="*/ 0 h 534305"/>
-              <a:gd name="connsiteX2" fmla="*/ 3352800 w 3352800"/>
-              <a:gd name="connsiteY2" fmla="*/ 7687 h 534305"/>
-              <a:gd name="connsiteX3" fmla="*/ 3352800 w 3352800"/>
-              <a:gd name="connsiteY3" fmla="*/ 534305 h 534305"/>
-              <a:gd name="connsiteX4" fmla="*/ 0 w 3352800"/>
-              <a:gd name="connsiteY4" fmla="*/ 534305 h 534305"/>
-              <a:gd name="connsiteX0" fmla="*/ 0 w 3352800"/>
-              <a:gd name="connsiteY0" fmla="*/ 526618 h 526618"/>
-              <a:gd name="connsiteX1" fmla="*/ 980611 w 3352800"/>
-              <a:gd name="connsiteY1" fmla="*/ 93681 h 526618"/>
-              <a:gd name="connsiteX2" fmla="*/ 3352800 w 3352800"/>
-              <a:gd name="connsiteY2" fmla="*/ 0 h 526618"/>
-              <a:gd name="connsiteX3" fmla="*/ 3352800 w 3352800"/>
-              <a:gd name="connsiteY3" fmla="*/ 526618 h 526618"/>
-              <a:gd name="connsiteX4" fmla="*/ 0 w 3352800"/>
-              <a:gd name="connsiteY4" fmla="*/ 526618 h 526618"/>
-              <a:gd name="connsiteX0" fmla="*/ 0 w 3352800"/>
-              <a:gd name="connsiteY0" fmla="*/ 526888 h 526888"/>
-              <a:gd name="connsiteX1" fmla="*/ 744735 w 3352800"/>
-              <a:gd name="connsiteY1" fmla="*/ 0 h 526888"/>
-              <a:gd name="connsiteX2" fmla="*/ 3352800 w 3352800"/>
-              <a:gd name="connsiteY2" fmla="*/ 270 h 526888"/>
-              <a:gd name="connsiteX3" fmla="*/ 3352800 w 3352800"/>
-              <a:gd name="connsiteY3" fmla="*/ 526888 h 526888"/>
-              <a:gd name="connsiteX4" fmla="*/ 0 w 3352800"/>
-              <a:gd name="connsiteY4" fmla="*/ 526888 h 526888"/>
-              <a:gd name="connsiteX0" fmla="*/ 0 w 3352800"/>
-              <a:gd name="connsiteY0" fmla="*/ 526618 h 526618"/>
-              <a:gd name="connsiteX1" fmla="*/ 811948 w 3352800"/>
-              <a:gd name="connsiteY1" fmla="*/ 60921 h 526618"/>
-              <a:gd name="connsiteX2" fmla="*/ 3352800 w 3352800"/>
-              <a:gd name="connsiteY2" fmla="*/ 0 h 526618"/>
-              <a:gd name="connsiteX3" fmla="*/ 3352800 w 3352800"/>
-              <a:gd name="connsiteY3" fmla="*/ 526618 h 526618"/>
-              <a:gd name="connsiteX4" fmla="*/ 0 w 3352800"/>
-              <a:gd name="connsiteY4" fmla="*/ 526618 h 526618"/>
-              <a:gd name="connsiteX0" fmla="*/ 0 w 3352800"/>
-              <a:gd name="connsiteY0" fmla="*/ 527584 h 527584"/>
-              <a:gd name="connsiteX1" fmla="*/ 751718 w 3352800"/>
-              <a:gd name="connsiteY1" fmla="*/ 0 h 527584"/>
-              <a:gd name="connsiteX2" fmla="*/ 3352800 w 3352800"/>
-              <a:gd name="connsiteY2" fmla="*/ 966 h 527584"/>
-              <a:gd name="connsiteX3" fmla="*/ 3352800 w 3352800"/>
-              <a:gd name="connsiteY3" fmla="*/ 527584 h 527584"/>
-              <a:gd name="connsiteX4" fmla="*/ 0 w 3352800"/>
-              <a:gd name="connsiteY4" fmla="*/ 527584 h 527584"/>
-              <a:gd name="connsiteX0" fmla="*/ 0 w 3352800"/>
-              <a:gd name="connsiteY0" fmla="*/ 527584 h 527584"/>
-              <a:gd name="connsiteX1" fmla="*/ 751718 w 3352800"/>
-              <a:gd name="connsiteY1" fmla="*/ 0 h 527584"/>
-              <a:gd name="connsiteX2" fmla="*/ 3241069 w 3352800"/>
-              <a:gd name="connsiteY2" fmla="*/ 94144 h 527584"/>
-              <a:gd name="connsiteX3" fmla="*/ 3352800 w 3352800"/>
-              <a:gd name="connsiteY3" fmla="*/ 527584 h 527584"/>
-              <a:gd name="connsiteX4" fmla="*/ 0 w 3352800"/>
-              <a:gd name="connsiteY4" fmla="*/ 527584 h 527584"/>
-              <a:gd name="connsiteX0" fmla="*/ 0 w 3352800"/>
-              <a:gd name="connsiteY0" fmla="*/ 527584 h 527584"/>
-              <a:gd name="connsiteX1" fmla="*/ 751718 w 3352800"/>
-              <a:gd name="connsiteY1" fmla="*/ 0 h 527584"/>
-              <a:gd name="connsiteX2" fmla="*/ 3352800 w 3352800"/>
-              <a:gd name="connsiteY2" fmla="*/ 271 h 527584"/>
-              <a:gd name="connsiteX3" fmla="*/ 3352800 w 3352800"/>
-              <a:gd name="connsiteY3" fmla="*/ 527584 h 527584"/>
-              <a:gd name="connsiteX4" fmla="*/ 0 w 3352800"/>
-              <a:gd name="connsiteY4" fmla="*/ 527584 h 527584"/>
-              <a:gd name="connsiteX0" fmla="*/ 0 w 3352800"/>
-              <a:gd name="connsiteY0" fmla="*/ 527313 h 527313"/>
-              <a:gd name="connsiteX1" fmla="*/ 900984 w 3352800"/>
-              <a:gd name="connsiteY1" fmla="*/ 97774 h 527313"/>
-              <a:gd name="connsiteX2" fmla="*/ 3352800 w 3352800"/>
-              <a:gd name="connsiteY2" fmla="*/ 0 h 527313"/>
-              <a:gd name="connsiteX3" fmla="*/ 3352800 w 3352800"/>
-              <a:gd name="connsiteY3" fmla="*/ 527313 h 527313"/>
-              <a:gd name="connsiteX4" fmla="*/ 0 w 3352800"/>
-              <a:gd name="connsiteY4" fmla="*/ 527313 h 527313"/>
-              <a:gd name="connsiteX0" fmla="*/ 0 w 3352800"/>
-              <a:gd name="connsiteY0" fmla="*/ 527584 h 527584"/>
-              <a:gd name="connsiteX1" fmla="*/ 748227 w 3352800"/>
-              <a:gd name="connsiteY1" fmla="*/ 0 h 527584"/>
-              <a:gd name="connsiteX2" fmla="*/ 3352800 w 3352800"/>
-              <a:gd name="connsiteY2" fmla="*/ 271 h 527584"/>
-              <a:gd name="connsiteX3" fmla="*/ 3352800 w 3352800"/>
-              <a:gd name="connsiteY3" fmla="*/ 527584 h 527584"/>
-              <a:gd name="connsiteX4" fmla="*/ 0 w 3352800"/>
-              <a:gd name="connsiteY4" fmla="*/ 527584 h 527584"/>
-              <a:gd name="connsiteX0" fmla="*/ 0 w 3352800"/>
-              <a:gd name="connsiteY0" fmla="*/ 527313 h 527313"/>
-              <a:gd name="connsiteX1" fmla="*/ 378118 w 3352800"/>
-              <a:gd name="connsiteY1" fmla="*/ 21980 h 527313"/>
-              <a:gd name="connsiteX2" fmla="*/ 3352800 w 3352800"/>
-              <a:gd name="connsiteY2" fmla="*/ 0 h 527313"/>
-              <a:gd name="connsiteX3" fmla="*/ 3352800 w 3352800"/>
-              <a:gd name="connsiteY3" fmla="*/ 527313 h 527313"/>
-              <a:gd name="connsiteX4" fmla="*/ 0 w 3352800"/>
-              <a:gd name="connsiteY4" fmla="*/ 527313 h 527313"/>
-              <a:gd name="connsiteX0" fmla="*/ 0 w 3352800"/>
-              <a:gd name="connsiteY0" fmla="*/ 527313 h 527313"/>
-              <a:gd name="connsiteX1" fmla="*/ 398129 w 3352800"/>
-              <a:gd name="connsiteY1" fmla="*/ 6039 h 527313"/>
-              <a:gd name="connsiteX2" fmla="*/ 3352800 w 3352800"/>
-              <a:gd name="connsiteY2" fmla="*/ 0 h 527313"/>
-              <a:gd name="connsiteX3" fmla="*/ 3352800 w 3352800"/>
-              <a:gd name="connsiteY3" fmla="*/ 527313 h 527313"/>
-              <a:gd name="connsiteX4" fmla="*/ 0 w 3352800"/>
-              <a:gd name="connsiteY4" fmla="*/ 527313 h 527313"/>
-              <a:gd name="connsiteX0" fmla="*/ 0 w 3352800"/>
-              <a:gd name="connsiteY0" fmla="*/ 529245 h 529245"/>
-              <a:gd name="connsiteX1" fmla="*/ 403132 w 3352800"/>
-              <a:gd name="connsiteY1" fmla="*/ 0 h 529245"/>
-              <a:gd name="connsiteX2" fmla="*/ 3352800 w 3352800"/>
-              <a:gd name="connsiteY2" fmla="*/ 1932 h 529245"/>
-              <a:gd name="connsiteX3" fmla="*/ 3352800 w 3352800"/>
-              <a:gd name="connsiteY3" fmla="*/ 529245 h 529245"/>
-              <a:gd name="connsiteX4" fmla="*/ 0 w 3352800"/>
-              <a:gd name="connsiteY4" fmla="*/ 529245 h 529245"/>
-            </a:gdLst>
-            <a:ahLst/>
-            <a:cxnLst>
-              <a:cxn ang="0">
-                <a:pos x="connsiteX0" y="connsiteY0"/>
-              </a:cxn>
-              <a:cxn ang="0">
-                <a:pos x="connsiteX1" y="connsiteY1"/>
-              </a:cxn>
-              <a:cxn ang="0">
-                <a:pos x="connsiteX2" y="connsiteY2"/>
-              </a:cxn>
-              <a:cxn ang="0">
-                <a:pos x="connsiteX3" y="connsiteY3"/>
-              </a:cxn>
-              <a:cxn ang="0">
-                <a:pos x="connsiteX4" y="connsiteY4"/>
-              </a:cxn>
-            </a:cxnLst>
-            <a:rect l="l" t="t" r="r" b="b"/>
-            <a:pathLst>
-              <a:path w="3352800" h="529245">
-                <a:moveTo>
-                  <a:pt x="0" y="529245"/>
-                </a:moveTo>
-                <a:lnTo>
-                  <a:pt x="403132" y="0"/>
-                </a:lnTo>
-                <a:lnTo>
-                  <a:pt x="3352800" y="1932"/>
-                </a:lnTo>
-                <a:lnTo>
-                  <a:pt x="3352800" y="529245"/>
-                </a:lnTo>
-                <a:lnTo>
-                  <a:pt x="0" y="529245"/>
-                </a:lnTo>
-                <a:close/>
-              </a:path>
-            </a:pathLst>
-          </a:custGeom>
-          <a:solidFill>
-            <a:srgbClr val="4F6FFF">
-              <a:alpha val="80000"/>
-            </a:srgbClr>
-          </a:solidFill>
-          <a:ln>
-            <a:noFill/>
-          </a:ln>
-        </p:spPr>
-        <p:style>
-          <a:lnRef idx="2">
-            <a:schemeClr val="accent1">
-              <a:shade val="50000"/>
-            </a:schemeClr>
-          </a:lnRef>
-          <a:fillRef idx="1">
-            <a:schemeClr val="accent1"/>
-          </a:fillRef>
-          <a:effectRef idx="0">
-            <a:schemeClr val="accent1"/>
-          </a:effectRef>
-          <a:fontRef idx="minor">
-            <a:schemeClr val="lt1"/>
-          </a:fontRef>
-        </p:style>
-        <p:txBody>
-          <a:bodyPr rtlCol="0" anchor="ctr"/>
-          <a:lstStyle/>
-          <a:p>
-            <a:pPr algn="ctr"/>
-            <a:endParaRPr lang="en-US" dirty="0"/>
-          </a:p>
-        </p:txBody>
-      </p:sp>
-      <p:pic>
-        <p:nvPicPr>
-          <p:cNvPr id="9" name="Picture 2" descr="D:\Anodiam\Docs\ProjectExecution\BA\ImageResources\AnodiamFullLogo.bmp"/>
-          <p:cNvPicPr>
-            <a:picLocks noChangeAspect="1" noChangeArrowheads="1"/>
-          </p:cNvPicPr>
-          <p:nvPr/>
-        </p:nvPicPr>
-        <p:blipFill>
-          <a:blip r:embed="rId4">
-            <a:extLst>
-              <a:ext uri="{28A0092B-C50C-407E-A947-70E740481C1C}">
-                <a14:useLocalDpi xmlns:a14="http://schemas.microsoft.com/office/drawing/2010/main" val="0"/>
-              </a:ext>
-            </a:extLst>
-          </a:blip>
-          <a:srcRect/>
-          <a:stretch>
-            <a:fillRect/>
-          </a:stretch>
-        </p:blipFill>
-        <p:spPr bwMode="auto">
-          <a:xfrm>
-            <a:off x="179512" y="188640"/>
-            <a:ext cx="1728192" cy="555987"/>
-          </a:xfrm>
-          <a:prstGeom prst="rect">
-            <a:avLst/>
-          </a:prstGeom>
-          <a:noFill/>
-          <a:extLst>
-            <a:ext uri="{909E8E84-426E-40DD-AFC4-6F175D3DCCD1}">
-              <a14:hiddenFill xmlns:a14="http://schemas.microsoft.com/office/drawing/2010/main">
-                <a:solidFill>
-                  <a:srgbClr val="FFFFFF"/>
-                </a:solidFill>
-              </a14:hiddenFill>
-            </a:ext>
-          </a:extLst>
-        </p:spPr>
-      </p:pic>
-      <p:sp>
-        <p:nvSpPr>
-          <p:cNvPr id="11" name="Footer Placeholder 4"/>
-          <p:cNvSpPr>
-            <a:spLocks noGrp="1"/>
-          </p:cNvSpPr>
-          <p:nvPr>
-            <p:ph type="ftr" sz="quarter" idx="4294967295"/>
-          </p:nvPr>
-        </p:nvSpPr>
-        <p:spPr>
-          <a:xfrm>
-            <a:off x="3517514" y="6285122"/>
-            <a:ext cx="4724400" cy="274320"/>
-          </a:xfrm>
-          <a:prstGeom prst="rect">
-            <a:avLst/>
-          </a:prstGeom>
-        </p:spPr>
-        <p:txBody>
-          <a:bodyPr vert="horz" lIns="91440" tIns="45720" rIns="91440" bIns="45720" rtlCol="0" anchor="ctr"/>
-          <a:lstStyle>
-            <a:lvl1pPr algn="r">
-              <a:defRPr sz="1000" b="1" cap="all" spc="200" baseline="0">
-                <a:solidFill>
-                  <a:srgbClr val="FFFFFF"/>
-                </a:solidFill>
-              </a:defRPr>
-            </a:lvl1pPr>
-          </a:lstStyle>
-          <a:p>
-            <a:r>
-              <a:rPr lang="en-AU" dirty="0" smtClean="0"/>
-              <a:t>© Protected </a:t>
-            </a:r>
-            <a:r>
-              <a:rPr lang="en-AU" dirty="0" err="1" smtClean="0"/>
-              <a:t>Anodiam</a:t>
-            </a:r>
-            <a:r>
-              <a:rPr lang="en-AU" dirty="0" smtClean="0"/>
-              <a:t> 2020</a:t>
-            </a:r>
-            <a:endParaRPr lang="en-AU" dirty="0"/>
-          </a:p>
-        </p:txBody>
-      </p:sp>
-      <p:sp>
-        <p:nvSpPr>
-          <p:cNvPr id="12" name="Slide Number Placeholder 5"/>
-          <p:cNvSpPr>
-            <a:spLocks noGrp="1"/>
-          </p:cNvSpPr>
-          <p:nvPr>
-            <p:ph type="sldNum" sz="quarter" idx="4294967295"/>
-          </p:nvPr>
-        </p:nvSpPr>
-        <p:spPr>
-          <a:xfrm>
-            <a:off x="8401038" y="6170822"/>
-            <a:ext cx="502920" cy="502920"/>
-          </a:xfrm>
-          <a:prstGeom prst="ellipse">
-            <a:avLst/>
-          </a:prstGeom>
-          <a:ln w="19050">
-            <a:solidFill>
-              <a:srgbClr val="FFFFFF"/>
-            </a:solidFill>
-          </a:ln>
-        </p:spPr>
-        <p:txBody>
-          <a:bodyPr vert="horz" lIns="9144" tIns="9144" rIns="9144" bIns="9144" rtlCol="0" anchor="ctr">
-            <a:normAutofit/>
-          </a:bodyPr>
-          <a:lstStyle>
-            <a:lvl1pPr algn="ctr">
-              <a:defRPr sz="1650">
-                <a:solidFill>
-                  <a:srgbClr val="FFFFFF"/>
-                </a:solidFill>
-              </a:defRPr>
-            </a:lvl1pPr>
-          </a:lstStyle>
-          <a:p>
-            <a:fld id="{6C6DB775-3259-4DA2-8D46-167E4B8900DC}" type="slidenum">
-              <a:rPr lang="en-AU" smtClean="0"/>
-              <a:t>5</a:t>
-            </a:fld>
-            <a:endParaRPr lang="en-AU" dirty="0"/>
-          </a:p>
-        </p:txBody>
-      </p:sp>
-      <p:pic>
-        <p:nvPicPr>
           <p:cNvPr id="13" name="Picture 2" descr="C:\Users\Ananya\AppData\Local\Microsoft\Windows\INetCache\IE\K9IJ94JL\teacher-never-stop-learning[1].jpg"/>
           <p:cNvPicPr>
             <a:picLocks noChangeAspect="1" noChangeArrowheads="1"/>
@@ -14197,8 +13108,8 @@
         </p:nvSpPr>
         <p:spPr>
           <a:xfrm>
-            <a:off x="1187624" y="2195572"/>
-            <a:ext cx="1296144" cy="369332"/>
+            <a:off x="1403648" y="2195572"/>
+            <a:ext cx="864096" cy="369332"/>
           </a:xfrm>
           <a:prstGeom prst="rect">
             <a:avLst/>
@@ -14217,7 +13128,7 @@
                   <a:schemeClr val="bg1"/>
                 </a:solidFill>
               </a:rPr>
-              <a:t>Life Science</a:t>
+              <a:t>Biology</a:t>
             </a:r>
             <a:endParaRPr lang="en-AU" dirty="0">
               <a:solidFill>
@@ -14235,8 +13146,8 @@
         </p:nvSpPr>
         <p:spPr>
           <a:xfrm>
-            <a:off x="3084395" y="2195572"/>
-            <a:ext cx="1199573" cy="369332"/>
+            <a:off x="3300420" y="2195572"/>
+            <a:ext cx="1043696" cy="369332"/>
           </a:xfrm>
           <a:prstGeom prst="rect">
             <a:avLst/>
@@ -14255,15 +13166,7 @@
                   <a:schemeClr val="bg1"/>
                 </a:solidFill>
               </a:rPr>
-              <a:t>Physical </a:t>
-            </a:r>
-            <a:r>
-              <a:rPr lang="en-AU" dirty="0" err="1" smtClean="0">
-                <a:solidFill>
-                  <a:schemeClr val="bg1"/>
-                </a:solidFill>
-              </a:rPr>
-              <a:t>Sc</a:t>
+              <a:t>Physics</a:t>
             </a:r>
             <a:endParaRPr lang="en-AU" dirty="0">
               <a:solidFill>
@@ -15171,61 +14074,6 @@
       </p:cxnSp>
       <p:sp>
         <p:nvSpPr>
-          <p:cNvPr id="41" name="Rectangle 40"/>
-          <p:cNvSpPr/>
-          <p:nvPr/>
-        </p:nvSpPr>
-        <p:spPr>
-          <a:xfrm>
-            <a:off x="2552216" y="260648"/>
-            <a:ext cx="5081840" cy="400110"/>
-          </a:xfrm>
-          <a:prstGeom prst="rect">
-            <a:avLst/>
-          </a:prstGeom>
-        </p:spPr>
-        <p:txBody>
-          <a:bodyPr wrap="none">
-            <a:spAutoFit/>
-          </a:bodyPr>
-          <a:lstStyle/>
-          <a:p>
-            <a:r>
-              <a:rPr lang="en-AU" sz="2000" b="1" u="sng" dirty="0">
-                <a:solidFill>
-                  <a:srgbClr val="002060"/>
-                </a:solidFill>
-                <a:effectLst>
-                  <a:outerShdw blurRad="38100" dist="38100" dir="2700000" algn="tl">
-                    <a:srgbClr val="000000">
-                      <a:alpha val="43137"/>
-                    </a:srgbClr>
-                  </a:outerShdw>
-                </a:effectLst>
-                <a:latin typeface="Arial" panose="020B0604020202020204" pitchFamily="34" charset="0"/>
-                <a:cs typeface="Arial" panose="020B0604020202020204" pitchFamily="34" charset="0"/>
-              </a:rPr>
-              <a:t>Repetitive process with one time upload</a:t>
-            </a:r>
-            <a:endParaRPr lang="en-AU" sz="2000" b="1" u="sng" dirty="0">
-              <a:solidFill>
-                <a:srgbClr val="002060"/>
-              </a:solidFill>
-              <a:effectLst>
-                <a:outerShdw blurRad="38100" dist="38100" dir="2700000" algn="tl">
-                  <a:srgbClr val="000000">
-                    <a:alpha val="43137"/>
-                  </a:srgbClr>
-                </a:outerShdw>
-              </a:effectLst>
-              <a:latin typeface="Arial" panose="020B0604020202020204" pitchFamily="34" charset="0"/>
-              <a:cs typeface="Arial" panose="020B0604020202020204" pitchFamily="34" charset="0"/>
-            </a:endParaRPr>
-          </a:p>
-        </p:txBody>
-      </p:sp>
-      <p:sp>
-        <p:nvSpPr>
           <p:cNvPr id="43" name="Rectangle 42"/>
           <p:cNvSpPr/>
           <p:nvPr/>
@@ -15273,7 +14121,7 @@
         <p:spPr>
           <a:xfrm>
             <a:off x="3347864" y="5219908"/>
-            <a:ext cx="2952328" cy="369332"/>
+            <a:ext cx="2952328" cy="523220"/>
           </a:xfrm>
           <a:prstGeom prst="rect">
             <a:avLst/>
@@ -15298,7 +14146,7 @@
           <a:p>
             <a:pPr algn="ctr"/>
             <a:r>
-              <a:rPr lang="en-AU" b="1" dirty="0" smtClean="0">
+              <a:rPr lang="en-AU" sz="2800" b="1" dirty="0" smtClean="0">
                 <a:solidFill>
                   <a:schemeClr val="bg1"/>
                 </a:solidFill>
@@ -15306,22 +14154,30 @@
               <a:t>Win </a:t>
             </a:r>
             <a:r>
-              <a:rPr lang="en-AU" b="1" dirty="0" err="1" smtClean="0">
+              <a:rPr lang="en-AU" sz="2800" b="1" dirty="0" err="1">
                 <a:solidFill>
                   <a:schemeClr val="bg1"/>
                 </a:solidFill>
               </a:rPr>
-              <a:t>win</a:t>
-            </a:r>
-            <a:r>
-              <a:rPr lang="en-AU" b="1" dirty="0" smtClean="0">
+              <a:t>W</a:t>
+            </a:r>
+            <a:r>
+              <a:rPr lang="en-AU" sz="2800" b="1" dirty="0" err="1" smtClean="0">
                 <a:solidFill>
                   <a:schemeClr val="bg1"/>
                 </a:solidFill>
               </a:rPr>
-              <a:t> situation</a:t>
-            </a:r>
-            <a:endParaRPr lang="en-AU" b="1" dirty="0">
+              <a:t>in</a:t>
+            </a:r>
+            <a:r>
+              <a:rPr lang="en-AU" sz="2800" b="1" dirty="0" smtClean="0">
+                <a:solidFill>
+                  <a:schemeClr val="bg1"/>
+                </a:solidFill>
+              </a:rPr>
+              <a:t> Situation</a:t>
+            </a:r>
+            <a:endParaRPr lang="en-AU" sz="2800" b="1" dirty="0">
               <a:solidFill>
                 <a:schemeClr val="bg1"/>
               </a:solidFill>
@@ -15329,10 +14185,1378 @@
           </a:p>
         </p:txBody>
       </p:sp>
+      <p:sp>
+        <p:nvSpPr>
+          <p:cNvPr id="46" name="TextBox 45"/>
+          <p:cNvSpPr txBox="1"/>
+          <p:nvPr/>
+        </p:nvSpPr>
+        <p:spPr>
+          <a:xfrm>
+            <a:off x="3534995" y="323364"/>
+            <a:ext cx="3095912" cy="400110"/>
+          </a:xfrm>
+          <a:prstGeom prst="rect">
+            <a:avLst/>
+          </a:prstGeom>
+          <a:noFill/>
+        </p:spPr>
+        <p:txBody>
+          <a:bodyPr wrap="none" rtlCol="0">
+            <a:spAutoFit/>
+          </a:bodyPr>
+          <a:lstStyle/>
+          <a:p>
+            <a:r>
+              <a:rPr lang="en-AU" sz="2000" b="1" u="sng" dirty="0" smtClean="0">
+                <a:solidFill>
+                  <a:srgbClr val="0F0F7F"/>
+                </a:solidFill>
+                <a:effectLst>
+                  <a:outerShdw blurRad="38100" dist="38100" dir="2700000" algn="tl">
+                    <a:srgbClr val="000000">
+                      <a:alpha val="43137"/>
+                    </a:srgbClr>
+                  </a:outerShdw>
+                </a:effectLst>
+                <a:latin typeface="Arial" panose="020B0604020202020204" pitchFamily="34" charset="0"/>
+                <a:cs typeface="Arial" panose="020B0604020202020204" pitchFamily="34" charset="0"/>
+              </a:rPr>
+              <a:t>How </a:t>
+            </a:r>
+            <a:r>
+              <a:rPr lang="en-AU" sz="2000" b="1" u="sng" dirty="0">
+                <a:solidFill>
+                  <a:srgbClr val="0F0F7F"/>
+                </a:solidFill>
+                <a:effectLst>
+                  <a:outerShdw blurRad="38100" dist="38100" dir="2700000" algn="tl">
+                    <a:srgbClr val="000000">
+                      <a:alpha val="43137"/>
+                    </a:srgbClr>
+                  </a:outerShdw>
+                </a:effectLst>
+                <a:latin typeface="Arial" panose="020B0604020202020204" pitchFamily="34" charset="0"/>
+                <a:cs typeface="Arial" panose="020B0604020202020204" pitchFamily="34" charset="0"/>
+              </a:rPr>
+              <a:t>I</a:t>
+            </a:r>
+            <a:r>
+              <a:rPr lang="en-AU" sz="2000" b="1" u="sng" dirty="0" smtClean="0">
+                <a:solidFill>
+                  <a:srgbClr val="0F0F7F"/>
+                </a:solidFill>
+                <a:effectLst>
+                  <a:outerShdw blurRad="38100" dist="38100" dir="2700000" algn="tl">
+                    <a:srgbClr val="000000">
+                      <a:alpha val="43137"/>
+                    </a:srgbClr>
+                  </a:outerShdw>
+                </a:effectLst>
+                <a:latin typeface="Arial" panose="020B0604020202020204" pitchFamily="34" charset="0"/>
+                <a:cs typeface="Arial" panose="020B0604020202020204" pitchFamily="34" charset="0"/>
+              </a:rPr>
+              <a:t>t </a:t>
+            </a:r>
+            <a:r>
+              <a:rPr lang="en-AU" sz="2000" b="1" u="sng" dirty="0">
+                <a:solidFill>
+                  <a:srgbClr val="0F0F7F"/>
+                </a:solidFill>
+                <a:effectLst>
+                  <a:outerShdw blurRad="38100" dist="38100" dir="2700000" algn="tl">
+                    <a:srgbClr val="000000">
+                      <a:alpha val="43137"/>
+                    </a:srgbClr>
+                  </a:outerShdw>
+                </a:effectLst>
+                <a:latin typeface="Arial" panose="020B0604020202020204" pitchFamily="34" charset="0"/>
+                <a:cs typeface="Arial" panose="020B0604020202020204" pitchFamily="34" charset="0"/>
+              </a:rPr>
+              <a:t>W</a:t>
+            </a:r>
+            <a:r>
+              <a:rPr lang="en-AU" sz="2000" b="1" u="sng" dirty="0" smtClean="0">
+                <a:solidFill>
+                  <a:srgbClr val="0F0F7F"/>
+                </a:solidFill>
+                <a:effectLst>
+                  <a:outerShdw blurRad="38100" dist="38100" dir="2700000" algn="tl">
+                    <a:srgbClr val="000000">
+                      <a:alpha val="43137"/>
+                    </a:srgbClr>
+                  </a:outerShdw>
+                </a:effectLst>
+                <a:latin typeface="Arial" panose="020B0604020202020204" pitchFamily="34" charset="0"/>
+                <a:cs typeface="Arial" panose="020B0604020202020204" pitchFamily="34" charset="0"/>
+              </a:rPr>
+              <a:t>orks (Contd.) :</a:t>
+            </a:r>
+            <a:endParaRPr lang="en-AU" sz="2000" b="1" u="sng" dirty="0">
+              <a:solidFill>
+                <a:srgbClr val="0F0F7F"/>
+              </a:solidFill>
+              <a:effectLst>
+                <a:outerShdw blurRad="38100" dist="38100" dir="2700000" algn="tl">
+                  <a:srgbClr val="000000">
+                    <a:alpha val="43137"/>
+                  </a:srgbClr>
+                </a:outerShdw>
+              </a:effectLst>
+              <a:latin typeface="Arial" panose="020B0604020202020204" pitchFamily="34" charset="0"/>
+              <a:cs typeface="Arial" panose="020B0604020202020204" pitchFamily="34" charset="0"/>
+            </a:endParaRPr>
+          </a:p>
+        </p:txBody>
+      </p:sp>
     </p:spTree>
     <p:extLst>
       <p:ext uri="{BB962C8B-B14F-4D97-AF65-F5344CB8AC3E}">
         <p14:creationId xmlns:p14="http://schemas.microsoft.com/office/powerpoint/2010/main" val="280818986"/>
+      </p:ext>
+    </p:extLst>
+  </p:cSld>
+  <p:clrMapOvr>
+    <a:masterClrMapping/>
+  </p:clrMapOvr>
+  <p:timing>
+    <p:tnLst>
+      <p:par>
+        <p:cTn id="1" dur="indefinite" restart="never" nodeType="tmRoot"/>
+      </p:par>
+    </p:tnLst>
+  </p:timing>
+</p:sld>
+</file>
+
+<file path=ppt/slides/slide5.xml><?xml version="1.0" encoding="utf-8"?>
+<p:sld xmlns:a="http://schemas.openxmlformats.org/drawingml/2006/main" xmlns:r="http://schemas.openxmlformats.org/officeDocument/2006/relationships" xmlns:p="http://schemas.openxmlformats.org/presentationml/2006/main">
+  <p:cSld>
+    <p:spTree>
+      <p:nvGrpSpPr>
+        <p:cNvPr id="1" name=""/>
+        <p:cNvGrpSpPr/>
+        <p:nvPr/>
+      </p:nvGrpSpPr>
+      <p:grpSpPr>
+        <a:xfrm>
+          <a:off x="0" y="0"/>
+          <a:ext cx="0" cy="0"/>
+          <a:chOff x="0" y="0"/>
+          <a:chExt cx="0" cy="0"/>
+        </a:xfrm>
+      </p:grpSpPr>
+      <p:pic>
+        <p:nvPicPr>
+          <p:cNvPr id="8" name="Picture 5"/>
+          <p:cNvPicPr>
+            <a:picLocks noChangeAspect="1" noChangeArrowheads="1"/>
+          </p:cNvPicPr>
+          <p:nvPr/>
+        </p:nvPicPr>
+        <p:blipFill>
+          <a:blip r:embed="rId2">
+            <a:extLst>
+              <a:ext uri="{BEBA8EAE-BF5A-486C-A8C5-ECC9F3942E4B}">
+                <a14:imgProps xmlns:a14="http://schemas.microsoft.com/office/drawing/2010/main">
+                  <a14:imgLayer r:embed="rId3">
+                    <a14:imgEffect>
+                      <a14:sharpenSoften amount="-50000"/>
+                    </a14:imgEffect>
+                    <a14:imgEffect>
+                      <a14:brightnessContrast bright="11000"/>
+                    </a14:imgEffect>
+                  </a14:imgLayer>
+                </a14:imgProps>
+              </a:ext>
+              <a:ext uri="{28A0092B-C50C-407E-A947-70E740481C1C}">
+                <a14:useLocalDpi xmlns:a14="http://schemas.microsoft.com/office/drawing/2010/main" val="0"/>
+              </a:ext>
+            </a:extLst>
+          </a:blip>
+          <a:srcRect/>
+          <a:stretch>
+            <a:fillRect/>
+          </a:stretch>
+        </p:blipFill>
+        <p:spPr bwMode="auto">
+          <a:xfrm>
+            <a:off x="4680" y="2348422"/>
+            <a:ext cx="9146381" cy="4509578"/>
+          </a:xfrm>
+          <a:prstGeom prst="rect">
+            <a:avLst/>
+          </a:prstGeom>
+          <a:noFill/>
+          <a:ln>
+            <a:noFill/>
+          </a:ln>
+          <a:extLst>
+            <a:ext uri="{909E8E84-426E-40DD-AFC4-6F175D3DCCD1}">
+              <a14:hiddenFill xmlns:a14="http://schemas.microsoft.com/office/drawing/2010/main">
+                <a:solidFill>
+                  <a:schemeClr val="accent1"/>
+                </a:solidFill>
+              </a14:hiddenFill>
+            </a:ext>
+            <a:ext uri="{91240B29-F687-4F45-9708-019B960494DF}">
+              <a14:hiddenLine xmlns:a14="http://schemas.microsoft.com/office/drawing/2010/main" w="9525">
+                <a:solidFill>
+                  <a:schemeClr val="tx1"/>
+                </a:solidFill>
+                <a:miter lim="800000"/>
+                <a:headEnd/>
+                <a:tailEnd/>
+              </a14:hiddenLine>
+            </a:ext>
+          </a:extLst>
+        </p:spPr>
+      </p:pic>
+      <p:sp>
+        <p:nvSpPr>
+          <p:cNvPr id="7" name="Freeform 6"/>
+          <p:cNvSpPr/>
+          <p:nvPr/>
+        </p:nvSpPr>
+        <p:spPr>
+          <a:xfrm>
+            <a:off x="-2381" y="5955109"/>
+            <a:ext cx="1910085" cy="902891"/>
+          </a:xfrm>
+          <a:custGeom>
+            <a:avLst/>
+            <a:gdLst>
+              <a:gd name="connsiteX0" fmla="*/ 0 w 3571875"/>
+              <a:gd name="connsiteY0" fmla="*/ 4210050 h 4210050"/>
+              <a:gd name="connsiteX1" fmla="*/ 0 w 3571875"/>
+              <a:gd name="connsiteY1" fmla="*/ 0 h 4210050"/>
+              <a:gd name="connsiteX2" fmla="*/ 3571875 w 3571875"/>
+              <a:gd name="connsiteY2" fmla="*/ 4210050 h 4210050"/>
+              <a:gd name="connsiteX3" fmla="*/ 0 w 3571875"/>
+              <a:gd name="connsiteY3" fmla="*/ 4210050 h 4210050"/>
+              <a:gd name="connsiteX0" fmla="*/ 0 w 3571875"/>
+              <a:gd name="connsiteY0" fmla="*/ 4210050 h 4210050"/>
+              <a:gd name="connsiteX1" fmla="*/ 0 w 3571875"/>
+              <a:gd name="connsiteY1" fmla="*/ 0 h 4210050"/>
+              <a:gd name="connsiteX2" fmla="*/ 2028825 w 3571875"/>
+              <a:gd name="connsiteY2" fmla="*/ 2388394 h 4210050"/>
+              <a:gd name="connsiteX3" fmla="*/ 3571875 w 3571875"/>
+              <a:gd name="connsiteY3" fmla="*/ 4210050 h 4210050"/>
+              <a:gd name="connsiteX4" fmla="*/ 0 w 3571875"/>
+              <a:gd name="connsiteY4" fmla="*/ 4210050 h 4210050"/>
+              <a:gd name="connsiteX0" fmla="*/ 0 w 3571875"/>
+              <a:gd name="connsiteY0" fmla="*/ 4210050 h 4210050"/>
+              <a:gd name="connsiteX1" fmla="*/ 0 w 3571875"/>
+              <a:gd name="connsiteY1" fmla="*/ 0 h 4210050"/>
+              <a:gd name="connsiteX2" fmla="*/ 2028825 w 3571875"/>
+              <a:gd name="connsiteY2" fmla="*/ 2205038 h 4210050"/>
+              <a:gd name="connsiteX3" fmla="*/ 3571875 w 3571875"/>
+              <a:gd name="connsiteY3" fmla="*/ 4210050 h 4210050"/>
+              <a:gd name="connsiteX4" fmla="*/ 0 w 3571875"/>
+              <a:gd name="connsiteY4" fmla="*/ 4210050 h 4210050"/>
+              <a:gd name="connsiteX0" fmla="*/ 0 w 3571875"/>
+              <a:gd name="connsiteY0" fmla="*/ 4210050 h 4210050"/>
+              <a:gd name="connsiteX1" fmla="*/ 0 w 3571875"/>
+              <a:gd name="connsiteY1" fmla="*/ 0 h 4210050"/>
+              <a:gd name="connsiteX2" fmla="*/ 2028825 w 3571875"/>
+              <a:gd name="connsiteY2" fmla="*/ 2393157 h 4210050"/>
+              <a:gd name="connsiteX3" fmla="*/ 3571875 w 3571875"/>
+              <a:gd name="connsiteY3" fmla="*/ 4210050 h 4210050"/>
+              <a:gd name="connsiteX4" fmla="*/ 0 w 3571875"/>
+              <a:gd name="connsiteY4" fmla="*/ 4210050 h 4210050"/>
+              <a:gd name="connsiteX0" fmla="*/ 0 w 3571875"/>
+              <a:gd name="connsiteY0" fmla="*/ 4210050 h 4210050"/>
+              <a:gd name="connsiteX1" fmla="*/ 0 w 3571875"/>
+              <a:gd name="connsiteY1" fmla="*/ 0 h 4210050"/>
+              <a:gd name="connsiteX2" fmla="*/ 2028825 w 3571875"/>
+              <a:gd name="connsiteY2" fmla="*/ 2393157 h 4210050"/>
+              <a:gd name="connsiteX3" fmla="*/ 3571875 w 3571875"/>
+              <a:gd name="connsiteY3" fmla="*/ 4210050 h 4210050"/>
+              <a:gd name="connsiteX4" fmla="*/ 0 w 3571875"/>
+              <a:gd name="connsiteY4" fmla="*/ 4210050 h 4210050"/>
+              <a:gd name="connsiteX0" fmla="*/ 0 w 3571875"/>
+              <a:gd name="connsiteY0" fmla="*/ 4210050 h 4210050"/>
+              <a:gd name="connsiteX1" fmla="*/ 0 w 3571875"/>
+              <a:gd name="connsiteY1" fmla="*/ 0 h 4210050"/>
+              <a:gd name="connsiteX2" fmla="*/ 2028825 w 3571875"/>
+              <a:gd name="connsiteY2" fmla="*/ 2281238 h 4210050"/>
+              <a:gd name="connsiteX3" fmla="*/ 3571875 w 3571875"/>
+              <a:gd name="connsiteY3" fmla="*/ 4210050 h 4210050"/>
+              <a:gd name="connsiteX4" fmla="*/ 0 w 3571875"/>
+              <a:gd name="connsiteY4" fmla="*/ 4210050 h 4210050"/>
+              <a:gd name="connsiteX0" fmla="*/ 0 w 3571875"/>
+              <a:gd name="connsiteY0" fmla="*/ 4210050 h 4210050"/>
+              <a:gd name="connsiteX1" fmla="*/ 0 w 3571875"/>
+              <a:gd name="connsiteY1" fmla="*/ 0 h 4210050"/>
+              <a:gd name="connsiteX2" fmla="*/ 2028825 w 3571875"/>
+              <a:gd name="connsiteY2" fmla="*/ 2393157 h 4210050"/>
+              <a:gd name="connsiteX3" fmla="*/ 3571875 w 3571875"/>
+              <a:gd name="connsiteY3" fmla="*/ 4210050 h 4210050"/>
+              <a:gd name="connsiteX4" fmla="*/ 0 w 3571875"/>
+              <a:gd name="connsiteY4" fmla="*/ 4210050 h 4210050"/>
+              <a:gd name="connsiteX0" fmla="*/ 0 w 3571875"/>
+              <a:gd name="connsiteY0" fmla="*/ 4210050 h 4210050"/>
+              <a:gd name="connsiteX1" fmla="*/ 0 w 3571875"/>
+              <a:gd name="connsiteY1" fmla="*/ 0 h 4210050"/>
+              <a:gd name="connsiteX2" fmla="*/ 2028825 w 3571875"/>
+              <a:gd name="connsiteY2" fmla="*/ 2393157 h 4210050"/>
+              <a:gd name="connsiteX3" fmla="*/ 3571875 w 3571875"/>
+              <a:gd name="connsiteY3" fmla="*/ 4210050 h 4210050"/>
+              <a:gd name="connsiteX4" fmla="*/ 0 w 3571875"/>
+              <a:gd name="connsiteY4" fmla="*/ 4210050 h 4210050"/>
+              <a:gd name="connsiteX0" fmla="*/ 0 w 3571875"/>
+              <a:gd name="connsiteY0" fmla="*/ 4210050 h 4210050"/>
+              <a:gd name="connsiteX1" fmla="*/ 0 w 3571875"/>
+              <a:gd name="connsiteY1" fmla="*/ 0 h 4210050"/>
+              <a:gd name="connsiteX2" fmla="*/ 2076450 w 3571875"/>
+              <a:gd name="connsiteY2" fmla="*/ 2274094 h 4210050"/>
+              <a:gd name="connsiteX3" fmla="*/ 3571875 w 3571875"/>
+              <a:gd name="connsiteY3" fmla="*/ 4210050 h 4210050"/>
+              <a:gd name="connsiteX4" fmla="*/ 0 w 3571875"/>
+              <a:gd name="connsiteY4" fmla="*/ 4210050 h 4210050"/>
+              <a:gd name="connsiteX0" fmla="*/ 0 w 3571875"/>
+              <a:gd name="connsiteY0" fmla="*/ 4210050 h 4210050"/>
+              <a:gd name="connsiteX1" fmla="*/ 0 w 3571875"/>
+              <a:gd name="connsiteY1" fmla="*/ 0 h 4210050"/>
+              <a:gd name="connsiteX2" fmla="*/ 2245519 w 3571875"/>
+              <a:gd name="connsiteY2" fmla="*/ 2405063 h 4210050"/>
+              <a:gd name="connsiteX3" fmla="*/ 3571875 w 3571875"/>
+              <a:gd name="connsiteY3" fmla="*/ 4210050 h 4210050"/>
+              <a:gd name="connsiteX4" fmla="*/ 0 w 3571875"/>
+              <a:gd name="connsiteY4" fmla="*/ 4210050 h 4210050"/>
+              <a:gd name="connsiteX0" fmla="*/ 0 w 3571875"/>
+              <a:gd name="connsiteY0" fmla="*/ 4210050 h 4210050"/>
+              <a:gd name="connsiteX1" fmla="*/ 0 w 3571875"/>
+              <a:gd name="connsiteY1" fmla="*/ 0 h 4210050"/>
+              <a:gd name="connsiteX2" fmla="*/ 2038350 w 3571875"/>
+              <a:gd name="connsiteY2" fmla="*/ 2405063 h 4210050"/>
+              <a:gd name="connsiteX3" fmla="*/ 3571875 w 3571875"/>
+              <a:gd name="connsiteY3" fmla="*/ 4210050 h 4210050"/>
+              <a:gd name="connsiteX4" fmla="*/ 0 w 3571875"/>
+              <a:gd name="connsiteY4" fmla="*/ 4210050 h 4210050"/>
+              <a:gd name="connsiteX0" fmla="*/ 0 w 3571875"/>
+              <a:gd name="connsiteY0" fmla="*/ 2433637 h 2433637"/>
+              <a:gd name="connsiteX1" fmla="*/ 257175 w 3571875"/>
+              <a:gd name="connsiteY1" fmla="*/ 0 h 2433637"/>
+              <a:gd name="connsiteX2" fmla="*/ 2038350 w 3571875"/>
+              <a:gd name="connsiteY2" fmla="*/ 628650 h 2433637"/>
+              <a:gd name="connsiteX3" fmla="*/ 3571875 w 3571875"/>
+              <a:gd name="connsiteY3" fmla="*/ 2433637 h 2433637"/>
+              <a:gd name="connsiteX4" fmla="*/ 0 w 3571875"/>
+              <a:gd name="connsiteY4" fmla="*/ 2433637 h 2433637"/>
+              <a:gd name="connsiteX0" fmla="*/ 2382 w 3574257"/>
+              <a:gd name="connsiteY0" fmla="*/ 1807368 h 1807368"/>
+              <a:gd name="connsiteX1" fmla="*/ 0 w 3574257"/>
+              <a:gd name="connsiteY1" fmla="*/ 0 h 1807368"/>
+              <a:gd name="connsiteX2" fmla="*/ 2040732 w 3574257"/>
+              <a:gd name="connsiteY2" fmla="*/ 2381 h 1807368"/>
+              <a:gd name="connsiteX3" fmla="*/ 3574257 w 3574257"/>
+              <a:gd name="connsiteY3" fmla="*/ 1807368 h 1807368"/>
+              <a:gd name="connsiteX4" fmla="*/ 2382 w 3574257"/>
+              <a:gd name="connsiteY4" fmla="*/ 1807368 h 1807368"/>
+              <a:gd name="connsiteX0" fmla="*/ 2382 w 3574257"/>
+              <a:gd name="connsiteY0" fmla="*/ 1807368 h 1807368"/>
+              <a:gd name="connsiteX1" fmla="*/ 0 w 3574257"/>
+              <a:gd name="connsiteY1" fmla="*/ 0 h 1807368"/>
+              <a:gd name="connsiteX2" fmla="*/ 1924051 w 3574257"/>
+              <a:gd name="connsiteY2" fmla="*/ 307181 h 1807368"/>
+              <a:gd name="connsiteX3" fmla="*/ 3574257 w 3574257"/>
+              <a:gd name="connsiteY3" fmla="*/ 1807368 h 1807368"/>
+              <a:gd name="connsiteX4" fmla="*/ 2382 w 3574257"/>
+              <a:gd name="connsiteY4" fmla="*/ 1807368 h 1807368"/>
+              <a:gd name="connsiteX0" fmla="*/ 2382 w 3574257"/>
+              <a:gd name="connsiteY0" fmla="*/ 1809749 h 1809749"/>
+              <a:gd name="connsiteX1" fmla="*/ 0 w 3574257"/>
+              <a:gd name="connsiteY1" fmla="*/ 2381 h 1809749"/>
+              <a:gd name="connsiteX2" fmla="*/ 2038351 w 3574257"/>
+              <a:gd name="connsiteY2" fmla="*/ 0 h 1809749"/>
+              <a:gd name="connsiteX3" fmla="*/ 3574257 w 3574257"/>
+              <a:gd name="connsiteY3" fmla="*/ 1809749 h 1809749"/>
+              <a:gd name="connsiteX4" fmla="*/ 2382 w 3574257"/>
+              <a:gd name="connsiteY4" fmla="*/ 1809749 h 1809749"/>
+              <a:gd name="connsiteX0" fmla="*/ 2382 w 3574257"/>
+              <a:gd name="connsiteY0" fmla="*/ 1807368 h 1807368"/>
+              <a:gd name="connsiteX1" fmla="*/ 0 w 3574257"/>
+              <a:gd name="connsiteY1" fmla="*/ 0 h 1807368"/>
+              <a:gd name="connsiteX2" fmla="*/ 1640682 w 3574257"/>
+              <a:gd name="connsiteY2" fmla="*/ 450057 h 1807368"/>
+              <a:gd name="connsiteX3" fmla="*/ 3574257 w 3574257"/>
+              <a:gd name="connsiteY3" fmla="*/ 1807368 h 1807368"/>
+              <a:gd name="connsiteX4" fmla="*/ 2382 w 3574257"/>
+              <a:gd name="connsiteY4" fmla="*/ 1807368 h 1807368"/>
+              <a:gd name="connsiteX0" fmla="*/ 2382 w 3574257"/>
+              <a:gd name="connsiteY0" fmla="*/ 1809749 h 1809749"/>
+              <a:gd name="connsiteX1" fmla="*/ 0 w 3574257"/>
+              <a:gd name="connsiteY1" fmla="*/ 2381 h 1809749"/>
+              <a:gd name="connsiteX2" fmla="*/ 2038351 w 3574257"/>
+              <a:gd name="connsiteY2" fmla="*/ 0 h 1809749"/>
+              <a:gd name="connsiteX3" fmla="*/ 3574257 w 3574257"/>
+              <a:gd name="connsiteY3" fmla="*/ 1809749 h 1809749"/>
+              <a:gd name="connsiteX4" fmla="*/ 2382 w 3574257"/>
+              <a:gd name="connsiteY4" fmla="*/ 1809749 h 1809749"/>
+              <a:gd name="connsiteX0" fmla="*/ 2382 w 3574257"/>
+              <a:gd name="connsiteY0" fmla="*/ 1807368 h 1807368"/>
+              <a:gd name="connsiteX1" fmla="*/ 0 w 3574257"/>
+              <a:gd name="connsiteY1" fmla="*/ 0 h 1807368"/>
+              <a:gd name="connsiteX2" fmla="*/ 1657351 w 3574257"/>
+              <a:gd name="connsiteY2" fmla="*/ 230982 h 1807368"/>
+              <a:gd name="connsiteX3" fmla="*/ 3574257 w 3574257"/>
+              <a:gd name="connsiteY3" fmla="*/ 1807368 h 1807368"/>
+              <a:gd name="connsiteX4" fmla="*/ 2382 w 3574257"/>
+              <a:gd name="connsiteY4" fmla="*/ 1807368 h 1807368"/>
+              <a:gd name="connsiteX0" fmla="*/ 2382 w 3574257"/>
+              <a:gd name="connsiteY0" fmla="*/ 1807368 h 1807368"/>
+              <a:gd name="connsiteX1" fmla="*/ 0 w 3574257"/>
+              <a:gd name="connsiteY1" fmla="*/ 0 h 1807368"/>
+              <a:gd name="connsiteX2" fmla="*/ 2040732 w 3574257"/>
+              <a:gd name="connsiteY2" fmla="*/ 2382 h 1807368"/>
+              <a:gd name="connsiteX3" fmla="*/ 3574257 w 3574257"/>
+              <a:gd name="connsiteY3" fmla="*/ 1807368 h 1807368"/>
+              <a:gd name="connsiteX4" fmla="*/ 2382 w 3574257"/>
+              <a:gd name="connsiteY4" fmla="*/ 1807368 h 1807368"/>
+              <a:gd name="connsiteX0" fmla="*/ 2382 w 3574257"/>
+              <a:gd name="connsiteY0" fmla="*/ 1807368 h 1807368"/>
+              <a:gd name="connsiteX1" fmla="*/ 0 w 3574257"/>
+              <a:gd name="connsiteY1" fmla="*/ 0 h 1807368"/>
+              <a:gd name="connsiteX2" fmla="*/ 1774032 w 3574257"/>
+              <a:gd name="connsiteY2" fmla="*/ 161925 h 1807368"/>
+              <a:gd name="connsiteX3" fmla="*/ 3574257 w 3574257"/>
+              <a:gd name="connsiteY3" fmla="*/ 1807368 h 1807368"/>
+              <a:gd name="connsiteX4" fmla="*/ 2382 w 3574257"/>
+              <a:gd name="connsiteY4" fmla="*/ 1807368 h 1807368"/>
+              <a:gd name="connsiteX0" fmla="*/ 2382 w 3574257"/>
+              <a:gd name="connsiteY0" fmla="*/ 1807368 h 1807368"/>
+              <a:gd name="connsiteX1" fmla="*/ 0 w 3574257"/>
+              <a:gd name="connsiteY1" fmla="*/ 0 h 1807368"/>
+              <a:gd name="connsiteX2" fmla="*/ 1969294 w 3574257"/>
+              <a:gd name="connsiteY2" fmla="*/ 21432 h 1807368"/>
+              <a:gd name="connsiteX3" fmla="*/ 3574257 w 3574257"/>
+              <a:gd name="connsiteY3" fmla="*/ 1807368 h 1807368"/>
+              <a:gd name="connsiteX4" fmla="*/ 2382 w 3574257"/>
+              <a:gd name="connsiteY4" fmla="*/ 1807368 h 1807368"/>
+              <a:gd name="connsiteX0" fmla="*/ 2382 w 3574257"/>
+              <a:gd name="connsiteY0" fmla="*/ 1807368 h 1807368"/>
+              <a:gd name="connsiteX1" fmla="*/ 0 w 3574257"/>
+              <a:gd name="connsiteY1" fmla="*/ 0 h 1807368"/>
+              <a:gd name="connsiteX2" fmla="*/ 1819275 w 3574257"/>
+              <a:gd name="connsiteY2" fmla="*/ 200026 h 1807368"/>
+              <a:gd name="connsiteX3" fmla="*/ 3574257 w 3574257"/>
+              <a:gd name="connsiteY3" fmla="*/ 1807368 h 1807368"/>
+              <a:gd name="connsiteX4" fmla="*/ 2382 w 3574257"/>
+              <a:gd name="connsiteY4" fmla="*/ 1807368 h 1807368"/>
+              <a:gd name="connsiteX0" fmla="*/ 2382 w 3574257"/>
+              <a:gd name="connsiteY0" fmla="*/ 1807368 h 1807368"/>
+              <a:gd name="connsiteX1" fmla="*/ 0 w 3574257"/>
+              <a:gd name="connsiteY1" fmla="*/ 0 h 1807368"/>
+              <a:gd name="connsiteX2" fmla="*/ 2045494 w 3574257"/>
+              <a:gd name="connsiteY2" fmla="*/ 1 h 1807368"/>
+              <a:gd name="connsiteX3" fmla="*/ 3574257 w 3574257"/>
+              <a:gd name="connsiteY3" fmla="*/ 1807368 h 1807368"/>
+              <a:gd name="connsiteX4" fmla="*/ 2382 w 3574257"/>
+              <a:gd name="connsiteY4" fmla="*/ 1807368 h 1807368"/>
+            </a:gdLst>
+            <a:ahLst/>
+            <a:cxnLst>
+              <a:cxn ang="0">
+                <a:pos x="connsiteX0" y="connsiteY0"/>
+              </a:cxn>
+              <a:cxn ang="0">
+                <a:pos x="connsiteX1" y="connsiteY1"/>
+              </a:cxn>
+              <a:cxn ang="0">
+                <a:pos x="connsiteX2" y="connsiteY2"/>
+              </a:cxn>
+              <a:cxn ang="0">
+                <a:pos x="connsiteX3" y="connsiteY3"/>
+              </a:cxn>
+              <a:cxn ang="0">
+                <a:pos x="connsiteX4" y="connsiteY4"/>
+              </a:cxn>
+            </a:cxnLst>
+            <a:rect l="l" t="t" r="r" b="b"/>
+            <a:pathLst>
+              <a:path w="3574257" h="1807368">
+                <a:moveTo>
+                  <a:pt x="2382" y="1807368"/>
+                </a:moveTo>
+                <a:lnTo>
+                  <a:pt x="0" y="0"/>
+                </a:lnTo>
+                <a:lnTo>
+                  <a:pt x="2045494" y="1"/>
+                </a:lnTo>
+                <a:lnTo>
+                  <a:pt x="3574257" y="1807368"/>
+                </a:lnTo>
+                <a:lnTo>
+                  <a:pt x="2382" y="1807368"/>
+                </a:lnTo>
+                <a:close/>
+              </a:path>
+            </a:pathLst>
+          </a:custGeom>
+          <a:solidFill>
+            <a:srgbClr val="FF7F4F"/>
+          </a:solidFill>
+          <a:ln>
+            <a:noFill/>
+          </a:ln>
+        </p:spPr>
+        <p:style>
+          <a:lnRef idx="2">
+            <a:schemeClr val="accent1">
+              <a:shade val="50000"/>
+            </a:schemeClr>
+          </a:lnRef>
+          <a:fillRef idx="1">
+            <a:schemeClr val="accent1"/>
+          </a:fillRef>
+          <a:effectRef idx="0">
+            <a:schemeClr val="accent1"/>
+          </a:effectRef>
+          <a:fontRef idx="minor">
+            <a:schemeClr val="lt1"/>
+          </a:fontRef>
+        </p:style>
+        <p:txBody>
+          <a:bodyPr rtlCol="0" anchor="ctr"/>
+          <a:lstStyle/>
+          <a:p>
+            <a:pPr algn="ctr"/>
+            <a:endParaRPr lang="en-US"/>
+          </a:p>
+        </p:txBody>
+      </p:sp>
+      <p:sp>
+        <p:nvSpPr>
+          <p:cNvPr id="5" name="Freeform 4"/>
+          <p:cNvSpPr/>
+          <p:nvPr/>
+        </p:nvSpPr>
+        <p:spPr>
+          <a:xfrm>
+            <a:off x="-2380" y="5951801"/>
+            <a:ext cx="9146380" cy="906200"/>
+          </a:xfrm>
+          <a:custGeom>
+            <a:avLst/>
+            <a:gdLst>
+              <a:gd name="connsiteX0" fmla="*/ 0 w 3350419"/>
+              <a:gd name="connsiteY0" fmla="*/ 2081213 h 2083594"/>
+              <a:gd name="connsiteX1" fmla="*/ 3031331 w 3350419"/>
+              <a:gd name="connsiteY1" fmla="*/ 0 h 2083594"/>
+              <a:gd name="connsiteX2" fmla="*/ 3350419 w 3350419"/>
+              <a:gd name="connsiteY2" fmla="*/ 80963 h 2083594"/>
+              <a:gd name="connsiteX3" fmla="*/ 3350419 w 3350419"/>
+              <a:gd name="connsiteY3" fmla="*/ 2083594 h 2083594"/>
+              <a:gd name="connsiteX4" fmla="*/ 0 w 3350419"/>
+              <a:gd name="connsiteY4" fmla="*/ 2081213 h 2083594"/>
+              <a:gd name="connsiteX0" fmla="*/ 0 w 3112294"/>
+              <a:gd name="connsiteY0" fmla="*/ 2019301 h 2083594"/>
+              <a:gd name="connsiteX1" fmla="*/ 2793206 w 3112294"/>
+              <a:gd name="connsiteY1" fmla="*/ 0 h 2083594"/>
+              <a:gd name="connsiteX2" fmla="*/ 3112294 w 3112294"/>
+              <a:gd name="connsiteY2" fmla="*/ 80963 h 2083594"/>
+              <a:gd name="connsiteX3" fmla="*/ 3112294 w 3112294"/>
+              <a:gd name="connsiteY3" fmla="*/ 2083594 h 2083594"/>
+              <a:gd name="connsiteX4" fmla="*/ 0 w 3112294"/>
+              <a:gd name="connsiteY4" fmla="*/ 2019301 h 2083594"/>
+              <a:gd name="connsiteX0" fmla="*/ 0 w 3345656"/>
+              <a:gd name="connsiteY0" fmla="*/ 2097882 h 2097882"/>
+              <a:gd name="connsiteX1" fmla="*/ 3026568 w 3345656"/>
+              <a:gd name="connsiteY1" fmla="*/ 0 h 2097882"/>
+              <a:gd name="connsiteX2" fmla="*/ 3345656 w 3345656"/>
+              <a:gd name="connsiteY2" fmla="*/ 80963 h 2097882"/>
+              <a:gd name="connsiteX3" fmla="*/ 3345656 w 3345656"/>
+              <a:gd name="connsiteY3" fmla="*/ 2083594 h 2097882"/>
+              <a:gd name="connsiteX4" fmla="*/ 0 w 3345656"/>
+              <a:gd name="connsiteY4" fmla="*/ 2097882 h 2097882"/>
+              <a:gd name="connsiteX0" fmla="*/ 0 w 2800350"/>
+              <a:gd name="connsiteY0" fmla="*/ 1935957 h 2083594"/>
+              <a:gd name="connsiteX1" fmla="*/ 2481262 w 2800350"/>
+              <a:gd name="connsiteY1" fmla="*/ 0 h 2083594"/>
+              <a:gd name="connsiteX2" fmla="*/ 2800350 w 2800350"/>
+              <a:gd name="connsiteY2" fmla="*/ 80963 h 2083594"/>
+              <a:gd name="connsiteX3" fmla="*/ 2800350 w 2800350"/>
+              <a:gd name="connsiteY3" fmla="*/ 2083594 h 2083594"/>
+              <a:gd name="connsiteX4" fmla="*/ 0 w 2800350"/>
+              <a:gd name="connsiteY4" fmla="*/ 1935957 h 2083594"/>
+              <a:gd name="connsiteX0" fmla="*/ 0 w 3352800"/>
+              <a:gd name="connsiteY0" fmla="*/ 2083594 h 2083594"/>
+              <a:gd name="connsiteX1" fmla="*/ 3033712 w 3352800"/>
+              <a:gd name="connsiteY1" fmla="*/ 0 h 2083594"/>
+              <a:gd name="connsiteX2" fmla="*/ 3352800 w 3352800"/>
+              <a:gd name="connsiteY2" fmla="*/ 80963 h 2083594"/>
+              <a:gd name="connsiteX3" fmla="*/ 3352800 w 3352800"/>
+              <a:gd name="connsiteY3" fmla="*/ 2083594 h 2083594"/>
+              <a:gd name="connsiteX4" fmla="*/ 0 w 3352800"/>
+              <a:gd name="connsiteY4" fmla="*/ 2083594 h 2083594"/>
+              <a:gd name="connsiteX0" fmla="*/ 0 w 3352800"/>
+              <a:gd name="connsiteY0" fmla="*/ 2002631 h 2002631"/>
+              <a:gd name="connsiteX1" fmla="*/ 3033712 w 3352800"/>
+              <a:gd name="connsiteY1" fmla="*/ 157162 h 2002631"/>
+              <a:gd name="connsiteX2" fmla="*/ 3352800 w 3352800"/>
+              <a:gd name="connsiteY2" fmla="*/ 0 h 2002631"/>
+              <a:gd name="connsiteX3" fmla="*/ 3352800 w 3352800"/>
+              <a:gd name="connsiteY3" fmla="*/ 2002631 h 2002631"/>
+              <a:gd name="connsiteX4" fmla="*/ 0 w 3352800"/>
+              <a:gd name="connsiteY4" fmla="*/ 2002631 h 2002631"/>
+              <a:gd name="connsiteX0" fmla="*/ 0 w 3352800"/>
+              <a:gd name="connsiteY0" fmla="*/ 2002631 h 2002631"/>
+              <a:gd name="connsiteX1" fmla="*/ 2988469 w 3352800"/>
+              <a:gd name="connsiteY1" fmla="*/ 59530 h 2002631"/>
+              <a:gd name="connsiteX2" fmla="*/ 3352800 w 3352800"/>
+              <a:gd name="connsiteY2" fmla="*/ 0 h 2002631"/>
+              <a:gd name="connsiteX3" fmla="*/ 3352800 w 3352800"/>
+              <a:gd name="connsiteY3" fmla="*/ 2002631 h 2002631"/>
+              <a:gd name="connsiteX4" fmla="*/ 0 w 3352800"/>
+              <a:gd name="connsiteY4" fmla="*/ 2002631 h 2002631"/>
+              <a:gd name="connsiteX0" fmla="*/ 0 w 3352800"/>
+              <a:gd name="connsiteY0" fmla="*/ 2002631 h 2002631"/>
+              <a:gd name="connsiteX1" fmla="*/ 2833966 w 3352800"/>
+              <a:gd name="connsiteY1" fmla="*/ 425 h 2002631"/>
+              <a:gd name="connsiteX2" fmla="*/ 3352800 w 3352800"/>
+              <a:gd name="connsiteY2" fmla="*/ 0 h 2002631"/>
+              <a:gd name="connsiteX3" fmla="*/ 3352800 w 3352800"/>
+              <a:gd name="connsiteY3" fmla="*/ 2002631 h 2002631"/>
+              <a:gd name="connsiteX4" fmla="*/ 0 w 3352800"/>
+              <a:gd name="connsiteY4" fmla="*/ 2002631 h 2002631"/>
+              <a:gd name="connsiteX0" fmla="*/ 0 w 3352800"/>
+              <a:gd name="connsiteY0" fmla="*/ 2002631 h 2002631"/>
+              <a:gd name="connsiteX1" fmla="*/ 2845314 w 3352800"/>
+              <a:gd name="connsiteY1" fmla="*/ 12246 h 2002631"/>
+              <a:gd name="connsiteX2" fmla="*/ 3352800 w 3352800"/>
+              <a:gd name="connsiteY2" fmla="*/ 0 h 2002631"/>
+              <a:gd name="connsiteX3" fmla="*/ 3352800 w 3352800"/>
+              <a:gd name="connsiteY3" fmla="*/ 2002631 h 2002631"/>
+              <a:gd name="connsiteX4" fmla="*/ 0 w 3352800"/>
+              <a:gd name="connsiteY4" fmla="*/ 2002631 h 2002631"/>
+              <a:gd name="connsiteX0" fmla="*/ 0 w 3352800"/>
+              <a:gd name="connsiteY0" fmla="*/ 2002631 h 2002631"/>
+              <a:gd name="connsiteX1" fmla="*/ 2834839 w 3352800"/>
+              <a:gd name="connsiteY1" fmla="*/ 425 h 2002631"/>
+              <a:gd name="connsiteX2" fmla="*/ 3352800 w 3352800"/>
+              <a:gd name="connsiteY2" fmla="*/ 0 h 2002631"/>
+              <a:gd name="connsiteX3" fmla="*/ 3352800 w 3352800"/>
+              <a:gd name="connsiteY3" fmla="*/ 2002631 h 2002631"/>
+              <a:gd name="connsiteX4" fmla="*/ 0 w 3352800"/>
+              <a:gd name="connsiteY4" fmla="*/ 2002631 h 2002631"/>
+              <a:gd name="connsiteX0" fmla="*/ 0 w 3352800"/>
+              <a:gd name="connsiteY0" fmla="*/ 2002631 h 2002631"/>
+              <a:gd name="connsiteX1" fmla="*/ 2875865 w 3352800"/>
+              <a:gd name="connsiteY1" fmla="*/ 81782 h 2002631"/>
+              <a:gd name="connsiteX2" fmla="*/ 3352800 w 3352800"/>
+              <a:gd name="connsiteY2" fmla="*/ 0 h 2002631"/>
+              <a:gd name="connsiteX3" fmla="*/ 3352800 w 3352800"/>
+              <a:gd name="connsiteY3" fmla="*/ 2002631 h 2002631"/>
+              <a:gd name="connsiteX4" fmla="*/ 0 w 3352800"/>
+              <a:gd name="connsiteY4" fmla="*/ 2002631 h 2002631"/>
+              <a:gd name="connsiteX0" fmla="*/ 0 w 3352800"/>
+              <a:gd name="connsiteY0" fmla="*/ 2002901 h 2002901"/>
+              <a:gd name="connsiteX1" fmla="*/ 2836585 w 3352800"/>
+              <a:gd name="connsiteY1" fmla="*/ 0 h 2002901"/>
+              <a:gd name="connsiteX2" fmla="*/ 3352800 w 3352800"/>
+              <a:gd name="connsiteY2" fmla="*/ 270 h 2002901"/>
+              <a:gd name="connsiteX3" fmla="*/ 3352800 w 3352800"/>
+              <a:gd name="connsiteY3" fmla="*/ 2002901 h 2002901"/>
+              <a:gd name="connsiteX4" fmla="*/ 0 w 3352800"/>
+              <a:gd name="connsiteY4" fmla="*/ 2002901 h 2002901"/>
+              <a:gd name="connsiteX0" fmla="*/ 0 w 3352800"/>
+              <a:gd name="connsiteY0" fmla="*/ 2002631 h 2002631"/>
+              <a:gd name="connsiteX1" fmla="*/ 754045 w 3352800"/>
+              <a:gd name="connsiteY1" fmla="*/ 1468326 h 2002631"/>
+              <a:gd name="connsiteX2" fmla="*/ 3352800 w 3352800"/>
+              <a:gd name="connsiteY2" fmla="*/ 0 h 2002631"/>
+              <a:gd name="connsiteX3" fmla="*/ 3352800 w 3352800"/>
+              <a:gd name="connsiteY3" fmla="*/ 2002631 h 2002631"/>
+              <a:gd name="connsiteX4" fmla="*/ 0 w 3352800"/>
+              <a:gd name="connsiteY4" fmla="*/ 2002631 h 2002631"/>
+              <a:gd name="connsiteX0" fmla="*/ 0 w 3352800"/>
+              <a:gd name="connsiteY0" fmla="*/ 534305 h 534305"/>
+              <a:gd name="connsiteX1" fmla="*/ 754045 w 3352800"/>
+              <a:gd name="connsiteY1" fmla="*/ 0 h 534305"/>
+              <a:gd name="connsiteX2" fmla="*/ 3352800 w 3352800"/>
+              <a:gd name="connsiteY2" fmla="*/ 7687 h 534305"/>
+              <a:gd name="connsiteX3" fmla="*/ 3352800 w 3352800"/>
+              <a:gd name="connsiteY3" fmla="*/ 534305 h 534305"/>
+              <a:gd name="connsiteX4" fmla="*/ 0 w 3352800"/>
+              <a:gd name="connsiteY4" fmla="*/ 534305 h 534305"/>
+              <a:gd name="connsiteX0" fmla="*/ 0 w 3352800"/>
+              <a:gd name="connsiteY0" fmla="*/ 534305 h 534305"/>
+              <a:gd name="connsiteX1" fmla="*/ 754045 w 3352800"/>
+              <a:gd name="connsiteY1" fmla="*/ 0 h 534305"/>
+              <a:gd name="connsiteX2" fmla="*/ 3352800 w 3352800"/>
+              <a:gd name="connsiteY2" fmla="*/ 7687 h 534305"/>
+              <a:gd name="connsiteX3" fmla="*/ 3352800 w 3352800"/>
+              <a:gd name="connsiteY3" fmla="*/ 534305 h 534305"/>
+              <a:gd name="connsiteX4" fmla="*/ 0 w 3352800"/>
+              <a:gd name="connsiteY4" fmla="*/ 534305 h 534305"/>
+              <a:gd name="connsiteX0" fmla="*/ 0 w 3352800"/>
+              <a:gd name="connsiteY0" fmla="*/ 526618 h 526618"/>
+              <a:gd name="connsiteX1" fmla="*/ 980611 w 3352800"/>
+              <a:gd name="connsiteY1" fmla="*/ 93681 h 526618"/>
+              <a:gd name="connsiteX2" fmla="*/ 3352800 w 3352800"/>
+              <a:gd name="connsiteY2" fmla="*/ 0 h 526618"/>
+              <a:gd name="connsiteX3" fmla="*/ 3352800 w 3352800"/>
+              <a:gd name="connsiteY3" fmla="*/ 526618 h 526618"/>
+              <a:gd name="connsiteX4" fmla="*/ 0 w 3352800"/>
+              <a:gd name="connsiteY4" fmla="*/ 526618 h 526618"/>
+              <a:gd name="connsiteX0" fmla="*/ 0 w 3352800"/>
+              <a:gd name="connsiteY0" fmla="*/ 526888 h 526888"/>
+              <a:gd name="connsiteX1" fmla="*/ 744735 w 3352800"/>
+              <a:gd name="connsiteY1" fmla="*/ 0 h 526888"/>
+              <a:gd name="connsiteX2" fmla="*/ 3352800 w 3352800"/>
+              <a:gd name="connsiteY2" fmla="*/ 270 h 526888"/>
+              <a:gd name="connsiteX3" fmla="*/ 3352800 w 3352800"/>
+              <a:gd name="connsiteY3" fmla="*/ 526888 h 526888"/>
+              <a:gd name="connsiteX4" fmla="*/ 0 w 3352800"/>
+              <a:gd name="connsiteY4" fmla="*/ 526888 h 526888"/>
+              <a:gd name="connsiteX0" fmla="*/ 0 w 3352800"/>
+              <a:gd name="connsiteY0" fmla="*/ 526618 h 526618"/>
+              <a:gd name="connsiteX1" fmla="*/ 811948 w 3352800"/>
+              <a:gd name="connsiteY1" fmla="*/ 60921 h 526618"/>
+              <a:gd name="connsiteX2" fmla="*/ 3352800 w 3352800"/>
+              <a:gd name="connsiteY2" fmla="*/ 0 h 526618"/>
+              <a:gd name="connsiteX3" fmla="*/ 3352800 w 3352800"/>
+              <a:gd name="connsiteY3" fmla="*/ 526618 h 526618"/>
+              <a:gd name="connsiteX4" fmla="*/ 0 w 3352800"/>
+              <a:gd name="connsiteY4" fmla="*/ 526618 h 526618"/>
+              <a:gd name="connsiteX0" fmla="*/ 0 w 3352800"/>
+              <a:gd name="connsiteY0" fmla="*/ 527584 h 527584"/>
+              <a:gd name="connsiteX1" fmla="*/ 751718 w 3352800"/>
+              <a:gd name="connsiteY1" fmla="*/ 0 h 527584"/>
+              <a:gd name="connsiteX2" fmla="*/ 3352800 w 3352800"/>
+              <a:gd name="connsiteY2" fmla="*/ 966 h 527584"/>
+              <a:gd name="connsiteX3" fmla="*/ 3352800 w 3352800"/>
+              <a:gd name="connsiteY3" fmla="*/ 527584 h 527584"/>
+              <a:gd name="connsiteX4" fmla="*/ 0 w 3352800"/>
+              <a:gd name="connsiteY4" fmla="*/ 527584 h 527584"/>
+              <a:gd name="connsiteX0" fmla="*/ 0 w 3352800"/>
+              <a:gd name="connsiteY0" fmla="*/ 527584 h 527584"/>
+              <a:gd name="connsiteX1" fmla="*/ 751718 w 3352800"/>
+              <a:gd name="connsiteY1" fmla="*/ 0 h 527584"/>
+              <a:gd name="connsiteX2" fmla="*/ 3241069 w 3352800"/>
+              <a:gd name="connsiteY2" fmla="*/ 94144 h 527584"/>
+              <a:gd name="connsiteX3" fmla="*/ 3352800 w 3352800"/>
+              <a:gd name="connsiteY3" fmla="*/ 527584 h 527584"/>
+              <a:gd name="connsiteX4" fmla="*/ 0 w 3352800"/>
+              <a:gd name="connsiteY4" fmla="*/ 527584 h 527584"/>
+              <a:gd name="connsiteX0" fmla="*/ 0 w 3352800"/>
+              <a:gd name="connsiteY0" fmla="*/ 527584 h 527584"/>
+              <a:gd name="connsiteX1" fmla="*/ 751718 w 3352800"/>
+              <a:gd name="connsiteY1" fmla="*/ 0 h 527584"/>
+              <a:gd name="connsiteX2" fmla="*/ 3352800 w 3352800"/>
+              <a:gd name="connsiteY2" fmla="*/ 271 h 527584"/>
+              <a:gd name="connsiteX3" fmla="*/ 3352800 w 3352800"/>
+              <a:gd name="connsiteY3" fmla="*/ 527584 h 527584"/>
+              <a:gd name="connsiteX4" fmla="*/ 0 w 3352800"/>
+              <a:gd name="connsiteY4" fmla="*/ 527584 h 527584"/>
+              <a:gd name="connsiteX0" fmla="*/ 0 w 3352800"/>
+              <a:gd name="connsiteY0" fmla="*/ 527313 h 527313"/>
+              <a:gd name="connsiteX1" fmla="*/ 900984 w 3352800"/>
+              <a:gd name="connsiteY1" fmla="*/ 97774 h 527313"/>
+              <a:gd name="connsiteX2" fmla="*/ 3352800 w 3352800"/>
+              <a:gd name="connsiteY2" fmla="*/ 0 h 527313"/>
+              <a:gd name="connsiteX3" fmla="*/ 3352800 w 3352800"/>
+              <a:gd name="connsiteY3" fmla="*/ 527313 h 527313"/>
+              <a:gd name="connsiteX4" fmla="*/ 0 w 3352800"/>
+              <a:gd name="connsiteY4" fmla="*/ 527313 h 527313"/>
+              <a:gd name="connsiteX0" fmla="*/ 0 w 3352800"/>
+              <a:gd name="connsiteY0" fmla="*/ 527584 h 527584"/>
+              <a:gd name="connsiteX1" fmla="*/ 748227 w 3352800"/>
+              <a:gd name="connsiteY1" fmla="*/ 0 h 527584"/>
+              <a:gd name="connsiteX2" fmla="*/ 3352800 w 3352800"/>
+              <a:gd name="connsiteY2" fmla="*/ 271 h 527584"/>
+              <a:gd name="connsiteX3" fmla="*/ 3352800 w 3352800"/>
+              <a:gd name="connsiteY3" fmla="*/ 527584 h 527584"/>
+              <a:gd name="connsiteX4" fmla="*/ 0 w 3352800"/>
+              <a:gd name="connsiteY4" fmla="*/ 527584 h 527584"/>
+              <a:gd name="connsiteX0" fmla="*/ 0 w 3352800"/>
+              <a:gd name="connsiteY0" fmla="*/ 527313 h 527313"/>
+              <a:gd name="connsiteX1" fmla="*/ 378118 w 3352800"/>
+              <a:gd name="connsiteY1" fmla="*/ 21980 h 527313"/>
+              <a:gd name="connsiteX2" fmla="*/ 3352800 w 3352800"/>
+              <a:gd name="connsiteY2" fmla="*/ 0 h 527313"/>
+              <a:gd name="connsiteX3" fmla="*/ 3352800 w 3352800"/>
+              <a:gd name="connsiteY3" fmla="*/ 527313 h 527313"/>
+              <a:gd name="connsiteX4" fmla="*/ 0 w 3352800"/>
+              <a:gd name="connsiteY4" fmla="*/ 527313 h 527313"/>
+              <a:gd name="connsiteX0" fmla="*/ 0 w 3352800"/>
+              <a:gd name="connsiteY0" fmla="*/ 527313 h 527313"/>
+              <a:gd name="connsiteX1" fmla="*/ 398129 w 3352800"/>
+              <a:gd name="connsiteY1" fmla="*/ 6039 h 527313"/>
+              <a:gd name="connsiteX2" fmla="*/ 3352800 w 3352800"/>
+              <a:gd name="connsiteY2" fmla="*/ 0 h 527313"/>
+              <a:gd name="connsiteX3" fmla="*/ 3352800 w 3352800"/>
+              <a:gd name="connsiteY3" fmla="*/ 527313 h 527313"/>
+              <a:gd name="connsiteX4" fmla="*/ 0 w 3352800"/>
+              <a:gd name="connsiteY4" fmla="*/ 527313 h 527313"/>
+              <a:gd name="connsiteX0" fmla="*/ 0 w 3352800"/>
+              <a:gd name="connsiteY0" fmla="*/ 529245 h 529245"/>
+              <a:gd name="connsiteX1" fmla="*/ 403132 w 3352800"/>
+              <a:gd name="connsiteY1" fmla="*/ 0 h 529245"/>
+              <a:gd name="connsiteX2" fmla="*/ 3352800 w 3352800"/>
+              <a:gd name="connsiteY2" fmla="*/ 1932 h 529245"/>
+              <a:gd name="connsiteX3" fmla="*/ 3352800 w 3352800"/>
+              <a:gd name="connsiteY3" fmla="*/ 529245 h 529245"/>
+              <a:gd name="connsiteX4" fmla="*/ 0 w 3352800"/>
+              <a:gd name="connsiteY4" fmla="*/ 529245 h 529245"/>
+            </a:gdLst>
+            <a:ahLst/>
+            <a:cxnLst>
+              <a:cxn ang="0">
+                <a:pos x="connsiteX0" y="connsiteY0"/>
+              </a:cxn>
+              <a:cxn ang="0">
+                <a:pos x="connsiteX1" y="connsiteY1"/>
+              </a:cxn>
+              <a:cxn ang="0">
+                <a:pos x="connsiteX2" y="connsiteY2"/>
+              </a:cxn>
+              <a:cxn ang="0">
+                <a:pos x="connsiteX3" y="connsiteY3"/>
+              </a:cxn>
+              <a:cxn ang="0">
+                <a:pos x="connsiteX4" y="connsiteY4"/>
+              </a:cxn>
+            </a:cxnLst>
+            <a:rect l="l" t="t" r="r" b="b"/>
+            <a:pathLst>
+              <a:path w="3352800" h="529245">
+                <a:moveTo>
+                  <a:pt x="0" y="529245"/>
+                </a:moveTo>
+                <a:lnTo>
+                  <a:pt x="403132" y="0"/>
+                </a:lnTo>
+                <a:lnTo>
+                  <a:pt x="3352800" y="1932"/>
+                </a:lnTo>
+                <a:lnTo>
+                  <a:pt x="3352800" y="529245"/>
+                </a:lnTo>
+                <a:lnTo>
+                  <a:pt x="0" y="529245"/>
+                </a:lnTo>
+                <a:close/>
+              </a:path>
+            </a:pathLst>
+          </a:custGeom>
+          <a:solidFill>
+            <a:srgbClr val="4F6FFF">
+              <a:alpha val="80000"/>
+            </a:srgbClr>
+          </a:solidFill>
+          <a:ln>
+            <a:noFill/>
+          </a:ln>
+        </p:spPr>
+        <p:style>
+          <a:lnRef idx="2">
+            <a:schemeClr val="accent1">
+              <a:shade val="50000"/>
+            </a:schemeClr>
+          </a:lnRef>
+          <a:fillRef idx="1">
+            <a:schemeClr val="accent1"/>
+          </a:fillRef>
+          <a:effectRef idx="0">
+            <a:schemeClr val="accent1"/>
+          </a:effectRef>
+          <a:fontRef idx="minor">
+            <a:schemeClr val="lt1"/>
+          </a:fontRef>
+        </p:style>
+        <p:txBody>
+          <a:bodyPr rtlCol="0" anchor="ctr"/>
+          <a:lstStyle/>
+          <a:p>
+            <a:pPr algn="ctr"/>
+            <a:endParaRPr lang="en-US" dirty="0"/>
+          </a:p>
+        </p:txBody>
+      </p:sp>
+      <p:pic>
+        <p:nvPicPr>
+          <p:cNvPr id="9" name="Picture 2" descr="D:\Anodiam\Docs\ProjectExecution\BA\ImageResources\AnodiamFullLogo.bmp"/>
+          <p:cNvPicPr>
+            <a:picLocks noChangeAspect="1" noChangeArrowheads="1"/>
+          </p:cNvPicPr>
+          <p:nvPr/>
+        </p:nvPicPr>
+        <p:blipFill>
+          <a:blip r:embed="rId4">
+            <a:extLst>
+              <a:ext uri="{28A0092B-C50C-407E-A947-70E740481C1C}">
+                <a14:useLocalDpi xmlns:a14="http://schemas.microsoft.com/office/drawing/2010/main" val="0"/>
+              </a:ext>
+            </a:extLst>
+          </a:blip>
+          <a:srcRect/>
+          <a:stretch>
+            <a:fillRect/>
+          </a:stretch>
+        </p:blipFill>
+        <p:spPr bwMode="auto">
+          <a:xfrm>
+            <a:off x="179512" y="188640"/>
+            <a:ext cx="1728192" cy="555987"/>
+          </a:xfrm>
+          <a:prstGeom prst="rect">
+            <a:avLst/>
+          </a:prstGeom>
+          <a:noFill/>
+          <a:extLst>
+            <a:ext uri="{909E8E84-426E-40DD-AFC4-6F175D3DCCD1}">
+              <a14:hiddenFill xmlns:a14="http://schemas.microsoft.com/office/drawing/2010/main">
+                <a:solidFill>
+                  <a:srgbClr val="FFFFFF"/>
+                </a:solidFill>
+              </a14:hiddenFill>
+            </a:ext>
+          </a:extLst>
+        </p:spPr>
+      </p:pic>
+      <p:sp>
+        <p:nvSpPr>
+          <p:cNvPr id="11" name="Footer Placeholder 4"/>
+          <p:cNvSpPr>
+            <a:spLocks noGrp="1"/>
+          </p:cNvSpPr>
+          <p:nvPr>
+            <p:ph type="ftr" sz="quarter" idx="4294967295"/>
+          </p:nvPr>
+        </p:nvSpPr>
+        <p:spPr>
+          <a:xfrm>
+            <a:off x="3517514" y="6285122"/>
+            <a:ext cx="4724400" cy="274320"/>
+          </a:xfrm>
+          <a:prstGeom prst="rect">
+            <a:avLst/>
+          </a:prstGeom>
+        </p:spPr>
+        <p:txBody>
+          <a:bodyPr vert="horz" lIns="91440" tIns="45720" rIns="91440" bIns="45720" rtlCol="0" anchor="ctr"/>
+          <a:lstStyle>
+            <a:lvl1pPr algn="r">
+              <a:defRPr sz="1000" b="1" cap="all" spc="200" baseline="0">
+                <a:solidFill>
+                  <a:srgbClr val="FFFFFF"/>
+                </a:solidFill>
+              </a:defRPr>
+            </a:lvl1pPr>
+          </a:lstStyle>
+          <a:p>
+            <a:r>
+              <a:rPr lang="en-AU" dirty="0" smtClean="0"/>
+              <a:t>© Protected </a:t>
+            </a:r>
+            <a:r>
+              <a:rPr lang="en-AU" dirty="0" err="1" smtClean="0"/>
+              <a:t>Anodiam</a:t>
+            </a:r>
+            <a:r>
+              <a:rPr lang="en-AU" dirty="0" smtClean="0"/>
+              <a:t> 2020</a:t>
+            </a:r>
+            <a:endParaRPr lang="en-AU" dirty="0"/>
+          </a:p>
+        </p:txBody>
+      </p:sp>
+      <p:sp>
+        <p:nvSpPr>
+          <p:cNvPr id="12" name="Slide Number Placeholder 5"/>
+          <p:cNvSpPr>
+            <a:spLocks noGrp="1"/>
+          </p:cNvSpPr>
+          <p:nvPr>
+            <p:ph type="sldNum" sz="quarter" idx="4294967295"/>
+          </p:nvPr>
+        </p:nvSpPr>
+        <p:spPr>
+          <a:xfrm>
+            <a:off x="8401038" y="6170822"/>
+            <a:ext cx="502920" cy="502920"/>
+          </a:xfrm>
+          <a:prstGeom prst="ellipse">
+            <a:avLst/>
+          </a:prstGeom>
+          <a:ln w="19050">
+            <a:solidFill>
+              <a:srgbClr val="FFFFFF"/>
+            </a:solidFill>
+          </a:ln>
+        </p:spPr>
+        <p:txBody>
+          <a:bodyPr vert="horz" lIns="9144" tIns="9144" rIns="9144" bIns="9144" rtlCol="0" anchor="ctr">
+            <a:normAutofit/>
+          </a:bodyPr>
+          <a:lstStyle>
+            <a:lvl1pPr algn="ctr">
+              <a:defRPr sz="1650">
+                <a:solidFill>
+                  <a:srgbClr val="FFFFFF"/>
+                </a:solidFill>
+              </a:defRPr>
+            </a:lvl1pPr>
+          </a:lstStyle>
+          <a:p>
+            <a:fld id="{6C6DB775-3259-4DA2-8D46-167E4B8900DC}" type="slidenum">
+              <a:rPr lang="en-AU" smtClean="0"/>
+              <a:t>5</a:t>
+            </a:fld>
+            <a:endParaRPr lang="en-AU" dirty="0"/>
+          </a:p>
+        </p:txBody>
+      </p:sp>
+      <p:pic>
+        <p:nvPicPr>
+          <p:cNvPr id="1029" name="Picture 5"/>
+          <p:cNvPicPr>
+            <a:picLocks noChangeAspect="1" noChangeArrowheads="1"/>
+          </p:cNvPicPr>
+          <p:nvPr/>
+        </p:nvPicPr>
+        <p:blipFill>
+          <a:blip r:embed="rId5">
+            <a:duotone>
+              <a:schemeClr val="accent5">
+                <a:shade val="45000"/>
+                <a:satMod val="135000"/>
+              </a:schemeClr>
+              <a:prstClr val="white"/>
+            </a:duotone>
+            <a:extLst>
+              <a:ext uri="{BEBA8EAE-BF5A-486C-A8C5-ECC9F3942E4B}">
+                <a14:imgProps xmlns:a14="http://schemas.microsoft.com/office/drawing/2010/main">
+                  <a14:imgLayer r:embed="rId6">
+                    <a14:imgEffect>
+                      <a14:sharpenSoften amount="-50000"/>
+                    </a14:imgEffect>
+                    <a14:imgEffect>
+                      <a14:brightnessContrast contrast="-55000"/>
+                    </a14:imgEffect>
+                  </a14:imgLayer>
+                </a14:imgProps>
+              </a:ext>
+              <a:ext uri="{28A0092B-C50C-407E-A947-70E740481C1C}">
+                <a14:useLocalDpi xmlns:a14="http://schemas.microsoft.com/office/drawing/2010/main" val="0"/>
+              </a:ext>
+            </a:extLst>
+          </a:blip>
+          <a:srcRect/>
+          <a:stretch>
+            <a:fillRect/>
+          </a:stretch>
+        </p:blipFill>
+        <p:spPr bwMode="auto">
+          <a:xfrm>
+            <a:off x="5076056" y="260648"/>
+            <a:ext cx="4067944" cy="4087224"/>
+          </a:xfrm>
+          <a:prstGeom prst="rect">
+            <a:avLst/>
+          </a:prstGeom>
+          <a:noFill/>
+          <a:ln>
+            <a:noFill/>
+          </a:ln>
+          <a:extLst>
+            <a:ext uri="{909E8E84-426E-40DD-AFC4-6F175D3DCCD1}">
+              <a14:hiddenFill xmlns:a14="http://schemas.microsoft.com/office/drawing/2010/main">
+                <a:solidFill>
+                  <a:schemeClr val="accent1"/>
+                </a:solidFill>
+              </a14:hiddenFill>
+            </a:ext>
+            <a:ext uri="{91240B29-F687-4F45-9708-019B960494DF}">
+              <a14:hiddenLine xmlns:a14="http://schemas.microsoft.com/office/drawing/2010/main" w="9525">
+                <a:solidFill>
+                  <a:schemeClr val="tx1"/>
+                </a:solidFill>
+                <a:miter lim="800000"/>
+                <a:headEnd/>
+                <a:tailEnd/>
+              </a14:hiddenLine>
+            </a:ext>
+          </a:extLst>
+        </p:spPr>
+      </p:pic>
+      <p:sp>
+        <p:nvSpPr>
+          <p:cNvPr id="3" name="Rectangle 2"/>
+          <p:cNvSpPr/>
+          <p:nvPr/>
+        </p:nvSpPr>
+        <p:spPr>
+          <a:xfrm>
+            <a:off x="4788024" y="965627"/>
+            <a:ext cx="4644008" cy="2862322"/>
+          </a:xfrm>
+          <a:prstGeom prst="rect">
+            <a:avLst/>
+          </a:prstGeom>
+        </p:spPr>
+        <p:txBody>
+          <a:bodyPr wrap="square">
+            <a:spAutoFit/>
+          </a:bodyPr>
+          <a:lstStyle/>
+          <a:p>
+            <a:pPr marL="342900" indent="-342900">
+              <a:lnSpc>
+                <a:spcPct val="150000"/>
+              </a:lnSpc>
+              <a:buFont typeface="Wingdings" panose="05000000000000000000" pitchFamily="2" charset="2"/>
+              <a:buChar char="!"/>
+            </a:pPr>
+            <a:r>
+              <a:rPr lang="en-AU" sz="2400" b="1" dirty="0" smtClean="0">
+                <a:solidFill>
+                  <a:srgbClr val="2F2FAF"/>
+                </a:solidFill>
+              </a:rPr>
+              <a:t>Ongoing </a:t>
+            </a:r>
+            <a:r>
+              <a:rPr lang="en-AU" sz="2400" b="1" dirty="0">
+                <a:solidFill>
+                  <a:srgbClr val="2F2FAF"/>
+                </a:solidFill>
+              </a:rPr>
+              <a:t>income opportunity</a:t>
+            </a:r>
+          </a:p>
+          <a:p>
+            <a:pPr marL="342900" indent="-342900">
+              <a:lnSpc>
+                <a:spcPct val="150000"/>
+              </a:lnSpc>
+              <a:buFont typeface="Wingdings" panose="05000000000000000000" pitchFamily="2" charset="2"/>
+              <a:buChar char="!"/>
+            </a:pPr>
+            <a:r>
+              <a:rPr lang="en-AU" sz="2400" b="1" dirty="0" smtClean="0">
+                <a:solidFill>
+                  <a:srgbClr val="2F2FAF"/>
+                </a:solidFill>
+              </a:rPr>
+              <a:t>Money and time freedom</a:t>
+            </a:r>
+          </a:p>
+          <a:p>
+            <a:pPr marL="342900" indent="-342900">
+              <a:lnSpc>
+                <a:spcPct val="150000"/>
+              </a:lnSpc>
+              <a:buFont typeface="Wingdings" panose="05000000000000000000" pitchFamily="2" charset="2"/>
+              <a:buChar char="!"/>
+            </a:pPr>
+            <a:r>
+              <a:rPr lang="en-AU" sz="2400" b="1" dirty="0" smtClean="0">
+                <a:solidFill>
+                  <a:srgbClr val="2F2FAF"/>
+                </a:solidFill>
+              </a:rPr>
+              <a:t>No </a:t>
+            </a:r>
+            <a:r>
+              <a:rPr lang="en-AU" sz="2400" b="1" dirty="0">
+                <a:solidFill>
+                  <a:srgbClr val="2F2FAF"/>
+                </a:solidFill>
+              </a:rPr>
+              <a:t>repetitive work</a:t>
+            </a:r>
+          </a:p>
+          <a:p>
+            <a:pPr marL="342900" indent="-342900">
+              <a:lnSpc>
+                <a:spcPct val="150000"/>
+              </a:lnSpc>
+              <a:buFont typeface="Wingdings" panose="05000000000000000000" pitchFamily="2" charset="2"/>
+              <a:buChar char="!"/>
+            </a:pPr>
+            <a:r>
+              <a:rPr lang="en-AU" sz="2400" b="1" dirty="0">
+                <a:solidFill>
+                  <a:srgbClr val="2F2FAF"/>
+                </a:solidFill>
+              </a:rPr>
+              <a:t>One time upload </a:t>
+            </a:r>
+            <a:endParaRPr lang="en-AU" sz="2400" b="1" dirty="0" smtClean="0">
+              <a:solidFill>
+                <a:srgbClr val="2F2FAF"/>
+              </a:solidFill>
+            </a:endParaRPr>
+          </a:p>
+          <a:p>
+            <a:pPr marL="342900" indent="-342900">
+              <a:lnSpc>
+                <a:spcPct val="150000"/>
+              </a:lnSpc>
+              <a:buFont typeface="Wingdings" panose="05000000000000000000" pitchFamily="2" charset="2"/>
+              <a:buChar char="!"/>
+            </a:pPr>
+            <a:r>
+              <a:rPr lang="en-AU" sz="2400" b="1" dirty="0" smtClean="0">
+                <a:solidFill>
+                  <a:srgbClr val="2F2FAF"/>
+                </a:solidFill>
+              </a:rPr>
+              <a:t>Job </a:t>
+            </a:r>
+            <a:r>
+              <a:rPr lang="en-AU" sz="2400" b="1" dirty="0">
+                <a:solidFill>
+                  <a:srgbClr val="2F2FAF"/>
+                </a:solidFill>
+              </a:rPr>
+              <a:t>satisfaction</a:t>
+            </a:r>
+          </a:p>
+        </p:txBody>
+      </p:sp>
+      <p:pic>
+        <p:nvPicPr>
+          <p:cNvPr id="2053" name="Picture 5"/>
+          <p:cNvPicPr>
+            <a:picLocks noChangeAspect="1" noChangeArrowheads="1"/>
+          </p:cNvPicPr>
+          <p:nvPr/>
+        </p:nvPicPr>
+        <p:blipFill>
+          <a:blip r:embed="rId7">
+            <a:extLst>
+              <a:ext uri="{28A0092B-C50C-407E-A947-70E740481C1C}">
+                <a14:useLocalDpi xmlns:a14="http://schemas.microsoft.com/office/drawing/2010/main" val="0"/>
+              </a:ext>
+            </a:extLst>
+          </a:blip>
+          <a:srcRect/>
+          <a:stretch>
+            <a:fillRect/>
+          </a:stretch>
+        </p:blipFill>
+        <p:spPr bwMode="auto">
+          <a:xfrm>
+            <a:off x="414908" y="1196752"/>
+            <a:ext cx="4229100" cy="2295525"/>
+          </a:xfrm>
+          <a:prstGeom prst="rect">
+            <a:avLst/>
+          </a:prstGeom>
+          <a:noFill/>
+          <a:ln>
+            <a:noFill/>
+          </a:ln>
+          <a:extLst>
+            <a:ext uri="{909E8E84-426E-40DD-AFC4-6F175D3DCCD1}">
+              <a14:hiddenFill xmlns:a14="http://schemas.microsoft.com/office/drawing/2010/main">
+                <a:solidFill>
+                  <a:schemeClr val="accent1"/>
+                </a:solidFill>
+              </a14:hiddenFill>
+            </a:ext>
+            <a:ext uri="{91240B29-F687-4F45-9708-019B960494DF}">
+              <a14:hiddenLine xmlns:a14="http://schemas.microsoft.com/office/drawing/2010/main" w="9525">
+                <a:solidFill>
+                  <a:schemeClr val="tx1"/>
+                </a:solidFill>
+                <a:miter lim="800000"/>
+                <a:headEnd/>
+                <a:tailEnd/>
+              </a14:hiddenLine>
+            </a:ext>
+          </a:extLst>
+        </p:spPr>
+      </p:pic>
+      <p:sp>
+        <p:nvSpPr>
+          <p:cNvPr id="4" name="Rectangle 3"/>
+          <p:cNvSpPr/>
+          <p:nvPr/>
+        </p:nvSpPr>
+        <p:spPr>
+          <a:xfrm>
+            <a:off x="2664296" y="332656"/>
+            <a:ext cx="4572000" cy="677108"/>
+          </a:xfrm>
+          <a:prstGeom prst="rect">
+            <a:avLst/>
+          </a:prstGeom>
+        </p:spPr>
+        <p:txBody>
+          <a:bodyPr>
+            <a:spAutoFit/>
+          </a:bodyPr>
+          <a:lstStyle/>
+          <a:p>
+            <a:r>
+              <a:rPr lang="en-AU" sz="2000" b="1" u="sng" dirty="0">
+                <a:solidFill>
+                  <a:srgbClr val="0F0F7F"/>
+                </a:solidFill>
+                <a:effectLst>
+                  <a:outerShdw blurRad="38100" dist="38100" dir="2700000" algn="tl">
+                    <a:srgbClr val="000000">
+                      <a:alpha val="43137"/>
+                    </a:srgbClr>
+                  </a:outerShdw>
+                </a:effectLst>
+                <a:latin typeface="Arial" panose="020B0604020202020204" pitchFamily="34" charset="0"/>
+                <a:cs typeface="Arial" panose="020B0604020202020204" pitchFamily="34" charset="0"/>
+              </a:rPr>
+              <a:t>Benefits for the </a:t>
+            </a:r>
+            <a:r>
+              <a:rPr lang="en-AU" sz="2000" b="1" u="sng" dirty="0" smtClean="0">
+                <a:solidFill>
+                  <a:srgbClr val="0F0F7F"/>
+                </a:solidFill>
+                <a:effectLst>
+                  <a:outerShdw blurRad="38100" dist="38100" dir="2700000" algn="tl">
+                    <a:srgbClr val="000000">
+                      <a:alpha val="43137"/>
+                    </a:srgbClr>
+                  </a:outerShdw>
+                </a:effectLst>
+                <a:latin typeface="Arial" panose="020B0604020202020204" pitchFamily="34" charset="0"/>
+                <a:cs typeface="Arial" panose="020B0604020202020204" pitchFamily="34" charset="0"/>
+              </a:rPr>
+              <a:t>Teachers</a:t>
+            </a:r>
+            <a:r>
+              <a:rPr lang="en-AU" sz="2000" b="1" u="sng" dirty="0">
+                <a:solidFill>
+                  <a:srgbClr val="0F0F7F"/>
+                </a:solidFill>
+                <a:effectLst>
+                  <a:outerShdw blurRad="38100" dist="38100" dir="2700000" algn="tl">
+                    <a:srgbClr val="000000">
+                      <a:alpha val="43137"/>
+                    </a:srgbClr>
+                  </a:outerShdw>
+                </a:effectLst>
+              </a:rPr>
+              <a:t>:</a:t>
+            </a:r>
+          </a:p>
+          <a:p>
+            <a:endParaRPr lang="en-AU" b="1" u="sng" dirty="0">
+              <a:solidFill>
+                <a:srgbClr val="0F0F7F"/>
+              </a:solidFill>
+            </a:endParaRPr>
+          </a:p>
+        </p:txBody>
+      </p:sp>
+    </p:spTree>
+    <p:extLst>
+      <p:ext uri="{BB962C8B-B14F-4D97-AF65-F5344CB8AC3E}">
+        <p14:creationId xmlns:p14="http://schemas.microsoft.com/office/powerpoint/2010/main" val="1624750435"/>
       </p:ext>
     </p:extLst>
   </p:cSld>
